--- a/demos/MarksDrawrings.pptx
+++ b/demos/MarksDrawrings.pptx
@@ -9,7 +9,8 @@
     <p:sldId id="258" r:id="rId6"/>
     <p:sldId id="259" r:id="rId7"/>
     <p:sldId id="260" r:id="rId8"/>
-    <p:sldId id="261" r:id="rId9"/>
+    <p:sldId id="262" r:id="rId9"/>
+    <p:sldId id="261" r:id="rId10"/>
   </p:sldIdLst>
   <p:sldSz cx="12192000" cy="6858000"/>
   <p:notesSz cx="6858000" cy="9144000"/>
@@ -5256,6 +5257,174 @@
 </inkml:ink>
 </file>
 
+<file path=ppt/ink/ink264.xml><?xml version="1.0" encoding="utf-8"?>
+<inkml:ink xmlns:inkml="http://www.w3.org/2003/InkML">
+  <inkml:definitions>
+    <inkml:context xml:id="ctx0">
+      <inkml:inkSource xml:id="inkSrc0">
+        <inkml:traceFormat>
+          <inkml:channel name="X" type="integer" min="-2.14748E9" max="2.14748E9" units="cm"/>
+          <inkml:channel name="Y" type="integer" min="-2.14748E9" max="2.14748E9" units="cm"/>
+          <inkml:channel name="F" type="integer" max="32767" units="dev"/>
+        </inkml:traceFormat>
+        <inkml:channelProperties>
+          <inkml:channelProperty channel="X" name="resolution" value="1000" units="1/cm"/>
+          <inkml:channelProperty channel="Y" name="resolution" value="1000" units="1/cm"/>
+          <inkml:channelProperty channel="F" name="resolution" value="0" units="1/dev"/>
+        </inkml:channelProperties>
+      </inkml:inkSource>
+      <inkml:timestamp xml:id="ts0" timeString="2022-05-13T21:19:03.856"/>
+    </inkml:context>
+    <inkml:brush xml:id="br0">
+      <inkml:brushProperty name="width" value="0.05" units="cm"/>
+      <inkml:brushProperty name="height" value="0.05" units="cm"/>
+      <inkml:brushProperty name="color" value="#AB008B"/>
+    </inkml:brush>
+  </inkml:definitions>
+  <inkml:trace contextRef="#ctx0" brushRef="#br0">0 3031 24575,'0'0'0,"0"-1"0,1 0 0,-1 1 0,0-1 0,0 1 0,0-1 0,1 1 0,-1-1 0,0 0 0,0 1 0,1-1 0,-1 1 0,0-1 0,1 1 0,0-1 0,2-3 0,5-5 0,0-1 0,0 2 0,19-15 0,251-174-367,-244 175 156,526-342 95,-520 336 309,-1-2 0,64-67 0,-78 74-177,0 1 1,2 2-1,0 0 1,1 2-1,1 0 1,39-16-1,37-7-16,10-4 0,-64 21 0,84-27 0,-15 17 0,118-40 0,-219 67 0,21-9 0,59-32 0,76-37 0,-119 60 0,96-57 0,-97 43 0,-33 22 0,44-25 0,132-56 0,75-40 0,75-39 0,-193 102 0,54-11 0,-192 80 0,138-58 0,54-8 0,-35 12 0,-165 57 0,280-106 0,-186 63 0,-18 4 0,-31 14 0,25-10 0,86-29 0,-128 55 0,64-32 0,-14 0 0,23-12 0,152-76 0,-229 118 10,24-12-1385,-43 18-5451</inkml:trace>
+</inkml:ink>
+</file>
+
+<file path=ppt/ink/ink265.xml><?xml version="1.0" encoding="utf-8"?>
+<inkml:ink xmlns:inkml="http://www.w3.org/2003/InkML">
+  <inkml:definitions>
+    <inkml:context xml:id="ctx0">
+      <inkml:inkSource xml:id="inkSrc0">
+        <inkml:traceFormat>
+          <inkml:channel name="X" type="integer" min="-2.14748E9" max="2.14748E9" units="cm"/>
+          <inkml:channel name="Y" type="integer" min="-2.14748E9" max="2.14748E9" units="cm"/>
+          <inkml:channel name="F" type="integer" max="32767" units="dev"/>
+        </inkml:traceFormat>
+        <inkml:channelProperties>
+          <inkml:channelProperty channel="X" name="resolution" value="1000" units="1/cm"/>
+          <inkml:channelProperty channel="Y" name="resolution" value="1000" units="1/cm"/>
+          <inkml:channelProperty channel="F" name="resolution" value="0" units="1/dev"/>
+        </inkml:channelProperties>
+      </inkml:inkSource>
+      <inkml:timestamp xml:id="ts0" timeString="2022-05-13T21:19:05.478"/>
+    </inkml:context>
+    <inkml:brush xml:id="br0">
+      <inkml:brushProperty name="width" value="0.05" units="cm"/>
+      <inkml:brushProperty name="height" value="0.05" units="cm"/>
+      <inkml:brushProperty name="color" value="#AB008B"/>
+    </inkml:brush>
+  </inkml:definitions>
+  <inkml:trace contextRef="#ctx0" brushRef="#br0">1 1 24575,'29'0'0,"40"5"0,-56-3 0,0 1 0,-1 0 0,1 1 0,-1 0 0,19 9 0,-16-5 0,0-1 0,1-1 0,0-1 0,0 0 0,27 4 0,217 45 0,-231-48 0,-16-3 0,0 0 0,0 0 0,0 1 0,16 8 0,-11-3 0,23 16 0,-36-21 0,0 0 0,0 0 0,0 0 0,0 1 0,-1 0 0,1 0 0,-1 0 0,4 8 0,-7-10 0,0-1 0,0 1 0,0-1 0,-1 1 0,1-1 0,-1 1 0,1 0 0,-1-1 0,0 1 0,0 0 0,0-1 0,-1 1 0,1 0 0,-1-1 0,1 1 0,-1-1 0,-2 5 0,-2 4 0,0 0 0,-11 16 0,10-17 0,-38 59 0,-2-2 0,-64 69 0,73-91 0,-12 12 0,26-25-1365</inkml:trace>
+</inkml:ink>
+</file>
+
+<file path=ppt/ink/ink266.xml><?xml version="1.0" encoding="utf-8"?>
+<inkml:ink xmlns:inkml="http://www.w3.org/2003/InkML">
+  <inkml:definitions>
+    <inkml:context xml:id="ctx0">
+      <inkml:inkSource xml:id="inkSrc0">
+        <inkml:traceFormat>
+          <inkml:channel name="X" type="integer" min="-2.14748E9" max="2.14748E9" units="cm"/>
+          <inkml:channel name="Y" type="integer" min="-2.14748E9" max="2.14748E9" units="cm"/>
+          <inkml:channel name="F" type="integer" max="32767" units="dev"/>
+        </inkml:traceFormat>
+        <inkml:channelProperties>
+          <inkml:channelProperty channel="X" name="resolution" value="1000" units="1/cm"/>
+          <inkml:channelProperty channel="Y" name="resolution" value="1000" units="1/cm"/>
+          <inkml:channelProperty channel="F" name="resolution" value="0" units="1/dev"/>
+        </inkml:channelProperties>
+      </inkml:inkSource>
+      <inkml:timestamp xml:id="ts0" timeString="2022-05-13T21:19:11.145"/>
+    </inkml:context>
+    <inkml:brush xml:id="br0">
+      <inkml:brushProperty name="width" value="0.05" units="cm"/>
+      <inkml:brushProperty name="height" value="0.05" units="cm"/>
+      <inkml:brushProperty name="color" value="#AB008B"/>
+    </inkml:brush>
+  </inkml:definitions>
+  <inkml:trace contextRef="#ctx0" brushRef="#br0">0 0 24575,'2'1'0,"0"-1"0,0 1 0,0 0 0,-1-1 0,1 1 0,0 0 0,-1 0 0,1 0 0,2 2 0,1 0 0,0 0 0,80 48 0,-65-41 0,0-1 0,33 10 0,90 20-527,177 23 1,863 64-1391,-840-107 1595,44 4-63,579 28 1204,65-79-757,-483 17 2734,139 11-2796,-622 3 0,-1 3 0,77 17 0,-117-18 0,596 125-2168,-592-123-3855</inkml:trace>
+</inkml:ink>
+</file>
+
+<file path=ppt/ink/ink267.xml><?xml version="1.0" encoding="utf-8"?>
+<inkml:ink xmlns:inkml="http://www.w3.org/2003/InkML">
+  <inkml:definitions>
+    <inkml:context xml:id="ctx0">
+      <inkml:inkSource xml:id="inkSrc0">
+        <inkml:traceFormat>
+          <inkml:channel name="X" type="integer" min="-2.14748E9" max="2.14748E9" units="cm"/>
+          <inkml:channel name="Y" type="integer" min="-2.14748E9" max="2.14748E9" units="cm"/>
+          <inkml:channel name="F" type="integer" max="32767" units="dev"/>
+        </inkml:traceFormat>
+        <inkml:channelProperties>
+          <inkml:channelProperty channel="X" name="resolution" value="1000" units="1/cm"/>
+          <inkml:channelProperty channel="Y" name="resolution" value="1000" units="1/cm"/>
+          <inkml:channelProperty channel="F" name="resolution" value="0" units="1/dev"/>
+        </inkml:channelProperties>
+      </inkml:inkSource>
+      <inkml:timestamp xml:id="ts0" timeString="2022-05-13T21:19:12.493"/>
+    </inkml:context>
+    <inkml:brush xml:id="br0">
+      <inkml:brushProperty name="width" value="0.05" units="cm"/>
+      <inkml:brushProperty name="height" value="0.05" units="cm"/>
+      <inkml:brushProperty name="color" value="#AB008B"/>
+    </inkml:brush>
+  </inkml:definitions>
+  <inkml:trace contextRef="#ctx0" brushRef="#br0">1 1 24575,'1'2'0,"1"-1"0,-1 1 0,0 0 0,0 1 0,0-1 0,0 0 0,0 0 0,1 5 0,2 4 0,5 5 0,0 0 0,17 21 0,-2-2 0,18 25 0,66 73 0,-66-88 0,60 48 0,-54-50 0,-3 1 0,65 85 0,-50-56 0,19 22 0,-78-95 0,-1 1 0,1-1 0,-1 1 0,1-1 0,-1 1 0,1 0 0,-1-1 0,1 1 0,-1 0 0,0 0 0,1-1 0,-1 1 0,0 0 0,0 0 0,0-1 0,0 1 0,0 0 0,1 0 0,-1-1 0,0 1 0,-1 0 0,1 0 0,0 0 0,0-1 0,0 1 0,0 0 0,-1 0 0,1-1 0,0 1 0,-1 0 0,1 0 0,0-1 0,-1 1 0,1-1 0,-1 1 0,1 0 0,-1-1 0,1 1 0,-1-1 0,0 1 0,1-1 0,-2 1 0,-4 3 0,0 0 0,0-1 0,-1 0 0,-7 3 0,3-2 0,5-1 0,-135 65 0,135-65-227,1 0-1,-1 1 1,1 0-1,0 0 1,-7 7-1,3 1-6598</inkml:trace>
+</inkml:ink>
+</file>
+
+<file path=ppt/ink/ink268.xml><?xml version="1.0" encoding="utf-8"?>
+<inkml:ink xmlns:inkml="http://www.w3.org/2003/InkML">
+  <inkml:definitions>
+    <inkml:context xml:id="ctx0">
+      <inkml:inkSource xml:id="inkSrc0">
+        <inkml:traceFormat>
+          <inkml:channel name="X" type="integer" min="-2.14748E9" max="2.14748E9" units="cm"/>
+          <inkml:channel name="Y" type="integer" min="-2.14748E9" max="2.14748E9" units="cm"/>
+          <inkml:channel name="F" type="integer" max="32767" units="dev"/>
+        </inkml:traceFormat>
+        <inkml:channelProperties>
+          <inkml:channelProperty channel="X" name="resolution" value="1000" units="1/cm"/>
+          <inkml:channelProperty channel="Y" name="resolution" value="1000" units="1/cm"/>
+          <inkml:channelProperty channel="F" name="resolution" value="0" units="1/dev"/>
+        </inkml:channelProperties>
+      </inkml:inkSource>
+      <inkml:timestamp xml:id="ts0" timeString="2022-05-13T21:19:15.355"/>
+    </inkml:context>
+    <inkml:brush xml:id="br0">
+      <inkml:brushProperty name="width" value="0.05" units="cm"/>
+      <inkml:brushProperty name="height" value="0.05" units="cm"/>
+      <inkml:brushProperty name="color" value="#AB008B"/>
+    </inkml:brush>
+  </inkml:definitions>
+  <inkml:trace contextRef="#ctx0" brushRef="#br0">0 1 24575,'0'0'-8191</inkml:trace>
+</inkml:ink>
+</file>
+
+<file path=ppt/ink/ink269.xml><?xml version="1.0" encoding="utf-8"?>
+<inkml:ink xmlns:inkml="http://www.w3.org/2003/InkML">
+  <inkml:definitions>
+    <inkml:context xml:id="ctx0">
+      <inkml:inkSource xml:id="inkSrc0">
+        <inkml:traceFormat>
+          <inkml:channel name="X" type="integer" min="-2.14748E9" max="2.14748E9" units="cm"/>
+          <inkml:channel name="Y" type="integer" min="-2.14748E9" max="2.14748E9" units="cm"/>
+          <inkml:channel name="F" type="integer" max="32767" units="dev"/>
+        </inkml:traceFormat>
+        <inkml:channelProperties>
+          <inkml:channelProperty channel="X" name="resolution" value="1000" units="1/cm"/>
+          <inkml:channelProperty channel="Y" name="resolution" value="1000" units="1/cm"/>
+          <inkml:channelProperty channel="F" name="resolution" value="0" units="1/dev"/>
+        </inkml:channelProperties>
+      </inkml:inkSource>
+      <inkml:timestamp xml:id="ts0" timeString="2022-05-13T21:19:16.342"/>
+    </inkml:context>
+    <inkml:brush xml:id="br0">
+      <inkml:brushProperty name="width" value="0.05" units="cm"/>
+      <inkml:brushProperty name="height" value="0.05" units="cm"/>
+      <inkml:brushProperty name="color" value="#AB008B"/>
+    </inkml:brush>
+  </inkml:definitions>
+  <inkml:trace contextRef="#ctx0" brushRef="#br0">1084 1 24575,'-25'9'0,"0"1"0,-31 18 0,-205 138 0,212-133 0,-29 22 0,-57 36 0,-39 5 0,-57 32 0,224-124-273,1 0 0,-1 0 0,1 1 0,-7 6 0,3 2-6553</inkml:trace>
+</inkml:ink>
+</file>
+
 <file path=ppt/ink/ink27.xml><?xml version="1.0" encoding="utf-8"?>
 <inkml:ink xmlns:inkml="http://www.w3.org/2003/InkML">
   <inkml:definitions>
@@ -5284,6 +5453,286 @@
 </inkml:ink>
 </file>
 
+<file path=ppt/ink/ink270.xml><?xml version="1.0" encoding="utf-8"?>
+<inkml:ink xmlns:inkml="http://www.w3.org/2003/InkML">
+  <inkml:definitions>
+    <inkml:context xml:id="ctx0">
+      <inkml:inkSource xml:id="inkSrc0">
+        <inkml:traceFormat>
+          <inkml:channel name="X" type="integer" min="-2.14748E9" max="2.14748E9" units="cm"/>
+          <inkml:channel name="Y" type="integer" min="-2.14748E9" max="2.14748E9" units="cm"/>
+          <inkml:channel name="F" type="integer" max="32767" units="dev"/>
+        </inkml:traceFormat>
+        <inkml:channelProperties>
+          <inkml:channelProperty channel="X" name="resolution" value="1000" units="1/cm"/>
+          <inkml:channelProperty channel="Y" name="resolution" value="1000" units="1/cm"/>
+          <inkml:channelProperty channel="F" name="resolution" value="0" units="1/dev"/>
+        </inkml:channelProperties>
+      </inkml:inkSource>
+      <inkml:timestamp xml:id="ts0" timeString="2022-05-13T21:19:48.187"/>
+    </inkml:context>
+    <inkml:brush xml:id="br0">
+      <inkml:brushProperty name="width" value="0.05" units="cm"/>
+      <inkml:brushProperty name="height" value="0.05" units="cm"/>
+      <inkml:brushProperty name="color" value="#AB008B"/>
+    </inkml:brush>
+  </inkml:definitions>
+  <inkml:trace contextRef="#ctx0" brushRef="#br0">1 0 24575,'1'1'0,"1"-1"0,0 1 0,0 0 0,-1-1 0,1 1 0,0 0 0,-1 0 0,1 1 0,-1-1 0,1 0 0,-1 0 0,0 1 0,3 2 0,3 4 0,39 27 0,93 53 0,-60-40 0,43 29-37,307 187-472,197 85-3120,81 49 462,138 91 3086,26-47 97,-104-132 36,19-68-311,-611-199-570,-41-10 621,-112-28 208,112 29 0,-132-34-54,10 4 703,0-1 0,0 2 0,0 0 0,19 11-1,50 27 3250,44 15-2274,7 3-1685,-101-45-621,52 35-1,-66-38-6143</inkml:trace>
+</inkml:ink>
+</file>
+
+<file path=ppt/ink/ink271.xml><?xml version="1.0" encoding="utf-8"?>
+<inkml:ink xmlns:inkml="http://www.w3.org/2003/InkML">
+  <inkml:definitions>
+    <inkml:context xml:id="ctx0">
+      <inkml:inkSource xml:id="inkSrc0">
+        <inkml:traceFormat>
+          <inkml:channel name="X" type="integer" min="-2.14748E9" max="2.14748E9" units="cm"/>
+          <inkml:channel name="Y" type="integer" min="-2.14748E9" max="2.14748E9" units="cm"/>
+          <inkml:channel name="F" type="integer" max="32767" units="dev"/>
+        </inkml:traceFormat>
+        <inkml:channelProperties>
+          <inkml:channelProperty channel="X" name="resolution" value="1000" units="1/cm"/>
+          <inkml:channelProperty channel="Y" name="resolution" value="1000" units="1/cm"/>
+          <inkml:channelProperty channel="F" name="resolution" value="0" units="1/dev"/>
+        </inkml:channelProperties>
+      </inkml:inkSource>
+      <inkml:timestamp xml:id="ts0" timeString="2022-05-13T21:19:49.694"/>
+    </inkml:context>
+    <inkml:brush xml:id="br0">
+      <inkml:brushProperty name="width" value="0.05" units="cm"/>
+      <inkml:brushProperty name="height" value="0.05" units="cm"/>
+      <inkml:brushProperty name="color" value="#AB008B"/>
+    </inkml:brush>
+  </inkml:definitions>
+  <inkml:trace contextRef="#ctx0" brushRef="#br0">590 0 24575,'0'0'0,"-1"0"0,1 0 0,-1 1 0,1-1 0,0 0 0,-1 0 0,1 0 0,0 0 0,-1 1 0,1-1 0,0 0 0,-1 0 0,1 1 0,0-1 0,0 0 0,-1 0 0,1 1 0,0-1 0,0 0 0,-1 1 0,1-1 0,0 0 0,0 1 0,0-1 0,0 1 0,0-1 0,-1 1 0,-1 13 0,2-12 0,-3 24 0,2-1 0,1 1 0,1 0 0,1-1 0,1 1 0,1-1 0,12 40 0,-16-65 0,71 245 0,-18 5 0,-11 159 0,-36-332 0,7 28 0,-8-72 0,-5-31 0,1 1 0,-1-1 0,0 1 0,0 0 0,0-1 0,0 1 0,0-1 0,-1 5 0,0-6 0,1 0 0,-1 0 0,1 0 0,-1-1 0,1 1 0,-1 0 0,0 0 0,0-1 0,1 1 0,-1 0 0,0-1 0,0 1 0,0 0 0,1-1 0,-1 1 0,0-1 0,0 0 0,0 1 0,0-1 0,0 0 0,0 1 0,0-1 0,0 0 0,-2 0 0,-67 7 0,7-2 0,-269 39 0,241-36-682,-97-4-1,163-4-6143</inkml:trace>
+</inkml:ink>
+</file>
+
+<file path=ppt/ink/ink272.xml><?xml version="1.0" encoding="utf-8"?>
+<inkml:ink xmlns:inkml="http://www.w3.org/2003/InkML">
+  <inkml:definitions>
+    <inkml:context xml:id="ctx0">
+      <inkml:inkSource xml:id="inkSrc0">
+        <inkml:traceFormat>
+          <inkml:channel name="X" type="integer" min="-2.14748E9" max="2.14748E9" units="cm"/>
+          <inkml:channel name="Y" type="integer" min="-2.14748E9" max="2.14748E9" units="cm"/>
+          <inkml:channel name="F" type="integer" max="32767" units="dev"/>
+        </inkml:traceFormat>
+        <inkml:channelProperties>
+          <inkml:channelProperty channel="X" name="resolution" value="1000" units="1/cm"/>
+          <inkml:channelProperty channel="Y" name="resolution" value="1000" units="1/cm"/>
+          <inkml:channelProperty channel="F" name="resolution" value="0" units="1/dev"/>
+        </inkml:channelProperties>
+      </inkml:inkSource>
+      <inkml:timestamp xml:id="ts0" timeString="2022-05-13T21:19:51.673"/>
+    </inkml:context>
+    <inkml:brush xml:id="br0">
+      <inkml:brushProperty name="width" value="0.05" units="cm"/>
+      <inkml:brushProperty name="height" value="0.05" units="cm"/>
+      <inkml:brushProperty name="color" value="#AB008B"/>
+    </inkml:brush>
+  </inkml:definitions>
+  <inkml:trace contextRef="#ctx0" brushRef="#br0">127 0 24575,'0'369'0,"-2"-335"0,-7 42 0,1-6 0,5-34 0,-11 101 0,-4 134 0,10-86 0,-4-103 0,1-1 0,-2 16 0,6-55 0,-1 48 0,8-49 0,-4 62 0,-5 261 0,10-243 0,-1 309 0,0-426-151,0 1-1,0-1 0,1 1 0,0-1 1,0 1-1,0-1 0,0 1 1,4 7-1,0-3-6674</inkml:trace>
+</inkml:ink>
+</file>
+
+<file path=ppt/ink/ink273.xml><?xml version="1.0" encoding="utf-8"?>
+<inkml:ink xmlns:inkml="http://www.w3.org/2003/InkML">
+  <inkml:definitions>
+    <inkml:context xml:id="ctx0">
+      <inkml:inkSource xml:id="inkSrc0">
+        <inkml:traceFormat>
+          <inkml:channel name="X" type="integer" min="-2.14748E9" max="2.14748E9" units="cm"/>
+          <inkml:channel name="Y" type="integer" min="-2.14748E9" max="2.14748E9" units="cm"/>
+          <inkml:channel name="F" type="integer" max="32767" units="dev"/>
+        </inkml:traceFormat>
+        <inkml:channelProperties>
+          <inkml:channelProperty channel="X" name="resolution" value="1000" units="1/cm"/>
+          <inkml:channelProperty channel="Y" name="resolution" value="1000" units="1/cm"/>
+          <inkml:channelProperty channel="F" name="resolution" value="0" units="1/dev"/>
+        </inkml:channelProperties>
+      </inkml:inkSource>
+      <inkml:timestamp xml:id="ts0" timeString="2022-05-13T21:19:53.269"/>
+    </inkml:context>
+    <inkml:brush xml:id="br0">
+      <inkml:brushProperty name="width" value="0.05" units="cm"/>
+      <inkml:brushProperty name="height" value="0.05" units="cm"/>
+      <inkml:brushProperty name="color" value="#AB008B"/>
+    </inkml:brush>
+  </inkml:definitions>
+  <inkml:trace contextRef="#ctx0" brushRef="#br0">1 0 24575,'2'4'0,"1"-1"0,-1 0 0,1 0 0,0 0 0,1 0 0,-1 0 0,0 0 0,1-1 0,6 4 0,4 3 0,7 6 0,0 2 0,0 1 0,-2 0 0,0 1 0,-1 1 0,19 29 0,-22-26 0,2-1 0,0 0 0,31 30 0,-46-50 0,10 9 0,0 0 0,0-1 0,1 0 0,1-1 0,20 11 0,-21-15 0,-1 0 0,0 2 0,-1-1 0,1 1 0,-1 1 0,18 16 0,9 17 0,-24-25 0,0-1 0,1 0 0,25 19 0,-39-34 0,-1 1 0,1-1 0,-1 0 0,0 1 0,1-1 0,0 0 0,-1 1 0,1-1 0,-1 0 0,1 0 0,-1 1 0,1-1 0,0 0 0,-1 0 0,1 0 0,-1 0 0,1 0 0,0 0 0,-1 0 0,1 0 0,-1 0 0,1 0 0,0 0 0,-1 0 0,1 0 0,-1-1 0,1 1 0,0 0 0,-1 0 0,1-1 0,-1 1 0,1 0 0,-1-1 0,1 1 0,-1-1 0,1 1 0,-1-1 0,0 1 0,1-1 0,1-2 0,0-1 0,-1 1 0,1-1 0,-1 1 0,1-7 0,3-3 0,0-1 0,2 1 0,0 1 0,1-1 0,0 2 0,0-1 0,1 1 0,1 0 0,0 0 0,1 1 0,0 1 0,17-12 0,11-4 0,2 2 0,51-21 0,-66 32 0,-11 5 0,-1 0 0,-1-1 0,1-1 0,-1 0 0,23-22 0,-34 29-227,1-1-1,1 1 1,-1 0-1,0-1 1,4-1-1,4 0-6598</inkml:trace>
+</inkml:ink>
+</file>
+
+<file path=ppt/ink/ink274.xml><?xml version="1.0" encoding="utf-8"?>
+<inkml:ink xmlns:inkml="http://www.w3.org/2003/InkML">
+  <inkml:definitions>
+    <inkml:context xml:id="ctx0">
+      <inkml:inkSource xml:id="inkSrc0">
+        <inkml:traceFormat>
+          <inkml:channel name="X" type="integer" min="-2.14748E9" max="2.14748E9" units="cm"/>
+          <inkml:channel name="Y" type="integer" min="-2.14748E9" max="2.14748E9" units="cm"/>
+          <inkml:channel name="F" type="integer" max="32767" units="dev"/>
+        </inkml:traceFormat>
+        <inkml:channelProperties>
+          <inkml:channelProperty channel="X" name="resolution" value="1000" units="1/cm"/>
+          <inkml:channelProperty channel="Y" name="resolution" value="1000" units="1/cm"/>
+          <inkml:channelProperty channel="F" name="resolution" value="0" units="1/dev"/>
+        </inkml:channelProperties>
+      </inkml:inkSource>
+      <inkml:timestamp xml:id="ts0" timeString="2022-05-13T21:19:56.673"/>
+    </inkml:context>
+    <inkml:brush xml:id="br0">
+      <inkml:brushProperty name="width" value="0.05" units="cm"/>
+      <inkml:brushProperty name="height" value="0.05" units="cm"/>
+      <inkml:brushProperty name="color" value="#AB008B"/>
+    </inkml:brush>
+  </inkml:definitions>
+  <inkml:trace contextRef="#ctx0" brushRef="#br0">15 0 24575,'6'126'0,"1"-10"0,-15 136 0,2 115 0,7-240 0,5-32 0,0-13 0,-4-38 0,-3 1 0,-9 64 0,1-49 0,1 67 0,8 63 0,1-80 0,-1-93 0,2 0 0,6 30 0,12 34 0,-17-71 0,1 3 0,10 20 0,-9-22 0,0 0 0,4 18 0,8 32 0,-10-39 0,-1-1 0,-1 2 0,3 43 0,-8 22-1365,0-71-5461</inkml:trace>
+</inkml:ink>
+</file>
+
+<file path=ppt/ink/ink275.xml><?xml version="1.0" encoding="utf-8"?>
+<inkml:ink xmlns:inkml="http://www.w3.org/2003/InkML">
+  <inkml:definitions>
+    <inkml:context xml:id="ctx0">
+      <inkml:inkSource xml:id="inkSrc0">
+        <inkml:traceFormat>
+          <inkml:channel name="X" type="integer" min="-2.14748E9" max="2.14748E9" units="cm"/>
+          <inkml:channel name="Y" type="integer" min="-2.14748E9" max="2.14748E9" units="cm"/>
+          <inkml:channel name="F" type="integer" max="32767" units="dev"/>
+        </inkml:traceFormat>
+        <inkml:channelProperties>
+          <inkml:channelProperty channel="X" name="resolution" value="1000" units="1/cm"/>
+          <inkml:channelProperty channel="Y" name="resolution" value="1000" units="1/cm"/>
+          <inkml:channelProperty channel="F" name="resolution" value="0" units="1/dev"/>
+        </inkml:channelProperties>
+      </inkml:inkSource>
+      <inkml:timestamp xml:id="ts0" timeString="2022-05-13T21:19:58.339"/>
+    </inkml:context>
+    <inkml:brush xml:id="br0">
+      <inkml:brushProperty name="width" value="0.05" units="cm"/>
+      <inkml:brushProperty name="height" value="0.05" units="cm"/>
+      <inkml:brushProperty name="color" value="#AB008B"/>
+    </inkml:brush>
+  </inkml:definitions>
+  <inkml:trace contextRef="#ctx0" brushRef="#br0">0 0 24575,'0'1'0,"1"0"0,-1 1 0,1-1 0,-1 0 0,1 0 0,-1 0 0,1 0 0,0 0 0,1 1 0,1 3 0,4 4 0,0 1 0,0-2 0,1 1 0,13 10 0,4 5 0,-10-7 0,2 1 0,1-1 0,27 22 0,-28-25 0,23 22 0,-26-22 0,0-1 0,25 18 0,49 35 0,2 1 0,-77-58 0,0-2 0,0 0 0,1-1 0,-1 0 0,22 6 0,159 35 0,-178-42 0,-11-2 0,0-1 0,0-1 0,10 3 0,-15-4 0,1 0 0,0 0 0,0 0 0,0 0 0,-1 0 0,1 0 0,0 0 0,0 0 0,0 0 0,-1 0 0,1 0 0,0-1 0,0 1 0,-1 0 0,1-1 0,0 1 0,0 0 0,-1-1 0,1 1 0,0-1 0,-1 1 0,1-1 0,0 1 0,-1-1 0,1 1 0,-1-1 0,1 0 0,-1 1 0,0-1 0,1-1 0,2-5 0,-2-1 0,1 0 0,-1 0 0,0 0 0,0 0 0,-1 0 0,-1-14 0,1-15 0,0 26 0,1 0 0,0 0 0,1 0 0,0 0 0,1 0 0,0 0 0,0 1 0,1 0 0,1 0 0,7-14 0,0 6 0,-5 6 0,0 0 0,1 0 0,1 1 0,0 0 0,0 1 0,18-16 0,-12 15-341,-1-1 0,-1-1-1,22-26 1,-27 29-6485</inkml:trace>
+</inkml:ink>
+</file>
+
+<file path=ppt/ink/ink276.xml><?xml version="1.0" encoding="utf-8"?>
+<inkml:ink xmlns:inkml="http://www.w3.org/2003/InkML">
+  <inkml:definitions>
+    <inkml:context xml:id="ctx0">
+      <inkml:inkSource xml:id="inkSrc0">
+        <inkml:traceFormat>
+          <inkml:channel name="X" type="integer" min="-2.14748E9" max="2.14748E9" units="cm"/>
+          <inkml:channel name="Y" type="integer" min="-2.14748E9" max="2.14748E9" units="cm"/>
+          <inkml:channel name="F" type="integer" max="32767" units="dev"/>
+        </inkml:traceFormat>
+        <inkml:channelProperties>
+          <inkml:channelProperty channel="X" name="resolution" value="1000" units="1/cm"/>
+          <inkml:channelProperty channel="Y" name="resolution" value="1000" units="1/cm"/>
+          <inkml:channelProperty channel="F" name="resolution" value="0" units="1/dev"/>
+        </inkml:channelProperties>
+      </inkml:inkSource>
+      <inkml:timestamp xml:id="ts0" timeString="2022-05-13T21:20:20.813"/>
+    </inkml:context>
+    <inkml:brush xml:id="br0">
+      <inkml:brushProperty name="width" value="0.05" units="cm"/>
+      <inkml:brushProperty name="height" value="0.05" units="cm"/>
+      <inkml:brushProperty name="color" value="#AB008B"/>
+    </inkml:brush>
+  </inkml:definitions>
+  <inkml:trace contextRef="#ctx0" brushRef="#br0">0 1 24575,'0'0'-8191</inkml:trace>
+</inkml:ink>
+</file>
+
+<file path=ppt/ink/ink277.xml><?xml version="1.0" encoding="utf-8"?>
+<inkml:ink xmlns:inkml="http://www.w3.org/2003/InkML">
+  <inkml:definitions>
+    <inkml:context xml:id="ctx0">
+      <inkml:inkSource xml:id="inkSrc0">
+        <inkml:traceFormat>
+          <inkml:channel name="X" type="integer" min="-2.14748E9" max="2.14748E9" units="cm"/>
+          <inkml:channel name="Y" type="integer" min="-2.14748E9" max="2.14748E9" units="cm"/>
+          <inkml:channel name="F" type="integer" max="32767" units="dev"/>
+        </inkml:traceFormat>
+        <inkml:channelProperties>
+          <inkml:channelProperty channel="X" name="resolution" value="1000" units="1/cm"/>
+          <inkml:channelProperty channel="Y" name="resolution" value="1000" units="1/cm"/>
+          <inkml:channelProperty channel="F" name="resolution" value="0" units="1/dev"/>
+        </inkml:channelProperties>
+      </inkml:inkSource>
+      <inkml:timestamp xml:id="ts0" timeString="2022-05-13T21:20:25.528"/>
+    </inkml:context>
+    <inkml:brush xml:id="br0">
+      <inkml:brushProperty name="width" value="0.05" units="cm"/>
+      <inkml:brushProperty name="height" value="0.05" units="cm"/>
+      <inkml:brushProperty name="color" value="#66CC00"/>
+    </inkml:brush>
+  </inkml:definitions>
+  <inkml:trace contextRef="#ctx0" brushRef="#br0">174 352 24575,'-1'1'0,"0"-1"0,0 1 0,1-1 0,-1 1 0,0 0 0,0-1 0,0 1 0,1 0 0,-1 0 0,0 0 0,1-1 0,-1 1 0,1 0 0,-1 0 0,1 0 0,-1 0 0,1 0 0,0 0 0,-1 1 0,0 2 0,-50 112 0,46-104 0,1 1 0,0 0 0,1 0 0,0 0 0,0 13 0,1 67 0,3-80 0,-1 146 0,0-154 0,1 1 0,-1-1 0,1 0 0,1 0 0,-1 0 0,1 0 0,-1 0 0,1-1 0,1 1 0,-1 0 0,1-1 0,0 1 0,0-1 0,7 8 0,3 1 0,2 1 0,26 18 0,-24-19 0,192 131 0,-198-137 0,3 1 0,0 0 0,0-1 0,18 7 0,-28-13 0,1 0 0,0 1 0,0-1 0,0-1 0,0 1 0,0-1 0,1 0 0,-1 0 0,0 0 0,0-1 0,0 0 0,0 0 0,0 0 0,6-3 0,1-1 0,-1-1 0,-1 0 0,1 0 0,-1-1 0,0-1 0,-1 0 0,1 0 0,-2-1 0,1 0 0,7-11 0,-5 5 0,-1 0 0,0-1 0,-1 0 0,-1-1 0,0 0 0,5-21 0,-6 17 0,-2 0 0,-1-1 0,-1 1 0,-1-1 0,0 0 0,-2 0 0,0 0 0,-2 0 0,0 0 0,-11-39 0,-36-108 0,31 120 0,-32-63 0,39 93 0,-1 0 0,0 1 0,-2 0 0,0 1 0,-1 0 0,0 2 0,-2-1 0,-22-15 0,0 3 0,-2 3 0,-74-36 0,85 47 0,-1 2 0,-37-11 0,50 18 0,0 2 0,0 0 0,-1 0 0,1 2 0,-28 1 0,14 2-1365,19-1-5461</inkml:trace>
+</inkml:ink>
+</file>
+
+<file path=ppt/ink/ink278.xml><?xml version="1.0" encoding="utf-8"?>
+<inkml:ink xmlns:inkml="http://www.w3.org/2003/InkML">
+  <inkml:definitions>
+    <inkml:context xml:id="ctx0">
+      <inkml:inkSource xml:id="inkSrc0">
+        <inkml:traceFormat>
+          <inkml:channel name="X" type="integer" min="-2.14748E9" max="2.14748E9" units="cm"/>
+          <inkml:channel name="Y" type="integer" min="-2.14748E9" max="2.14748E9" units="cm"/>
+          <inkml:channel name="F" type="integer" max="32767" units="dev"/>
+        </inkml:traceFormat>
+        <inkml:channelProperties>
+          <inkml:channelProperty channel="X" name="resolution" value="1000" units="1/cm"/>
+          <inkml:channelProperty channel="Y" name="resolution" value="1000" units="1/cm"/>
+          <inkml:channelProperty channel="F" name="resolution" value="0" units="1/dev"/>
+        </inkml:channelProperties>
+      </inkml:inkSource>
+      <inkml:timestamp xml:id="ts0" timeString="2022-05-13T21:20:26.796"/>
+    </inkml:context>
+    <inkml:brush xml:id="br0">
+      <inkml:brushProperty name="width" value="0.05" units="cm"/>
+      <inkml:brushProperty name="height" value="0.05" units="cm"/>
+      <inkml:brushProperty name="color" value="#66CC00"/>
+    </inkml:brush>
+  </inkml:definitions>
+  <inkml:trace contextRef="#ctx0" brushRef="#br0">321 1464 24575,'-1'-12'0,"-1"-1"0,0 1 0,-1-1 0,0 1 0,-10-24 0,0-3 0,-4-24 0,2-1 0,-13-131 0,8-7 0,2 34 0,17 159 0,1 2 0,-1-1 0,0 1 0,0 0 0,0-1 0,-1 1 0,-4-10 0,0 2 0,1 1 0,1-2 0,-5-29 0,6 26 0,-8-21 0,8 28 0,-5-24 0,2 8 0,0-1 0,-17-45 0,6 24 0,-15-29 103,22 57-837,-14-44 0,19 46-6092</inkml:trace>
+</inkml:ink>
+</file>
+
+<file path=ppt/ink/ink279.xml><?xml version="1.0" encoding="utf-8"?>
+<inkml:ink xmlns:inkml="http://www.w3.org/2003/InkML">
+  <inkml:definitions>
+    <inkml:context xml:id="ctx0">
+      <inkml:inkSource xml:id="inkSrc0">
+        <inkml:traceFormat>
+          <inkml:channel name="X" type="integer" min="-2.14748E9" max="2.14748E9" units="cm"/>
+          <inkml:channel name="Y" type="integer" min="-2.14748E9" max="2.14748E9" units="cm"/>
+          <inkml:channel name="F" type="integer" max="32767" units="dev"/>
+        </inkml:traceFormat>
+        <inkml:channelProperties>
+          <inkml:channelProperty channel="X" name="resolution" value="1000" units="1/cm"/>
+          <inkml:channelProperty channel="Y" name="resolution" value="1000" units="1/cm"/>
+          <inkml:channelProperty channel="F" name="resolution" value="0" units="1/dev"/>
+        </inkml:channelProperties>
+      </inkml:inkSource>
+      <inkml:timestamp xml:id="ts0" timeString="2022-05-13T21:20:30.067"/>
+    </inkml:context>
+    <inkml:brush xml:id="br0">
+      <inkml:brushProperty name="width" value="0.05" units="cm"/>
+      <inkml:brushProperty name="height" value="0.05" units="cm"/>
+      <inkml:brushProperty name="color" value="#66CC00"/>
+    </inkml:brush>
+  </inkml:definitions>
+  <inkml:trace contextRef="#ctx0" brushRef="#br0">3390 961 24575,'47'-2'0,"77"-11"0,45-21 0,-111 22 0,-34 7 0,-1-2 0,29-12 0,-44 15 0,0 0 0,-1 0 0,10-8 0,4-3 0,-10 8 0,0-1 0,0 0 0,-1 0 0,0-1 0,-1 0 0,15-18 0,-19 19 0,0 0 0,0 0 0,-1 0 0,0 0 0,-1-1 0,1 1 0,-2-1 0,1 0 0,-1 0 0,1-15 0,-1-1 0,-2 0 0,0 0 0,-2 0 0,0 1 0,-2-1 0,-1 1 0,-1 0 0,-1 0 0,-16-37 0,14 44 0,-1 0 0,0 1 0,-1 0 0,-1 1 0,0 0 0,-2 1 0,-28-25 0,35 33 0,-1 1 0,-1 0 0,1 0 0,-1 1 0,0 0 0,-10-3 0,-58-14 0,64 18 0,-396-55 0,185 47 0,-2 12 0,70 1 0,-315-2 0,436-1 0,-54-8 0,-34-15 0,76 16 0,-79-2 0,62 6 0,-14 0 0,-73-9 0,-44-2 0,-1 15 0,78 1 0,3-2 0,-123 2 0,192 2 0,0 2 0,0 1 0,-81 24 0,3-2 0,13-2 0,68-16 0,-24 7 0,61-15 0,-1 1 0,1-1 0,0 2 0,0-1 0,0 0 0,1 1 0,-10 8 0,13-9 0,0-1 0,0 0 0,1 1 0,-1-1 0,1 1 0,0-1 0,-1 1 0,1 0 0,0 0 0,1-1 0,-1 1 0,0 6 0,0 3 0,0 22 0,1-23 0,0 23 0,5 36 0,-3-58 0,0-1 0,0 0 0,1 0 0,0 0 0,1 0 0,1 0 0,5 10 0,87 136 0,-80-133 0,2 0 0,0-1 0,2-1 0,1-1 0,0-1 0,48 33 0,-45-38 0,1 0 0,1-2 0,0-1 0,0-1 0,1-2 0,1 0 0,36 5 0,208 16 0,-266-29 0,302 3 0,-190-5 0,-22 0 0,124 3 0,-158 3 0,64 14 0,51 4 0,-69-20 0,-51-3 0,98 13 0,-83-2 0,78 0 0,76-10 0,-135-1 0,-71 1 0,0 1 0,27 7 0,-4-1 0,27 1 0,116 0 0,-175-9 0,0-2 0,0 1 0,-1-2 0,1 1 0,19-9 0,53-27 0,-73 32 44,0-1-1,14-12 1,-15 10-792,20-10 0,-19 13-6078</inkml:trace>
+</inkml:ink>
+</file>
+
 <file path=ppt/ink/ink28.xml><?xml version="1.0" encoding="utf-8"?>
 <inkml:ink xmlns:inkml="http://www.w3.org/2003/InkML">
   <inkml:definitions>
@@ -5312,6 +5761,286 @@
 </inkml:ink>
 </file>
 
+<file path=ppt/ink/ink280.xml><?xml version="1.0" encoding="utf-8"?>
+<inkml:ink xmlns:inkml="http://www.w3.org/2003/InkML">
+  <inkml:definitions>
+    <inkml:context xml:id="ctx0">
+      <inkml:inkSource xml:id="inkSrc0">
+        <inkml:traceFormat>
+          <inkml:channel name="X" type="integer" min="-2.14748E9" max="2.14748E9" units="cm"/>
+          <inkml:channel name="Y" type="integer" min="-2.14748E9" max="2.14748E9" units="cm"/>
+          <inkml:channel name="F" type="integer" max="32767" units="dev"/>
+        </inkml:traceFormat>
+        <inkml:channelProperties>
+          <inkml:channelProperty channel="X" name="resolution" value="1000" units="1/cm"/>
+          <inkml:channelProperty channel="Y" name="resolution" value="1000" units="1/cm"/>
+          <inkml:channelProperty channel="F" name="resolution" value="0" units="1/dev"/>
+        </inkml:channelProperties>
+      </inkml:inkSource>
+      <inkml:timestamp xml:id="ts0" timeString="2022-05-13T21:20:32.412"/>
+    </inkml:context>
+    <inkml:brush xml:id="br0">
+      <inkml:brushProperty name="width" value="0.05" units="cm"/>
+      <inkml:brushProperty name="height" value="0.05" units="cm"/>
+      <inkml:brushProperty name="color" value="#66CC00"/>
+    </inkml:brush>
+  </inkml:definitions>
+  <inkml:trace contextRef="#ctx0" brushRef="#br0">105 2834 24575,'25'0'0,"277"-12"0,-111-15 0,-28 3 0,-40 11 0,-111 11 0,22-8 0,2 0 0,-22 8 0,0-1 0,0-1 0,-1 0 0,0-1 0,0 0 0,19-11 0,-30 15 0,0-1 0,0 1 0,0-1 0,-1 0 0,1 1 0,-1-1 0,1 0 0,-1 0 0,1 0 0,-1 0 0,0-1 0,0 1 0,0 0 0,0 0 0,-1-1 0,1 1 0,0-5 0,0-2 0,0-1 0,-1 0 0,-1-10 0,1 8 0,0 7 0,-1 0 0,0 0 0,0 0 0,0 1 0,0-1 0,-1 0 0,0 1 0,-4-9 0,-1 1 0,-15-19 0,-5-6 0,6 6 0,-1 0 0,-2 1 0,-1 2 0,-50-44 0,71 68 0,-1 0 0,0 0 0,0 1 0,-1 0 0,1 0 0,-1 0 0,1 1 0,-9-3 0,4 3 0,0 0 0,-1 0 0,-19 0 0,-55 3 0,50 1 0,-55-5 0,86 3 0,0-1 0,0 0 0,1 0 0,-1-1 0,0 1 0,0-1 0,1 0 0,-1 0 0,1 0 0,-1 0 0,-3-4 0,-3-3 0,0 0 0,-8-12 0,1 2 0,-100-101 0,16 19 0,97 96 0,0 0 0,0 0 0,1 0 0,0 0 0,0 0 0,0-1 0,0 1 0,1-1 0,0 0 0,0 1 0,-1-10 0,0-3 0,2-1 0,0-26 0,1 40 0,7-275 0,-1 66 0,-5 183 0,-1-253 0,-23 1 0,-1 150-595,-6 1-1,-64-173 1,69 241-493,5 18-4229</inkml:trace>
+</inkml:ink>
+</file>
+
+<file path=ppt/ink/ink281.xml><?xml version="1.0" encoding="utf-8"?>
+<inkml:ink xmlns:inkml="http://www.w3.org/2003/InkML">
+  <inkml:definitions>
+    <inkml:context xml:id="ctx0">
+      <inkml:inkSource xml:id="inkSrc0">
+        <inkml:traceFormat>
+          <inkml:channel name="X" type="integer" min="-2.14748E9" max="2.14748E9" units="cm"/>
+          <inkml:channel name="Y" type="integer" min="-2.14748E9" max="2.14748E9" units="cm"/>
+          <inkml:channel name="F" type="integer" max="32767" units="dev"/>
+        </inkml:traceFormat>
+        <inkml:channelProperties>
+          <inkml:channelProperty channel="X" name="resolution" value="1000" units="1/cm"/>
+          <inkml:channelProperty channel="Y" name="resolution" value="1000" units="1/cm"/>
+          <inkml:channelProperty channel="F" name="resolution" value="0" units="1/dev"/>
+        </inkml:channelProperties>
+      </inkml:inkSource>
+      <inkml:timestamp xml:id="ts0" timeString="2022-05-13T21:20:33.618"/>
+    </inkml:context>
+    <inkml:brush xml:id="br0">
+      <inkml:brushProperty name="width" value="0.05" units="cm"/>
+      <inkml:brushProperty name="height" value="0.05" units="cm"/>
+      <inkml:brushProperty name="color" value="#66CC00"/>
+    </inkml:brush>
+  </inkml:definitions>
+  <inkml:trace contextRef="#ctx0" brushRef="#br0">566 0 24575,'-5'0'0,"-7"0"0,-8 0 0,-13 5 0,-12 9 0,-11 11 0,-3 3 0,-3 6 0,6-1 0,5-2 0,8-5 0,10-1 0,6-4 0,6 0 0,2-5 0,4-2 0,7-4 0</inkml:trace>
+</inkml:ink>
+</file>
+
+<file path=ppt/ink/ink282.xml><?xml version="1.0" encoding="utf-8"?>
+<inkml:ink xmlns:inkml="http://www.w3.org/2003/InkML">
+  <inkml:definitions>
+    <inkml:context xml:id="ctx0">
+      <inkml:inkSource xml:id="inkSrc0">
+        <inkml:traceFormat>
+          <inkml:channel name="X" type="integer" min="-2.14748E9" max="2.14748E9" units="cm"/>
+          <inkml:channel name="Y" type="integer" min="-2.14748E9" max="2.14748E9" units="cm"/>
+          <inkml:channel name="F" type="integer" max="32767" units="dev"/>
+        </inkml:traceFormat>
+        <inkml:channelProperties>
+          <inkml:channelProperty channel="X" name="resolution" value="1000" units="1/cm"/>
+          <inkml:channelProperty channel="Y" name="resolution" value="1000" units="1/cm"/>
+          <inkml:channelProperty channel="F" name="resolution" value="0" units="1/dev"/>
+        </inkml:channelProperties>
+      </inkml:inkSource>
+      <inkml:timestamp xml:id="ts0" timeString="2022-05-13T21:20:35.069"/>
+    </inkml:context>
+    <inkml:brush xml:id="br0">
+      <inkml:brushProperty name="width" value="0.05" units="cm"/>
+      <inkml:brushProperty name="height" value="0.05" units="cm"/>
+      <inkml:brushProperty name="color" value="#66CC00"/>
+    </inkml:brush>
+  </inkml:definitions>
+  <inkml:trace contextRef="#ctx0" brushRef="#br0">0 0 24575,'51'0'0,"0"2"0,-1 3 0,89 18 0,86 47 0,-95-29 125,-44-16-1615,-70-19-5336</inkml:trace>
+</inkml:ink>
+</file>
+
+<file path=ppt/ink/ink283.xml><?xml version="1.0" encoding="utf-8"?>
+<inkml:ink xmlns:inkml="http://www.w3.org/2003/InkML">
+  <inkml:definitions>
+    <inkml:context xml:id="ctx0">
+      <inkml:inkSource xml:id="inkSrc0">
+        <inkml:traceFormat>
+          <inkml:channel name="X" type="integer" min="-2.14748E9" max="2.14748E9" units="cm"/>
+          <inkml:channel name="Y" type="integer" min="-2.14748E9" max="2.14748E9" units="cm"/>
+          <inkml:channel name="F" type="integer" max="32767" units="dev"/>
+        </inkml:traceFormat>
+        <inkml:channelProperties>
+          <inkml:channelProperty channel="X" name="resolution" value="1000" units="1/cm"/>
+          <inkml:channelProperty channel="Y" name="resolution" value="1000" units="1/cm"/>
+          <inkml:channelProperty channel="F" name="resolution" value="0" units="1/dev"/>
+        </inkml:channelProperties>
+      </inkml:inkSource>
+      <inkml:timestamp xml:id="ts0" timeString="2022-05-13T21:21:00.008"/>
+    </inkml:context>
+    <inkml:brush xml:id="br0">
+      <inkml:brushProperty name="width" value="0.05" units="cm"/>
+      <inkml:brushProperty name="height" value="0.05" units="cm"/>
+      <inkml:brushProperty name="color" value="#66CC00"/>
+    </inkml:brush>
+  </inkml:definitions>
+  <inkml:trace contextRef="#ctx0" brushRef="#br0">203 1 24575,'-10'224'0,"-3"-112"0,12-106 0,0-1 0,0 1 0,-1 0 0,0 0 0,-1-1 0,1 0 0,-1 1 0,-5 8 0,-4 1 0,-18 20 0,6-7 0,10-10 40,1 0 0,-20 38 0,27-45-226,2-1 1,0 1-1,0 0 0,1 0 1,0 0-1,0 0 1,0 17-1,3-13-6640</inkml:trace>
+</inkml:ink>
+</file>
+
+<file path=ppt/ink/ink284.xml><?xml version="1.0" encoding="utf-8"?>
+<inkml:ink xmlns:inkml="http://www.w3.org/2003/InkML">
+  <inkml:definitions>
+    <inkml:context xml:id="ctx0">
+      <inkml:inkSource xml:id="inkSrc0">
+        <inkml:traceFormat>
+          <inkml:channel name="X" type="integer" min="-2.14748E9" max="2.14748E9" units="cm"/>
+          <inkml:channel name="Y" type="integer" min="-2.14748E9" max="2.14748E9" units="cm"/>
+          <inkml:channel name="F" type="integer" max="32767" units="dev"/>
+        </inkml:traceFormat>
+        <inkml:channelProperties>
+          <inkml:channelProperty channel="X" name="resolution" value="1000" units="1/cm"/>
+          <inkml:channelProperty channel="Y" name="resolution" value="1000" units="1/cm"/>
+          <inkml:channelProperty channel="F" name="resolution" value="0" units="1/dev"/>
+        </inkml:channelProperties>
+      </inkml:inkSource>
+      <inkml:timestamp xml:id="ts0" timeString="2022-05-13T21:21:00.864"/>
+    </inkml:context>
+    <inkml:brush xml:id="br0">
+      <inkml:brushProperty name="width" value="0.05" units="cm"/>
+      <inkml:brushProperty name="height" value="0.05" units="cm"/>
+      <inkml:brushProperty name="color" value="#66CC00"/>
+    </inkml:brush>
+  </inkml:definitions>
+  <inkml:trace contextRef="#ctx0" brushRef="#br0">1 0 24575,'1'0'0,"1"1"0,0-1 0,0 0 0,-1 1 0,1-1 0,0 1 0,-1 0 0,1 0 0,0 0 0,-1 0 0,1 0 0,-1 0 0,0 0 0,1 0 0,-1 0 0,2 3 0,3 3 0,10 16 0,-10-14 0,130 162 0,-39-53 0,-70-82 0,31 55 0,45 79 0,-77-128 58,-15-22-770,16 19 1</inkml:trace>
+</inkml:ink>
+</file>
+
+<file path=ppt/ink/ink285.xml><?xml version="1.0" encoding="utf-8"?>
+<inkml:ink xmlns:inkml="http://www.w3.org/2003/InkML">
+  <inkml:definitions>
+    <inkml:context xml:id="ctx0">
+      <inkml:inkSource xml:id="inkSrc0">
+        <inkml:traceFormat>
+          <inkml:channel name="X" type="integer" min="-2.14748E9" max="2.14748E9" units="cm"/>
+          <inkml:channel name="Y" type="integer" min="-2.14748E9" max="2.14748E9" units="cm"/>
+          <inkml:channel name="F" type="integer" max="32767" units="dev"/>
+        </inkml:traceFormat>
+        <inkml:channelProperties>
+          <inkml:channelProperty channel="X" name="resolution" value="1000" units="1/cm"/>
+          <inkml:channelProperty channel="Y" name="resolution" value="1000" units="1/cm"/>
+          <inkml:channelProperty channel="F" name="resolution" value="0" units="1/dev"/>
+        </inkml:channelProperties>
+      </inkml:inkSource>
+      <inkml:timestamp xml:id="ts0" timeString="2022-05-13T21:21:01.957"/>
+    </inkml:context>
+    <inkml:brush xml:id="br0">
+      <inkml:brushProperty name="width" value="0.05" units="cm"/>
+      <inkml:brushProperty name="height" value="0.05" units="cm"/>
+      <inkml:brushProperty name="color" value="#66CC00"/>
+    </inkml:brush>
+  </inkml:definitions>
+  <inkml:trace contextRef="#ctx0" brushRef="#br0">0 879 24575,'0'-10'0,"3"-191"0,16 3 0,-11 140 0,1-116 0,-10-49-1365,1 208-5461</inkml:trace>
+</inkml:ink>
+</file>
+
+<file path=ppt/ink/ink286.xml><?xml version="1.0" encoding="utf-8"?>
+<inkml:ink xmlns:inkml="http://www.w3.org/2003/InkML">
+  <inkml:definitions>
+    <inkml:context xml:id="ctx0">
+      <inkml:inkSource xml:id="inkSrc0">
+        <inkml:traceFormat>
+          <inkml:channel name="X" type="integer" min="-2.14748E9" max="2.14748E9" units="cm"/>
+          <inkml:channel name="Y" type="integer" min="-2.14748E9" max="2.14748E9" units="cm"/>
+          <inkml:channel name="F" type="integer" max="32767" units="dev"/>
+        </inkml:traceFormat>
+        <inkml:channelProperties>
+          <inkml:channelProperty channel="X" name="resolution" value="1000" units="1/cm"/>
+          <inkml:channelProperty channel="Y" name="resolution" value="1000" units="1/cm"/>
+          <inkml:channelProperty channel="F" name="resolution" value="0" units="1/dev"/>
+        </inkml:channelProperties>
+      </inkml:inkSource>
+      <inkml:timestamp xml:id="ts0" timeString="2022-05-13T21:21:04.349"/>
+    </inkml:context>
+    <inkml:brush xml:id="br0">
+      <inkml:brushProperty name="width" value="0.05" units="cm"/>
+      <inkml:brushProperty name="height" value="0.05" units="cm"/>
+      <inkml:brushProperty name="color" value="#66CC00"/>
+    </inkml:brush>
+  </inkml:definitions>
+  <inkml:trace contextRef="#ctx0" brushRef="#br0">3318 711 24575,'3'1'0,"-1"0"0,0-1 0,0 1 0,1 0 0,-1 0 0,0 0 0,0 1 0,3 2 0,1 0 0,23 16 0,-22-15 0,0 0 0,0 0 0,0-1 0,0 0 0,1 0 0,0 0 0,9 2 0,5-1 0,0-1 0,35 2 0,47-4 0,-69-2 0,343-3 0,-366 3 0,0-1 0,0 0 0,0-1 0,12-3 0,-20 4 0,-1 0 0,1-1 0,-1 1 0,1-1 0,-1 0 0,1 0 0,-1 0 0,0 0 0,0-1 0,0 0 0,0 1 0,-1-1 0,1 0 0,-1 0 0,0 0 0,3-6 0,3-6 0,-1-1 0,0 0 0,-2-1 0,7-28 0,-7 16 0,2-57 0,-7 69 0,-2 0 0,0 0 0,-1 1 0,0-1 0,-9-22 0,5 13 0,-2-9 0,5 18 0,0 0 0,-8-17 0,-2-3 0,8 21 0,0 0 0,-2 0 0,-9-16 0,14 26 0,-1 2 0,1-1 0,-1 0 0,0 1 0,-1 0 0,1 0 0,-1 0 0,0 0 0,0 1 0,0-1 0,0 1 0,-1 1 0,-5-3 0,-27-8 3,0 2 0,-77-11 0,-81 4-117,-448 11-445,383 10 522,-58 3 364,16 1-27,224-7-300,-752-6 0,565-10 28,-98-1 18,359 17-46,-1 0 0,0 1 0,0 0 0,1 1 0,-1-1 0,0 1 0,1 0 0,-6 3 0,-7 5 0,-16 11 0,18-10 0,-435 306 0,448-315 0,1 0 0,-1 0 0,1 0 0,0 1 0,0-1 0,0 1 0,0 0 0,0-1 0,0 1 0,1 0 0,-3 5 0,3-3 0,0 0 0,0 1 0,0-1 0,0 0 0,1 0 0,1 9 0,-1 1 0,0-9 0,0 1 0,0 0 0,1 0 0,0-1 0,0 1 0,4 10 0,-5-16 0,1 0 0,-1 0 0,1 1 0,0-1 0,0 0 0,0 0 0,0 0 0,0 0 0,0 0 0,0 0 0,0-1 0,0 1 0,0 0 0,2 1 0,22 6 0,-18-7 0,161 30-238,-147-28 92,143 19-1390,39-1 606,201 13-1963,207 4 2795,-84-5-1255,-205 0 2179,-150-22 4136,1-12-3534,-67 0-1450,69 3-840,309 46 1,-27 41-677,-424-81-3392</inkml:trace>
+</inkml:ink>
+</file>
+
+<file path=ppt/ink/ink287.xml><?xml version="1.0" encoding="utf-8"?>
+<inkml:ink xmlns:inkml="http://www.w3.org/2003/InkML">
+  <inkml:definitions>
+    <inkml:context xml:id="ctx0">
+      <inkml:inkSource xml:id="inkSrc0">
+        <inkml:traceFormat>
+          <inkml:channel name="X" type="integer" min="-2.14748E9" max="2.14748E9" units="cm"/>
+          <inkml:channel name="Y" type="integer" min="-2.14748E9" max="2.14748E9" units="cm"/>
+          <inkml:channel name="F" type="integer" max="32767" units="dev"/>
+        </inkml:traceFormat>
+        <inkml:channelProperties>
+          <inkml:channelProperty channel="X" name="resolution" value="1000" units="1/cm"/>
+          <inkml:channelProperty channel="Y" name="resolution" value="1000" units="1/cm"/>
+          <inkml:channelProperty channel="F" name="resolution" value="0" units="1/dev"/>
+        </inkml:channelProperties>
+      </inkml:inkSource>
+      <inkml:timestamp xml:id="ts0" timeString="2022-05-13T21:21:18.989"/>
+    </inkml:context>
+    <inkml:brush xml:id="br0">
+      <inkml:brushProperty name="width" value="0.05" units="cm"/>
+      <inkml:brushProperty name="height" value="0.05" units="cm"/>
+      <inkml:brushProperty name="color" value="#66CC00"/>
+    </inkml:brush>
+  </inkml:definitions>
+  <inkml:trace contextRef="#ctx0" brushRef="#br0">1 2 24575,'0'-2'0</inkml:trace>
+</inkml:ink>
+</file>
+
+<file path=ppt/ink/ink288.xml><?xml version="1.0" encoding="utf-8"?>
+<inkml:ink xmlns:inkml="http://www.w3.org/2003/InkML">
+  <inkml:definitions>
+    <inkml:context xml:id="ctx0">
+      <inkml:inkSource xml:id="inkSrc0">
+        <inkml:traceFormat>
+          <inkml:channel name="X" type="integer" min="-2.14748E9" max="2.14748E9" units="cm"/>
+          <inkml:channel name="Y" type="integer" min="-2.14748E9" max="2.14748E9" units="cm"/>
+          <inkml:channel name="F" type="integer" max="32767" units="dev"/>
+        </inkml:traceFormat>
+        <inkml:channelProperties>
+          <inkml:channelProperty channel="X" name="resolution" value="1000" units="1/cm"/>
+          <inkml:channelProperty channel="Y" name="resolution" value="1000" units="1/cm"/>
+          <inkml:channelProperty channel="F" name="resolution" value="0" units="1/dev"/>
+        </inkml:channelProperties>
+      </inkml:inkSource>
+      <inkml:timestamp xml:id="ts0" timeString="2022-05-13T21:21:38.721"/>
+    </inkml:context>
+    <inkml:brush xml:id="br0">
+      <inkml:brushProperty name="width" value="0.05" units="cm"/>
+      <inkml:brushProperty name="height" value="0.05" units="cm"/>
+      <inkml:brushProperty name="color" value="#66CC00"/>
+    </inkml:brush>
+  </inkml:definitions>
+  <inkml:trace contextRef="#ctx0" brushRef="#br0">163 4481 24575,'-4'-19'0,"1"2"0,-3-236 0,7 170 0,9-122 0,5-46 0,-15-2 0,0 121 0,1 95 0,10-52 0,1-17 0,-11-141 0,-2 128 0,-5-7 0,-1 12 0,6 84 0,-1 0 0,-2 1 0,-9-37 0,4 20 0,-5-67 0,12 86 0,-5-33 0,-3-60 0,9 108 0,-1-1 0,0 1 0,-7-22 0,0 0 0,-27-121 0,25 94 0,-4-10 0,10 47 0,1-1 0,1 0 0,0-25 0,3 45 0,-6-51 0,0-12 0,-1-39 0,2 45 0,5-78 0,1 68 0,-1-232 0,1 285 0,1 0 0,1 0 0,9-34 0,-6 34 0,-2-1 0,0 0 0,1-33 0,2-100 0,-2-19-726,-5 155 87,0 2-6187</inkml:trace>
+</inkml:ink>
+</file>
+
+<file path=ppt/ink/ink289.xml><?xml version="1.0" encoding="utf-8"?>
+<inkml:ink xmlns:inkml="http://www.w3.org/2003/InkML">
+  <inkml:definitions>
+    <inkml:context xml:id="ctx0">
+      <inkml:inkSource xml:id="inkSrc0">
+        <inkml:traceFormat>
+          <inkml:channel name="X" type="integer" min="-2.14748E9" max="2.14748E9" units="cm"/>
+          <inkml:channel name="Y" type="integer" min="-2.14748E9" max="2.14748E9" units="cm"/>
+          <inkml:channel name="F" type="integer" max="32767" units="dev"/>
+        </inkml:traceFormat>
+        <inkml:channelProperties>
+          <inkml:channelProperty channel="X" name="resolution" value="1000" units="1/cm"/>
+          <inkml:channelProperty channel="Y" name="resolution" value="1000" units="1/cm"/>
+          <inkml:channelProperty channel="F" name="resolution" value="0" units="1/dev"/>
+        </inkml:channelProperties>
+      </inkml:inkSource>
+      <inkml:timestamp xml:id="ts0" timeString="2022-05-13T21:21:40.423"/>
+    </inkml:context>
+    <inkml:brush xml:id="br0">
+      <inkml:brushProperty name="width" value="0.05" units="cm"/>
+      <inkml:brushProperty name="height" value="0.05" units="cm"/>
+      <inkml:brushProperty name="color" value="#66CC00"/>
+    </inkml:brush>
+  </inkml:definitions>
+  <inkml:trace contextRef="#ctx0" brushRef="#br0">327 1254 24575,'0'-4'0,"-1"0"0,1 0 0,-1 0 0,0 0 0,0 0 0,0 0 0,-1 0 0,1 1 0,-4-7 0,-3-2 0,-12-16 0,7 9 0,-2-2 0,-91-138 0,83 118 0,1 0 0,-18-47 0,20 29 0,-18-93 0,34 127 0,1-1 0,2 1 0,2-41 0,0 26 0,1-18 0,3 1 0,21-96 0,-21 132-113,17-73-1139,-16 71-5574</inkml:trace>
+</inkml:ink>
+</file>
+
 <file path=ppt/ink/ink29.xml><?xml version="1.0" encoding="utf-8"?>
 <inkml:ink xmlns:inkml="http://www.w3.org/2003/InkML">
   <inkml:definitions>
@@ -5340,6 +6069,295 @@
 </inkml:ink>
 </file>
 
+<file path=ppt/ink/ink290.xml><?xml version="1.0" encoding="utf-8"?>
+<inkml:ink xmlns:inkml="http://www.w3.org/2003/InkML">
+  <inkml:definitions>
+    <inkml:context xml:id="ctx0">
+      <inkml:inkSource xml:id="inkSrc0">
+        <inkml:traceFormat>
+          <inkml:channel name="X" type="integer" min="-2.14748E9" max="2.14748E9" units="cm"/>
+          <inkml:channel name="Y" type="integer" min="-2.14748E9" max="2.14748E9" units="cm"/>
+          <inkml:channel name="F" type="integer" max="32767" units="dev"/>
+        </inkml:traceFormat>
+        <inkml:channelProperties>
+          <inkml:channelProperty channel="X" name="resolution" value="1000" units="1/cm"/>
+          <inkml:channelProperty channel="Y" name="resolution" value="1000" units="1/cm"/>
+          <inkml:channelProperty channel="F" name="resolution" value="0" units="1/dev"/>
+        </inkml:channelProperties>
+      </inkml:inkSource>
+      <inkml:timestamp xml:id="ts0" timeString="2022-05-13T21:21:43.333"/>
+    </inkml:context>
+    <inkml:brush xml:id="br0">
+      <inkml:brushProperty name="width" value="0.05" units="cm"/>
+      <inkml:brushProperty name="height" value="0.05" units="cm"/>
+      <inkml:brushProperty name="color" value="#66CC00"/>
+    </inkml:brush>
+  </inkml:definitions>
+  <inkml:trace contextRef="#ctx0" brushRef="#br0">552 1 24575,'-3'0'0,"1"1"0,0 0 0,0 0 0,-1 0 0,1 0 0,0 0 0,0 1 0,0-1 0,0 1 0,1-1 0,-1 1 0,0-1 0,-1 3 0,-6 5 0,-100 81 0,-179 161 0,270-233-273,1 1 0,1 0 0,1 1 0,-25 44 0,30-46-6553</inkml:trace>
+</inkml:ink>
+</file>
+
+<file path=ppt/ink/ink291.xml><?xml version="1.0" encoding="utf-8"?>
+<inkml:ink xmlns:inkml="http://www.w3.org/2003/InkML">
+  <inkml:definitions>
+    <inkml:context xml:id="ctx0">
+      <inkml:inkSource xml:id="inkSrc0">
+        <inkml:traceFormat>
+          <inkml:channel name="X" type="integer" min="-2.14748E9" max="2.14748E9" units="cm"/>
+          <inkml:channel name="Y" type="integer" min="-2.14748E9" max="2.14748E9" units="cm"/>
+          <inkml:channel name="F" type="integer" max="32767" units="dev"/>
+        </inkml:traceFormat>
+        <inkml:channelProperties>
+          <inkml:channelProperty channel="X" name="resolution" value="1000" units="1/cm"/>
+          <inkml:channelProperty channel="Y" name="resolution" value="1000" units="1/cm"/>
+          <inkml:channelProperty channel="F" name="resolution" value="0" units="1/dev"/>
+        </inkml:channelProperties>
+      </inkml:inkSource>
+      <inkml:timestamp xml:id="ts0" timeString="2022-05-13T21:21:44.450"/>
+    </inkml:context>
+    <inkml:brush xml:id="br0">
+      <inkml:brushProperty name="width" value="0.05" units="cm"/>
+      <inkml:brushProperty name="height" value="0.05" units="cm"/>
+      <inkml:brushProperty name="color" value="#66CC00"/>
+    </inkml:brush>
+  </inkml:definitions>
+  <inkml:trace contextRef="#ctx0" brushRef="#br0">0 0 24575,'2'0'0,"-1"1"0,0-1 0,0 1 0,0-1 0,1 1 0,-1-1 0,0 1 0,0 0 0,0-1 0,0 1 0,0 0 0,1 1 0,2 1 0,129 101 0,423 281-2109,-345-234 2109,-131-91 0,-56-44-1013,-7-6-4056</inkml:trace>
+</inkml:ink>
+</file>
+
+<file path=ppt/ink/ink292.xml><?xml version="1.0" encoding="utf-8"?>
+<inkml:ink xmlns:inkml="http://www.w3.org/2003/InkML">
+  <inkml:definitions>
+    <inkml:context xml:id="ctx0">
+      <inkml:inkSource xml:id="inkSrc0">
+        <inkml:traceFormat>
+          <inkml:channel name="X" type="integer" min="-2.14748E9" max="2.14748E9" units="cm"/>
+          <inkml:channel name="Y" type="integer" min="-2.14748E9" max="2.14748E9" units="cm"/>
+        </inkml:traceFormat>
+        <inkml:channelProperties>
+          <inkml:channelProperty channel="X" name="resolution" value="1000" units="1/cm"/>
+          <inkml:channelProperty channel="Y" name="resolution" value="1000" units="1/cm"/>
+        </inkml:channelProperties>
+      </inkml:inkSource>
+      <inkml:timestamp xml:id="ts0" timeString="2022-05-13T21:21:58.371"/>
+    </inkml:context>
+    <inkml:brush xml:id="br0">
+      <inkml:brushProperty name="width" value="0.1" units="cm"/>
+      <inkml:brushProperty name="height" value="0.2" units="cm"/>
+      <inkml:brushProperty name="color" value="#FF2500"/>
+      <inkml:brushProperty name="tip" value="rectangle"/>
+      <inkml:brushProperty name="rasterOp" value="maskPen"/>
+      <inkml:brushProperty name="ignorePressure" value="1"/>
+    </inkml:brush>
+  </inkml:definitions>
+  <inkml:trace contextRef="#ctx0" brushRef="#br0">10 17,'0'-5,"-4"0,-2-1</inkml:trace>
+</inkml:ink>
+</file>
+
+<file path=ppt/ink/ink293.xml><?xml version="1.0" encoding="utf-8"?>
+<inkml:ink xmlns:inkml="http://www.w3.org/2003/InkML">
+  <inkml:definitions>
+    <inkml:context xml:id="ctx0">
+      <inkml:inkSource xml:id="inkSrc0">
+        <inkml:traceFormat>
+          <inkml:channel name="X" type="integer" min="-2.14748E9" max="2.14748E9" units="cm"/>
+          <inkml:channel name="Y" type="integer" min="-2.14748E9" max="2.14748E9" units="cm"/>
+        </inkml:traceFormat>
+        <inkml:channelProperties>
+          <inkml:channelProperty channel="X" name="resolution" value="1000" units="1/cm"/>
+          <inkml:channelProperty channel="Y" name="resolution" value="1000" units="1/cm"/>
+        </inkml:channelProperties>
+      </inkml:inkSource>
+      <inkml:timestamp xml:id="ts0" timeString="2022-05-13T21:21:58.752"/>
+    </inkml:context>
+    <inkml:brush xml:id="br0">
+      <inkml:brushProperty name="width" value="0.1" units="cm"/>
+      <inkml:brushProperty name="height" value="0.2" units="cm"/>
+      <inkml:brushProperty name="color" value="#FF2500"/>
+      <inkml:brushProperty name="tip" value="rectangle"/>
+      <inkml:brushProperty name="rasterOp" value="maskPen"/>
+      <inkml:brushProperty name="ignorePressure" value="1"/>
+    </inkml:brush>
+  </inkml:definitions>
+  <inkml:trace contextRef="#ctx0" brushRef="#br0">20 1,'-4'0,"-4"0,0 0</inkml:trace>
+</inkml:ink>
+</file>
+
+<file path=ppt/ink/ink294.xml><?xml version="1.0" encoding="utf-8"?>
+<inkml:ink xmlns:inkml="http://www.w3.org/2003/InkML">
+  <inkml:definitions>
+    <inkml:context xml:id="ctx0">
+      <inkml:inkSource xml:id="inkSrc0">
+        <inkml:traceFormat>
+          <inkml:channel name="X" type="integer" min="-2.14748E9" max="2.14748E9" units="cm"/>
+          <inkml:channel name="Y" type="integer" min="-2.14748E9" max="2.14748E9" units="cm"/>
+        </inkml:traceFormat>
+        <inkml:channelProperties>
+          <inkml:channelProperty channel="X" name="resolution" value="1000" units="1/cm"/>
+          <inkml:channelProperty channel="Y" name="resolution" value="1000" units="1/cm"/>
+        </inkml:channelProperties>
+      </inkml:inkSource>
+      <inkml:timestamp xml:id="ts0" timeString="2022-05-13T21:21:59.101"/>
+    </inkml:context>
+    <inkml:brush xml:id="br0">
+      <inkml:brushProperty name="width" value="0.1" units="cm"/>
+      <inkml:brushProperty name="height" value="0.2" units="cm"/>
+      <inkml:brushProperty name="color" value="#FF2500"/>
+      <inkml:brushProperty name="tip" value="rectangle"/>
+      <inkml:brushProperty name="rasterOp" value="maskPen"/>
+      <inkml:brushProperty name="ignorePressure" value="1"/>
+    </inkml:brush>
+  </inkml:definitions>
+  <inkml:trace contextRef="#ctx0" brushRef="#br0">0 10,'0'-4,"0"-2</inkml:trace>
+</inkml:ink>
+</file>
+
+<file path=ppt/ink/ink295.xml><?xml version="1.0" encoding="utf-8"?>
+<inkml:ink xmlns:inkml="http://www.w3.org/2003/InkML">
+  <inkml:definitions>
+    <inkml:context xml:id="ctx0">
+      <inkml:inkSource xml:id="inkSrc0">
+        <inkml:traceFormat>
+          <inkml:channel name="X" type="integer" min="-2.14748E9" max="2.14748E9" units="cm"/>
+          <inkml:channel name="Y" type="integer" min="-2.14748E9" max="2.14748E9" units="cm"/>
+        </inkml:traceFormat>
+        <inkml:channelProperties>
+          <inkml:channelProperty channel="X" name="resolution" value="1000" units="1/cm"/>
+          <inkml:channelProperty channel="Y" name="resolution" value="1000" units="1/cm"/>
+        </inkml:channelProperties>
+      </inkml:inkSource>
+      <inkml:timestamp xml:id="ts0" timeString="2022-05-13T21:21:59.457"/>
+    </inkml:context>
+    <inkml:brush xml:id="br0">
+      <inkml:brushProperty name="width" value="0.1" units="cm"/>
+      <inkml:brushProperty name="height" value="0.2" units="cm"/>
+      <inkml:brushProperty name="color" value="#FF2500"/>
+      <inkml:brushProperty name="tip" value="rectangle"/>
+      <inkml:brushProperty name="rasterOp" value="maskPen"/>
+      <inkml:brushProperty name="ignorePressure" value="1"/>
+    </inkml:brush>
+  </inkml:definitions>
+  <inkml:trace contextRef="#ctx0" brushRef="#br0">30 11,'-2'-2,"-5"-1,-3 0,0 1</inkml:trace>
+</inkml:ink>
+</file>
+
+<file path=ppt/ink/ink296.xml><?xml version="1.0" encoding="utf-8"?>
+<inkml:ink xmlns:inkml="http://www.w3.org/2003/InkML">
+  <inkml:definitions>
+    <inkml:context xml:id="ctx0">
+      <inkml:inkSource xml:id="inkSrc0">
+        <inkml:traceFormat>
+          <inkml:channel name="X" type="integer" min="-2.14748E9" max="2.14748E9" units="cm"/>
+          <inkml:channel name="Y" type="integer" min="-2.14748E9" max="2.14748E9" units="cm"/>
+        </inkml:traceFormat>
+        <inkml:channelProperties>
+          <inkml:channelProperty channel="X" name="resolution" value="1000" units="1/cm"/>
+          <inkml:channelProperty channel="Y" name="resolution" value="1000" units="1/cm"/>
+        </inkml:channelProperties>
+      </inkml:inkSource>
+      <inkml:timestamp xml:id="ts0" timeString="2022-05-13T21:21:59.892"/>
+    </inkml:context>
+    <inkml:brush xml:id="br0">
+      <inkml:brushProperty name="width" value="0.1" units="cm"/>
+      <inkml:brushProperty name="height" value="0.2" units="cm"/>
+      <inkml:brushProperty name="color" value="#FF2500"/>
+      <inkml:brushProperty name="tip" value="rectangle"/>
+      <inkml:brushProperty name="rasterOp" value="maskPen"/>
+      <inkml:brushProperty name="ignorePressure" value="1"/>
+    </inkml:brush>
+  </inkml:definitions>
+  <inkml:trace contextRef="#ctx0" brushRef="#br0">623 51,'0'0</inkml:trace>
+  <inkml:trace contextRef="#ctx0" brushRef="#br0" timeOffset="1">0 1,'0'0</inkml:trace>
+</inkml:ink>
+</file>
+
+<file path=ppt/ink/ink297.xml><?xml version="1.0" encoding="utf-8"?>
+<inkml:ink xmlns:inkml="http://www.w3.org/2003/InkML">
+  <inkml:definitions>
+    <inkml:context xml:id="ctx0">
+      <inkml:inkSource xml:id="inkSrc0">
+        <inkml:traceFormat>
+          <inkml:channel name="X" type="integer" min="-2.14748E9" max="2.14748E9" units="cm"/>
+          <inkml:channel name="Y" type="integer" min="-2.14748E9" max="2.14748E9" units="cm"/>
+        </inkml:traceFormat>
+        <inkml:channelProperties>
+          <inkml:channelProperty channel="X" name="resolution" value="1000" units="1/cm"/>
+          <inkml:channelProperty channel="Y" name="resolution" value="1000" units="1/cm"/>
+        </inkml:channelProperties>
+      </inkml:inkSource>
+      <inkml:timestamp xml:id="ts0" timeString="2022-05-13T21:22:00.292"/>
+    </inkml:context>
+    <inkml:brush xml:id="br0">
+      <inkml:brushProperty name="width" value="0.1" units="cm"/>
+      <inkml:brushProperty name="height" value="0.2" units="cm"/>
+      <inkml:brushProperty name="color" value="#FF2500"/>
+      <inkml:brushProperty name="tip" value="rectangle"/>
+      <inkml:brushProperty name="rasterOp" value="maskPen"/>
+      <inkml:brushProperty name="ignorePressure" value="1"/>
+    </inkml:brush>
+  </inkml:definitions>
+  <inkml:trace contextRef="#ctx0" brushRef="#br0">1 0,'0'0</inkml:trace>
+</inkml:ink>
+</file>
+
+<file path=ppt/ink/ink298.xml><?xml version="1.0" encoding="utf-8"?>
+<inkml:ink xmlns:inkml="http://www.w3.org/2003/InkML">
+  <inkml:definitions>
+    <inkml:context xml:id="ctx0">
+      <inkml:inkSource xml:id="inkSrc0">
+        <inkml:traceFormat>
+          <inkml:channel name="X" type="integer" min="-2.14748E9" max="2.14748E9" units="cm"/>
+          <inkml:channel name="Y" type="integer" min="-2.14748E9" max="2.14748E9" units="cm"/>
+        </inkml:traceFormat>
+        <inkml:channelProperties>
+          <inkml:channelProperty channel="X" name="resolution" value="1000" units="1/cm"/>
+          <inkml:channelProperty channel="Y" name="resolution" value="1000" units="1/cm"/>
+        </inkml:channelProperties>
+      </inkml:inkSource>
+      <inkml:timestamp xml:id="ts0" timeString="2022-05-13T21:22:01.563"/>
+    </inkml:context>
+    <inkml:brush xml:id="br0">
+      <inkml:brushProperty name="width" value="0.1" units="cm"/>
+      <inkml:brushProperty name="height" value="0.2" units="cm"/>
+      <inkml:brushProperty name="color" value="#FF2500"/>
+      <inkml:brushProperty name="tip" value="rectangle"/>
+      <inkml:brushProperty name="rasterOp" value="maskPen"/>
+      <inkml:brushProperty name="ignorePressure" value="1"/>
+    </inkml:brush>
+  </inkml:definitions>
+  <inkml:trace contextRef="#ctx0" brushRef="#br0">1 159,'28'1,"-9"-1,22-2,-36 1,0 0,-1 0,1 0,-1-1,1 0,-1 0,0 0,0-1,0 1,0-1,-1 0,1 0,0 0,-1-1,0 1,5-7,-1-1,0 0,0-1,-1 0,8-21,-14 30,1 1,0-1,0 1,1 0,-1 0,0-1,1 1,-1 0,1 0,4-3,-6 4,1 1,0-1,0 1,0-1,0 1,0 0,0-1,0 1,0 0,0 0,1 0,-1 0,0 0,0 0,0 0,0 0,0 0,0 0,0 0,0 1,0-1,0 0,0 1,0-1,0 1,0-1,0 1,1 1,1 0,0 1,0-1,-1 1,1 0,-1 0,1 1,-1-1,0 0,0 1,0-1,-1 1,1 0,-1-1,0 1,1 8,0 3,0 0,-1 27,-2 62,-12 283,10-366,0-6</inkml:trace>
+</inkml:ink>
+</file>
+
+<file path=ppt/ink/ink299.xml><?xml version="1.0" encoding="utf-8"?>
+<inkml:ink xmlns:inkml="http://www.w3.org/2003/InkML">
+  <inkml:definitions>
+    <inkml:context xml:id="ctx0">
+      <inkml:inkSource xml:id="inkSrc0">
+        <inkml:traceFormat>
+          <inkml:channel name="X" type="integer" min="-2.14748E9" max="2.14748E9" units="cm"/>
+          <inkml:channel name="Y" type="integer" min="-2.14748E9" max="2.14748E9" units="cm"/>
+        </inkml:traceFormat>
+        <inkml:channelProperties>
+          <inkml:channelProperty channel="X" name="resolution" value="1000" units="1/cm"/>
+          <inkml:channelProperty channel="Y" name="resolution" value="1000" units="1/cm"/>
+        </inkml:channelProperties>
+      </inkml:inkSource>
+      <inkml:timestamp xml:id="ts0" timeString="2022-05-13T21:22:02.839"/>
+    </inkml:context>
+    <inkml:brush xml:id="br0">
+      <inkml:brushProperty name="width" value="0.1" units="cm"/>
+      <inkml:brushProperty name="height" value="0.2" units="cm"/>
+      <inkml:brushProperty name="color" value="#FF2500"/>
+      <inkml:brushProperty name="tip" value="rectangle"/>
+      <inkml:brushProperty name="rasterOp" value="maskPen"/>
+      <inkml:brushProperty name="ignorePressure" value="1"/>
+    </inkml:brush>
+  </inkml:definitions>
+  <inkml:trace contextRef="#ctx0" brushRef="#br0">1 1,'42'0,"16"-1,94 12,36 4,1-15,-84 0,-99 0,0 0,-1-1,1 1,-1-1,6-2,3-2</inkml:trace>
+</inkml:ink>
+</file>
+
 <file path=ppt/ink/ink3.xml><?xml version="1.0" encoding="utf-8"?>
 <inkml:ink xmlns:inkml="http://www.w3.org/2003/InkML">
   <inkml:definitions>
@@ -5396,6 +6414,296 @@
 </inkml:ink>
 </file>
 
+<file path=ppt/ink/ink300.xml><?xml version="1.0" encoding="utf-8"?>
+<inkml:ink xmlns:inkml="http://www.w3.org/2003/InkML">
+  <inkml:definitions>
+    <inkml:context xml:id="ctx0">
+      <inkml:inkSource xml:id="inkSrc0">
+        <inkml:traceFormat>
+          <inkml:channel name="X" type="integer" min="-2.14748E9" max="2.14748E9" units="cm"/>
+          <inkml:channel name="Y" type="integer" min="-2.14748E9" max="2.14748E9" units="cm"/>
+        </inkml:traceFormat>
+        <inkml:channelProperties>
+          <inkml:channelProperty channel="X" name="resolution" value="1000" units="1/cm"/>
+          <inkml:channelProperty channel="Y" name="resolution" value="1000" units="1/cm"/>
+        </inkml:channelProperties>
+      </inkml:inkSource>
+      <inkml:timestamp xml:id="ts0" timeString="2022-05-13T21:22:06.236"/>
+    </inkml:context>
+    <inkml:brush xml:id="br0">
+      <inkml:brushProperty name="width" value="0.1" units="cm"/>
+      <inkml:brushProperty name="height" value="0.2" units="cm"/>
+      <inkml:brushProperty name="color" value="#FF2500"/>
+      <inkml:brushProperty name="tip" value="rectangle"/>
+      <inkml:brushProperty name="rasterOp" value="maskPen"/>
+      <inkml:brushProperty name="ignorePressure" value="1"/>
+    </inkml:brush>
+  </inkml:definitions>
+  <inkml:trace contextRef="#ctx0" brushRef="#br0">357 0,'-5'1,"1"-1,-1 1,0 0,1 0,-1 0,1 1,0 0,-1 0,1 0,0 0,0 0,0 1,-4 4,-6 5,1 0,-12 16,21-24,-82 84,-16 20,97-102,0 0,0 1,1-1,0 1,0 0,0 0,1 0,0 1,1-1,0 1,0-1,0 1,1 0,0 0,1 0,0 0,1 8,5 213,-6-207,2 0,1 1,10 39,27 64,-11-39,21 102,-33-129,-4-19,-9-27</inkml:trace>
+</inkml:ink>
+</file>
+
+<file path=ppt/ink/ink301.xml><?xml version="1.0" encoding="utf-8"?>
+<inkml:ink xmlns:inkml="http://www.w3.org/2003/InkML">
+  <inkml:definitions>
+    <inkml:context xml:id="ctx0">
+      <inkml:inkSource xml:id="inkSrc0">
+        <inkml:traceFormat>
+          <inkml:channel name="X" type="integer" min="-2.14748E9" max="2.14748E9" units="cm"/>
+          <inkml:channel name="Y" type="integer" min="-2.14748E9" max="2.14748E9" units="cm"/>
+        </inkml:traceFormat>
+        <inkml:channelProperties>
+          <inkml:channelProperty channel="X" name="resolution" value="1000" units="1/cm"/>
+          <inkml:channelProperty channel="Y" name="resolution" value="1000" units="1/cm"/>
+        </inkml:channelProperties>
+      </inkml:inkSource>
+      <inkml:timestamp xml:id="ts0" timeString="2022-05-13T21:22:08.009"/>
+    </inkml:context>
+    <inkml:brush xml:id="br0">
+      <inkml:brushProperty name="width" value="0.1" units="cm"/>
+      <inkml:brushProperty name="height" value="0.2" units="cm"/>
+      <inkml:brushProperty name="color" value="#FF2500"/>
+      <inkml:brushProperty name="tip" value="rectangle"/>
+      <inkml:brushProperty name="rasterOp" value="maskPen"/>
+      <inkml:brushProperty name="ignorePressure" value="1"/>
+    </inkml:brush>
+  </inkml:definitions>
+  <inkml:trace contextRef="#ctx0" brushRef="#br0">1 0,'5'80,"0"-20,32 315,-1-21,-28 14,-4-84,1-29,-4-239,1 0,1 0,0 0,7 18,3 18,-2 16,2 80,-8 69,-2-56,8-11,-2-29,-8-102,-1-10,0 0,1 0,0 0,0 0,1 0,6 16,-5-21,0-5,0-8,0-8</inkml:trace>
+</inkml:ink>
+</file>
+
+<file path=ppt/ink/ink302.xml><?xml version="1.0" encoding="utf-8"?>
+<inkml:ink xmlns:inkml="http://www.w3.org/2003/InkML">
+  <inkml:definitions>
+    <inkml:context xml:id="ctx0">
+      <inkml:inkSource xml:id="inkSrc0">
+        <inkml:traceFormat>
+          <inkml:channel name="X" type="integer" min="-2.14748E9" max="2.14748E9" units="cm"/>
+          <inkml:channel name="Y" type="integer" min="-2.14748E9" max="2.14748E9" units="cm"/>
+        </inkml:traceFormat>
+        <inkml:channelProperties>
+          <inkml:channelProperty channel="X" name="resolution" value="1000" units="1/cm"/>
+          <inkml:channelProperty channel="Y" name="resolution" value="1000" units="1/cm"/>
+        </inkml:channelProperties>
+      </inkml:inkSource>
+      <inkml:timestamp xml:id="ts0" timeString="2022-05-13T21:22:09.630"/>
+    </inkml:context>
+    <inkml:brush xml:id="br0">
+      <inkml:brushProperty name="width" value="0.1" units="cm"/>
+      <inkml:brushProperty name="height" value="0.2" units="cm"/>
+      <inkml:brushProperty name="color" value="#FF2500"/>
+      <inkml:brushProperty name="tip" value="rectangle"/>
+      <inkml:brushProperty name="rasterOp" value="maskPen"/>
+      <inkml:brushProperty name="ignorePressure" value="1"/>
+    </inkml:brush>
+  </inkml:definitions>
+  <inkml:trace contextRef="#ctx0" brushRef="#br0">0 0,'7'201,"-3"-96,43 455,-29-309,-16-177,1-21,3-1,15 69,-9-79,-8-30,0 0,-1 0,0 0,0 16,-1 190,-2-34,11 796,-10-893,-3 101,-20-6,12-129,3-23,-3 47,9 133,2-104,-1 1182,0-1276</inkml:trace>
+</inkml:ink>
+</file>
+
+<file path=ppt/ink/ink303.xml><?xml version="1.0" encoding="utf-8"?>
+<inkml:ink xmlns:inkml="http://www.w3.org/2003/InkML">
+  <inkml:definitions>
+    <inkml:context xml:id="ctx0">
+      <inkml:inkSource xml:id="inkSrc0">
+        <inkml:traceFormat>
+          <inkml:channel name="X" type="integer" min="-2.14748E9" max="2.14748E9" units="cm"/>
+          <inkml:channel name="Y" type="integer" min="-2.14748E9" max="2.14748E9" units="cm"/>
+        </inkml:traceFormat>
+        <inkml:channelProperties>
+          <inkml:channelProperty channel="X" name="resolution" value="1000" units="1/cm"/>
+          <inkml:channelProperty channel="Y" name="resolution" value="1000" units="1/cm"/>
+        </inkml:channelProperties>
+      </inkml:inkSource>
+      <inkml:timestamp xml:id="ts0" timeString="2022-05-13T21:22:11.845"/>
+    </inkml:context>
+    <inkml:brush xml:id="br0">
+      <inkml:brushProperty name="width" value="0.1" units="cm"/>
+      <inkml:brushProperty name="height" value="0.2" units="cm"/>
+      <inkml:brushProperty name="color" value="#FF2500"/>
+      <inkml:brushProperty name="tip" value="rectangle"/>
+      <inkml:brushProperty name="rasterOp" value="maskPen"/>
+      <inkml:brushProperty name="ignorePressure" value="1"/>
+    </inkml:brush>
+  </inkml:definitions>
+  <inkml:trace contextRef="#ctx0" brushRef="#br0">1421 1,'-2'0,"0"1,1-1,-1 1,0 0,1 0,-1 0,0 0,1 0,0 0,-1 0,-2 3,1-1,-78 76,23-21,45-46,-96 85,91-83,-1-1,0 0,-1-2,-28 13,-1-6,-101 24,-54-5,151-28,20-2,1 1,0 1,1 2,-48 23,-108 72,179-101,-9 5,0 0,0 0,1 1,0 1,-25 24,38-32,0 0,0 0,0 1,1 0,-1-1,1 1,0 0,1 0,-1 0,1 0,0 0,0 0,0 1,1 6,0 1,1 0,0-1,1 1,6 21,-6-26,1-1,0 0,0 0,1 0,0-1,0 1,1-1,-1 0,1 0,1 0,8 7,-5-6,0 0,0-1,1 0,0 0,0-1,0-1,15 5,126 29,44 14,-70-13,-75-26,76 33,-106-38,-4-1</inkml:trace>
+</inkml:ink>
+</file>
+
+<file path=ppt/ink/ink304.xml><?xml version="1.0" encoding="utf-8"?>
+<inkml:ink xmlns:inkml="http://www.w3.org/2003/InkML">
+  <inkml:definitions>
+    <inkml:context xml:id="ctx0">
+      <inkml:inkSource xml:id="inkSrc0">
+        <inkml:traceFormat>
+          <inkml:channel name="X" type="integer" min="-2.14748E9" max="2.14748E9" units="cm"/>
+          <inkml:channel name="Y" type="integer" min="-2.14748E9" max="2.14748E9" units="cm"/>
+        </inkml:traceFormat>
+        <inkml:channelProperties>
+          <inkml:channelProperty channel="X" name="resolution" value="1000" units="1/cm"/>
+          <inkml:channelProperty channel="Y" name="resolution" value="1000" units="1/cm"/>
+        </inkml:channelProperties>
+      </inkml:inkSource>
+      <inkml:timestamp xml:id="ts0" timeString="2022-05-13T21:22:12.937"/>
+    </inkml:context>
+    <inkml:brush xml:id="br0">
+      <inkml:brushProperty name="width" value="0.1" units="cm"/>
+      <inkml:brushProperty name="height" value="0.2" units="cm"/>
+      <inkml:brushProperty name="color" value="#FF2500"/>
+      <inkml:brushProperty name="tip" value="rectangle"/>
+      <inkml:brushProperty name="rasterOp" value="maskPen"/>
+      <inkml:brushProperty name="ignorePressure" value="1"/>
+    </inkml:brush>
+  </inkml:definitions>
+  <inkml:trace contextRef="#ctx0" brushRef="#br0">1 1,'0'11,"1"1,5 21,-1-6,197 851,-71-462,-73-231,-3-9,24 72,-33-103,66 221,-70-228,-35-115,-2-11</inkml:trace>
+</inkml:ink>
+</file>
+
+<file path=ppt/ink/ink305.xml><?xml version="1.0" encoding="utf-8"?>
+<inkml:ink xmlns:inkml="http://www.w3.org/2003/InkML">
+  <inkml:definitions>
+    <inkml:context xml:id="ctx0">
+      <inkml:inkSource xml:id="inkSrc0">
+        <inkml:traceFormat>
+          <inkml:channel name="X" type="integer" min="-2.14748E9" max="2.14748E9" units="cm"/>
+          <inkml:channel name="Y" type="integer" min="-2.14748E9" max="2.14748E9" units="cm"/>
+        </inkml:traceFormat>
+        <inkml:channelProperties>
+          <inkml:channelProperty channel="X" name="resolution" value="1000" units="1/cm"/>
+          <inkml:channelProperty channel="Y" name="resolution" value="1000" units="1/cm"/>
+        </inkml:channelProperties>
+      </inkml:inkSource>
+      <inkml:timestamp xml:id="ts0" timeString="2022-05-13T21:22:14.483"/>
+    </inkml:context>
+    <inkml:brush xml:id="br0">
+      <inkml:brushProperty name="width" value="0.1" units="cm"/>
+      <inkml:brushProperty name="height" value="0.2" units="cm"/>
+      <inkml:brushProperty name="color" value="#FF2500"/>
+      <inkml:brushProperty name="tip" value="rectangle"/>
+      <inkml:brushProperty name="rasterOp" value="maskPen"/>
+      <inkml:brushProperty name="ignorePressure" value="1"/>
+    </inkml:brush>
+  </inkml:definitions>
+  <inkml:trace contextRef="#ctx0" brushRef="#br0">689 0,'-2'46,"-1"0,-12 54,-29 86,39-169,-3 15,-1 0,-2-1,-15 33,14-40,10-17,-1-1,0 1,-1-1,0 0,-8 11,4-9,0 0,-1-1,0 0,0 0,0-1,-13 7,-12 4,-34 14,57-27,0-1,0 1,0-2,0 0,-1 0,1-1,-22 0,29-2,0 0,0 0,-1 0,1 0,0 0,0-1,0 0,1 0,-1 0,0 0,1-1,-1 1,1-1,0 0,0 0,0 0,0 0,-2-5,-5-6,1-1,1-1,-8-18,5 10,0 1,-2 0,0 1,-21-26,0 2,25 32</inkml:trace>
+</inkml:ink>
+</file>
+
+<file path=ppt/ink/ink306.xml><?xml version="1.0" encoding="utf-8"?>
+<inkml:ink xmlns:inkml="http://www.w3.org/2003/InkML">
+  <inkml:definitions>
+    <inkml:context xml:id="ctx0">
+      <inkml:inkSource xml:id="inkSrc0">
+        <inkml:traceFormat>
+          <inkml:channel name="X" type="integer" min="-2.14748E9" max="2.14748E9" units="cm"/>
+          <inkml:channel name="Y" type="integer" min="-2.14748E9" max="2.14748E9" units="cm"/>
+        </inkml:traceFormat>
+        <inkml:channelProperties>
+          <inkml:channelProperty channel="X" name="resolution" value="1000" units="1/cm"/>
+          <inkml:channelProperty channel="Y" name="resolution" value="1000" units="1/cm"/>
+        </inkml:channelProperties>
+      </inkml:inkSource>
+      <inkml:timestamp xml:id="ts0" timeString="2022-05-13T21:22:15.662"/>
+    </inkml:context>
+    <inkml:brush xml:id="br0">
+      <inkml:brushProperty name="width" value="0.1" units="cm"/>
+      <inkml:brushProperty name="height" value="0.2" units="cm"/>
+      <inkml:brushProperty name="color" value="#FF2500"/>
+      <inkml:brushProperty name="tip" value="rectangle"/>
+      <inkml:brushProperty name="rasterOp" value="maskPen"/>
+      <inkml:brushProperty name="ignorePressure" value="1"/>
+    </inkml:brush>
+  </inkml:definitions>
+  <inkml:trace contextRef="#ctx0" brushRef="#br0">1 2040,'0'2,"1"0,-1 0,1 0,0-1,0 1,-1 0,1-1,0 1,1 0,-1-1,0 1,0-1,3 3,1 1,10 10,1 0,0-1,0-1,2 0,-1-2,2 0,20 10,11 1,83 24,-56-26,0-2,158 12,158-19,-35-13,-247 1,-100 1,1-1,-1 0,0-1,12-3,-17 4,0-1,0-1,-1 1,1-1,0 0,-1-1,0 1,8-7,-3 1,-1 0,0-1,0 0,-1 0,-1-1,0 0,0 0,-1-1,0 0,-1 0,-1 0,6-21,1-21,-2-1,3-108,-19-111,3 192,-29-417,21 342,2 30,-6 1,-36-142,-11-3,57 245,0 3</inkml:trace>
+</inkml:ink>
+</file>
+
+<file path=ppt/ink/ink307.xml><?xml version="1.0" encoding="utf-8"?>
+<inkml:ink xmlns:inkml="http://www.w3.org/2003/InkML">
+  <inkml:definitions>
+    <inkml:context xml:id="ctx0">
+      <inkml:inkSource xml:id="inkSrc0">
+        <inkml:traceFormat>
+          <inkml:channel name="X" type="integer" min="-2.14748E9" max="2.14748E9" units="cm"/>
+          <inkml:channel name="Y" type="integer" min="-2.14748E9" max="2.14748E9" units="cm"/>
+        </inkml:traceFormat>
+        <inkml:channelProperties>
+          <inkml:channelProperty channel="X" name="resolution" value="1000" units="1/cm"/>
+          <inkml:channelProperty channel="Y" name="resolution" value="1000" units="1/cm"/>
+        </inkml:channelProperties>
+      </inkml:inkSource>
+      <inkml:timestamp xml:id="ts0" timeString="2022-05-13T21:22:17.713"/>
+    </inkml:context>
+    <inkml:brush xml:id="br0">
+      <inkml:brushProperty name="width" value="0.1" units="cm"/>
+      <inkml:brushProperty name="height" value="0.2" units="cm"/>
+      <inkml:brushProperty name="color" value="#FF2500"/>
+      <inkml:brushProperty name="tip" value="rectangle"/>
+      <inkml:brushProperty name="rasterOp" value="maskPen"/>
+      <inkml:brushProperty name="ignorePressure" value="1"/>
+    </inkml:brush>
+  </inkml:definitions>
+  <inkml:trace contextRef="#ctx0" brushRef="#br0">2867 1169,'0'-3,"0"-1,-1 1,1-1,-1 1,0 0,0-1,0 1,-1 0,1 0,-1 0,0-1,0 2,0-1,0 0,0 0,0 1,-4-4,1 2,0 0,0 0,-1 1,1 0,-1 0,0 0,1 0,-12-2,-7-1,0 1,-30-1,-51 1,-4 0,-54-13,-163-8,47 25,-108-2,81-17,-280-7,227 29,355-2,-1 0,1 0,0-1,-1 1,-6-3,9 2,1 1,0-1,0 1,0-1,-1 0,1 1,0-1,0 0,0 0,0 0,0 0,0 0,1 0,-1 0,0-1,0 1,1 0,-1 0,1 0,-1-1,1 1,-1-3,0-2,0 0,1 0,-1 0,2 0,-1 0,1 0,-1-1,4-9,2-2,12-28,-2 13,1 1,2 1,1 1,40-48,-20 34,2 1,55-42,-21 28,3 2,2 5,2 2,3 5,136-50,-166 74,-1 2,100-17,-130 31,0 0,1 2,-1 1,0 0,1 2,-1 2,0 0,43 13,-32-3,0 2,-2 1,47 31,91 74,37 61,-16 17,-166-171,8 9,-11-10,49 41,-64-62,0 0,1 0,0-1,0-1,0 0,1 0,-1-1,1 0,20 4,-19-6,0-1,0 0,0 0,14-2,-19 0,-1 0,1 0,-1-1,0 1,1-2,-1 1,0-1,0 1,6-6,-7 5,0 0,1 0,-1 1,1-1,10-2,-2 2</inkml:trace>
+</inkml:ink>
+</file>
+
+<file path=ppt/ink/ink308.xml><?xml version="1.0" encoding="utf-8"?>
+<inkml:ink xmlns:inkml="http://www.w3.org/2003/InkML">
+  <inkml:definitions>
+    <inkml:context xml:id="ctx0">
+      <inkml:inkSource xml:id="inkSrc0">
+        <inkml:traceFormat>
+          <inkml:channel name="X" type="integer" min="-2.14748E9" max="2.14748E9" units="cm"/>
+          <inkml:channel name="Y" type="integer" min="-2.14748E9" max="2.14748E9" units="cm"/>
+        </inkml:traceFormat>
+        <inkml:channelProperties>
+          <inkml:channelProperty channel="X" name="resolution" value="1000" units="1/cm"/>
+          <inkml:channelProperty channel="Y" name="resolution" value="1000" units="1/cm"/>
+        </inkml:channelProperties>
+      </inkml:inkSource>
+      <inkml:timestamp xml:id="ts0" timeString="2022-05-13T21:22:18.709"/>
+    </inkml:context>
+    <inkml:brush xml:id="br0">
+      <inkml:brushProperty name="width" value="0.1" units="cm"/>
+      <inkml:brushProperty name="height" value="0.2" units="cm"/>
+      <inkml:brushProperty name="color" value="#FF2500"/>
+      <inkml:brushProperty name="tip" value="rectangle"/>
+      <inkml:brushProperty name="rasterOp" value="maskPen"/>
+      <inkml:brushProperty name="ignorePressure" value="1"/>
+    </inkml:brush>
+  </inkml:definitions>
+  <inkml:trace contextRef="#ctx0" brushRef="#br0">0 4136,'1'-9,"-1"1,2-1,-1 1,1-1,0 1,4-9,-4 12,68-188,-21 65,35-127,97-503,-133 469,50-251,135-287,-226 807,94-312,-85 264,-2-1,8-134,-21 188,-1 0,0 1,-1-1,-1 0,0 1,-1-1,-1 1,-7-19,-6 0,-1 0,-1 0,-3 2,-35-41,34 44</inkml:trace>
+</inkml:ink>
+</file>
+
+<file path=ppt/ink/ink309.xml><?xml version="1.0" encoding="utf-8"?>
+<inkml:ink xmlns:inkml="http://www.w3.org/2003/InkML">
+  <inkml:definitions>
+    <inkml:context xml:id="ctx0">
+      <inkml:inkSource xml:id="inkSrc0">
+        <inkml:traceFormat>
+          <inkml:channel name="X" type="integer" min="-2.14748E9" max="2.14748E9" units="cm"/>
+          <inkml:channel name="Y" type="integer" min="-2.14748E9" max="2.14748E9" units="cm"/>
+        </inkml:traceFormat>
+        <inkml:channelProperties>
+          <inkml:channelProperty channel="X" name="resolution" value="1000" units="1/cm"/>
+          <inkml:channelProperty channel="Y" name="resolution" value="1000" units="1/cm"/>
+        </inkml:channelProperties>
+      </inkml:inkSource>
+      <inkml:timestamp xml:id="ts0" timeString="2022-05-13T21:22:19.630"/>
+    </inkml:context>
+    <inkml:brush xml:id="br0">
+      <inkml:brushProperty name="width" value="0.1" units="cm"/>
+      <inkml:brushProperty name="height" value="0.2" units="cm"/>
+      <inkml:brushProperty name="color" value="#FF2500"/>
+      <inkml:brushProperty name="tip" value="rectangle"/>
+      <inkml:brushProperty name="rasterOp" value="maskPen"/>
+      <inkml:brushProperty name="ignorePressure" value="1"/>
+    </inkml:brush>
+  </inkml:definitions>
+  <inkml:trace contextRef="#ctx0" brushRef="#br0">1 0,'0'0</inkml:trace>
+</inkml:ink>
+</file>
+
 <file path=ppt/ink/ink31.xml><?xml version="1.0" encoding="utf-8"?>
 <inkml:ink xmlns:inkml="http://www.w3.org/2003/InkML">
   <inkml:definitions>
@@ -5421,6 +6729,122 @@
     </inkml:brush>
   </inkml:definitions>
   <inkml:trace contextRef="#ctx0" brushRef="#br0">1638 0 14520,'-34'22'277,"16"-13"1111,-113 57 454,96-50-982,-183 64 244,161-60-744,-113 41 0,-23 7-528,117-43-1032,-295 86-293,259-79-765,-110 33-5977,518-152 6190</inkml:trace>
+</inkml:ink>
+</file>
+
+<file path=ppt/ink/ink310.xml><?xml version="1.0" encoding="utf-8"?>
+<inkml:ink xmlns:inkml="http://www.w3.org/2003/InkML">
+  <inkml:definitions>
+    <inkml:context xml:id="ctx0">
+      <inkml:inkSource xml:id="inkSrc0">
+        <inkml:traceFormat>
+          <inkml:channel name="X" type="integer" min="-2.14748E9" max="2.14748E9" units="cm"/>
+          <inkml:channel name="Y" type="integer" min="-2.14748E9" max="2.14748E9" units="cm"/>
+        </inkml:traceFormat>
+        <inkml:channelProperties>
+          <inkml:channelProperty channel="X" name="resolution" value="1000" units="1/cm"/>
+          <inkml:channelProperty channel="Y" name="resolution" value="1000" units="1/cm"/>
+        </inkml:channelProperties>
+      </inkml:inkSource>
+      <inkml:timestamp xml:id="ts0" timeString="2022-05-13T21:22:20.613"/>
+    </inkml:context>
+    <inkml:brush xml:id="br0">
+      <inkml:brushProperty name="width" value="0.1" units="cm"/>
+      <inkml:brushProperty name="height" value="0.2" units="cm"/>
+      <inkml:brushProperty name="color" value="#FF2500"/>
+      <inkml:brushProperty name="tip" value="rectangle"/>
+      <inkml:brushProperty name="rasterOp" value="maskPen"/>
+      <inkml:brushProperty name="ignorePressure" value="1"/>
+    </inkml:brush>
+  </inkml:definitions>
+  <inkml:trace contextRef="#ctx0" brushRef="#br0">217 1645,'0'-2,"0"1,0 0,1-1,-1 1,0 0,1-1,-1 1,1 0,0 0,-1 0,1-1,0 1,1-2,15-13,-12 12,94-81,86-83,-163 145,-1-1,-1-1,-2 0,0-2,26-54,-34 56,-1-2,-1 1,8-46,-1-85,-14 129,-2 0,0 1,-2-1,-1 0,-2 1,0 0,-2 0,-1 0,-16-32,6 22,-2 2,-1 0,-40-46,-90-86,97 110,37 37,1 2,-24-21,35 34,0 0,0 1,0 0,-1 0,1 1,-1 0,0 0,-12-3,-1 3,-1 1,1 0,-1 2,-40 4,44-3,-15 1</inkml:trace>
+</inkml:ink>
+</file>
+
+<file path=ppt/ink/ink311.xml><?xml version="1.0" encoding="utf-8"?>
+<inkml:ink xmlns:inkml="http://www.w3.org/2003/InkML">
+  <inkml:definitions>
+    <inkml:context xml:id="ctx0">
+      <inkml:inkSource xml:id="inkSrc0">
+        <inkml:traceFormat>
+          <inkml:channel name="X" type="integer" min="-2.14748E9" max="2.14748E9" units="cm"/>
+          <inkml:channel name="Y" type="integer" min="-2.14748E9" max="2.14748E9" units="cm"/>
+        </inkml:traceFormat>
+        <inkml:channelProperties>
+          <inkml:channelProperty channel="X" name="resolution" value="1000" units="1/cm"/>
+          <inkml:channelProperty channel="Y" name="resolution" value="1000" units="1/cm"/>
+        </inkml:channelProperties>
+      </inkml:inkSource>
+      <inkml:timestamp xml:id="ts0" timeString="2022-05-13T21:22:21.447"/>
+    </inkml:context>
+    <inkml:brush xml:id="br0">
+      <inkml:brushProperty name="width" value="0.1" units="cm"/>
+      <inkml:brushProperty name="height" value="0.2" units="cm"/>
+      <inkml:brushProperty name="color" value="#FF2500"/>
+      <inkml:brushProperty name="tip" value="rectangle"/>
+      <inkml:brushProperty name="rasterOp" value="maskPen"/>
+      <inkml:brushProperty name="ignorePressure" value="1"/>
+    </inkml:brush>
+  </inkml:definitions>
+  <inkml:trace contextRef="#ctx0" brushRef="#br0">269 5582,'4'-905,"-4"738,-50-500,-35 136,-10-70,74 411,3-230,39-53,-5 178,2-737,-17 1002,-2 1,-1 0,-2 0,-10-45,-4 20,-2-1</inkml:trace>
+</inkml:ink>
+</file>
+
+<file path=ppt/ink/ink312.xml><?xml version="1.0" encoding="utf-8"?>
+<inkml:ink xmlns:inkml="http://www.w3.org/2003/InkML">
+  <inkml:definitions>
+    <inkml:context xml:id="ctx0">
+      <inkml:inkSource xml:id="inkSrc0">
+        <inkml:traceFormat>
+          <inkml:channel name="X" type="integer" min="-2.14748E9" max="2.14748E9" units="cm"/>
+          <inkml:channel name="Y" type="integer" min="-2.14748E9" max="2.14748E9" units="cm"/>
+        </inkml:traceFormat>
+        <inkml:channelProperties>
+          <inkml:channelProperty channel="X" name="resolution" value="1000" units="1/cm"/>
+          <inkml:channelProperty channel="Y" name="resolution" value="1000" units="1/cm"/>
+        </inkml:channelProperties>
+      </inkml:inkSource>
+      <inkml:timestamp xml:id="ts0" timeString="2022-05-13T21:22:22.952"/>
+    </inkml:context>
+    <inkml:brush xml:id="br0">
+      <inkml:brushProperty name="width" value="0.1" units="cm"/>
+      <inkml:brushProperty name="height" value="0.2" units="cm"/>
+      <inkml:brushProperty name="color" value="#FF2500"/>
+      <inkml:brushProperty name="tip" value="rectangle"/>
+      <inkml:brushProperty name="rasterOp" value="maskPen"/>
+      <inkml:brushProperty name="ignorePressure" value="1"/>
+    </inkml:brush>
+  </inkml:definitions>
+  <inkml:trace contextRef="#ctx0" brushRef="#br0">1 0,'4'3,"-1"0,1 0,1-1,-1 1,0-1,1 0,-1-1,9 3,5 0,18 2,-18-4,182 15,-26-11,55-3,50-1,42-1,1372-2,-1455 1,-59 4,20 7,-158-5,-39-6,-1 0,1 1,-1-1,1 1,-1-1,1 1,-1-1,2 2,-3-2,0 0,0 1,0-1,1 0,-1 0,0 0,0 0,0 0,0 0,0 1,0-1,0 0,0 0,0 0,0 0,0 0,0 1,0-1,0 0,0 0,0 0,0 0,0 0,0 1,0-1,0 0,0 0,0 0,0 0,0 0,0 0,0 1,-1-1,1 0</inkml:trace>
+</inkml:ink>
+</file>
+
+<file path=ppt/ink/ink313.xml><?xml version="1.0" encoding="utf-8"?>
+<inkml:ink xmlns:inkml="http://www.w3.org/2003/InkML">
+  <inkml:definitions>
+    <inkml:context xml:id="ctx0">
+      <inkml:inkSource xml:id="inkSrc0">
+        <inkml:traceFormat>
+          <inkml:channel name="X" type="integer" min="-2.14748E9" max="2.14748E9" units="cm"/>
+          <inkml:channel name="Y" type="integer" min="-2.14748E9" max="2.14748E9" units="cm"/>
+        </inkml:traceFormat>
+        <inkml:channelProperties>
+          <inkml:channelProperty channel="X" name="resolution" value="1000" units="1/cm"/>
+          <inkml:channelProperty channel="Y" name="resolution" value="1000" units="1/cm"/>
+        </inkml:channelProperties>
+      </inkml:inkSource>
+      <inkml:timestamp xml:id="ts0" timeString="2022-05-13T21:23:16.788"/>
+    </inkml:context>
+    <inkml:brush xml:id="br0">
+      <inkml:brushProperty name="width" value="0.1" units="cm"/>
+      <inkml:brushProperty name="height" value="0.2" units="cm"/>
+      <inkml:brushProperty name="color" value="#FF2500"/>
+      <inkml:brushProperty name="tip" value="rectangle"/>
+      <inkml:brushProperty name="rasterOp" value="maskPen"/>
+      <inkml:brushProperty name="ignorePressure" value="1"/>
+    </inkml:brush>
+  </inkml:definitions>
+  <inkml:trace contextRef="#ctx0" brushRef="#br0">579 27,'-313'0,"278"-1,-56-11,56 6,-55-1,75 7</inkml:trace>
 </inkml:ink>
 </file>
 
@@ -7746,7 +9170,7 @@
           <a:p>
             <a:fld id="{9184DA70-C731-4C70-880D-CCD4705E623C}" type="datetime1">
               <a:rPr lang="en-US" smtClean="0"/>
-              <a:t>5/11/2022</a:t>
+              <a:t>5/13/2022</a:t>
             </a:fld>
             <a:endParaRPr lang="en-US" dirty="0"/>
           </a:p>
@@ -7934,7 +9358,7 @@
           <a:p>
             <a:fld id="{B612A279-0833-481D-8C56-F67FD0AC6C50}" type="datetime1">
               <a:rPr lang="en-US" smtClean="0"/>
-              <a:t>5/11/2022</a:t>
+              <a:t>5/13/2022</a:t>
             </a:fld>
             <a:endParaRPr lang="en-US" dirty="0"/>
           </a:p>
@@ -8176,7 +9600,7 @@
           <a:p>
             <a:fld id="{6587DA83-5663-4C9C-B9AA-0B40A3DAFF81}" type="datetime1">
               <a:rPr lang="en-US" smtClean="0"/>
-              <a:t>5/11/2022</a:t>
+              <a:t>5/13/2022</a:t>
             </a:fld>
             <a:endParaRPr lang="en-US" dirty="0"/>
           </a:p>
@@ -8364,7 +9788,7 @@
           <a:p>
             <a:fld id="{4BE1D723-8F53-4F53-90B0-1982A396982E}" type="datetime1">
               <a:rPr lang="en-US" smtClean="0"/>
-              <a:t>5/11/2022</a:t>
+              <a:t>5/13/2022</a:t>
             </a:fld>
             <a:endParaRPr lang="en-US" dirty="0"/>
           </a:p>
@@ -8737,7 +10161,7 @@
           <a:p>
             <a:fld id="{97669AF7-7BEB-44E4-9852-375E34362B5B}" type="datetime1">
               <a:rPr lang="en-US" smtClean="0"/>
-              <a:t>5/11/2022</a:t>
+              <a:t>5/13/2022</a:t>
             </a:fld>
             <a:endParaRPr lang="en-US" dirty="0"/>
           </a:p>
@@ -8992,7 +10416,7 @@
           <a:p>
             <a:fld id="{BAAAC38D-0552-4C82-B593-E6124DFADBE2}" type="datetime1">
               <a:rPr lang="en-US" smtClean="0"/>
-              <a:t>5/11/2022</a:t>
+              <a:t>5/13/2022</a:t>
             </a:fld>
             <a:endParaRPr lang="en-US" dirty="0"/>
           </a:p>
@@ -9389,7 +10813,7 @@
           <a:p>
             <a:fld id="{D9DF0F1C-5577-4ACB-BB62-DF8F3C494C7E}" type="datetime1">
               <a:rPr lang="en-US" smtClean="0"/>
-              <a:t>5/11/2022</a:t>
+              <a:t>5/13/2022</a:t>
             </a:fld>
             <a:endParaRPr lang="en-US" dirty="0"/>
           </a:p>
@@ -9525,7 +10949,7 @@
           <a:p>
             <a:fld id="{1775B394-D9F9-4F0C-B15D-605F45CB9E9F}" type="datetime1">
               <a:rPr lang="en-US" smtClean="0"/>
-              <a:t>5/11/2022</a:t>
+              <a:t>5/13/2022</a:t>
             </a:fld>
             <a:endParaRPr lang="en-US" dirty="0"/>
           </a:p>
@@ -9682,7 +11106,7 @@
           <a:p>
             <a:fld id="{39667345-2558-425A-8533-9BFDBCE15005}" type="datetime1">
               <a:rPr lang="en-US" smtClean="0"/>
-              <a:t>5/11/2022</a:t>
+              <a:t>5/13/2022</a:t>
             </a:fld>
             <a:endParaRPr lang="en-US" dirty="0"/>
           </a:p>
@@ -10011,7 +11435,7 @@
           <a:p>
             <a:fld id="{92BEA474-078D-4E9B-9B14-09A87B19DC46}" type="datetime1">
               <a:rPr lang="en-US" smtClean="0"/>
-              <a:t>5/11/2022</a:t>
+              <a:t>5/13/2022</a:t>
             </a:fld>
             <a:endParaRPr lang="en-US" dirty="0"/>
           </a:p>
@@ -10361,7 +11785,7 @@
           <a:p>
             <a:fld id="{4907D986-8816-4272-A432-0437A28A9828}" type="datetime1">
               <a:rPr lang="en-US" smtClean="0"/>
-              <a:t>5/11/2022</a:t>
+              <a:t>5/13/2022</a:t>
             </a:fld>
             <a:endParaRPr lang="en-US" dirty="0"/>
           </a:p>
@@ -10622,7 +12046,7 @@
           <a:p>
             <a:fld id="{62D6E202-B606-4609-B914-27C9371A1F6D}" type="datetime1">
               <a:rPr lang="en-US" smtClean="0"/>
-              <a:t>5/11/2022</a:t>
+              <a:t>5/13/2022</a:t>
             </a:fld>
             <a:endParaRPr lang="en-US" dirty="0"/>
           </a:p>
@@ -14640,8 +16064,8 @@
           <a:chExt cx="0" cy="0"/>
         </a:xfrm>
       </p:grpSpPr>
-      <mc:AlternateContent xmlns:mc="http://schemas.openxmlformats.org/markup-compatibility/2006">
-        <mc:Choice xmlns:p14="http://schemas.microsoft.com/office/powerpoint/2010/main" Requires="p14">
+      <mc:AlternateContent xmlns:mc="http://schemas.openxmlformats.org/markup-compatibility/2006" xmlns:p14="http://schemas.microsoft.com/office/powerpoint/2010/main">
+        <mc:Choice Requires="p14">
           <p:contentPart p14:bwMode="auto" r:id="rId2">
             <p14:nvContentPartPr>
               <p14:cNvPr id="114" name="Ink 113">
@@ -14660,7 +16084,7 @@
             </p14:xfrm>
           </p:contentPart>
         </mc:Choice>
-        <mc:Fallback>
+        <mc:Fallback xmlns="">
           <p:pic>
             <p:nvPicPr>
               <p:cNvPr id="114" name="Ink 113">
@@ -14691,8 +16115,8 @@
           </p:pic>
         </mc:Fallback>
       </mc:AlternateContent>
-      <mc:AlternateContent xmlns:mc="http://schemas.openxmlformats.org/markup-compatibility/2006">
-        <mc:Choice xmlns:p14="http://schemas.microsoft.com/office/powerpoint/2010/main" Requires="p14">
+      <mc:AlternateContent xmlns:mc="http://schemas.openxmlformats.org/markup-compatibility/2006" xmlns:p14="http://schemas.microsoft.com/office/powerpoint/2010/main">
+        <mc:Choice Requires="p14">
           <p:contentPart p14:bwMode="auto" r:id="rId4">
             <p14:nvContentPartPr>
               <p14:cNvPr id="115" name="Ink 114">
@@ -14711,7 +16135,7 @@
             </p14:xfrm>
           </p:contentPart>
         </mc:Choice>
-        <mc:Fallback>
+        <mc:Fallback xmlns="">
           <p:pic>
             <p:nvPicPr>
               <p:cNvPr id="115" name="Ink 114">
@@ -14742,8 +16166,8 @@
           </p:pic>
         </mc:Fallback>
       </mc:AlternateContent>
-      <mc:AlternateContent xmlns:mc="http://schemas.openxmlformats.org/markup-compatibility/2006">
-        <mc:Choice xmlns:p14="http://schemas.microsoft.com/office/powerpoint/2010/main" Requires="p14">
+      <mc:AlternateContent xmlns:mc="http://schemas.openxmlformats.org/markup-compatibility/2006" xmlns:p14="http://schemas.microsoft.com/office/powerpoint/2010/main">
+        <mc:Choice Requires="p14">
           <p:contentPart p14:bwMode="auto" r:id="rId6">
             <p14:nvContentPartPr>
               <p14:cNvPr id="116" name="Ink 115">
@@ -14762,7 +16186,7 @@
             </p14:xfrm>
           </p:contentPart>
         </mc:Choice>
-        <mc:Fallback>
+        <mc:Fallback xmlns="">
           <p:pic>
             <p:nvPicPr>
               <p:cNvPr id="116" name="Ink 115">
@@ -14793,8 +16217,8 @@
           </p:pic>
         </mc:Fallback>
       </mc:AlternateContent>
-      <mc:AlternateContent xmlns:mc="http://schemas.openxmlformats.org/markup-compatibility/2006">
-        <mc:Choice xmlns:p14="http://schemas.microsoft.com/office/powerpoint/2010/main" Requires="p14">
+      <mc:AlternateContent xmlns:mc="http://schemas.openxmlformats.org/markup-compatibility/2006" xmlns:p14="http://schemas.microsoft.com/office/powerpoint/2010/main">
+        <mc:Choice Requires="p14">
           <p:contentPart p14:bwMode="auto" r:id="rId8">
             <p14:nvContentPartPr>
               <p14:cNvPr id="195" name="Ink 194">
@@ -14813,7 +16237,7 @@
             </p14:xfrm>
           </p:contentPart>
         </mc:Choice>
-        <mc:Fallback>
+        <mc:Fallback xmlns="">
           <p:pic>
             <p:nvPicPr>
               <p:cNvPr id="195" name="Ink 194">
@@ -14844,8 +16268,8 @@
           </p:pic>
         </mc:Fallback>
       </mc:AlternateContent>
-      <mc:AlternateContent xmlns:mc="http://schemas.openxmlformats.org/markup-compatibility/2006">
-        <mc:Choice xmlns:p14="http://schemas.microsoft.com/office/powerpoint/2010/main" Requires="p14">
+      <mc:AlternateContent xmlns:mc="http://schemas.openxmlformats.org/markup-compatibility/2006" xmlns:p14="http://schemas.microsoft.com/office/powerpoint/2010/main">
+        <mc:Choice Requires="p14">
           <p:contentPart p14:bwMode="auto" r:id="rId10">
             <p14:nvContentPartPr>
               <p14:cNvPr id="214" name="Ink 213">
@@ -14864,7 +16288,7 @@
             </p14:xfrm>
           </p:contentPart>
         </mc:Choice>
-        <mc:Fallback>
+        <mc:Fallback xmlns="">
           <p:pic>
             <p:nvPicPr>
               <p:cNvPr id="214" name="Ink 213">
@@ -14895,8 +16319,8 @@
           </p:pic>
         </mc:Fallback>
       </mc:AlternateContent>
-      <mc:AlternateContent xmlns:mc="http://schemas.openxmlformats.org/markup-compatibility/2006">
-        <mc:Choice xmlns:p14="http://schemas.microsoft.com/office/powerpoint/2010/main" Requires="p14">
+      <mc:AlternateContent xmlns:mc="http://schemas.openxmlformats.org/markup-compatibility/2006" xmlns:p14="http://schemas.microsoft.com/office/powerpoint/2010/main">
+        <mc:Choice Requires="p14">
           <p:contentPart p14:bwMode="auto" r:id="rId12">
             <p14:nvContentPartPr>
               <p14:cNvPr id="38" name="Ink 37">
@@ -14915,7 +16339,7 @@
             </p14:xfrm>
           </p:contentPart>
         </mc:Choice>
-        <mc:Fallback>
+        <mc:Fallback xmlns="">
           <p:pic>
             <p:nvPicPr>
               <p:cNvPr id="38" name="Ink 37">
@@ -14946,8 +16370,8 @@
           </p:pic>
         </mc:Fallback>
       </mc:AlternateContent>
-      <mc:AlternateContent xmlns:mc="http://schemas.openxmlformats.org/markup-compatibility/2006">
-        <mc:Choice xmlns:p14="http://schemas.microsoft.com/office/powerpoint/2010/main" Requires="p14">
+      <mc:AlternateContent xmlns:mc="http://schemas.openxmlformats.org/markup-compatibility/2006" xmlns:p14="http://schemas.microsoft.com/office/powerpoint/2010/main">
+        <mc:Choice Requires="p14">
           <p:contentPart p14:bwMode="auto" r:id="rId14">
             <p14:nvContentPartPr>
               <p14:cNvPr id="39" name="Ink 38">
@@ -14966,7 +16390,7 @@
             </p14:xfrm>
           </p:contentPart>
         </mc:Choice>
-        <mc:Fallback>
+        <mc:Fallback xmlns="">
           <p:pic>
             <p:nvPicPr>
               <p:cNvPr id="39" name="Ink 38">
@@ -14997,8 +16421,8 @@
           </p:pic>
         </mc:Fallback>
       </mc:AlternateContent>
-      <mc:AlternateContent xmlns:mc="http://schemas.openxmlformats.org/markup-compatibility/2006">
-        <mc:Choice xmlns:p14="http://schemas.microsoft.com/office/powerpoint/2010/main" Requires="p14">
+      <mc:AlternateContent xmlns:mc="http://schemas.openxmlformats.org/markup-compatibility/2006" xmlns:p14="http://schemas.microsoft.com/office/powerpoint/2010/main">
+        <mc:Choice Requires="p14">
           <p:contentPart p14:bwMode="auto" r:id="rId16">
             <p14:nvContentPartPr>
               <p14:cNvPr id="40" name="Ink 39">
@@ -15017,7 +16441,7 @@
             </p14:xfrm>
           </p:contentPart>
         </mc:Choice>
-        <mc:Fallback>
+        <mc:Fallback xmlns="">
           <p:pic>
             <p:nvPicPr>
               <p:cNvPr id="40" name="Ink 39">
@@ -15048,8 +16472,8 @@
           </p:pic>
         </mc:Fallback>
       </mc:AlternateContent>
-      <mc:AlternateContent xmlns:mc="http://schemas.openxmlformats.org/markup-compatibility/2006">
-        <mc:Choice xmlns:p14="http://schemas.microsoft.com/office/powerpoint/2010/main" Requires="p14">
+      <mc:AlternateContent xmlns:mc="http://schemas.openxmlformats.org/markup-compatibility/2006" xmlns:p14="http://schemas.microsoft.com/office/powerpoint/2010/main">
+        <mc:Choice Requires="p14">
           <p:contentPart p14:bwMode="auto" r:id="rId18">
             <p14:nvContentPartPr>
               <p14:cNvPr id="41" name="Ink 40">
@@ -15068,7 +16492,7 @@
             </p14:xfrm>
           </p:contentPart>
         </mc:Choice>
-        <mc:Fallback>
+        <mc:Fallback xmlns="">
           <p:pic>
             <p:nvPicPr>
               <p:cNvPr id="41" name="Ink 40">
@@ -15099,8 +16523,8 @@
           </p:pic>
         </mc:Fallback>
       </mc:AlternateContent>
-      <mc:AlternateContent xmlns:mc="http://schemas.openxmlformats.org/markup-compatibility/2006">
-        <mc:Choice xmlns:p14="http://schemas.microsoft.com/office/powerpoint/2010/main" Requires="p14">
+      <mc:AlternateContent xmlns:mc="http://schemas.openxmlformats.org/markup-compatibility/2006" xmlns:p14="http://schemas.microsoft.com/office/powerpoint/2010/main">
+        <mc:Choice Requires="p14">
           <p:contentPart p14:bwMode="auto" r:id="rId20">
             <p14:nvContentPartPr>
               <p14:cNvPr id="42" name="Ink 41">
@@ -15119,7 +16543,7 @@
             </p14:xfrm>
           </p:contentPart>
         </mc:Choice>
-        <mc:Fallback>
+        <mc:Fallback xmlns="">
           <p:pic>
             <p:nvPicPr>
               <p:cNvPr id="42" name="Ink 41">
@@ -15150,8 +16574,8 @@
           </p:pic>
         </mc:Fallback>
       </mc:AlternateContent>
-      <mc:AlternateContent xmlns:mc="http://schemas.openxmlformats.org/markup-compatibility/2006">
-        <mc:Choice xmlns:p14="http://schemas.microsoft.com/office/powerpoint/2010/main" Requires="p14">
+      <mc:AlternateContent xmlns:mc="http://schemas.openxmlformats.org/markup-compatibility/2006" xmlns:p14="http://schemas.microsoft.com/office/powerpoint/2010/main">
+        <mc:Choice Requires="p14">
           <p:contentPart p14:bwMode="auto" r:id="rId22">
             <p14:nvContentPartPr>
               <p14:cNvPr id="43" name="Ink 42">
@@ -15170,7 +16594,7 @@
             </p14:xfrm>
           </p:contentPart>
         </mc:Choice>
-        <mc:Fallback>
+        <mc:Fallback xmlns="">
           <p:pic>
             <p:nvPicPr>
               <p:cNvPr id="43" name="Ink 42">
@@ -15201,8 +16625,8 @@
           </p:pic>
         </mc:Fallback>
       </mc:AlternateContent>
-      <mc:AlternateContent xmlns:mc="http://schemas.openxmlformats.org/markup-compatibility/2006">
-        <mc:Choice xmlns:p14="http://schemas.microsoft.com/office/powerpoint/2010/main" Requires="p14">
+      <mc:AlternateContent xmlns:mc="http://schemas.openxmlformats.org/markup-compatibility/2006" xmlns:p14="http://schemas.microsoft.com/office/powerpoint/2010/main">
+        <mc:Choice Requires="p14">
           <p:contentPart p14:bwMode="auto" r:id="rId24">
             <p14:nvContentPartPr>
               <p14:cNvPr id="44" name="Ink 43">
@@ -15221,7 +16645,7 @@
             </p14:xfrm>
           </p:contentPart>
         </mc:Choice>
-        <mc:Fallback>
+        <mc:Fallback xmlns="">
           <p:pic>
             <p:nvPicPr>
               <p:cNvPr id="44" name="Ink 43">
@@ -15252,8 +16676,8 @@
           </p:pic>
         </mc:Fallback>
       </mc:AlternateContent>
-      <mc:AlternateContent xmlns:mc="http://schemas.openxmlformats.org/markup-compatibility/2006">
-        <mc:Choice xmlns:p14="http://schemas.microsoft.com/office/powerpoint/2010/main" Requires="p14">
+      <mc:AlternateContent xmlns:mc="http://schemas.openxmlformats.org/markup-compatibility/2006" xmlns:p14="http://schemas.microsoft.com/office/powerpoint/2010/main">
+        <mc:Choice Requires="p14">
           <p:contentPart p14:bwMode="auto" r:id="rId26">
             <p14:nvContentPartPr>
               <p14:cNvPr id="45" name="Ink 44">
@@ -15272,7 +16696,7 @@
             </p14:xfrm>
           </p:contentPart>
         </mc:Choice>
-        <mc:Fallback>
+        <mc:Fallback xmlns="">
           <p:pic>
             <p:nvPicPr>
               <p:cNvPr id="45" name="Ink 44">
@@ -15303,8 +16727,8 @@
           </p:pic>
         </mc:Fallback>
       </mc:AlternateContent>
-      <mc:AlternateContent xmlns:mc="http://schemas.openxmlformats.org/markup-compatibility/2006">
-        <mc:Choice xmlns:p14="http://schemas.microsoft.com/office/powerpoint/2010/main" Requires="p14">
+      <mc:AlternateContent xmlns:mc="http://schemas.openxmlformats.org/markup-compatibility/2006" xmlns:p14="http://schemas.microsoft.com/office/powerpoint/2010/main">
+        <mc:Choice Requires="p14">
           <p:contentPart p14:bwMode="auto" r:id="rId28">
             <p14:nvContentPartPr>
               <p14:cNvPr id="46" name="Ink 45">
@@ -15323,7 +16747,7 @@
             </p14:xfrm>
           </p:contentPart>
         </mc:Choice>
-        <mc:Fallback>
+        <mc:Fallback xmlns="">
           <p:pic>
             <p:nvPicPr>
               <p:cNvPr id="46" name="Ink 45">
@@ -15354,8 +16778,8 @@
           </p:pic>
         </mc:Fallback>
       </mc:AlternateContent>
-      <mc:AlternateContent xmlns:mc="http://schemas.openxmlformats.org/markup-compatibility/2006">
-        <mc:Choice xmlns:p14="http://schemas.microsoft.com/office/powerpoint/2010/main" Requires="p14">
+      <mc:AlternateContent xmlns:mc="http://schemas.openxmlformats.org/markup-compatibility/2006" xmlns:p14="http://schemas.microsoft.com/office/powerpoint/2010/main">
+        <mc:Choice Requires="p14">
           <p:contentPart p14:bwMode="auto" r:id="rId30">
             <p14:nvContentPartPr>
               <p14:cNvPr id="47" name="Ink 46">
@@ -15374,7 +16798,7 @@
             </p14:xfrm>
           </p:contentPart>
         </mc:Choice>
-        <mc:Fallback>
+        <mc:Fallback xmlns="">
           <p:pic>
             <p:nvPicPr>
               <p:cNvPr id="47" name="Ink 46">
@@ -15405,8 +16829,8 @@
           </p:pic>
         </mc:Fallback>
       </mc:AlternateContent>
-      <mc:AlternateContent xmlns:mc="http://schemas.openxmlformats.org/markup-compatibility/2006">
-        <mc:Choice xmlns:p14="http://schemas.microsoft.com/office/powerpoint/2010/main" Requires="p14">
+      <mc:AlternateContent xmlns:mc="http://schemas.openxmlformats.org/markup-compatibility/2006" xmlns:p14="http://schemas.microsoft.com/office/powerpoint/2010/main">
+        <mc:Choice Requires="p14">
           <p:contentPart p14:bwMode="auto" r:id="rId32">
             <p14:nvContentPartPr>
               <p14:cNvPr id="48" name="Ink 47">
@@ -15425,7 +16849,7 @@
             </p14:xfrm>
           </p:contentPart>
         </mc:Choice>
-        <mc:Fallback>
+        <mc:Fallback xmlns="">
           <p:pic>
             <p:nvPicPr>
               <p:cNvPr id="48" name="Ink 47">
@@ -15456,8 +16880,8 @@
           </p:pic>
         </mc:Fallback>
       </mc:AlternateContent>
-      <mc:AlternateContent xmlns:mc="http://schemas.openxmlformats.org/markup-compatibility/2006">
-        <mc:Choice xmlns:p14="http://schemas.microsoft.com/office/powerpoint/2010/main" Requires="p14">
+      <mc:AlternateContent xmlns:mc="http://schemas.openxmlformats.org/markup-compatibility/2006" xmlns:p14="http://schemas.microsoft.com/office/powerpoint/2010/main">
+        <mc:Choice Requires="p14">
           <p:contentPart p14:bwMode="auto" r:id="rId34">
             <p14:nvContentPartPr>
               <p14:cNvPr id="103" name="Ink 102">
@@ -15476,7 +16900,7 @@
             </p14:xfrm>
           </p:contentPart>
         </mc:Choice>
-        <mc:Fallback>
+        <mc:Fallback xmlns="">
           <p:pic>
             <p:nvPicPr>
               <p:cNvPr id="103" name="Ink 102">
@@ -15507,8 +16931,8 @@
           </p:pic>
         </mc:Fallback>
       </mc:AlternateContent>
-      <mc:AlternateContent xmlns:mc="http://schemas.openxmlformats.org/markup-compatibility/2006">
-        <mc:Choice xmlns:p14="http://schemas.microsoft.com/office/powerpoint/2010/main" Requires="p14">
+      <mc:AlternateContent xmlns:mc="http://schemas.openxmlformats.org/markup-compatibility/2006" xmlns:p14="http://schemas.microsoft.com/office/powerpoint/2010/main">
+        <mc:Choice Requires="p14">
           <p:contentPart p14:bwMode="auto" r:id="rId36">
             <p14:nvContentPartPr>
               <p14:cNvPr id="78" name="Ink 77">
@@ -15527,7 +16951,7 @@
             </p14:xfrm>
           </p:contentPart>
         </mc:Choice>
-        <mc:Fallback>
+        <mc:Fallback xmlns="">
           <p:pic>
             <p:nvPicPr>
               <p:cNvPr id="78" name="Ink 77">
@@ -15558,8 +16982,8 @@
           </p:pic>
         </mc:Fallback>
       </mc:AlternateContent>
-      <mc:AlternateContent xmlns:mc="http://schemas.openxmlformats.org/markup-compatibility/2006">
-        <mc:Choice xmlns:p14="http://schemas.microsoft.com/office/powerpoint/2010/main" Requires="p14">
+      <mc:AlternateContent xmlns:mc="http://schemas.openxmlformats.org/markup-compatibility/2006" xmlns:p14="http://schemas.microsoft.com/office/powerpoint/2010/main">
+        <mc:Choice Requires="p14">
           <p:contentPart p14:bwMode="auto" r:id="rId38">
             <p14:nvContentPartPr>
               <p14:cNvPr id="79" name="Ink 78">
@@ -15578,7 +17002,7 @@
             </p14:xfrm>
           </p:contentPart>
         </mc:Choice>
-        <mc:Fallback>
+        <mc:Fallback xmlns="">
           <p:pic>
             <p:nvPicPr>
               <p:cNvPr id="79" name="Ink 78">
@@ -15609,8 +17033,8 @@
           </p:pic>
         </mc:Fallback>
       </mc:AlternateContent>
-      <mc:AlternateContent xmlns:mc="http://schemas.openxmlformats.org/markup-compatibility/2006">
-        <mc:Choice xmlns:p14="http://schemas.microsoft.com/office/powerpoint/2010/main" Requires="p14">
+      <mc:AlternateContent xmlns:mc="http://schemas.openxmlformats.org/markup-compatibility/2006" xmlns:p14="http://schemas.microsoft.com/office/powerpoint/2010/main">
+        <mc:Choice Requires="p14">
           <p:contentPart p14:bwMode="auto" r:id="rId40">
             <p14:nvContentPartPr>
               <p14:cNvPr id="80" name="Ink 79">
@@ -15629,7 +17053,7 @@
             </p14:xfrm>
           </p:contentPart>
         </mc:Choice>
-        <mc:Fallback>
+        <mc:Fallback xmlns="">
           <p:pic>
             <p:nvPicPr>
               <p:cNvPr id="80" name="Ink 79">
@@ -15660,8 +17084,8 @@
           </p:pic>
         </mc:Fallback>
       </mc:AlternateContent>
-      <mc:AlternateContent xmlns:mc="http://schemas.openxmlformats.org/markup-compatibility/2006">
-        <mc:Choice xmlns:p14="http://schemas.microsoft.com/office/powerpoint/2010/main" Requires="p14">
+      <mc:AlternateContent xmlns:mc="http://schemas.openxmlformats.org/markup-compatibility/2006" xmlns:p14="http://schemas.microsoft.com/office/powerpoint/2010/main">
+        <mc:Choice Requires="p14">
           <p:contentPart p14:bwMode="auto" r:id="rId42">
             <p14:nvContentPartPr>
               <p14:cNvPr id="81" name="Ink 80">
@@ -15680,7 +17104,7 @@
             </p14:xfrm>
           </p:contentPart>
         </mc:Choice>
-        <mc:Fallback>
+        <mc:Fallback xmlns="">
           <p:pic>
             <p:nvPicPr>
               <p:cNvPr id="81" name="Ink 80">
@@ -15711,8 +17135,8 @@
           </p:pic>
         </mc:Fallback>
       </mc:AlternateContent>
-      <mc:AlternateContent xmlns:mc="http://schemas.openxmlformats.org/markup-compatibility/2006">
-        <mc:Choice xmlns:p14="http://schemas.microsoft.com/office/powerpoint/2010/main" Requires="p14">
+      <mc:AlternateContent xmlns:mc="http://schemas.openxmlformats.org/markup-compatibility/2006" xmlns:p14="http://schemas.microsoft.com/office/powerpoint/2010/main">
+        <mc:Choice Requires="p14">
           <p:contentPart p14:bwMode="auto" r:id="rId44">
             <p14:nvContentPartPr>
               <p14:cNvPr id="82" name="Ink 81">
@@ -15731,7 +17155,7 @@
             </p14:xfrm>
           </p:contentPart>
         </mc:Choice>
-        <mc:Fallback>
+        <mc:Fallback xmlns="">
           <p:pic>
             <p:nvPicPr>
               <p:cNvPr id="82" name="Ink 81">
@@ -15762,8 +17186,8 @@
           </p:pic>
         </mc:Fallback>
       </mc:AlternateContent>
-      <mc:AlternateContent xmlns:mc="http://schemas.openxmlformats.org/markup-compatibility/2006">
-        <mc:Choice xmlns:p14="http://schemas.microsoft.com/office/powerpoint/2010/main" Requires="p14">
+      <mc:AlternateContent xmlns:mc="http://schemas.openxmlformats.org/markup-compatibility/2006" xmlns:p14="http://schemas.microsoft.com/office/powerpoint/2010/main">
+        <mc:Choice Requires="p14">
           <p:contentPart p14:bwMode="auto" r:id="rId46">
             <p14:nvContentPartPr>
               <p14:cNvPr id="83" name="Ink 82">
@@ -15782,7 +17206,7 @@
             </p14:xfrm>
           </p:contentPart>
         </mc:Choice>
-        <mc:Fallback>
+        <mc:Fallback xmlns="">
           <p:pic>
             <p:nvPicPr>
               <p:cNvPr id="83" name="Ink 82">
@@ -15813,8 +17237,8 @@
           </p:pic>
         </mc:Fallback>
       </mc:AlternateContent>
-      <mc:AlternateContent xmlns:mc="http://schemas.openxmlformats.org/markup-compatibility/2006">
-        <mc:Choice xmlns:p14="http://schemas.microsoft.com/office/powerpoint/2010/main" Requires="p14">
+      <mc:AlternateContent xmlns:mc="http://schemas.openxmlformats.org/markup-compatibility/2006" xmlns:p14="http://schemas.microsoft.com/office/powerpoint/2010/main">
+        <mc:Choice Requires="p14">
           <p:contentPart p14:bwMode="auto" r:id="rId48">
             <p14:nvContentPartPr>
               <p14:cNvPr id="84" name="Ink 83">
@@ -15833,7 +17257,7 @@
             </p14:xfrm>
           </p:contentPart>
         </mc:Choice>
-        <mc:Fallback>
+        <mc:Fallback xmlns="">
           <p:pic>
             <p:nvPicPr>
               <p:cNvPr id="84" name="Ink 83">
@@ -15864,8 +17288,8 @@
           </p:pic>
         </mc:Fallback>
       </mc:AlternateContent>
-      <mc:AlternateContent xmlns:mc="http://schemas.openxmlformats.org/markup-compatibility/2006">
-        <mc:Choice xmlns:p14="http://schemas.microsoft.com/office/powerpoint/2010/main" Requires="p14">
+      <mc:AlternateContent xmlns:mc="http://schemas.openxmlformats.org/markup-compatibility/2006" xmlns:p14="http://schemas.microsoft.com/office/powerpoint/2010/main">
+        <mc:Choice Requires="p14">
           <p:contentPart p14:bwMode="auto" r:id="rId50">
             <p14:nvContentPartPr>
               <p14:cNvPr id="85" name="Ink 84">
@@ -15884,7 +17308,7 @@
             </p14:xfrm>
           </p:contentPart>
         </mc:Choice>
-        <mc:Fallback>
+        <mc:Fallback xmlns="">
           <p:pic>
             <p:nvPicPr>
               <p:cNvPr id="85" name="Ink 84">
@@ -15915,8 +17339,8 @@
           </p:pic>
         </mc:Fallback>
       </mc:AlternateContent>
-      <mc:AlternateContent xmlns:mc="http://schemas.openxmlformats.org/markup-compatibility/2006">
-        <mc:Choice xmlns:p14="http://schemas.microsoft.com/office/powerpoint/2010/main" Requires="p14">
+      <mc:AlternateContent xmlns:mc="http://schemas.openxmlformats.org/markup-compatibility/2006" xmlns:p14="http://schemas.microsoft.com/office/powerpoint/2010/main">
+        <mc:Choice Requires="p14">
           <p:contentPart p14:bwMode="auto" r:id="rId52">
             <p14:nvContentPartPr>
               <p14:cNvPr id="86" name="Ink 85">
@@ -15935,7 +17359,7 @@
             </p14:xfrm>
           </p:contentPart>
         </mc:Choice>
-        <mc:Fallback>
+        <mc:Fallback xmlns="">
           <p:pic>
             <p:nvPicPr>
               <p:cNvPr id="86" name="Ink 85">
@@ -15966,8 +17390,8 @@
           </p:pic>
         </mc:Fallback>
       </mc:AlternateContent>
-      <mc:AlternateContent xmlns:mc="http://schemas.openxmlformats.org/markup-compatibility/2006">
-        <mc:Choice xmlns:p14="http://schemas.microsoft.com/office/powerpoint/2010/main" Requires="p14">
+      <mc:AlternateContent xmlns:mc="http://schemas.openxmlformats.org/markup-compatibility/2006" xmlns:p14="http://schemas.microsoft.com/office/powerpoint/2010/main">
+        <mc:Choice Requires="p14">
           <p:contentPart p14:bwMode="auto" r:id="rId54">
             <p14:nvContentPartPr>
               <p14:cNvPr id="87" name="Ink 86">
@@ -15986,7 +17410,7 @@
             </p14:xfrm>
           </p:contentPart>
         </mc:Choice>
-        <mc:Fallback>
+        <mc:Fallback xmlns="">
           <p:pic>
             <p:nvPicPr>
               <p:cNvPr id="87" name="Ink 86">
@@ -16017,8 +17441,8 @@
           </p:pic>
         </mc:Fallback>
       </mc:AlternateContent>
-      <mc:AlternateContent xmlns:mc="http://schemas.openxmlformats.org/markup-compatibility/2006">
-        <mc:Choice xmlns:p14="http://schemas.microsoft.com/office/powerpoint/2010/main" Requires="p14">
+      <mc:AlternateContent xmlns:mc="http://schemas.openxmlformats.org/markup-compatibility/2006" xmlns:p14="http://schemas.microsoft.com/office/powerpoint/2010/main">
+        <mc:Choice Requires="p14">
           <p:contentPart p14:bwMode="auto" r:id="rId56">
             <p14:nvContentPartPr>
               <p14:cNvPr id="88" name="Ink 87">
@@ -16037,7 +17461,7 @@
             </p14:xfrm>
           </p:contentPart>
         </mc:Choice>
-        <mc:Fallback>
+        <mc:Fallback xmlns="">
           <p:pic>
             <p:nvPicPr>
               <p:cNvPr id="88" name="Ink 87">
@@ -16068,8 +17492,8 @@
           </p:pic>
         </mc:Fallback>
       </mc:AlternateContent>
-      <mc:AlternateContent xmlns:mc="http://schemas.openxmlformats.org/markup-compatibility/2006">
-        <mc:Choice xmlns:p14="http://schemas.microsoft.com/office/powerpoint/2010/main" Requires="p14">
+      <mc:AlternateContent xmlns:mc="http://schemas.openxmlformats.org/markup-compatibility/2006" xmlns:p14="http://schemas.microsoft.com/office/powerpoint/2010/main">
+        <mc:Choice Requires="p14">
           <p:contentPart p14:bwMode="auto" r:id="rId58">
             <p14:nvContentPartPr>
               <p14:cNvPr id="90" name="Ink 89">
@@ -16088,7 +17512,7 @@
             </p14:xfrm>
           </p:contentPart>
         </mc:Choice>
-        <mc:Fallback>
+        <mc:Fallback xmlns="">
           <p:pic>
             <p:nvPicPr>
               <p:cNvPr id="90" name="Ink 89">
@@ -16119,8 +17543,8 @@
           </p:pic>
         </mc:Fallback>
       </mc:AlternateContent>
-      <mc:AlternateContent xmlns:mc="http://schemas.openxmlformats.org/markup-compatibility/2006">
-        <mc:Choice xmlns:p14="http://schemas.microsoft.com/office/powerpoint/2010/main" Requires="p14">
+      <mc:AlternateContent xmlns:mc="http://schemas.openxmlformats.org/markup-compatibility/2006" xmlns:p14="http://schemas.microsoft.com/office/powerpoint/2010/main">
+        <mc:Choice Requires="p14">
           <p:contentPart p14:bwMode="auto" r:id="rId60">
             <p14:nvContentPartPr>
               <p14:cNvPr id="91" name="Ink 90">
@@ -16139,7 +17563,7 @@
             </p14:xfrm>
           </p:contentPart>
         </mc:Choice>
-        <mc:Fallback>
+        <mc:Fallback xmlns="">
           <p:pic>
             <p:nvPicPr>
               <p:cNvPr id="91" name="Ink 90">
@@ -16170,8 +17594,8 @@
           </p:pic>
         </mc:Fallback>
       </mc:AlternateContent>
-      <mc:AlternateContent xmlns:mc="http://schemas.openxmlformats.org/markup-compatibility/2006">
-        <mc:Choice xmlns:p14="http://schemas.microsoft.com/office/powerpoint/2010/main" Requires="p14">
+      <mc:AlternateContent xmlns:mc="http://schemas.openxmlformats.org/markup-compatibility/2006" xmlns:p14="http://schemas.microsoft.com/office/powerpoint/2010/main">
+        <mc:Choice Requires="p14">
           <p:contentPart p14:bwMode="auto" r:id="rId62">
             <p14:nvContentPartPr>
               <p14:cNvPr id="92" name="Ink 91">
@@ -16190,7 +17614,7 @@
             </p14:xfrm>
           </p:contentPart>
         </mc:Choice>
-        <mc:Fallback>
+        <mc:Fallback xmlns="">
           <p:pic>
             <p:nvPicPr>
               <p:cNvPr id="92" name="Ink 91">
@@ -16221,8 +17645,8 @@
           </p:pic>
         </mc:Fallback>
       </mc:AlternateContent>
-      <mc:AlternateContent xmlns:mc="http://schemas.openxmlformats.org/markup-compatibility/2006">
-        <mc:Choice xmlns:p14="http://schemas.microsoft.com/office/powerpoint/2010/main" Requires="p14">
+      <mc:AlternateContent xmlns:mc="http://schemas.openxmlformats.org/markup-compatibility/2006" xmlns:p14="http://schemas.microsoft.com/office/powerpoint/2010/main">
+        <mc:Choice Requires="p14">
           <p:contentPart p14:bwMode="auto" r:id="rId64">
             <p14:nvContentPartPr>
               <p14:cNvPr id="93" name="Ink 92">
@@ -16241,7 +17665,7 @@
             </p14:xfrm>
           </p:contentPart>
         </mc:Choice>
-        <mc:Fallback>
+        <mc:Fallback xmlns="">
           <p:pic>
             <p:nvPicPr>
               <p:cNvPr id="93" name="Ink 92">
@@ -16272,8 +17696,8 @@
           </p:pic>
         </mc:Fallback>
       </mc:AlternateContent>
-      <mc:AlternateContent xmlns:mc="http://schemas.openxmlformats.org/markup-compatibility/2006">
-        <mc:Choice xmlns:p14="http://schemas.microsoft.com/office/powerpoint/2010/main" Requires="p14">
+      <mc:AlternateContent xmlns:mc="http://schemas.openxmlformats.org/markup-compatibility/2006" xmlns:p14="http://schemas.microsoft.com/office/powerpoint/2010/main">
+        <mc:Choice Requires="p14">
           <p:contentPart p14:bwMode="auto" r:id="rId66">
             <p14:nvContentPartPr>
               <p14:cNvPr id="94" name="Ink 93">
@@ -16292,7 +17716,7 @@
             </p14:xfrm>
           </p:contentPart>
         </mc:Choice>
-        <mc:Fallback>
+        <mc:Fallback xmlns="">
           <p:pic>
             <p:nvPicPr>
               <p:cNvPr id="94" name="Ink 93">
@@ -16323,8 +17747,8 @@
           </p:pic>
         </mc:Fallback>
       </mc:AlternateContent>
-      <mc:AlternateContent xmlns:mc="http://schemas.openxmlformats.org/markup-compatibility/2006">
-        <mc:Choice xmlns:p14="http://schemas.microsoft.com/office/powerpoint/2010/main" Requires="p14">
+      <mc:AlternateContent xmlns:mc="http://schemas.openxmlformats.org/markup-compatibility/2006" xmlns:p14="http://schemas.microsoft.com/office/powerpoint/2010/main">
+        <mc:Choice Requires="p14">
           <p:contentPart p14:bwMode="auto" r:id="rId68">
             <p14:nvContentPartPr>
               <p14:cNvPr id="95" name="Ink 94">
@@ -16343,7 +17767,7 @@
             </p14:xfrm>
           </p:contentPart>
         </mc:Choice>
-        <mc:Fallback>
+        <mc:Fallback xmlns="">
           <p:pic>
             <p:nvPicPr>
               <p:cNvPr id="95" name="Ink 94">
@@ -16374,8 +17798,8 @@
           </p:pic>
         </mc:Fallback>
       </mc:AlternateContent>
-      <mc:AlternateContent xmlns:mc="http://schemas.openxmlformats.org/markup-compatibility/2006">
-        <mc:Choice xmlns:p14="http://schemas.microsoft.com/office/powerpoint/2010/main" Requires="p14">
+      <mc:AlternateContent xmlns:mc="http://schemas.openxmlformats.org/markup-compatibility/2006" xmlns:p14="http://schemas.microsoft.com/office/powerpoint/2010/main">
+        <mc:Choice Requires="p14">
           <p:contentPart p14:bwMode="auto" r:id="rId70">
             <p14:nvContentPartPr>
               <p14:cNvPr id="96" name="Ink 95">
@@ -16394,7 +17818,7 @@
             </p14:xfrm>
           </p:contentPart>
         </mc:Choice>
-        <mc:Fallback>
+        <mc:Fallback xmlns="">
           <p:pic>
             <p:nvPicPr>
               <p:cNvPr id="96" name="Ink 95">
@@ -16425,8 +17849,8 @@
           </p:pic>
         </mc:Fallback>
       </mc:AlternateContent>
-      <mc:AlternateContent xmlns:mc="http://schemas.openxmlformats.org/markup-compatibility/2006">
-        <mc:Choice xmlns:p14="http://schemas.microsoft.com/office/powerpoint/2010/main" Requires="p14">
+      <mc:AlternateContent xmlns:mc="http://schemas.openxmlformats.org/markup-compatibility/2006" xmlns:p14="http://schemas.microsoft.com/office/powerpoint/2010/main">
+        <mc:Choice Requires="p14">
           <p:contentPart p14:bwMode="auto" r:id="rId72">
             <p14:nvContentPartPr>
               <p14:cNvPr id="97" name="Ink 96">
@@ -16445,7 +17869,7 @@
             </p14:xfrm>
           </p:contentPart>
         </mc:Choice>
-        <mc:Fallback>
+        <mc:Fallback xmlns="">
           <p:pic>
             <p:nvPicPr>
               <p:cNvPr id="97" name="Ink 96">
@@ -16476,8 +17900,8 @@
           </p:pic>
         </mc:Fallback>
       </mc:AlternateContent>
-      <mc:AlternateContent xmlns:mc="http://schemas.openxmlformats.org/markup-compatibility/2006">
-        <mc:Choice xmlns:p14="http://schemas.microsoft.com/office/powerpoint/2010/main" Requires="p14">
+      <mc:AlternateContent xmlns:mc="http://schemas.openxmlformats.org/markup-compatibility/2006" xmlns:p14="http://schemas.microsoft.com/office/powerpoint/2010/main">
+        <mc:Choice Requires="p14">
           <p:contentPart p14:bwMode="auto" r:id="rId74">
             <p14:nvContentPartPr>
               <p14:cNvPr id="98" name="Ink 97">
@@ -16496,7 +17920,7 @@
             </p14:xfrm>
           </p:contentPart>
         </mc:Choice>
-        <mc:Fallback>
+        <mc:Fallback xmlns="">
           <p:pic>
             <p:nvPicPr>
               <p:cNvPr id="98" name="Ink 97">
@@ -16527,8 +17951,8 @@
           </p:pic>
         </mc:Fallback>
       </mc:AlternateContent>
-      <mc:AlternateContent xmlns:mc="http://schemas.openxmlformats.org/markup-compatibility/2006">
-        <mc:Choice xmlns:p14="http://schemas.microsoft.com/office/powerpoint/2010/main" Requires="p14">
+      <mc:AlternateContent xmlns:mc="http://schemas.openxmlformats.org/markup-compatibility/2006" xmlns:p14="http://schemas.microsoft.com/office/powerpoint/2010/main">
+        <mc:Choice Requires="p14">
           <p:contentPart p14:bwMode="auto" r:id="rId76">
             <p14:nvContentPartPr>
               <p14:cNvPr id="101" name="Ink 100">
@@ -16547,7 +17971,7 @@
             </p14:xfrm>
           </p:contentPart>
         </mc:Choice>
-        <mc:Fallback>
+        <mc:Fallback xmlns="">
           <p:pic>
             <p:nvPicPr>
               <p:cNvPr id="101" name="Ink 100">
@@ -16578,8 +18002,8 @@
           </p:pic>
         </mc:Fallback>
       </mc:AlternateContent>
-      <mc:AlternateContent xmlns:mc="http://schemas.openxmlformats.org/markup-compatibility/2006">
-        <mc:Choice xmlns:p14="http://schemas.microsoft.com/office/powerpoint/2010/main" Requires="p14">
+      <mc:AlternateContent xmlns:mc="http://schemas.openxmlformats.org/markup-compatibility/2006" xmlns:p14="http://schemas.microsoft.com/office/powerpoint/2010/main">
+        <mc:Choice Requires="p14">
           <p:contentPart p14:bwMode="auto" r:id="rId78">
             <p14:nvContentPartPr>
               <p14:cNvPr id="54" name="Ink 53">
@@ -16598,7 +18022,7 @@
             </p14:xfrm>
           </p:contentPart>
         </mc:Choice>
-        <mc:Fallback>
+        <mc:Fallback xmlns="">
           <p:pic>
             <p:nvPicPr>
               <p:cNvPr id="54" name="Ink 53">
@@ -16629,8 +18053,8 @@
           </p:pic>
         </mc:Fallback>
       </mc:AlternateContent>
-      <mc:AlternateContent xmlns:mc="http://schemas.openxmlformats.org/markup-compatibility/2006">
-        <mc:Choice xmlns:p14="http://schemas.microsoft.com/office/powerpoint/2010/main" Requires="p14">
+      <mc:AlternateContent xmlns:mc="http://schemas.openxmlformats.org/markup-compatibility/2006" xmlns:p14="http://schemas.microsoft.com/office/powerpoint/2010/main">
+        <mc:Choice Requires="p14">
           <p:contentPart p14:bwMode="auto" r:id="rId80">
             <p14:nvContentPartPr>
               <p14:cNvPr id="55" name="Ink 54">
@@ -16649,7 +18073,7 @@
             </p14:xfrm>
           </p:contentPart>
         </mc:Choice>
-        <mc:Fallback>
+        <mc:Fallback xmlns="">
           <p:pic>
             <p:nvPicPr>
               <p:cNvPr id="55" name="Ink 54">
@@ -16680,8 +18104,8 @@
           </p:pic>
         </mc:Fallback>
       </mc:AlternateContent>
-      <mc:AlternateContent xmlns:mc="http://schemas.openxmlformats.org/markup-compatibility/2006">
-        <mc:Choice xmlns:p14="http://schemas.microsoft.com/office/powerpoint/2010/main" Requires="p14">
+      <mc:AlternateContent xmlns:mc="http://schemas.openxmlformats.org/markup-compatibility/2006" xmlns:p14="http://schemas.microsoft.com/office/powerpoint/2010/main">
+        <mc:Choice Requires="p14">
           <p:contentPart p14:bwMode="auto" r:id="rId82">
             <p14:nvContentPartPr>
               <p14:cNvPr id="56" name="Ink 55">
@@ -16700,7 +18124,7 @@
             </p14:xfrm>
           </p:contentPart>
         </mc:Choice>
-        <mc:Fallback>
+        <mc:Fallback xmlns="">
           <p:pic>
             <p:nvPicPr>
               <p:cNvPr id="56" name="Ink 55">
@@ -16731,8 +18155,8 @@
           </p:pic>
         </mc:Fallback>
       </mc:AlternateContent>
-      <mc:AlternateContent xmlns:mc="http://schemas.openxmlformats.org/markup-compatibility/2006">
-        <mc:Choice xmlns:p14="http://schemas.microsoft.com/office/powerpoint/2010/main" Requires="p14">
+      <mc:AlternateContent xmlns:mc="http://schemas.openxmlformats.org/markup-compatibility/2006" xmlns:p14="http://schemas.microsoft.com/office/powerpoint/2010/main">
+        <mc:Choice Requires="p14">
           <p:contentPart p14:bwMode="auto" r:id="rId84">
             <p14:nvContentPartPr>
               <p14:cNvPr id="57" name="Ink 56">
@@ -16751,7 +18175,7 @@
             </p14:xfrm>
           </p:contentPart>
         </mc:Choice>
-        <mc:Fallback>
+        <mc:Fallback xmlns="">
           <p:pic>
             <p:nvPicPr>
               <p:cNvPr id="57" name="Ink 56">
@@ -16782,8 +18206,8 @@
           </p:pic>
         </mc:Fallback>
       </mc:AlternateContent>
-      <mc:AlternateContent xmlns:mc="http://schemas.openxmlformats.org/markup-compatibility/2006">
-        <mc:Choice xmlns:p14="http://schemas.microsoft.com/office/powerpoint/2010/main" Requires="p14">
+      <mc:AlternateContent xmlns:mc="http://schemas.openxmlformats.org/markup-compatibility/2006" xmlns:p14="http://schemas.microsoft.com/office/powerpoint/2010/main">
+        <mc:Choice Requires="p14">
           <p:contentPart p14:bwMode="auto" r:id="rId86">
             <p14:nvContentPartPr>
               <p14:cNvPr id="58" name="Ink 57">
@@ -16802,7 +18226,7 @@
             </p14:xfrm>
           </p:contentPart>
         </mc:Choice>
-        <mc:Fallback>
+        <mc:Fallback xmlns="">
           <p:pic>
             <p:nvPicPr>
               <p:cNvPr id="58" name="Ink 57">
@@ -16833,8 +18257,8 @@
           </p:pic>
         </mc:Fallback>
       </mc:AlternateContent>
-      <mc:AlternateContent xmlns:mc="http://schemas.openxmlformats.org/markup-compatibility/2006">
-        <mc:Choice xmlns:p14="http://schemas.microsoft.com/office/powerpoint/2010/main" Requires="p14">
+      <mc:AlternateContent xmlns:mc="http://schemas.openxmlformats.org/markup-compatibility/2006" xmlns:p14="http://schemas.microsoft.com/office/powerpoint/2010/main">
+        <mc:Choice Requires="p14">
           <p:contentPart p14:bwMode="auto" r:id="rId88">
             <p14:nvContentPartPr>
               <p14:cNvPr id="59" name="Ink 58">
@@ -16853,7 +18277,7 @@
             </p14:xfrm>
           </p:contentPart>
         </mc:Choice>
-        <mc:Fallback>
+        <mc:Fallback xmlns="">
           <p:pic>
             <p:nvPicPr>
               <p:cNvPr id="59" name="Ink 58">
@@ -16884,8 +18308,8 @@
           </p:pic>
         </mc:Fallback>
       </mc:AlternateContent>
-      <mc:AlternateContent xmlns:mc="http://schemas.openxmlformats.org/markup-compatibility/2006">
-        <mc:Choice xmlns:p14="http://schemas.microsoft.com/office/powerpoint/2010/main" Requires="p14">
+      <mc:AlternateContent xmlns:mc="http://schemas.openxmlformats.org/markup-compatibility/2006" xmlns:p14="http://schemas.microsoft.com/office/powerpoint/2010/main">
+        <mc:Choice Requires="p14">
           <p:contentPart p14:bwMode="auto" r:id="rId90">
             <p14:nvContentPartPr>
               <p14:cNvPr id="60" name="Ink 59">
@@ -16904,7 +18328,7 @@
             </p14:xfrm>
           </p:contentPart>
         </mc:Choice>
-        <mc:Fallback>
+        <mc:Fallback xmlns="">
           <p:pic>
             <p:nvPicPr>
               <p:cNvPr id="60" name="Ink 59">
@@ -16935,8 +18359,8 @@
           </p:pic>
         </mc:Fallback>
       </mc:AlternateContent>
-      <mc:AlternateContent xmlns:mc="http://schemas.openxmlformats.org/markup-compatibility/2006">
-        <mc:Choice xmlns:p14="http://schemas.microsoft.com/office/powerpoint/2010/main" Requires="p14">
+      <mc:AlternateContent xmlns:mc="http://schemas.openxmlformats.org/markup-compatibility/2006" xmlns:p14="http://schemas.microsoft.com/office/powerpoint/2010/main">
+        <mc:Choice Requires="p14">
           <p:contentPart p14:bwMode="auto" r:id="rId92">
             <p14:nvContentPartPr>
               <p14:cNvPr id="61" name="Ink 60">
@@ -16955,7 +18379,7 @@
             </p14:xfrm>
           </p:contentPart>
         </mc:Choice>
-        <mc:Fallback>
+        <mc:Fallback xmlns="">
           <p:pic>
             <p:nvPicPr>
               <p:cNvPr id="61" name="Ink 60">
@@ -16986,8 +18410,8 @@
           </p:pic>
         </mc:Fallback>
       </mc:AlternateContent>
-      <mc:AlternateContent xmlns:mc="http://schemas.openxmlformats.org/markup-compatibility/2006">
-        <mc:Choice xmlns:p14="http://schemas.microsoft.com/office/powerpoint/2010/main" Requires="p14">
+      <mc:AlternateContent xmlns:mc="http://schemas.openxmlformats.org/markup-compatibility/2006" xmlns:p14="http://schemas.microsoft.com/office/powerpoint/2010/main">
+        <mc:Choice Requires="p14">
           <p:contentPart p14:bwMode="auto" r:id="rId94">
             <p14:nvContentPartPr>
               <p14:cNvPr id="63" name="Ink 62">
@@ -17006,7 +18430,7 @@
             </p14:xfrm>
           </p:contentPart>
         </mc:Choice>
-        <mc:Fallback>
+        <mc:Fallback xmlns="">
           <p:pic>
             <p:nvPicPr>
               <p:cNvPr id="63" name="Ink 62">
@@ -17037,8 +18461,8 @@
           </p:pic>
         </mc:Fallback>
       </mc:AlternateContent>
-      <mc:AlternateContent xmlns:mc="http://schemas.openxmlformats.org/markup-compatibility/2006">
-        <mc:Choice xmlns:p14="http://schemas.microsoft.com/office/powerpoint/2010/main" Requires="p14">
+      <mc:AlternateContent xmlns:mc="http://schemas.openxmlformats.org/markup-compatibility/2006" xmlns:p14="http://schemas.microsoft.com/office/powerpoint/2010/main">
+        <mc:Choice Requires="p14">
           <p:contentPart p14:bwMode="auto" r:id="rId96">
             <p14:nvContentPartPr>
               <p14:cNvPr id="64" name="Ink 63">
@@ -17057,7 +18481,7 @@
             </p14:xfrm>
           </p:contentPart>
         </mc:Choice>
-        <mc:Fallback>
+        <mc:Fallback xmlns="">
           <p:pic>
             <p:nvPicPr>
               <p:cNvPr id="64" name="Ink 63">
@@ -17088,8 +18512,8 @@
           </p:pic>
         </mc:Fallback>
       </mc:AlternateContent>
-      <mc:AlternateContent xmlns:mc="http://schemas.openxmlformats.org/markup-compatibility/2006">
-        <mc:Choice xmlns:p14="http://schemas.microsoft.com/office/powerpoint/2010/main" Requires="p14">
+      <mc:AlternateContent xmlns:mc="http://schemas.openxmlformats.org/markup-compatibility/2006" xmlns:p14="http://schemas.microsoft.com/office/powerpoint/2010/main">
+        <mc:Choice Requires="p14">
           <p:contentPart p14:bwMode="auto" r:id="rId98">
             <p14:nvContentPartPr>
               <p14:cNvPr id="66" name="Ink 65">
@@ -17108,7 +18532,7 @@
             </p14:xfrm>
           </p:contentPart>
         </mc:Choice>
-        <mc:Fallback>
+        <mc:Fallback xmlns="">
           <p:pic>
             <p:nvPicPr>
               <p:cNvPr id="66" name="Ink 65">
@@ -17139,8 +18563,8 @@
           </p:pic>
         </mc:Fallback>
       </mc:AlternateContent>
-      <mc:AlternateContent xmlns:mc="http://schemas.openxmlformats.org/markup-compatibility/2006">
-        <mc:Choice xmlns:p14="http://schemas.microsoft.com/office/powerpoint/2010/main" Requires="p14">
+      <mc:AlternateContent xmlns:mc="http://schemas.openxmlformats.org/markup-compatibility/2006" xmlns:p14="http://schemas.microsoft.com/office/powerpoint/2010/main">
+        <mc:Choice Requires="p14">
           <p:contentPart p14:bwMode="auto" r:id="rId100">
             <p14:nvContentPartPr>
               <p14:cNvPr id="67" name="Ink 66">
@@ -17159,7 +18583,7 @@
             </p14:xfrm>
           </p:contentPart>
         </mc:Choice>
-        <mc:Fallback>
+        <mc:Fallback xmlns="">
           <p:pic>
             <p:nvPicPr>
               <p:cNvPr id="67" name="Ink 66">
@@ -17190,8 +18614,8 @@
           </p:pic>
         </mc:Fallback>
       </mc:AlternateContent>
-      <mc:AlternateContent xmlns:mc="http://schemas.openxmlformats.org/markup-compatibility/2006">
-        <mc:Choice xmlns:p14="http://schemas.microsoft.com/office/powerpoint/2010/main" Requires="p14">
+      <mc:AlternateContent xmlns:mc="http://schemas.openxmlformats.org/markup-compatibility/2006" xmlns:p14="http://schemas.microsoft.com/office/powerpoint/2010/main">
+        <mc:Choice Requires="p14">
           <p:contentPart p14:bwMode="auto" r:id="rId102">
             <p14:nvContentPartPr>
               <p14:cNvPr id="68" name="Ink 67">
@@ -17210,7 +18634,7 @@
             </p14:xfrm>
           </p:contentPart>
         </mc:Choice>
-        <mc:Fallback>
+        <mc:Fallback xmlns="">
           <p:pic>
             <p:nvPicPr>
               <p:cNvPr id="68" name="Ink 67">
@@ -17241,8 +18665,8 @@
           </p:pic>
         </mc:Fallback>
       </mc:AlternateContent>
-      <mc:AlternateContent xmlns:mc="http://schemas.openxmlformats.org/markup-compatibility/2006">
-        <mc:Choice xmlns:p14="http://schemas.microsoft.com/office/powerpoint/2010/main" Requires="p14">
+      <mc:AlternateContent xmlns:mc="http://schemas.openxmlformats.org/markup-compatibility/2006" xmlns:p14="http://schemas.microsoft.com/office/powerpoint/2010/main">
+        <mc:Choice Requires="p14">
           <p:contentPart p14:bwMode="auto" r:id="rId104">
             <p14:nvContentPartPr>
               <p14:cNvPr id="69" name="Ink 68">
@@ -17261,7 +18685,7 @@
             </p14:xfrm>
           </p:contentPart>
         </mc:Choice>
-        <mc:Fallback>
+        <mc:Fallback xmlns="">
           <p:pic>
             <p:nvPicPr>
               <p:cNvPr id="69" name="Ink 68">
@@ -17292,8 +18716,8 @@
           </p:pic>
         </mc:Fallback>
       </mc:AlternateContent>
-      <mc:AlternateContent xmlns:mc="http://schemas.openxmlformats.org/markup-compatibility/2006">
-        <mc:Choice xmlns:p14="http://schemas.microsoft.com/office/powerpoint/2010/main" Requires="p14">
+      <mc:AlternateContent xmlns:mc="http://schemas.openxmlformats.org/markup-compatibility/2006" xmlns:p14="http://schemas.microsoft.com/office/powerpoint/2010/main">
+        <mc:Choice Requires="p14">
           <p:contentPart p14:bwMode="auto" r:id="rId106">
             <p14:nvContentPartPr>
               <p14:cNvPr id="70" name="Ink 69">
@@ -17312,7 +18736,7 @@
             </p14:xfrm>
           </p:contentPart>
         </mc:Choice>
-        <mc:Fallback>
+        <mc:Fallback xmlns="">
           <p:pic>
             <p:nvPicPr>
               <p:cNvPr id="70" name="Ink 69">
@@ -17343,8 +18767,8 @@
           </p:pic>
         </mc:Fallback>
       </mc:AlternateContent>
-      <mc:AlternateContent xmlns:mc="http://schemas.openxmlformats.org/markup-compatibility/2006">
-        <mc:Choice xmlns:p14="http://schemas.microsoft.com/office/powerpoint/2010/main" Requires="p14">
+      <mc:AlternateContent xmlns:mc="http://schemas.openxmlformats.org/markup-compatibility/2006" xmlns:p14="http://schemas.microsoft.com/office/powerpoint/2010/main">
+        <mc:Choice Requires="p14">
           <p:contentPart p14:bwMode="auto" r:id="rId108">
             <p14:nvContentPartPr>
               <p14:cNvPr id="71" name="Ink 70">
@@ -17363,7 +18787,7 @@
             </p14:xfrm>
           </p:contentPart>
         </mc:Choice>
-        <mc:Fallback>
+        <mc:Fallback xmlns="">
           <p:pic>
             <p:nvPicPr>
               <p:cNvPr id="71" name="Ink 70">
@@ -17394,8 +18818,8 @@
           </p:pic>
         </mc:Fallback>
       </mc:AlternateContent>
-      <mc:AlternateContent xmlns:mc="http://schemas.openxmlformats.org/markup-compatibility/2006">
-        <mc:Choice xmlns:p14="http://schemas.microsoft.com/office/powerpoint/2010/main" Requires="p14">
+      <mc:AlternateContent xmlns:mc="http://schemas.openxmlformats.org/markup-compatibility/2006" xmlns:p14="http://schemas.microsoft.com/office/powerpoint/2010/main">
+        <mc:Choice Requires="p14">
           <p:contentPart p14:bwMode="auto" r:id="rId110">
             <p14:nvContentPartPr>
               <p14:cNvPr id="72" name="Ink 71">
@@ -17414,7 +18838,7 @@
             </p14:xfrm>
           </p:contentPart>
         </mc:Choice>
-        <mc:Fallback>
+        <mc:Fallback xmlns="">
           <p:pic>
             <p:nvPicPr>
               <p:cNvPr id="72" name="Ink 71">
@@ -17445,8 +18869,8 @@
           </p:pic>
         </mc:Fallback>
       </mc:AlternateContent>
-      <mc:AlternateContent xmlns:mc="http://schemas.openxmlformats.org/markup-compatibility/2006">
-        <mc:Choice xmlns:p14="http://schemas.microsoft.com/office/powerpoint/2010/main" Requires="p14">
+      <mc:AlternateContent xmlns:mc="http://schemas.openxmlformats.org/markup-compatibility/2006" xmlns:p14="http://schemas.microsoft.com/office/powerpoint/2010/main">
+        <mc:Choice Requires="p14">
           <p:contentPart p14:bwMode="auto" r:id="rId112">
             <p14:nvContentPartPr>
               <p14:cNvPr id="73" name="Ink 72">
@@ -17465,7 +18889,7 @@
             </p14:xfrm>
           </p:contentPart>
         </mc:Choice>
-        <mc:Fallback>
+        <mc:Fallback xmlns="">
           <p:pic>
             <p:nvPicPr>
               <p:cNvPr id="73" name="Ink 72">
@@ -17496,8 +18920,8 @@
           </p:pic>
         </mc:Fallback>
       </mc:AlternateContent>
-      <mc:AlternateContent xmlns:mc="http://schemas.openxmlformats.org/markup-compatibility/2006">
-        <mc:Choice xmlns:p14="http://schemas.microsoft.com/office/powerpoint/2010/main" Requires="p14">
+      <mc:AlternateContent xmlns:mc="http://schemas.openxmlformats.org/markup-compatibility/2006" xmlns:p14="http://schemas.microsoft.com/office/powerpoint/2010/main">
+        <mc:Choice Requires="p14">
           <p:contentPart p14:bwMode="auto" r:id="rId114">
             <p14:nvContentPartPr>
               <p14:cNvPr id="74" name="Ink 73">
@@ -17516,7 +18940,7 @@
             </p14:xfrm>
           </p:contentPart>
         </mc:Choice>
-        <mc:Fallback>
+        <mc:Fallback xmlns="">
           <p:pic>
             <p:nvPicPr>
               <p:cNvPr id="74" name="Ink 73">
@@ -17547,8 +18971,8 @@
           </p:pic>
         </mc:Fallback>
       </mc:AlternateContent>
-      <mc:AlternateContent xmlns:mc="http://schemas.openxmlformats.org/markup-compatibility/2006">
-        <mc:Choice xmlns:p14="http://schemas.microsoft.com/office/powerpoint/2010/main" Requires="p14">
+      <mc:AlternateContent xmlns:mc="http://schemas.openxmlformats.org/markup-compatibility/2006" xmlns:p14="http://schemas.microsoft.com/office/powerpoint/2010/main">
+        <mc:Choice Requires="p14">
           <p:contentPart p14:bwMode="auto" r:id="rId116">
             <p14:nvContentPartPr>
               <p14:cNvPr id="75" name="Ink 74">
@@ -17567,7 +18991,7 @@
             </p14:xfrm>
           </p:contentPart>
         </mc:Choice>
-        <mc:Fallback>
+        <mc:Fallback xmlns="">
           <p:pic>
             <p:nvPicPr>
               <p:cNvPr id="75" name="Ink 74">
@@ -17598,8 +19022,8 @@
           </p:pic>
         </mc:Fallback>
       </mc:AlternateContent>
-      <mc:AlternateContent xmlns:mc="http://schemas.openxmlformats.org/markup-compatibility/2006">
-        <mc:Choice xmlns:p14="http://schemas.microsoft.com/office/powerpoint/2010/main" Requires="p14">
+      <mc:AlternateContent xmlns:mc="http://schemas.openxmlformats.org/markup-compatibility/2006" xmlns:p14="http://schemas.microsoft.com/office/powerpoint/2010/main">
+        <mc:Choice Requires="p14">
           <p:contentPart p14:bwMode="auto" r:id="rId118">
             <p14:nvContentPartPr>
               <p14:cNvPr id="76" name="Ink 75">
@@ -17618,7 +19042,7 @@
             </p14:xfrm>
           </p:contentPart>
         </mc:Choice>
-        <mc:Fallback>
+        <mc:Fallback xmlns="">
           <p:pic>
             <p:nvPicPr>
               <p:cNvPr id="76" name="Ink 75">
@@ -17649,8 +19073,8 @@
           </p:pic>
         </mc:Fallback>
       </mc:AlternateContent>
-      <mc:AlternateContent xmlns:mc="http://schemas.openxmlformats.org/markup-compatibility/2006">
-        <mc:Choice xmlns:p14="http://schemas.microsoft.com/office/powerpoint/2010/main" Requires="p14">
+      <mc:AlternateContent xmlns:mc="http://schemas.openxmlformats.org/markup-compatibility/2006" xmlns:p14="http://schemas.microsoft.com/office/powerpoint/2010/main">
+        <mc:Choice Requires="p14">
           <p:contentPart p14:bwMode="auto" r:id="rId120">
             <p14:nvContentPartPr>
               <p14:cNvPr id="102" name="Ink 101">
@@ -17669,7 +19093,7 @@
             </p14:xfrm>
           </p:contentPart>
         </mc:Choice>
-        <mc:Fallback>
+        <mc:Fallback xmlns="">
           <p:pic>
             <p:nvPicPr>
               <p:cNvPr id="102" name="Ink 101">
@@ -17700,8 +19124,8 @@
           </p:pic>
         </mc:Fallback>
       </mc:AlternateContent>
-      <mc:AlternateContent xmlns:mc="http://schemas.openxmlformats.org/markup-compatibility/2006">
-        <mc:Choice xmlns:p14="http://schemas.microsoft.com/office/powerpoint/2010/main" Requires="p14">
+      <mc:AlternateContent xmlns:mc="http://schemas.openxmlformats.org/markup-compatibility/2006" xmlns:p14="http://schemas.microsoft.com/office/powerpoint/2010/main">
+        <mc:Choice Requires="p14">
           <p:contentPart p14:bwMode="auto" r:id="rId122">
             <p14:nvContentPartPr>
               <p14:cNvPr id="187" name="Ink 186">
@@ -17720,7 +19144,7 @@
             </p14:xfrm>
           </p:contentPart>
         </mc:Choice>
-        <mc:Fallback>
+        <mc:Fallback xmlns="">
           <p:pic>
             <p:nvPicPr>
               <p:cNvPr id="187" name="Ink 186">
@@ -17751,8 +19175,8 @@
           </p:pic>
         </mc:Fallback>
       </mc:AlternateContent>
-      <mc:AlternateContent xmlns:mc="http://schemas.openxmlformats.org/markup-compatibility/2006">
-        <mc:Choice xmlns:p14="http://schemas.microsoft.com/office/powerpoint/2010/main" Requires="p14">
+      <mc:AlternateContent xmlns:mc="http://schemas.openxmlformats.org/markup-compatibility/2006" xmlns:p14="http://schemas.microsoft.com/office/powerpoint/2010/main">
+        <mc:Choice Requires="p14">
           <p:contentPart p14:bwMode="auto" r:id="rId124">
             <p14:nvContentPartPr>
               <p14:cNvPr id="188" name="Ink 187">
@@ -17771,7 +19195,7 @@
             </p14:xfrm>
           </p:contentPart>
         </mc:Choice>
-        <mc:Fallback>
+        <mc:Fallback xmlns="">
           <p:pic>
             <p:nvPicPr>
               <p:cNvPr id="188" name="Ink 187">
@@ -17802,8 +19226,8 @@
           </p:pic>
         </mc:Fallback>
       </mc:AlternateContent>
-      <mc:AlternateContent xmlns:mc="http://schemas.openxmlformats.org/markup-compatibility/2006">
-        <mc:Choice xmlns:p14="http://schemas.microsoft.com/office/powerpoint/2010/main" Requires="p14">
+      <mc:AlternateContent xmlns:mc="http://schemas.openxmlformats.org/markup-compatibility/2006" xmlns:p14="http://schemas.microsoft.com/office/powerpoint/2010/main">
+        <mc:Choice Requires="p14">
           <p:contentPart p14:bwMode="auto" r:id="rId126">
             <p14:nvContentPartPr>
               <p14:cNvPr id="189" name="Ink 188">
@@ -17822,7 +19246,7 @@
             </p14:xfrm>
           </p:contentPart>
         </mc:Choice>
-        <mc:Fallback>
+        <mc:Fallback xmlns="">
           <p:pic>
             <p:nvPicPr>
               <p:cNvPr id="189" name="Ink 188">
@@ -17853,8 +19277,8 @@
           </p:pic>
         </mc:Fallback>
       </mc:AlternateContent>
-      <mc:AlternateContent xmlns:mc="http://schemas.openxmlformats.org/markup-compatibility/2006">
-        <mc:Choice xmlns:p14="http://schemas.microsoft.com/office/powerpoint/2010/main" Requires="p14">
+      <mc:AlternateContent xmlns:mc="http://schemas.openxmlformats.org/markup-compatibility/2006" xmlns:p14="http://schemas.microsoft.com/office/powerpoint/2010/main">
+        <mc:Choice Requires="p14">
           <p:contentPart p14:bwMode="auto" r:id="rId128">
             <p14:nvContentPartPr>
               <p14:cNvPr id="190" name="Ink 189">
@@ -17873,7 +19297,7 @@
             </p14:xfrm>
           </p:contentPart>
         </mc:Choice>
-        <mc:Fallback>
+        <mc:Fallback xmlns="">
           <p:pic>
             <p:nvPicPr>
               <p:cNvPr id="190" name="Ink 189">
@@ -17904,8 +19328,8 @@
           </p:pic>
         </mc:Fallback>
       </mc:AlternateContent>
-      <mc:AlternateContent xmlns:mc="http://schemas.openxmlformats.org/markup-compatibility/2006">
-        <mc:Choice xmlns:p14="http://schemas.microsoft.com/office/powerpoint/2010/main" Requires="p14">
+      <mc:AlternateContent xmlns:mc="http://schemas.openxmlformats.org/markup-compatibility/2006" xmlns:p14="http://schemas.microsoft.com/office/powerpoint/2010/main">
+        <mc:Choice Requires="p14">
           <p:contentPart p14:bwMode="auto" r:id="rId130">
             <p14:nvContentPartPr>
               <p14:cNvPr id="191" name="Ink 190">
@@ -17924,7 +19348,7 @@
             </p14:xfrm>
           </p:contentPart>
         </mc:Choice>
-        <mc:Fallback>
+        <mc:Fallback xmlns="">
           <p:pic>
             <p:nvPicPr>
               <p:cNvPr id="191" name="Ink 190">
@@ -17955,8 +19379,8 @@
           </p:pic>
         </mc:Fallback>
       </mc:AlternateContent>
-      <mc:AlternateContent xmlns:mc="http://schemas.openxmlformats.org/markup-compatibility/2006">
-        <mc:Choice xmlns:p14="http://schemas.microsoft.com/office/powerpoint/2010/main" Requires="p14">
+      <mc:AlternateContent xmlns:mc="http://schemas.openxmlformats.org/markup-compatibility/2006" xmlns:p14="http://schemas.microsoft.com/office/powerpoint/2010/main">
+        <mc:Choice Requires="p14">
           <p:contentPart p14:bwMode="auto" r:id="rId132">
             <p14:nvContentPartPr>
               <p14:cNvPr id="193" name="Ink 192">
@@ -17975,7 +19399,7 @@
             </p14:xfrm>
           </p:contentPart>
         </mc:Choice>
-        <mc:Fallback>
+        <mc:Fallback xmlns="">
           <p:pic>
             <p:nvPicPr>
               <p:cNvPr id="193" name="Ink 192">
@@ -18006,8 +19430,8 @@
           </p:pic>
         </mc:Fallback>
       </mc:AlternateContent>
-      <mc:AlternateContent xmlns:mc="http://schemas.openxmlformats.org/markup-compatibility/2006">
-        <mc:Choice xmlns:p14="http://schemas.microsoft.com/office/powerpoint/2010/main" Requires="p14">
+      <mc:AlternateContent xmlns:mc="http://schemas.openxmlformats.org/markup-compatibility/2006" xmlns:p14="http://schemas.microsoft.com/office/powerpoint/2010/main">
+        <mc:Choice Requires="p14">
           <p:contentPart p14:bwMode="auto" r:id="rId134">
             <p14:nvContentPartPr>
               <p14:cNvPr id="107" name="Ink 106">
@@ -18026,7 +19450,7 @@
             </p14:xfrm>
           </p:contentPart>
         </mc:Choice>
-        <mc:Fallback>
+        <mc:Fallback xmlns="">
           <p:pic>
             <p:nvPicPr>
               <p:cNvPr id="107" name="Ink 106">
@@ -18057,8 +19481,8 @@
           </p:pic>
         </mc:Fallback>
       </mc:AlternateContent>
-      <mc:AlternateContent xmlns:mc="http://schemas.openxmlformats.org/markup-compatibility/2006">
-        <mc:Choice xmlns:p14="http://schemas.microsoft.com/office/powerpoint/2010/main" Requires="p14">
+      <mc:AlternateContent xmlns:mc="http://schemas.openxmlformats.org/markup-compatibility/2006" xmlns:p14="http://schemas.microsoft.com/office/powerpoint/2010/main">
+        <mc:Choice Requires="p14">
           <p:contentPart p14:bwMode="auto" r:id="rId136">
             <p14:nvContentPartPr>
               <p14:cNvPr id="108" name="Ink 107">
@@ -18077,7 +19501,7 @@
             </p14:xfrm>
           </p:contentPart>
         </mc:Choice>
-        <mc:Fallback>
+        <mc:Fallback xmlns="">
           <p:pic>
             <p:nvPicPr>
               <p:cNvPr id="108" name="Ink 107">
@@ -18108,8 +19532,8 @@
           </p:pic>
         </mc:Fallback>
       </mc:AlternateContent>
-      <mc:AlternateContent xmlns:mc="http://schemas.openxmlformats.org/markup-compatibility/2006">
-        <mc:Choice xmlns:p14="http://schemas.microsoft.com/office/powerpoint/2010/main" Requires="p14">
+      <mc:AlternateContent xmlns:mc="http://schemas.openxmlformats.org/markup-compatibility/2006" xmlns:p14="http://schemas.microsoft.com/office/powerpoint/2010/main">
+        <mc:Choice Requires="p14">
           <p:contentPart p14:bwMode="auto" r:id="rId138">
             <p14:nvContentPartPr>
               <p14:cNvPr id="109" name="Ink 108">
@@ -18128,7 +19552,7 @@
             </p14:xfrm>
           </p:contentPart>
         </mc:Choice>
-        <mc:Fallback>
+        <mc:Fallback xmlns="">
           <p:pic>
             <p:nvPicPr>
               <p:cNvPr id="109" name="Ink 108">
@@ -18159,8 +19583,8 @@
           </p:pic>
         </mc:Fallback>
       </mc:AlternateContent>
-      <mc:AlternateContent xmlns:mc="http://schemas.openxmlformats.org/markup-compatibility/2006">
-        <mc:Choice xmlns:p14="http://schemas.microsoft.com/office/powerpoint/2010/main" Requires="p14">
+      <mc:AlternateContent xmlns:mc="http://schemas.openxmlformats.org/markup-compatibility/2006" xmlns:p14="http://schemas.microsoft.com/office/powerpoint/2010/main">
+        <mc:Choice Requires="p14">
           <p:contentPart p14:bwMode="auto" r:id="rId140">
             <p14:nvContentPartPr>
               <p14:cNvPr id="110" name="Ink 109">
@@ -18179,7 +19603,7 @@
             </p14:xfrm>
           </p:contentPart>
         </mc:Choice>
-        <mc:Fallback>
+        <mc:Fallback xmlns="">
           <p:pic>
             <p:nvPicPr>
               <p:cNvPr id="110" name="Ink 109">
@@ -18210,8 +19634,8 @@
           </p:pic>
         </mc:Fallback>
       </mc:AlternateContent>
-      <mc:AlternateContent xmlns:mc="http://schemas.openxmlformats.org/markup-compatibility/2006">
-        <mc:Choice xmlns:p14="http://schemas.microsoft.com/office/powerpoint/2010/main" Requires="p14">
+      <mc:AlternateContent xmlns:mc="http://schemas.openxmlformats.org/markup-compatibility/2006" xmlns:p14="http://schemas.microsoft.com/office/powerpoint/2010/main">
+        <mc:Choice Requires="p14">
           <p:contentPart p14:bwMode="auto" r:id="rId142">
             <p14:nvContentPartPr>
               <p14:cNvPr id="111" name="Ink 110">
@@ -18230,7 +19654,7 @@
             </p14:xfrm>
           </p:contentPart>
         </mc:Choice>
-        <mc:Fallback>
+        <mc:Fallback xmlns="">
           <p:pic>
             <p:nvPicPr>
               <p:cNvPr id="111" name="Ink 110">
@@ -18261,8 +19685,8 @@
           </p:pic>
         </mc:Fallback>
       </mc:AlternateContent>
-      <mc:AlternateContent xmlns:mc="http://schemas.openxmlformats.org/markup-compatibility/2006">
-        <mc:Choice xmlns:p14="http://schemas.microsoft.com/office/powerpoint/2010/main" Requires="p14">
+      <mc:AlternateContent xmlns:mc="http://schemas.openxmlformats.org/markup-compatibility/2006" xmlns:p14="http://schemas.microsoft.com/office/powerpoint/2010/main">
+        <mc:Choice Requires="p14">
           <p:contentPart p14:bwMode="auto" r:id="rId144">
             <p14:nvContentPartPr>
               <p14:cNvPr id="112" name="Ink 111">
@@ -18281,7 +19705,7 @@
             </p14:xfrm>
           </p:contentPart>
         </mc:Choice>
-        <mc:Fallback>
+        <mc:Fallback xmlns="">
           <p:pic>
             <p:nvPicPr>
               <p:cNvPr id="112" name="Ink 111">
@@ -18312,8 +19736,8 @@
           </p:pic>
         </mc:Fallback>
       </mc:AlternateContent>
-      <mc:AlternateContent xmlns:mc="http://schemas.openxmlformats.org/markup-compatibility/2006">
-        <mc:Choice xmlns:p14="http://schemas.microsoft.com/office/powerpoint/2010/main" Requires="p14">
+      <mc:AlternateContent xmlns:mc="http://schemas.openxmlformats.org/markup-compatibility/2006" xmlns:p14="http://schemas.microsoft.com/office/powerpoint/2010/main">
+        <mc:Choice Requires="p14">
           <p:contentPart p14:bwMode="auto" r:id="rId146">
             <p14:nvContentPartPr>
               <p14:cNvPr id="117" name="Ink 116">
@@ -18332,7 +19756,7 @@
             </p14:xfrm>
           </p:contentPart>
         </mc:Choice>
-        <mc:Fallback>
+        <mc:Fallback xmlns="">
           <p:pic>
             <p:nvPicPr>
               <p:cNvPr id="117" name="Ink 116">
@@ -18363,8 +19787,8 @@
           </p:pic>
         </mc:Fallback>
       </mc:AlternateContent>
-      <mc:AlternateContent xmlns:mc="http://schemas.openxmlformats.org/markup-compatibility/2006">
-        <mc:Choice xmlns:p14="http://schemas.microsoft.com/office/powerpoint/2010/main" Requires="p14">
+      <mc:AlternateContent xmlns:mc="http://schemas.openxmlformats.org/markup-compatibility/2006" xmlns:p14="http://schemas.microsoft.com/office/powerpoint/2010/main">
+        <mc:Choice Requires="p14">
           <p:contentPart p14:bwMode="auto" r:id="rId148">
             <p14:nvContentPartPr>
               <p14:cNvPr id="118" name="Ink 117">
@@ -18383,7 +19807,7 @@
             </p14:xfrm>
           </p:contentPart>
         </mc:Choice>
-        <mc:Fallback>
+        <mc:Fallback xmlns="">
           <p:pic>
             <p:nvPicPr>
               <p:cNvPr id="118" name="Ink 117">
@@ -18414,8 +19838,8 @@
           </p:pic>
         </mc:Fallback>
       </mc:AlternateContent>
-      <mc:AlternateContent xmlns:mc="http://schemas.openxmlformats.org/markup-compatibility/2006">
-        <mc:Choice xmlns:p14="http://schemas.microsoft.com/office/powerpoint/2010/main" Requires="p14">
+      <mc:AlternateContent xmlns:mc="http://schemas.openxmlformats.org/markup-compatibility/2006" xmlns:p14="http://schemas.microsoft.com/office/powerpoint/2010/main">
+        <mc:Choice Requires="p14">
           <p:contentPart p14:bwMode="auto" r:id="rId150">
             <p14:nvContentPartPr>
               <p14:cNvPr id="119" name="Ink 118">
@@ -18434,7 +19858,7 @@
             </p14:xfrm>
           </p:contentPart>
         </mc:Choice>
-        <mc:Fallback>
+        <mc:Fallback xmlns="">
           <p:pic>
             <p:nvPicPr>
               <p:cNvPr id="119" name="Ink 118">
@@ -18465,8 +19889,8 @@
           </p:pic>
         </mc:Fallback>
       </mc:AlternateContent>
-      <mc:AlternateContent xmlns:mc="http://schemas.openxmlformats.org/markup-compatibility/2006">
-        <mc:Choice xmlns:p14="http://schemas.microsoft.com/office/powerpoint/2010/main" Requires="p14">
+      <mc:AlternateContent xmlns:mc="http://schemas.openxmlformats.org/markup-compatibility/2006" xmlns:p14="http://schemas.microsoft.com/office/powerpoint/2010/main">
+        <mc:Choice Requires="p14">
           <p:contentPart p14:bwMode="auto" r:id="rId152">
             <p14:nvContentPartPr>
               <p14:cNvPr id="120" name="Ink 119">
@@ -18485,7 +19909,7 @@
             </p14:xfrm>
           </p:contentPart>
         </mc:Choice>
-        <mc:Fallback>
+        <mc:Fallback xmlns="">
           <p:pic>
             <p:nvPicPr>
               <p:cNvPr id="120" name="Ink 119">
@@ -18516,8 +19940,8 @@
           </p:pic>
         </mc:Fallback>
       </mc:AlternateContent>
-      <mc:AlternateContent xmlns:mc="http://schemas.openxmlformats.org/markup-compatibility/2006">
-        <mc:Choice xmlns:p14="http://schemas.microsoft.com/office/powerpoint/2010/main" Requires="p14">
+      <mc:AlternateContent xmlns:mc="http://schemas.openxmlformats.org/markup-compatibility/2006" xmlns:p14="http://schemas.microsoft.com/office/powerpoint/2010/main">
+        <mc:Choice Requires="p14">
           <p:contentPart p14:bwMode="auto" r:id="rId154">
             <p14:nvContentPartPr>
               <p14:cNvPr id="121" name="Ink 120">
@@ -18536,7 +19960,7 @@
             </p14:xfrm>
           </p:contentPart>
         </mc:Choice>
-        <mc:Fallback>
+        <mc:Fallback xmlns="">
           <p:pic>
             <p:nvPicPr>
               <p:cNvPr id="121" name="Ink 120">
@@ -18567,8 +19991,8 @@
           </p:pic>
         </mc:Fallback>
       </mc:AlternateContent>
-      <mc:AlternateContent xmlns:mc="http://schemas.openxmlformats.org/markup-compatibility/2006">
-        <mc:Choice xmlns:p14="http://schemas.microsoft.com/office/powerpoint/2010/main" Requires="p14">
+      <mc:AlternateContent xmlns:mc="http://schemas.openxmlformats.org/markup-compatibility/2006" xmlns:p14="http://schemas.microsoft.com/office/powerpoint/2010/main">
+        <mc:Choice Requires="p14">
           <p:contentPart p14:bwMode="auto" r:id="rId156">
             <p14:nvContentPartPr>
               <p14:cNvPr id="122" name="Ink 121">
@@ -18587,7 +20011,7 @@
             </p14:xfrm>
           </p:contentPart>
         </mc:Choice>
-        <mc:Fallback>
+        <mc:Fallback xmlns="">
           <p:pic>
             <p:nvPicPr>
               <p:cNvPr id="122" name="Ink 121">
@@ -18618,8 +20042,8 @@
           </p:pic>
         </mc:Fallback>
       </mc:AlternateContent>
-      <mc:AlternateContent xmlns:mc="http://schemas.openxmlformats.org/markup-compatibility/2006">
-        <mc:Choice xmlns:p14="http://schemas.microsoft.com/office/powerpoint/2010/main" Requires="p14">
+      <mc:AlternateContent xmlns:mc="http://schemas.openxmlformats.org/markup-compatibility/2006" xmlns:p14="http://schemas.microsoft.com/office/powerpoint/2010/main">
+        <mc:Choice Requires="p14">
           <p:contentPart p14:bwMode="auto" r:id="rId158">
             <p14:nvContentPartPr>
               <p14:cNvPr id="123" name="Ink 122">
@@ -18638,7 +20062,7 @@
             </p14:xfrm>
           </p:contentPart>
         </mc:Choice>
-        <mc:Fallback>
+        <mc:Fallback xmlns="">
           <p:pic>
             <p:nvPicPr>
               <p:cNvPr id="123" name="Ink 122">
@@ -18669,8 +20093,8 @@
           </p:pic>
         </mc:Fallback>
       </mc:AlternateContent>
-      <mc:AlternateContent xmlns:mc="http://schemas.openxmlformats.org/markup-compatibility/2006">
-        <mc:Choice xmlns:p14="http://schemas.microsoft.com/office/powerpoint/2010/main" Requires="p14">
+      <mc:AlternateContent xmlns:mc="http://schemas.openxmlformats.org/markup-compatibility/2006" xmlns:p14="http://schemas.microsoft.com/office/powerpoint/2010/main">
+        <mc:Choice Requires="p14">
           <p:contentPart p14:bwMode="auto" r:id="rId160">
             <p14:nvContentPartPr>
               <p14:cNvPr id="125" name="Ink 124">
@@ -18689,7 +20113,7 @@
             </p14:xfrm>
           </p:contentPart>
         </mc:Choice>
-        <mc:Fallback>
+        <mc:Fallback xmlns="">
           <p:pic>
             <p:nvPicPr>
               <p:cNvPr id="125" name="Ink 124">
@@ -18720,8 +20144,8 @@
           </p:pic>
         </mc:Fallback>
       </mc:AlternateContent>
-      <mc:AlternateContent xmlns:mc="http://schemas.openxmlformats.org/markup-compatibility/2006">
-        <mc:Choice xmlns:p14="http://schemas.microsoft.com/office/powerpoint/2010/main" Requires="p14">
+      <mc:AlternateContent xmlns:mc="http://schemas.openxmlformats.org/markup-compatibility/2006" xmlns:p14="http://schemas.microsoft.com/office/powerpoint/2010/main">
+        <mc:Choice Requires="p14">
           <p:contentPart p14:bwMode="auto" r:id="rId162">
             <p14:nvContentPartPr>
               <p14:cNvPr id="126" name="Ink 125">
@@ -18740,7 +20164,7 @@
             </p14:xfrm>
           </p:contentPart>
         </mc:Choice>
-        <mc:Fallback>
+        <mc:Fallback xmlns="">
           <p:pic>
             <p:nvPicPr>
               <p:cNvPr id="126" name="Ink 125">
@@ -18771,8 +20195,8 @@
           </p:pic>
         </mc:Fallback>
       </mc:AlternateContent>
-      <mc:AlternateContent xmlns:mc="http://schemas.openxmlformats.org/markup-compatibility/2006">
-        <mc:Choice xmlns:p14="http://schemas.microsoft.com/office/powerpoint/2010/main" Requires="p14">
+      <mc:AlternateContent xmlns:mc="http://schemas.openxmlformats.org/markup-compatibility/2006" xmlns:p14="http://schemas.microsoft.com/office/powerpoint/2010/main">
+        <mc:Choice Requires="p14">
           <p:contentPart p14:bwMode="auto" r:id="rId164">
             <p14:nvContentPartPr>
               <p14:cNvPr id="127" name="Ink 126">
@@ -18791,7 +20215,7 @@
             </p14:xfrm>
           </p:contentPart>
         </mc:Choice>
-        <mc:Fallback>
+        <mc:Fallback xmlns="">
           <p:pic>
             <p:nvPicPr>
               <p:cNvPr id="127" name="Ink 126">
@@ -18822,8 +20246,8 @@
           </p:pic>
         </mc:Fallback>
       </mc:AlternateContent>
-      <mc:AlternateContent xmlns:mc="http://schemas.openxmlformats.org/markup-compatibility/2006">
-        <mc:Choice xmlns:p14="http://schemas.microsoft.com/office/powerpoint/2010/main" Requires="p14">
+      <mc:AlternateContent xmlns:mc="http://schemas.openxmlformats.org/markup-compatibility/2006" xmlns:p14="http://schemas.microsoft.com/office/powerpoint/2010/main">
+        <mc:Choice Requires="p14">
           <p:contentPart p14:bwMode="auto" r:id="rId166">
             <p14:nvContentPartPr>
               <p14:cNvPr id="128" name="Ink 127">
@@ -18842,7 +20266,7 @@
             </p14:xfrm>
           </p:contentPart>
         </mc:Choice>
-        <mc:Fallback>
+        <mc:Fallback xmlns="">
           <p:pic>
             <p:nvPicPr>
               <p:cNvPr id="128" name="Ink 127">
@@ -18873,8 +20297,8 @@
           </p:pic>
         </mc:Fallback>
       </mc:AlternateContent>
-      <mc:AlternateContent xmlns:mc="http://schemas.openxmlformats.org/markup-compatibility/2006">
-        <mc:Choice xmlns:p14="http://schemas.microsoft.com/office/powerpoint/2010/main" Requires="p14">
+      <mc:AlternateContent xmlns:mc="http://schemas.openxmlformats.org/markup-compatibility/2006" xmlns:p14="http://schemas.microsoft.com/office/powerpoint/2010/main">
+        <mc:Choice Requires="p14">
           <p:contentPart p14:bwMode="auto" r:id="rId168">
             <p14:nvContentPartPr>
               <p14:cNvPr id="129" name="Ink 128">
@@ -18893,7 +20317,7 @@
             </p14:xfrm>
           </p:contentPart>
         </mc:Choice>
-        <mc:Fallback>
+        <mc:Fallback xmlns="">
           <p:pic>
             <p:nvPicPr>
               <p:cNvPr id="129" name="Ink 128">
@@ -18924,8 +20348,8 @@
           </p:pic>
         </mc:Fallback>
       </mc:AlternateContent>
-      <mc:AlternateContent xmlns:mc="http://schemas.openxmlformats.org/markup-compatibility/2006">
-        <mc:Choice xmlns:p14="http://schemas.microsoft.com/office/powerpoint/2010/main" Requires="p14">
+      <mc:AlternateContent xmlns:mc="http://schemas.openxmlformats.org/markup-compatibility/2006" xmlns:p14="http://schemas.microsoft.com/office/powerpoint/2010/main">
+        <mc:Choice Requires="p14">
           <p:contentPart p14:bwMode="auto" r:id="rId170">
             <p14:nvContentPartPr>
               <p14:cNvPr id="131" name="Ink 130">
@@ -18944,7 +20368,7 @@
             </p14:xfrm>
           </p:contentPart>
         </mc:Choice>
-        <mc:Fallback>
+        <mc:Fallback xmlns="">
           <p:pic>
             <p:nvPicPr>
               <p:cNvPr id="131" name="Ink 130">
@@ -18975,8 +20399,8 @@
           </p:pic>
         </mc:Fallback>
       </mc:AlternateContent>
-      <mc:AlternateContent xmlns:mc="http://schemas.openxmlformats.org/markup-compatibility/2006">
-        <mc:Choice xmlns:p14="http://schemas.microsoft.com/office/powerpoint/2010/main" Requires="p14">
+      <mc:AlternateContent xmlns:mc="http://schemas.openxmlformats.org/markup-compatibility/2006" xmlns:p14="http://schemas.microsoft.com/office/powerpoint/2010/main">
+        <mc:Choice Requires="p14">
           <p:contentPart p14:bwMode="auto" r:id="rId172">
             <p14:nvContentPartPr>
               <p14:cNvPr id="132" name="Ink 131">
@@ -18995,7 +20419,7 @@
             </p14:xfrm>
           </p:contentPart>
         </mc:Choice>
-        <mc:Fallback>
+        <mc:Fallback xmlns="">
           <p:pic>
             <p:nvPicPr>
               <p:cNvPr id="132" name="Ink 131">
@@ -19026,8 +20450,8 @@
           </p:pic>
         </mc:Fallback>
       </mc:AlternateContent>
-      <mc:AlternateContent xmlns:mc="http://schemas.openxmlformats.org/markup-compatibility/2006">
-        <mc:Choice xmlns:p14="http://schemas.microsoft.com/office/powerpoint/2010/main" Requires="p14">
+      <mc:AlternateContent xmlns:mc="http://schemas.openxmlformats.org/markup-compatibility/2006" xmlns:p14="http://schemas.microsoft.com/office/powerpoint/2010/main">
+        <mc:Choice Requires="p14">
           <p:contentPart p14:bwMode="auto" r:id="rId174">
             <p14:nvContentPartPr>
               <p14:cNvPr id="133" name="Ink 132">
@@ -19046,7 +20470,7 @@
             </p14:xfrm>
           </p:contentPart>
         </mc:Choice>
-        <mc:Fallback>
+        <mc:Fallback xmlns="">
           <p:pic>
             <p:nvPicPr>
               <p:cNvPr id="133" name="Ink 132">
@@ -19077,8 +20501,8 @@
           </p:pic>
         </mc:Fallback>
       </mc:AlternateContent>
-      <mc:AlternateContent xmlns:mc="http://schemas.openxmlformats.org/markup-compatibility/2006">
-        <mc:Choice xmlns:p14="http://schemas.microsoft.com/office/powerpoint/2010/main" Requires="p14">
+      <mc:AlternateContent xmlns:mc="http://schemas.openxmlformats.org/markup-compatibility/2006" xmlns:p14="http://schemas.microsoft.com/office/powerpoint/2010/main">
+        <mc:Choice Requires="p14">
           <p:contentPart p14:bwMode="auto" r:id="rId176">
             <p14:nvContentPartPr>
               <p14:cNvPr id="134" name="Ink 133">
@@ -19097,7 +20521,7 @@
             </p14:xfrm>
           </p:contentPart>
         </mc:Choice>
-        <mc:Fallback>
+        <mc:Fallback xmlns="">
           <p:pic>
             <p:nvPicPr>
               <p:cNvPr id="134" name="Ink 133">
@@ -19128,8 +20552,8 @@
           </p:pic>
         </mc:Fallback>
       </mc:AlternateContent>
-      <mc:AlternateContent xmlns:mc="http://schemas.openxmlformats.org/markup-compatibility/2006">
-        <mc:Choice xmlns:p14="http://schemas.microsoft.com/office/powerpoint/2010/main" Requires="p14">
+      <mc:AlternateContent xmlns:mc="http://schemas.openxmlformats.org/markup-compatibility/2006" xmlns:p14="http://schemas.microsoft.com/office/powerpoint/2010/main">
+        <mc:Choice Requires="p14">
           <p:contentPart p14:bwMode="auto" r:id="rId178">
             <p14:nvContentPartPr>
               <p14:cNvPr id="135" name="Ink 134">
@@ -19148,7 +20572,7 @@
             </p14:xfrm>
           </p:contentPart>
         </mc:Choice>
-        <mc:Fallback>
+        <mc:Fallback xmlns="">
           <p:pic>
             <p:nvPicPr>
               <p:cNvPr id="135" name="Ink 134">
@@ -19179,8 +20603,8 @@
           </p:pic>
         </mc:Fallback>
       </mc:AlternateContent>
-      <mc:AlternateContent xmlns:mc="http://schemas.openxmlformats.org/markup-compatibility/2006">
-        <mc:Choice xmlns:p14="http://schemas.microsoft.com/office/powerpoint/2010/main" Requires="p14">
+      <mc:AlternateContent xmlns:mc="http://schemas.openxmlformats.org/markup-compatibility/2006" xmlns:p14="http://schemas.microsoft.com/office/powerpoint/2010/main">
+        <mc:Choice Requires="p14">
           <p:contentPart p14:bwMode="auto" r:id="rId180">
             <p14:nvContentPartPr>
               <p14:cNvPr id="136" name="Ink 135">
@@ -19199,7 +20623,7 @@
             </p14:xfrm>
           </p:contentPart>
         </mc:Choice>
-        <mc:Fallback>
+        <mc:Fallback xmlns="">
           <p:pic>
             <p:nvPicPr>
               <p:cNvPr id="136" name="Ink 135">
@@ -19230,8 +20654,8 @@
           </p:pic>
         </mc:Fallback>
       </mc:AlternateContent>
-      <mc:AlternateContent xmlns:mc="http://schemas.openxmlformats.org/markup-compatibility/2006">
-        <mc:Choice xmlns:p14="http://schemas.microsoft.com/office/powerpoint/2010/main" Requires="p14">
+      <mc:AlternateContent xmlns:mc="http://schemas.openxmlformats.org/markup-compatibility/2006" xmlns:p14="http://schemas.microsoft.com/office/powerpoint/2010/main">
+        <mc:Choice Requires="p14">
           <p:contentPart p14:bwMode="auto" r:id="rId182">
             <p14:nvContentPartPr>
               <p14:cNvPr id="137" name="Ink 136">
@@ -19250,7 +20674,7 @@
             </p14:xfrm>
           </p:contentPart>
         </mc:Choice>
-        <mc:Fallback>
+        <mc:Fallback xmlns="">
           <p:pic>
             <p:nvPicPr>
               <p:cNvPr id="137" name="Ink 136">
@@ -19281,8 +20705,8 @@
           </p:pic>
         </mc:Fallback>
       </mc:AlternateContent>
-      <mc:AlternateContent xmlns:mc="http://schemas.openxmlformats.org/markup-compatibility/2006">
-        <mc:Choice xmlns:p14="http://schemas.microsoft.com/office/powerpoint/2010/main" Requires="p14">
+      <mc:AlternateContent xmlns:mc="http://schemas.openxmlformats.org/markup-compatibility/2006" xmlns:p14="http://schemas.microsoft.com/office/powerpoint/2010/main">
+        <mc:Choice Requires="p14">
           <p:contentPart p14:bwMode="auto" r:id="rId184">
             <p14:nvContentPartPr>
               <p14:cNvPr id="138" name="Ink 137">
@@ -19301,7 +20725,7 @@
             </p14:xfrm>
           </p:contentPart>
         </mc:Choice>
-        <mc:Fallback>
+        <mc:Fallback xmlns="">
           <p:pic>
             <p:nvPicPr>
               <p:cNvPr id="138" name="Ink 137">
@@ -19332,8 +20756,8 @@
           </p:pic>
         </mc:Fallback>
       </mc:AlternateContent>
-      <mc:AlternateContent xmlns:mc="http://schemas.openxmlformats.org/markup-compatibility/2006">
-        <mc:Choice xmlns:p14="http://schemas.microsoft.com/office/powerpoint/2010/main" Requires="p14">
+      <mc:AlternateContent xmlns:mc="http://schemas.openxmlformats.org/markup-compatibility/2006" xmlns:p14="http://schemas.microsoft.com/office/powerpoint/2010/main">
+        <mc:Choice Requires="p14">
           <p:contentPart p14:bwMode="auto" r:id="rId186">
             <p14:nvContentPartPr>
               <p14:cNvPr id="139" name="Ink 138">
@@ -19352,7 +20776,7 @@
             </p14:xfrm>
           </p:contentPart>
         </mc:Choice>
-        <mc:Fallback>
+        <mc:Fallback xmlns="">
           <p:pic>
             <p:nvPicPr>
               <p:cNvPr id="139" name="Ink 138">
@@ -19383,8 +20807,8 @@
           </p:pic>
         </mc:Fallback>
       </mc:AlternateContent>
-      <mc:AlternateContent xmlns:mc="http://schemas.openxmlformats.org/markup-compatibility/2006">
-        <mc:Choice xmlns:p14="http://schemas.microsoft.com/office/powerpoint/2010/main" Requires="p14">
+      <mc:AlternateContent xmlns:mc="http://schemas.openxmlformats.org/markup-compatibility/2006" xmlns:p14="http://schemas.microsoft.com/office/powerpoint/2010/main">
+        <mc:Choice Requires="p14">
           <p:contentPart p14:bwMode="auto" r:id="rId188">
             <p14:nvContentPartPr>
               <p14:cNvPr id="140" name="Ink 139">
@@ -19403,7 +20827,7 @@
             </p14:xfrm>
           </p:contentPart>
         </mc:Choice>
-        <mc:Fallback>
+        <mc:Fallback xmlns="">
           <p:pic>
             <p:nvPicPr>
               <p:cNvPr id="140" name="Ink 139">
@@ -19434,8 +20858,8 @@
           </p:pic>
         </mc:Fallback>
       </mc:AlternateContent>
-      <mc:AlternateContent xmlns:mc="http://schemas.openxmlformats.org/markup-compatibility/2006">
-        <mc:Choice xmlns:p14="http://schemas.microsoft.com/office/powerpoint/2010/main" Requires="p14">
+      <mc:AlternateContent xmlns:mc="http://schemas.openxmlformats.org/markup-compatibility/2006" xmlns:p14="http://schemas.microsoft.com/office/powerpoint/2010/main">
+        <mc:Choice Requires="p14">
           <p:contentPart p14:bwMode="auto" r:id="rId190">
             <p14:nvContentPartPr>
               <p14:cNvPr id="141" name="Ink 140">
@@ -19454,7 +20878,7 @@
             </p14:xfrm>
           </p:contentPart>
         </mc:Choice>
-        <mc:Fallback>
+        <mc:Fallback xmlns="">
           <p:pic>
             <p:nvPicPr>
               <p:cNvPr id="141" name="Ink 140">
@@ -19485,8 +20909,8 @@
           </p:pic>
         </mc:Fallback>
       </mc:AlternateContent>
-      <mc:AlternateContent xmlns:mc="http://schemas.openxmlformats.org/markup-compatibility/2006">
-        <mc:Choice xmlns:p14="http://schemas.microsoft.com/office/powerpoint/2010/main" Requires="p14">
+      <mc:AlternateContent xmlns:mc="http://schemas.openxmlformats.org/markup-compatibility/2006" xmlns:p14="http://schemas.microsoft.com/office/powerpoint/2010/main">
+        <mc:Choice Requires="p14">
           <p:contentPart p14:bwMode="auto" r:id="rId192">
             <p14:nvContentPartPr>
               <p14:cNvPr id="143" name="Ink 142">
@@ -19505,7 +20929,7 @@
             </p14:xfrm>
           </p:contentPart>
         </mc:Choice>
-        <mc:Fallback>
+        <mc:Fallback xmlns="">
           <p:pic>
             <p:nvPicPr>
               <p:cNvPr id="143" name="Ink 142">
@@ -19536,8 +20960,8 @@
           </p:pic>
         </mc:Fallback>
       </mc:AlternateContent>
-      <mc:AlternateContent xmlns:mc="http://schemas.openxmlformats.org/markup-compatibility/2006">
-        <mc:Choice xmlns:p14="http://schemas.microsoft.com/office/powerpoint/2010/main" Requires="p14">
+      <mc:AlternateContent xmlns:mc="http://schemas.openxmlformats.org/markup-compatibility/2006" xmlns:p14="http://schemas.microsoft.com/office/powerpoint/2010/main">
+        <mc:Choice Requires="p14">
           <p:contentPart p14:bwMode="auto" r:id="rId194">
             <p14:nvContentPartPr>
               <p14:cNvPr id="145" name="Ink 144">
@@ -19556,7 +20980,7 @@
             </p14:xfrm>
           </p:contentPart>
         </mc:Choice>
-        <mc:Fallback>
+        <mc:Fallback xmlns="">
           <p:pic>
             <p:nvPicPr>
               <p:cNvPr id="145" name="Ink 144">
@@ -19587,8 +21011,8 @@
           </p:pic>
         </mc:Fallback>
       </mc:AlternateContent>
-      <mc:AlternateContent xmlns:mc="http://schemas.openxmlformats.org/markup-compatibility/2006">
-        <mc:Choice xmlns:p14="http://schemas.microsoft.com/office/powerpoint/2010/main" Requires="p14">
+      <mc:AlternateContent xmlns:mc="http://schemas.openxmlformats.org/markup-compatibility/2006" xmlns:p14="http://schemas.microsoft.com/office/powerpoint/2010/main">
+        <mc:Choice Requires="p14">
           <p:contentPart p14:bwMode="auto" r:id="rId196">
             <p14:nvContentPartPr>
               <p14:cNvPr id="153" name="Ink 152">
@@ -19607,7 +21031,7 @@
             </p14:xfrm>
           </p:contentPart>
         </mc:Choice>
-        <mc:Fallback>
+        <mc:Fallback xmlns="">
           <p:pic>
             <p:nvPicPr>
               <p:cNvPr id="153" name="Ink 152">
@@ -19638,8 +21062,8 @@
           </p:pic>
         </mc:Fallback>
       </mc:AlternateContent>
-      <mc:AlternateContent xmlns:mc="http://schemas.openxmlformats.org/markup-compatibility/2006">
-        <mc:Choice xmlns:p14="http://schemas.microsoft.com/office/powerpoint/2010/main" Requires="p14">
+      <mc:AlternateContent xmlns:mc="http://schemas.openxmlformats.org/markup-compatibility/2006" xmlns:p14="http://schemas.microsoft.com/office/powerpoint/2010/main">
+        <mc:Choice Requires="p14">
           <p:contentPart p14:bwMode="auto" r:id="rId198">
             <p14:nvContentPartPr>
               <p14:cNvPr id="155" name="Ink 154">
@@ -19658,7 +21082,7 @@
             </p14:xfrm>
           </p:contentPart>
         </mc:Choice>
-        <mc:Fallback>
+        <mc:Fallback xmlns="">
           <p:pic>
             <p:nvPicPr>
               <p:cNvPr id="155" name="Ink 154">
@@ -19689,8 +21113,8 @@
           </p:pic>
         </mc:Fallback>
       </mc:AlternateContent>
-      <mc:AlternateContent xmlns:mc="http://schemas.openxmlformats.org/markup-compatibility/2006">
-        <mc:Choice xmlns:p14="http://schemas.microsoft.com/office/powerpoint/2010/main" Requires="p14">
+      <mc:AlternateContent xmlns:mc="http://schemas.openxmlformats.org/markup-compatibility/2006" xmlns:p14="http://schemas.microsoft.com/office/powerpoint/2010/main">
+        <mc:Choice Requires="p14">
           <p:contentPart p14:bwMode="auto" r:id="rId200">
             <p14:nvContentPartPr>
               <p14:cNvPr id="156" name="Ink 155">
@@ -19709,7 +21133,7 @@
             </p14:xfrm>
           </p:contentPart>
         </mc:Choice>
-        <mc:Fallback>
+        <mc:Fallback xmlns="">
           <p:pic>
             <p:nvPicPr>
               <p:cNvPr id="156" name="Ink 155">
@@ -19740,8 +21164,8 @@
           </p:pic>
         </mc:Fallback>
       </mc:AlternateContent>
-      <mc:AlternateContent xmlns:mc="http://schemas.openxmlformats.org/markup-compatibility/2006">
-        <mc:Choice xmlns:p14="http://schemas.microsoft.com/office/powerpoint/2010/main" Requires="p14">
+      <mc:AlternateContent xmlns:mc="http://schemas.openxmlformats.org/markup-compatibility/2006" xmlns:p14="http://schemas.microsoft.com/office/powerpoint/2010/main">
+        <mc:Choice Requires="p14">
           <p:contentPart p14:bwMode="auto" r:id="rId202">
             <p14:nvContentPartPr>
               <p14:cNvPr id="157" name="Ink 156">
@@ -19760,7 +21184,7 @@
             </p14:xfrm>
           </p:contentPart>
         </mc:Choice>
-        <mc:Fallback>
+        <mc:Fallback xmlns="">
           <p:pic>
             <p:nvPicPr>
               <p:cNvPr id="157" name="Ink 156">
@@ -19791,8 +21215,8 @@
           </p:pic>
         </mc:Fallback>
       </mc:AlternateContent>
-      <mc:AlternateContent xmlns:mc="http://schemas.openxmlformats.org/markup-compatibility/2006">
-        <mc:Choice xmlns:p14="http://schemas.microsoft.com/office/powerpoint/2010/main" Requires="p14">
+      <mc:AlternateContent xmlns:mc="http://schemas.openxmlformats.org/markup-compatibility/2006" xmlns:p14="http://schemas.microsoft.com/office/powerpoint/2010/main">
+        <mc:Choice Requires="p14">
           <p:contentPart p14:bwMode="auto" r:id="rId204">
             <p14:nvContentPartPr>
               <p14:cNvPr id="159" name="Ink 158">
@@ -19811,7 +21235,7 @@
             </p14:xfrm>
           </p:contentPart>
         </mc:Choice>
-        <mc:Fallback>
+        <mc:Fallback xmlns="">
           <p:pic>
             <p:nvPicPr>
               <p:cNvPr id="159" name="Ink 158">
@@ -19842,8 +21266,8 @@
           </p:pic>
         </mc:Fallback>
       </mc:AlternateContent>
-      <mc:AlternateContent xmlns:mc="http://schemas.openxmlformats.org/markup-compatibility/2006">
-        <mc:Choice xmlns:p14="http://schemas.microsoft.com/office/powerpoint/2010/main" Requires="p14">
+      <mc:AlternateContent xmlns:mc="http://schemas.openxmlformats.org/markup-compatibility/2006" xmlns:p14="http://schemas.microsoft.com/office/powerpoint/2010/main">
+        <mc:Choice Requires="p14">
           <p:contentPart p14:bwMode="auto" r:id="rId206">
             <p14:nvContentPartPr>
               <p14:cNvPr id="161" name="Ink 160">
@@ -19862,7 +21286,7 @@
             </p14:xfrm>
           </p:contentPart>
         </mc:Choice>
-        <mc:Fallback>
+        <mc:Fallback xmlns="">
           <p:pic>
             <p:nvPicPr>
               <p:cNvPr id="161" name="Ink 160">
@@ -19893,8 +21317,8 @@
           </p:pic>
         </mc:Fallback>
       </mc:AlternateContent>
-      <mc:AlternateContent xmlns:mc="http://schemas.openxmlformats.org/markup-compatibility/2006">
-        <mc:Choice xmlns:p14="http://schemas.microsoft.com/office/powerpoint/2010/main" Requires="p14">
+      <mc:AlternateContent xmlns:mc="http://schemas.openxmlformats.org/markup-compatibility/2006" xmlns:p14="http://schemas.microsoft.com/office/powerpoint/2010/main">
+        <mc:Choice Requires="p14">
           <p:contentPart p14:bwMode="auto" r:id="rId208">
             <p14:nvContentPartPr>
               <p14:cNvPr id="162" name="Ink 161">
@@ -19913,7 +21337,7 @@
             </p14:xfrm>
           </p:contentPart>
         </mc:Choice>
-        <mc:Fallback>
+        <mc:Fallback xmlns="">
           <p:pic>
             <p:nvPicPr>
               <p:cNvPr id="162" name="Ink 161">
@@ -19944,8 +21368,8 @@
           </p:pic>
         </mc:Fallback>
       </mc:AlternateContent>
-      <mc:AlternateContent xmlns:mc="http://schemas.openxmlformats.org/markup-compatibility/2006">
-        <mc:Choice xmlns:p14="http://schemas.microsoft.com/office/powerpoint/2010/main" Requires="p14">
+      <mc:AlternateContent xmlns:mc="http://schemas.openxmlformats.org/markup-compatibility/2006" xmlns:p14="http://schemas.microsoft.com/office/powerpoint/2010/main">
+        <mc:Choice Requires="p14">
           <p:contentPart p14:bwMode="auto" r:id="rId210">
             <p14:nvContentPartPr>
               <p14:cNvPr id="163" name="Ink 162">
@@ -19964,7 +21388,7 @@
             </p14:xfrm>
           </p:contentPart>
         </mc:Choice>
-        <mc:Fallback>
+        <mc:Fallback xmlns="">
           <p:pic>
             <p:nvPicPr>
               <p:cNvPr id="163" name="Ink 162">
@@ -19995,8 +21419,8 @@
           </p:pic>
         </mc:Fallback>
       </mc:AlternateContent>
-      <mc:AlternateContent xmlns:mc="http://schemas.openxmlformats.org/markup-compatibility/2006">
-        <mc:Choice xmlns:p14="http://schemas.microsoft.com/office/powerpoint/2010/main" Requires="p14">
+      <mc:AlternateContent xmlns:mc="http://schemas.openxmlformats.org/markup-compatibility/2006" xmlns:p14="http://schemas.microsoft.com/office/powerpoint/2010/main">
+        <mc:Choice Requires="p14">
           <p:contentPart p14:bwMode="auto" r:id="rId212">
             <p14:nvContentPartPr>
               <p14:cNvPr id="165" name="Ink 164">
@@ -20015,7 +21439,7 @@
             </p14:xfrm>
           </p:contentPart>
         </mc:Choice>
-        <mc:Fallback>
+        <mc:Fallback xmlns="">
           <p:pic>
             <p:nvPicPr>
               <p:cNvPr id="165" name="Ink 164">
@@ -20046,8 +21470,8 @@
           </p:pic>
         </mc:Fallback>
       </mc:AlternateContent>
-      <mc:AlternateContent xmlns:mc="http://schemas.openxmlformats.org/markup-compatibility/2006">
-        <mc:Choice xmlns:p14="http://schemas.microsoft.com/office/powerpoint/2010/main" Requires="p14">
+      <mc:AlternateContent xmlns:mc="http://schemas.openxmlformats.org/markup-compatibility/2006" xmlns:p14="http://schemas.microsoft.com/office/powerpoint/2010/main">
+        <mc:Choice Requires="p14">
           <p:contentPart p14:bwMode="auto" r:id="rId214">
             <p14:nvContentPartPr>
               <p14:cNvPr id="167" name="Ink 166">
@@ -20066,7 +21490,7 @@
             </p14:xfrm>
           </p:contentPart>
         </mc:Choice>
-        <mc:Fallback>
+        <mc:Fallback xmlns="">
           <p:pic>
             <p:nvPicPr>
               <p:cNvPr id="167" name="Ink 166">
@@ -20097,8 +21521,8 @@
           </p:pic>
         </mc:Fallback>
       </mc:AlternateContent>
-      <mc:AlternateContent xmlns:mc="http://schemas.openxmlformats.org/markup-compatibility/2006">
-        <mc:Choice xmlns:p14="http://schemas.microsoft.com/office/powerpoint/2010/main" Requires="p14">
+      <mc:AlternateContent xmlns:mc="http://schemas.openxmlformats.org/markup-compatibility/2006" xmlns:p14="http://schemas.microsoft.com/office/powerpoint/2010/main">
+        <mc:Choice Requires="p14">
           <p:contentPart p14:bwMode="auto" r:id="rId216">
             <p14:nvContentPartPr>
               <p14:cNvPr id="168" name="Ink 167">
@@ -20117,7 +21541,7 @@
             </p14:xfrm>
           </p:contentPart>
         </mc:Choice>
-        <mc:Fallback>
+        <mc:Fallback xmlns="">
           <p:pic>
             <p:nvPicPr>
               <p:cNvPr id="168" name="Ink 167">
@@ -20148,8 +21572,8 @@
           </p:pic>
         </mc:Fallback>
       </mc:AlternateContent>
-      <mc:AlternateContent xmlns:mc="http://schemas.openxmlformats.org/markup-compatibility/2006">
-        <mc:Choice xmlns:p14="http://schemas.microsoft.com/office/powerpoint/2010/main" Requires="p14">
+      <mc:AlternateContent xmlns:mc="http://schemas.openxmlformats.org/markup-compatibility/2006" xmlns:p14="http://schemas.microsoft.com/office/powerpoint/2010/main">
+        <mc:Choice Requires="p14">
           <p:contentPart p14:bwMode="auto" r:id="rId218">
             <p14:nvContentPartPr>
               <p14:cNvPr id="170" name="Ink 169">
@@ -20168,7 +21592,7 @@
             </p14:xfrm>
           </p:contentPart>
         </mc:Choice>
-        <mc:Fallback>
+        <mc:Fallback xmlns="">
           <p:pic>
             <p:nvPicPr>
               <p:cNvPr id="170" name="Ink 169">
@@ -20199,8 +21623,8 @@
           </p:pic>
         </mc:Fallback>
       </mc:AlternateContent>
-      <mc:AlternateContent xmlns:mc="http://schemas.openxmlformats.org/markup-compatibility/2006">
-        <mc:Choice xmlns:p14="http://schemas.microsoft.com/office/powerpoint/2010/main" Requires="p14">
+      <mc:AlternateContent xmlns:mc="http://schemas.openxmlformats.org/markup-compatibility/2006" xmlns:p14="http://schemas.microsoft.com/office/powerpoint/2010/main">
+        <mc:Choice Requires="p14">
           <p:contentPart p14:bwMode="auto" r:id="rId220">
             <p14:nvContentPartPr>
               <p14:cNvPr id="171" name="Ink 170">
@@ -20219,7 +21643,7 @@
             </p14:xfrm>
           </p:contentPart>
         </mc:Choice>
-        <mc:Fallback>
+        <mc:Fallback xmlns="">
           <p:pic>
             <p:nvPicPr>
               <p:cNvPr id="171" name="Ink 170">
@@ -20250,8 +21674,8 @@
           </p:pic>
         </mc:Fallback>
       </mc:AlternateContent>
-      <mc:AlternateContent xmlns:mc="http://schemas.openxmlformats.org/markup-compatibility/2006">
-        <mc:Choice xmlns:p14="http://schemas.microsoft.com/office/powerpoint/2010/main" Requires="p14">
+      <mc:AlternateContent xmlns:mc="http://schemas.openxmlformats.org/markup-compatibility/2006" xmlns:p14="http://schemas.microsoft.com/office/powerpoint/2010/main">
+        <mc:Choice Requires="p14">
           <p:contentPart p14:bwMode="auto" r:id="rId222">
             <p14:nvContentPartPr>
               <p14:cNvPr id="172" name="Ink 171">
@@ -20270,7 +21694,7 @@
             </p14:xfrm>
           </p:contentPart>
         </mc:Choice>
-        <mc:Fallback>
+        <mc:Fallback xmlns="">
           <p:pic>
             <p:nvPicPr>
               <p:cNvPr id="172" name="Ink 171">
@@ -20301,8 +21725,8 @@
           </p:pic>
         </mc:Fallback>
       </mc:AlternateContent>
-      <mc:AlternateContent xmlns:mc="http://schemas.openxmlformats.org/markup-compatibility/2006">
-        <mc:Choice xmlns:p14="http://schemas.microsoft.com/office/powerpoint/2010/main" Requires="p14">
+      <mc:AlternateContent xmlns:mc="http://schemas.openxmlformats.org/markup-compatibility/2006" xmlns:p14="http://schemas.microsoft.com/office/powerpoint/2010/main">
+        <mc:Choice Requires="p14">
           <p:contentPart p14:bwMode="auto" r:id="rId224">
             <p14:nvContentPartPr>
               <p14:cNvPr id="174" name="Ink 173">
@@ -20321,7 +21745,7 @@
             </p14:xfrm>
           </p:contentPart>
         </mc:Choice>
-        <mc:Fallback>
+        <mc:Fallback xmlns="">
           <p:pic>
             <p:nvPicPr>
               <p:cNvPr id="174" name="Ink 173">
@@ -20352,8 +21776,8 @@
           </p:pic>
         </mc:Fallback>
       </mc:AlternateContent>
-      <mc:AlternateContent xmlns:mc="http://schemas.openxmlformats.org/markup-compatibility/2006">
-        <mc:Choice xmlns:p14="http://schemas.microsoft.com/office/powerpoint/2010/main" Requires="p14">
+      <mc:AlternateContent xmlns:mc="http://schemas.openxmlformats.org/markup-compatibility/2006" xmlns:p14="http://schemas.microsoft.com/office/powerpoint/2010/main">
+        <mc:Choice Requires="p14">
           <p:contentPart p14:bwMode="auto" r:id="rId226">
             <p14:nvContentPartPr>
               <p14:cNvPr id="175" name="Ink 174">
@@ -20372,7 +21796,7 @@
             </p14:xfrm>
           </p:contentPart>
         </mc:Choice>
-        <mc:Fallback>
+        <mc:Fallback xmlns="">
           <p:pic>
             <p:nvPicPr>
               <p:cNvPr id="175" name="Ink 174">
@@ -20403,8 +21827,8 @@
           </p:pic>
         </mc:Fallback>
       </mc:AlternateContent>
-      <mc:AlternateContent xmlns:mc="http://schemas.openxmlformats.org/markup-compatibility/2006">
-        <mc:Choice xmlns:p14="http://schemas.microsoft.com/office/powerpoint/2010/main" Requires="p14">
+      <mc:AlternateContent xmlns:mc="http://schemas.openxmlformats.org/markup-compatibility/2006" xmlns:p14="http://schemas.microsoft.com/office/powerpoint/2010/main">
+        <mc:Choice Requires="p14">
           <p:contentPart p14:bwMode="auto" r:id="rId228">
             <p14:nvContentPartPr>
               <p14:cNvPr id="176" name="Ink 175">
@@ -20423,7 +21847,7 @@
             </p14:xfrm>
           </p:contentPart>
         </mc:Choice>
-        <mc:Fallback>
+        <mc:Fallback xmlns="">
           <p:pic>
             <p:nvPicPr>
               <p:cNvPr id="176" name="Ink 175">
@@ -20454,8 +21878,8 @@
           </p:pic>
         </mc:Fallback>
       </mc:AlternateContent>
-      <mc:AlternateContent xmlns:mc="http://schemas.openxmlformats.org/markup-compatibility/2006">
-        <mc:Choice xmlns:p14="http://schemas.microsoft.com/office/powerpoint/2010/main" Requires="p14">
+      <mc:AlternateContent xmlns:mc="http://schemas.openxmlformats.org/markup-compatibility/2006" xmlns:p14="http://schemas.microsoft.com/office/powerpoint/2010/main">
+        <mc:Choice Requires="p14">
           <p:contentPart p14:bwMode="auto" r:id="rId230">
             <p14:nvContentPartPr>
               <p14:cNvPr id="177" name="Ink 176">
@@ -20474,7 +21898,7 @@
             </p14:xfrm>
           </p:contentPart>
         </mc:Choice>
-        <mc:Fallback>
+        <mc:Fallback xmlns="">
           <p:pic>
             <p:nvPicPr>
               <p:cNvPr id="177" name="Ink 176">
@@ -20505,8 +21929,8 @@
           </p:pic>
         </mc:Fallback>
       </mc:AlternateContent>
-      <mc:AlternateContent xmlns:mc="http://schemas.openxmlformats.org/markup-compatibility/2006">
-        <mc:Choice xmlns:p14="http://schemas.microsoft.com/office/powerpoint/2010/main" Requires="p14">
+      <mc:AlternateContent xmlns:mc="http://schemas.openxmlformats.org/markup-compatibility/2006" xmlns:p14="http://schemas.microsoft.com/office/powerpoint/2010/main">
+        <mc:Choice Requires="p14">
           <p:contentPart p14:bwMode="auto" r:id="rId232">
             <p14:nvContentPartPr>
               <p14:cNvPr id="178" name="Ink 177">
@@ -20525,7 +21949,7 @@
             </p14:xfrm>
           </p:contentPart>
         </mc:Choice>
-        <mc:Fallback>
+        <mc:Fallback xmlns="">
           <p:pic>
             <p:nvPicPr>
               <p:cNvPr id="178" name="Ink 177">
@@ -20556,8 +21980,8 @@
           </p:pic>
         </mc:Fallback>
       </mc:AlternateContent>
-      <mc:AlternateContent xmlns:mc="http://schemas.openxmlformats.org/markup-compatibility/2006">
-        <mc:Choice xmlns:p14="http://schemas.microsoft.com/office/powerpoint/2010/main" Requires="p14">
+      <mc:AlternateContent xmlns:mc="http://schemas.openxmlformats.org/markup-compatibility/2006" xmlns:p14="http://schemas.microsoft.com/office/powerpoint/2010/main">
+        <mc:Choice Requires="p14">
           <p:contentPart p14:bwMode="auto" r:id="rId234">
             <p14:nvContentPartPr>
               <p14:cNvPr id="179" name="Ink 178">
@@ -20576,7 +22000,7 @@
             </p14:xfrm>
           </p:contentPart>
         </mc:Choice>
-        <mc:Fallback>
+        <mc:Fallback xmlns="">
           <p:pic>
             <p:nvPicPr>
               <p:cNvPr id="179" name="Ink 178">
@@ -20607,8 +22031,8 @@
           </p:pic>
         </mc:Fallback>
       </mc:AlternateContent>
-      <mc:AlternateContent xmlns:mc="http://schemas.openxmlformats.org/markup-compatibility/2006">
-        <mc:Choice xmlns:p14="http://schemas.microsoft.com/office/powerpoint/2010/main" Requires="p14">
+      <mc:AlternateContent xmlns:mc="http://schemas.openxmlformats.org/markup-compatibility/2006" xmlns:p14="http://schemas.microsoft.com/office/powerpoint/2010/main">
+        <mc:Choice Requires="p14">
           <p:contentPart p14:bwMode="auto" r:id="rId236">
             <p14:nvContentPartPr>
               <p14:cNvPr id="181" name="Ink 180">
@@ -20627,7 +22051,7 @@
             </p14:xfrm>
           </p:contentPart>
         </mc:Choice>
-        <mc:Fallback>
+        <mc:Fallback xmlns="">
           <p:pic>
             <p:nvPicPr>
               <p:cNvPr id="181" name="Ink 180">
@@ -20658,8 +22082,8 @@
           </p:pic>
         </mc:Fallback>
       </mc:AlternateContent>
-      <mc:AlternateContent xmlns:mc="http://schemas.openxmlformats.org/markup-compatibility/2006">
-        <mc:Choice xmlns:p14="http://schemas.microsoft.com/office/powerpoint/2010/main" Requires="p14">
+      <mc:AlternateContent xmlns:mc="http://schemas.openxmlformats.org/markup-compatibility/2006" xmlns:p14="http://schemas.microsoft.com/office/powerpoint/2010/main">
+        <mc:Choice Requires="p14">
           <p:contentPart p14:bwMode="auto" r:id="rId238">
             <p14:nvContentPartPr>
               <p14:cNvPr id="183" name="Ink 182">
@@ -20678,7 +22102,7 @@
             </p14:xfrm>
           </p:contentPart>
         </mc:Choice>
-        <mc:Fallback>
+        <mc:Fallback xmlns="">
           <p:pic>
             <p:nvPicPr>
               <p:cNvPr id="183" name="Ink 182">
@@ -20709,8 +22133,8 @@
           </p:pic>
         </mc:Fallback>
       </mc:AlternateContent>
-      <mc:AlternateContent xmlns:mc="http://schemas.openxmlformats.org/markup-compatibility/2006">
-        <mc:Choice xmlns:p14="http://schemas.microsoft.com/office/powerpoint/2010/main" Requires="p14">
+      <mc:AlternateContent xmlns:mc="http://schemas.openxmlformats.org/markup-compatibility/2006" xmlns:p14="http://schemas.microsoft.com/office/powerpoint/2010/main">
+        <mc:Choice Requires="p14">
           <p:contentPart p14:bwMode="auto" r:id="rId240">
             <p14:nvContentPartPr>
               <p14:cNvPr id="184" name="Ink 183">
@@ -20729,7 +22153,7 @@
             </p14:xfrm>
           </p:contentPart>
         </mc:Choice>
-        <mc:Fallback>
+        <mc:Fallback xmlns="">
           <p:pic>
             <p:nvPicPr>
               <p:cNvPr id="184" name="Ink 183">
@@ -20760,8 +22184,8 @@
           </p:pic>
         </mc:Fallback>
       </mc:AlternateContent>
-      <mc:AlternateContent xmlns:mc="http://schemas.openxmlformats.org/markup-compatibility/2006">
-        <mc:Choice xmlns:p14="http://schemas.microsoft.com/office/powerpoint/2010/main" Requires="p14">
+      <mc:AlternateContent xmlns:mc="http://schemas.openxmlformats.org/markup-compatibility/2006" xmlns:p14="http://schemas.microsoft.com/office/powerpoint/2010/main">
+        <mc:Choice Requires="p14">
           <p:contentPart p14:bwMode="auto" r:id="rId242">
             <p14:nvContentPartPr>
               <p14:cNvPr id="185" name="Ink 184">
@@ -20780,7 +22204,7 @@
             </p14:xfrm>
           </p:contentPart>
         </mc:Choice>
-        <mc:Fallback>
+        <mc:Fallback xmlns="">
           <p:pic>
             <p:nvPicPr>
               <p:cNvPr id="185" name="Ink 184">
@@ -20811,8 +22235,8 @@
           </p:pic>
         </mc:Fallback>
       </mc:AlternateContent>
-      <mc:AlternateContent xmlns:mc="http://schemas.openxmlformats.org/markup-compatibility/2006">
-        <mc:Choice xmlns:p14="http://schemas.microsoft.com/office/powerpoint/2010/main" Requires="p14">
+      <mc:AlternateContent xmlns:mc="http://schemas.openxmlformats.org/markup-compatibility/2006" xmlns:p14="http://schemas.microsoft.com/office/powerpoint/2010/main">
+        <mc:Choice Requires="p14">
           <p:contentPart p14:bwMode="auto" r:id="rId244">
             <p14:nvContentPartPr>
               <p14:cNvPr id="196" name="Ink 195">
@@ -20831,7 +22255,7 @@
             </p14:xfrm>
           </p:contentPart>
         </mc:Choice>
-        <mc:Fallback>
+        <mc:Fallback xmlns="">
           <p:pic>
             <p:nvPicPr>
               <p:cNvPr id="196" name="Ink 195">
@@ -20862,8 +22286,8 @@
           </p:pic>
         </mc:Fallback>
       </mc:AlternateContent>
-      <mc:AlternateContent xmlns:mc="http://schemas.openxmlformats.org/markup-compatibility/2006">
-        <mc:Choice xmlns:p14="http://schemas.microsoft.com/office/powerpoint/2010/main" Requires="p14">
+      <mc:AlternateContent xmlns:mc="http://schemas.openxmlformats.org/markup-compatibility/2006" xmlns:p14="http://schemas.microsoft.com/office/powerpoint/2010/main">
+        <mc:Choice Requires="p14">
           <p:contentPart p14:bwMode="auto" r:id="rId246">
             <p14:nvContentPartPr>
               <p14:cNvPr id="198" name="Ink 197">
@@ -20882,7 +22306,7 @@
             </p14:xfrm>
           </p:contentPart>
         </mc:Choice>
-        <mc:Fallback>
+        <mc:Fallback xmlns="">
           <p:pic>
             <p:nvPicPr>
               <p:cNvPr id="198" name="Ink 197">
@@ -20913,8 +22337,8 @@
           </p:pic>
         </mc:Fallback>
       </mc:AlternateContent>
-      <mc:AlternateContent xmlns:mc="http://schemas.openxmlformats.org/markup-compatibility/2006">
-        <mc:Choice xmlns:p14="http://schemas.microsoft.com/office/powerpoint/2010/main" Requires="p14">
+      <mc:AlternateContent xmlns:mc="http://schemas.openxmlformats.org/markup-compatibility/2006" xmlns:p14="http://schemas.microsoft.com/office/powerpoint/2010/main">
+        <mc:Choice Requires="p14">
           <p:contentPart p14:bwMode="auto" r:id="rId248">
             <p14:nvContentPartPr>
               <p14:cNvPr id="199" name="Ink 198">
@@ -20933,7 +22357,7 @@
             </p14:xfrm>
           </p:contentPart>
         </mc:Choice>
-        <mc:Fallback>
+        <mc:Fallback xmlns="">
           <p:pic>
             <p:nvPicPr>
               <p:cNvPr id="199" name="Ink 198">
@@ -20964,8 +22388,8 @@
           </p:pic>
         </mc:Fallback>
       </mc:AlternateContent>
-      <mc:AlternateContent xmlns:mc="http://schemas.openxmlformats.org/markup-compatibility/2006">
-        <mc:Choice xmlns:p14="http://schemas.microsoft.com/office/powerpoint/2010/main" Requires="p14">
+      <mc:AlternateContent xmlns:mc="http://schemas.openxmlformats.org/markup-compatibility/2006" xmlns:p14="http://schemas.microsoft.com/office/powerpoint/2010/main">
+        <mc:Choice Requires="p14">
           <p:contentPart p14:bwMode="auto" r:id="rId250">
             <p14:nvContentPartPr>
               <p14:cNvPr id="201" name="Ink 200">
@@ -20984,7 +22408,7 @@
             </p14:xfrm>
           </p:contentPart>
         </mc:Choice>
-        <mc:Fallback>
+        <mc:Fallback xmlns="">
           <p:pic>
             <p:nvPicPr>
               <p:cNvPr id="201" name="Ink 200">
@@ -21015,8 +22439,8 @@
           </p:pic>
         </mc:Fallback>
       </mc:AlternateContent>
-      <mc:AlternateContent xmlns:mc="http://schemas.openxmlformats.org/markup-compatibility/2006">
-        <mc:Choice xmlns:p14="http://schemas.microsoft.com/office/powerpoint/2010/main" Requires="p14">
+      <mc:AlternateContent xmlns:mc="http://schemas.openxmlformats.org/markup-compatibility/2006" xmlns:p14="http://schemas.microsoft.com/office/powerpoint/2010/main">
+        <mc:Choice Requires="p14">
           <p:contentPart p14:bwMode="auto" r:id="rId252">
             <p14:nvContentPartPr>
               <p14:cNvPr id="202" name="Ink 201">
@@ -21035,7 +22459,7 @@
             </p14:xfrm>
           </p:contentPart>
         </mc:Choice>
-        <mc:Fallback>
+        <mc:Fallback xmlns="">
           <p:pic>
             <p:nvPicPr>
               <p:cNvPr id="202" name="Ink 201">
@@ -21066,8 +22490,8 @@
           </p:pic>
         </mc:Fallback>
       </mc:AlternateContent>
-      <mc:AlternateContent xmlns:mc="http://schemas.openxmlformats.org/markup-compatibility/2006">
-        <mc:Choice xmlns:p14="http://schemas.microsoft.com/office/powerpoint/2010/main" Requires="p14">
+      <mc:AlternateContent xmlns:mc="http://schemas.openxmlformats.org/markup-compatibility/2006" xmlns:p14="http://schemas.microsoft.com/office/powerpoint/2010/main">
+        <mc:Choice Requires="p14">
           <p:contentPart p14:bwMode="auto" r:id="rId254">
             <p14:nvContentPartPr>
               <p14:cNvPr id="204" name="Ink 203">
@@ -21086,7 +22510,7 @@
             </p14:xfrm>
           </p:contentPart>
         </mc:Choice>
-        <mc:Fallback>
+        <mc:Fallback xmlns="">
           <p:pic>
             <p:nvPicPr>
               <p:cNvPr id="204" name="Ink 203">
@@ -21117,8 +22541,8 @@
           </p:pic>
         </mc:Fallback>
       </mc:AlternateContent>
-      <mc:AlternateContent xmlns:mc="http://schemas.openxmlformats.org/markup-compatibility/2006">
-        <mc:Choice xmlns:p14="http://schemas.microsoft.com/office/powerpoint/2010/main" Requires="p14">
+      <mc:AlternateContent xmlns:mc="http://schemas.openxmlformats.org/markup-compatibility/2006" xmlns:p14="http://schemas.microsoft.com/office/powerpoint/2010/main">
+        <mc:Choice Requires="p14">
           <p:contentPart p14:bwMode="auto" r:id="rId256">
             <p14:nvContentPartPr>
               <p14:cNvPr id="206" name="Ink 205">
@@ -21137,7 +22561,7 @@
             </p14:xfrm>
           </p:contentPart>
         </mc:Choice>
-        <mc:Fallback>
+        <mc:Fallback xmlns="">
           <p:pic>
             <p:nvPicPr>
               <p:cNvPr id="206" name="Ink 205">
@@ -21168,8 +22592,8 @@
           </p:pic>
         </mc:Fallback>
       </mc:AlternateContent>
-      <mc:AlternateContent xmlns:mc="http://schemas.openxmlformats.org/markup-compatibility/2006">
-        <mc:Choice xmlns:p14="http://schemas.microsoft.com/office/powerpoint/2010/main" Requires="p14">
+      <mc:AlternateContent xmlns:mc="http://schemas.openxmlformats.org/markup-compatibility/2006" xmlns:p14="http://schemas.microsoft.com/office/powerpoint/2010/main">
+        <mc:Choice Requires="p14">
           <p:contentPart p14:bwMode="auto" r:id="rId258">
             <p14:nvContentPartPr>
               <p14:cNvPr id="207" name="Ink 206">
@@ -21188,7 +22612,7 @@
             </p14:xfrm>
           </p:contentPart>
         </mc:Choice>
-        <mc:Fallback>
+        <mc:Fallback xmlns="">
           <p:pic>
             <p:nvPicPr>
               <p:cNvPr id="207" name="Ink 206">
@@ -21219,8 +22643,8 @@
           </p:pic>
         </mc:Fallback>
       </mc:AlternateContent>
-      <mc:AlternateContent xmlns:mc="http://schemas.openxmlformats.org/markup-compatibility/2006">
-        <mc:Choice xmlns:p14="http://schemas.microsoft.com/office/powerpoint/2010/main" Requires="p14">
+      <mc:AlternateContent xmlns:mc="http://schemas.openxmlformats.org/markup-compatibility/2006" xmlns:p14="http://schemas.microsoft.com/office/powerpoint/2010/main">
+        <mc:Choice Requires="p14">
           <p:contentPart p14:bwMode="auto" r:id="rId260">
             <p14:nvContentPartPr>
               <p14:cNvPr id="209" name="Ink 208">
@@ -21239,7 +22663,7 @@
             </p14:xfrm>
           </p:contentPart>
         </mc:Choice>
-        <mc:Fallback>
+        <mc:Fallback xmlns="">
           <p:pic>
             <p:nvPicPr>
               <p:cNvPr id="209" name="Ink 208">
@@ -21270,8 +22694,8 @@
           </p:pic>
         </mc:Fallback>
       </mc:AlternateContent>
-      <mc:AlternateContent xmlns:mc="http://schemas.openxmlformats.org/markup-compatibility/2006">
-        <mc:Choice xmlns:p14="http://schemas.microsoft.com/office/powerpoint/2010/main" Requires="p14">
+      <mc:AlternateContent xmlns:mc="http://schemas.openxmlformats.org/markup-compatibility/2006" xmlns:p14="http://schemas.microsoft.com/office/powerpoint/2010/main">
+        <mc:Choice Requires="p14">
           <p:contentPart p14:bwMode="auto" r:id="rId262">
             <p14:nvContentPartPr>
               <p14:cNvPr id="210" name="Ink 209">
@@ -21290,7 +22714,7 @@
             </p14:xfrm>
           </p:contentPart>
         </mc:Choice>
-        <mc:Fallback>
+        <mc:Fallback xmlns="">
           <p:pic>
             <p:nvPicPr>
               <p:cNvPr id="210" name="Ink 209">
@@ -21321,8 +22745,8 @@
           </p:pic>
         </mc:Fallback>
       </mc:AlternateContent>
-      <mc:AlternateContent xmlns:mc="http://schemas.openxmlformats.org/markup-compatibility/2006">
-        <mc:Choice xmlns:p14="http://schemas.microsoft.com/office/powerpoint/2010/main" Requires="p14">
+      <mc:AlternateContent xmlns:mc="http://schemas.openxmlformats.org/markup-compatibility/2006" xmlns:p14="http://schemas.microsoft.com/office/powerpoint/2010/main">
+        <mc:Choice Requires="p14">
           <p:contentPart p14:bwMode="auto" r:id="rId264">
             <p14:nvContentPartPr>
               <p14:cNvPr id="211" name="Ink 210">
@@ -21341,7 +22765,7 @@
             </p14:xfrm>
           </p:contentPart>
         </mc:Choice>
-        <mc:Fallback>
+        <mc:Fallback xmlns="">
           <p:pic>
             <p:nvPicPr>
               <p:cNvPr id="211" name="Ink 210">
@@ -21372,8 +22796,8 @@
           </p:pic>
         </mc:Fallback>
       </mc:AlternateContent>
-      <mc:AlternateContent xmlns:mc="http://schemas.openxmlformats.org/markup-compatibility/2006">
-        <mc:Choice xmlns:p14="http://schemas.microsoft.com/office/powerpoint/2010/main" Requires="p14">
+      <mc:AlternateContent xmlns:mc="http://schemas.openxmlformats.org/markup-compatibility/2006" xmlns:p14="http://schemas.microsoft.com/office/powerpoint/2010/main">
+        <mc:Choice Requires="p14">
           <p:contentPart p14:bwMode="auto" r:id="rId266">
             <p14:nvContentPartPr>
               <p14:cNvPr id="212" name="Ink 211">
@@ -21392,7 +22816,7 @@
             </p14:xfrm>
           </p:contentPart>
         </mc:Choice>
-        <mc:Fallback>
+        <mc:Fallback xmlns="">
           <p:pic>
             <p:nvPicPr>
               <p:cNvPr id="212" name="Ink 211">
@@ -21423,8 +22847,8 @@
           </p:pic>
         </mc:Fallback>
       </mc:AlternateContent>
-      <mc:AlternateContent xmlns:mc="http://schemas.openxmlformats.org/markup-compatibility/2006">
-        <mc:Choice xmlns:p14="http://schemas.microsoft.com/office/powerpoint/2010/main" Requires="p14">
+      <mc:AlternateContent xmlns:mc="http://schemas.openxmlformats.org/markup-compatibility/2006" xmlns:p14="http://schemas.microsoft.com/office/powerpoint/2010/main">
+        <mc:Choice Requires="p14">
           <p:contentPart p14:bwMode="auto" r:id="rId268">
             <p14:nvContentPartPr>
               <p14:cNvPr id="220" name="Ink 219">
@@ -21443,7 +22867,7 @@
             </p14:xfrm>
           </p:contentPart>
         </mc:Choice>
-        <mc:Fallback>
+        <mc:Fallback xmlns="">
           <p:pic>
             <p:nvPicPr>
               <p:cNvPr id="220" name="Ink 219">
@@ -21474,8 +22898,8 @@
           </p:pic>
         </mc:Fallback>
       </mc:AlternateContent>
-      <mc:AlternateContent xmlns:mc="http://schemas.openxmlformats.org/markup-compatibility/2006">
-        <mc:Choice xmlns:p14="http://schemas.microsoft.com/office/powerpoint/2010/main" Requires="p14">
+      <mc:AlternateContent xmlns:mc="http://schemas.openxmlformats.org/markup-compatibility/2006" xmlns:p14="http://schemas.microsoft.com/office/powerpoint/2010/main">
+        <mc:Choice Requires="p14">
           <p:contentPart p14:bwMode="auto" r:id="rId270">
             <p14:nvContentPartPr>
               <p14:cNvPr id="221" name="Ink 220">
@@ -21494,7 +22918,7 @@
             </p14:xfrm>
           </p:contentPart>
         </mc:Choice>
-        <mc:Fallback>
+        <mc:Fallback xmlns="">
           <p:pic>
             <p:nvPicPr>
               <p:cNvPr id="221" name="Ink 220">
@@ -21525,8 +22949,8 @@
           </p:pic>
         </mc:Fallback>
       </mc:AlternateContent>
-      <mc:AlternateContent xmlns:mc="http://schemas.openxmlformats.org/markup-compatibility/2006">
-        <mc:Choice xmlns:p14="http://schemas.microsoft.com/office/powerpoint/2010/main" Requires="p14">
+      <mc:AlternateContent xmlns:mc="http://schemas.openxmlformats.org/markup-compatibility/2006" xmlns:p14="http://schemas.microsoft.com/office/powerpoint/2010/main">
+        <mc:Choice Requires="p14">
           <p:contentPart p14:bwMode="auto" r:id="rId272">
             <p14:nvContentPartPr>
               <p14:cNvPr id="223" name="Ink 222">
@@ -21545,7 +22969,7 @@
             </p14:xfrm>
           </p:contentPart>
         </mc:Choice>
-        <mc:Fallback>
+        <mc:Fallback xmlns="">
           <p:pic>
             <p:nvPicPr>
               <p:cNvPr id="223" name="Ink 222">
@@ -21576,8 +23000,8 @@
           </p:pic>
         </mc:Fallback>
       </mc:AlternateContent>
-      <mc:AlternateContent xmlns:mc="http://schemas.openxmlformats.org/markup-compatibility/2006">
-        <mc:Choice xmlns:p14="http://schemas.microsoft.com/office/powerpoint/2010/main" Requires="p14">
+      <mc:AlternateContent xmlns:mc="http://schemas.openxmlformats.org/markup-compatibility/2006" xmlns:p14="http://schemas.microsoft.com/office/powerpoint/2010/main">
+        <mc:Choice Requires="p14">
           <p:contentPart p14:bwMode="auto" r:id="rId274">
             <p14:nvContentPartPr>
               <p14:cNvPr id="224" name="Ink 223">
@@ -21596,7 +23020,7 @@
             </p14:xfrm>
           </p:contentPart>
         </mc:Choice>
-        <mc:Fallback>
+        <mc:Fallback xmlns="">
           <p:pic>
             <p:nvPicPr>
               <p:cNvPr id="224" name="Ink 223">
@@ -21627,8 +23051,8 @@
           </p:pic>
         </mc:Fallback>
       </mc:AlternateContent>
-      <mc:AlternateContent xmlns:mc="http://schemas.openxmlformats.org/markup-compatibility/2006">
-        <mc:Choice xmlns:p14="http://schemas.microsoft.com/office/powerpoint/2010/main" Requires="p14">
+      <mc:AlternateContent xmlns:mc="http://schemas.openxmlformats.org/markup-compatibility/2006" xmlns:p14="http://schemas.microsoft.com/office/powerpoint/2010/main">
+        <mc:Choice Requires="p14">
           <p:contentPart p14:bwMode="auto" r:id="rId276">
             <p14:nvContentPartPr>
               <p14:cNvPr id="226" name="Ink 225">
@@ -21647,7 +23071,7 @@
             </p14:xfrm>
           </p:contentPart>
         </mc:Choice>
-        <mc:Fallback>
+        <mc:Fallback xmlns="">
           <p:pic>
             <p:nvPicPr>
               <p:cNvPr id="226" name="Ink 225">
@@ -21678,8 +23102,8 @@
           </p:pic>
         </mc:Fallback>
       </mc:AlternateContent>
-      <mc:AlternateContent xmlns:mc="http://schemas.openxmlformats.org/markup-compatibility/2006">
-        <mc:Choice xmlns:p14="http://schemas.microsoft.com/office/powerpoint/2010/main" Requires="p14">
+      <mc:AlternateContent xmlns:mc="http://schemas.openxmlformats.org/markup-compatibility/2006" xmlns:p14="http://schemas.microsoft.com/office/powerpoint/2010/main">
+        <mc:Choice Requires="p14">
           <p:contentPart p14:bwMode="auto" r:id="rId278">
             <p14:nvContentPartPr>
               <p14:cNvPr id="227" name="Ink 226">
@@ -21698,7 +23122,7 @@
             </p14:xfrm>
           </p:contentPart>
         </mc:Choice>
-        <mc:Fallback>
+        <mc:Fallback xmlns="">
           <p:pic>
             <p:nvPicPr>
               <p:cNvPr id="227" name="Ink 226">
@@ -21729,8 +23153,8 @@
           </p:pic>
         </mc:Fallback>
       </mc:AlternateContent>
-      <mc:AlternateContent xmlns:mc="http://schemas.openxmlformats.org/markup-compatibility/2006">
-        <mc:Choice xmlns:p14="http://schemas.microsoft.com/office/powerpoint/2010/main" Requires="p14">
+      <mc:AlternateContent xmlns:mc="http://schemas.openxmlformats.org/markup-compatibility/2006" xmlns:p14="http://schemas.microsoft.com/office/powerpoint/2010/main">
+        <mc:Choice Requires="p14">
           <p:contentPart p14:bwMode="auto" r:id="rId280">
             <p14:nvContentPartPr>
               <p14:cNvPr id="228" name="Ink 227">
@@ -21749,7 +23173,7 @@
             </p14:xfrm>
           </p:contentPart>
         </mc:Choice>
-        <mc:Fallback>
+        <mc:Fallback xmlns="">
           <p:pic>
             <p:nvPicPr>
               <p:cNvPr id="228" name="Ink 227">
@@ -21780,8 +23204,8 @@
           </p:pic>
         </mc:Fallback>
       </mc:AlternateContent>
-      <mc:AlternateContent xmlns:mc="http://schemas.openxmlformats.org/markup-compatibility/2006">
-        <mc:Choice xmlns:p14="http://schemas.microsoft.com/office/powerpoint/2010/main" Requires="p14">
+      <mc:AlternateContent xmlns:mc="http://schemas.openxmlformats.org/markup-compatibility/2006" xmlns:p14="http://schemas.microsoft.com/office/powerpoint/2010/main">
+        <mc:Choice Requires="p14">
           <p:contentPart p14:bwMode="auto" r:id="rId282">
             <p14:nvContentPartPr>
               <p14:cNvPr id="230" name="Ink 229">
@@ -21800,7 +23224,7 @@
             </p14:xfrm>
           </p:contentPart>
         </mc:Choice>
-        <mc:Fallback>
+        <mc:Fallback xmlns="">
           <p:pic>
             <p:nvPicPr>
               <p:cNvPr id="230" name="Ink 229">
@@ -21831,8 +23255,8 @@
           </p:pic>
         </mc:Fallback>
       </mc:AlternateContent>
-      <mc:AlternateContent xmlns:mc="http://schemas.openxmlformats.org/markup-compatibility/2006">
-        <mc:Choice xmlns:p14="http://schemas.microsoft.com/office/powerpoint/2010/main" Requires="p14">
+      <mc:AlternateContent xmlns:mc="http://schemas.openxmlformats.org/markup-compatibility/2006" xmlns:p14="http://schemas.microsoft.com/office/powerpoint/2010/main">
+        <mc:Choice Requires="p14">
           <p:contentPart p14:bwMode="auto" r:id="rId284">
             <p14:nvContentPartPr>
               <p14:cNvPr id="231" name="Ink 230">
@@ -21851,7 +23275,7 @@
             </p14:xfrm>
           </p:contentPart>
         </mc:Choice>
-        <mc:Fallback>
+        <mc:Fallback xmlns="">
           <p:pic>
             <p:nvPicPr>
               <p:cNvPr id="231" name="Ink 230">
@@ -21882,8 +23306,8 @@
           </p:pic>
         </mc:Fallback>
       </mc:AlternateContent>
-      <mc:AlternateContent xmlns:mc="http://schemas.openxmlformats.org/markup-compatibility/2006">
-        <mc:Choice xmlns:p14="http://schemas.microsoft.com/office/powerpoint/2010/main" Requires="p14">
+      <mc:AlternateContent xmlns:mc="http://schemas.openxmlformats.org/markup-compatibility/2006" xmlns:p14="http://schemas.microsoft.com/office/powerpoint/2010/main">
+        <mc:Choice Requires="p14">
           <p:contentPart p14:bwMode="auto" r:id="rId286">
             <p14:nvContentPartPr>
               <p14:cNvPr id="232" name="Ink 231">
@@ -21902,7 +23326,7 @@
             </p14:xfrm>
           </p:contentPart>
         </mc:Choice>
-        <mc:Fallback>
+        <mc:Fallback xmlns="">
           <p:pic>
             <p:nvPicPr>
               <p:cNvPr id="232" name="Ink 231">
@@ -21933,8 +23357,8 @@
           </p:pic>
         </mc:Fallback>
       </mc:AlternateContent>
-      <mc:AlternateContent xmlns:mc="http://schemas.openxmlformats.org/markup-compatibility/2006">
-        <mc:Choice xmlns:p14="http://schemas.microsoft.com/office/powerpoint/2010/main" Requires="p14">
+      <mc:AlternateContent xmlns:mc="http://schemas.openxmlformats.org/markup-compatibility/2006" xmlns:p14="http://schemas.microsoft.com/office/powerpoint/2010/main">
+        <mc:Choice Requires="p14">
           <p:contentPart p14:bwMode="auto" r:id="rId288">
             <p14:nvContentPartPr>
               <p14:cNvPr id="234" name="Ink 233">
@@ -21953,7 +23377,7 @@
             </p14:xfrm>
           </p:contentPart>
         </mc:Choice>
-        <mc:Fallback>
+        <mc:Fallback xmlns="">
           <p:pic>
             <p:nvPicPr>
               <p:cNvPr id="234" name="Ink 233">
@@ -21984,8 +23408,8 @@
           </p:pic>
         </mc:Fallback>
       </mc:AlternateContent>
-      <mc:AlternateContent xmlns:mc="http://schemas.openxmlformats.org/markup-compatibility/2006">
-        <mc:Choice xmlns:p14="http://schemas.microsoft.com/office/powerpoint/2010/main" Requires="p14">
+      <mc:AlternateContent xmlns:mc="http://schemas.openxmlformats.org/markup-compatibility/2006" xmlns:p14="http://schemas.microsoft.com/office/powerpoint/2010/main">
+        <mc:Choice Requires="p14">
           <p:contentPart p14:bwMode="auto" r:id="rId290">
             <p14:nvContentPartPr>
               <p14:cNvPr id="236" name="Ink 235">
@@ -22004,7 +23428,7 @@
             </p14:xfrm>
           </p:contentPart>
         </mc:Choice>
-        <mc:Fallback>
+        <mc:Fallback xmlns="">
           <p:pic>
             <p:nvPicPr>
               <p:cNvPr id="236" name="Ink 235">
@@ -22035,8 +23459,8 @@
           </p:pic>
         </mc:Fallback>
       </mc:AlternateContent>
-      <mc:AlternateContent xmlns:mc="http://schemas.openxmlformats.org/markup-compatibility/2006">
-        <mc:Choice xmlns:p14="http://schemas.microsoft.com/office/powerpoint/2010/main" Requires="p14">
+      <mc:AlternateContent xmlns:mc="http://schemas.openxmlformats.org/markup-compatibility/2006" xmlns:p14="http://schemas.microsoft.com/office/powerpoint/2010/main">
+        <mc:Choice Requires="p14">
           <p:contentPart p14:bwMode="auto" r:id="rId292">
             <p14:nvContentPartPr>
               <p14:cNvPr id="237" name="Ink 236">
@@ -22055,7 +23479,7 @@
             </p14:xfrm>
           </p:contentPart>
         </mc:Choice>
-        <mc:Fallback>
+        <mc:Fallback xmlns="">
           <p:pic>
             <p:nvPicPr>
               <p:cNvPr id="237" name="Ink 236">
@@ -22086,8 +23510,8 @@
           </p:pic>
         </mc:Fallback>
       </mc:AlternateContent>
-      <mc:AlternateContent xmlns:mc="http://schemas.openxmlformats.org/markup-compatibility/2006">
-        <mc:Choice xmlns:p14="http://schemas.microsoft.com/office/powerpoint/2010/main" Requires="p14">
+      <mc:AlternateContent xmlns:mc="http://schemas.openxmlformats.org/markup-compatibility/2006" xmlns:p14="http://schemas.microsoft.com/office/powerpoint/2010/main">
+        <mc:Choice Requires="p14">
           <p:contentPart p14:bwMode="auto" r:id="rId294">
             <p14:nvContentPartPr>
               <p14:cNvPr id="239" name="Ink 238">
@@ -22106,7 +23530,7 @@
             </p14:xfrm>
           </p:contentPart>
         </mc:Choice>
-        <mc:Fallback>
+        <mc:Fallback xmlns="">
           <p:pic>
             <p:nvPicPr>
               <p:cNvPr id="239" name="Ink 238">
@@ -22137,8 +23561,8 @@
           </p:pic>
         </mc:Fallback>
       </mc:AlternateContent>
-      <mc:AlternateContent xmlns:mc="http://schemas.openxmlformats.org/markup-compatibility/2006">
-        <mc:Choice xmlns:p14="http://schemas.microsoft.com/office/powerpoint/2010/main" Requires="p14">
+      <mc:AlternateContent xmlns:mc="http://schemas.openxmlformats.org/markup-compatibility/2006" xmlns:p14="http://schemas.microsoft.com/office/powerpoint/2010/main">
+        <mc:Choice Requires="p14">
           <p:contentPart p14:bwMode="auto" r:id="rId295">
             <p14:nvContentPartPr>
               <p14:cNvPr id="240" name="Ink 239">
@@ -22157,7 +23581,7 @@
             </p14:xfrm>
           </p:contentPart>
         </mc:Choice>
-        <mc:Fallback>
+        <mc:Fallback xmlns="">
           <p:pic>
             <p:nvPicPr>
               <p:cNvPr id="240" name="Ink 239">
@@ -22188,8 +23612,8 @@
           </p:pic>
         </mc:Fallback>
       </mc:AlternateContent>
-      <mc:AlternateContent xmlns:mc="http://schemas.openxmlformats.org/markup-compatibility/2006">
-        <mc:Choice xmlns:p14="http://schemas.microsoft.com/office/powerpoint/2010/main" Requires="p14">
+      <mc:AlternateContent xmlns:mc="http://schemas.openxmlformats.org/markup-compatibility/2006" xmlns:p14="http://schemas.microsoft.com/office/powerpoint/2010/main">
+        <mc:Choice Requires="p14">
           <p:contentPart p14:bwMode="auto" r:id="rId297">
             <p14:nvContentPartPr>
               <p14:cNvPr id="242" name="Ink 241">
@@ -22208,7 +23632,7 @@
             </p14:xfrm>
           </p:contentPart>
         </mc:Choice>
-        <mc:Fallback>
+        <mc:Fallback xmlns="">
           <p:pic>
             <p:nvPicPr>
               <p:cNvPr id="242" name="Ink 241">
@@ -22239,8 +23663,8 @@
           </p:pic>
         </mc:Fallback>
       </mc:AlternateContent>
-      <mc:AlternateContent xmlns:mc="http://schemas.openxmlformats.org/markup-compatibility/2006">
-        <mc:Choice xmlns:p14="http://schemas.microsoft.com/office/powerpoint/2010/main" Requires="p14">
+      <mc:AlternateContent xmlns:mc="http://schemas.openxmlformats.org/markup-compatibility/2006" xmlns:p14="http://schemas.microsoft.com/office/powerpoint/2010/main">
+        <mc:Choice Requires="p14">
           <p:contentPart p14:bwMode="auto" r:id="rId299">
             <p14:nvContentPartPr>
               <p14:cNvPr id="244" name="Ink 243">
@@ -22259,7 +23683,7 @@
             </p14:xfrm>
           </p:contentPart>
         </mc:Choice>
-        <mc:Fallback>
+        <mc:Fallback xmlns="">
           <p:pic>
             <p:nvPicPr>
               <p:cNvPr id="244" name="Ink 243">
@@ -22290,8 +23714,8 @@
           </p:pic>
         </mc:Fallback>
       </mc:AlternateContent>
-      <mc:AlternateContent xmlns:mc="http://schemas.openxmlformats.org/markup-compatibility/2006">
-        <mc:Choice xmlns:p14="http://schemas.microsoft.com/office/powerpoint/2010/main" Requires="p14">
+      <mc:AlternateContent xmlns:mc="http://schemas.openxmlformats.org/markup-compatibility/2006" xmlns:p14="http://schemas.microsoft.com/office/powerpoint/2010/main">
+        <mc:Choice Requires="p14">
           <p:contentPart p14:bwMode="auto" r:id="rId301">
             <p14:nvContentPartPr>
               <p14:cNvPr id="245" name="Ink 244">
@@ -22310,7 +23734,7 @@
             </p14:xfrm>
           </p:contentPart>
         </mc:Choice>
-        <mc:Fallback>
+        <mc:Fallback xmlns="">
           <p:pic>
             <p:nvPicPr>
               <p:cNvPr id="245" name="Ink 244">
@@ -22361,8 +23785,8 @@
             <a:chExt cx="2630520" cy="1200960"/>
           </a:xfrm>
         </p:grpSpPr>
-        <mc:AlternateContent xmlns:mc="http://schemas.openxmlformats.org/markup-compatibility/2006">
-          <mc:Choice xmlns:p14="http://schemas.microsoft.com/office/powerpoint/2010/main" Requires="p14">
+        <mc:AlternateContent xmlns:mc="http://schemas.openxmlformats.org/markup-compatibility/2006" xmlns:p14="http://schemas.microsoft.com/office/powerpoint/2010/main">
+          <mc:Choice Requires="p14">
             <p:contentPart p14:bwMode="auto" r:id="rId303">
               <p14:nvContentPartPr>
                 <p14:cNvPr id="49" name="Ink 48">
@@ -22381,7 +23805,7 @@
               </p14:xfrm>
             </p:contentPart>
           </mc:Choice>
-          <mc:Fallback>
+          <mc:Fallback xmlns="">
             <p:pic>
               <p:nvPicPr>
                 <p:cNvPr id="49" name="Ink 48">
@@ -22412,8 +23836,8 @@
             </p:pic>
           </mc:Fallback>
         </mc:AlternateContent>
-        <mc:AlternateContent xmlns:mc="http://schemas.openxmlformats.org/markup-compatibility/2006">
-          <mc:Choice xmlns:p14="http://schemas.microsoft.com/office/powerpoint/2010/main" Requires="p14">
+        <mc:AlternateContent xmlns:mc="http://schemas.openxmlformats.org/markup-compatibility/2006" xmlns:p14="http://schemas.microsoft.com/office/powerpoint/2010/main">
+          <mc:Choice Requires="p14">
             <p:contentPart p14:bwMode="auto" r:id="rId305">
               <p14:nvContentPartPr>
                 <p14:cNvPr id="50" name="Ink 49">
@@ -22432,7 +23856,7 @@
               </p14:xfrm>
             </p:contentPart>
           </mc:Choice>
-          <mc:Fallback>
+          <mc:Fallback xmlns="">
             <p:pic>
               <p:nvPicPr>
                 <p:cNvPr id="50" name="Ink 49">
@@ -22463,8 +23887,8 @@
             </p:pic>
           </mc:Fallback>
         </mc:AlternateContent>
-        <mc:AlternateContent xmlns:mc="http://schemas.openxmlformats.org/markup-compatibility/2006">
-          <mc:Choice xmlns:p14="http://schemas.microsoft.com/office/powerpoint/2010/main" Requires="p14">
+        <mc:AlternateContent xmlns:mc="http://schemas.openxmlformats.org/markup-compatibility/2006" xmlns:p14="http://schemas.microsoft.com/office/powerpoint/2010/main">
+          <mc:Choice Requires="p14">
             <p:contentPart p14:bwMode="auto" r:id="rId307">
               <p14:nvContentPartPr>
                 <p14:cNvPr id="51" name="Ink 50">
@@ -22483,7 +23907,7 @@
               </p14:xfrm>
             </p:contentPart>
           </mc:Choice>
-          <mc:Fallback>
+          <mc:Fallback xmlns="">
             <p:pic>
               <p:nvPicPr>
                 <p:cNvPr id="51" name="Ink 50">
@@ -22514,8 +23938,8 @@
             </p:pic>
           </mc:Fallback>
         </mc:AlternateContent>
-        <mc:AlternateContent xmlns:mc="http://schemas.openxmlformats.org/markup-compatibility/2006">
-          <mc:Choice xmlns:p14="http://schemas.microsoft.com/office/powerpoint/2010/main" Requires="p14">
+        <mc:AlternateContent xmlns:mc="http://schemas.openxmlformats.org/markup-compatibility/2006" xmlns:p14="http://schemas.microsoft.com/office/powerpoint/2010/main">
+          <mc:Choice Requires="p14">
             <p:contentPart p14:bwMode="auto" r:id="rId309">
               <p14:nvContentPartPr>
                 <p14:cNvPr id="289" name="Ink 288">
@@ -22534,7 +23958,7 @@
               </p14:xfrm>
             </p:contentPart>
           </mc:Choice>
-          <mc:Fallback>
+          <mc:Fallback xmlns="">
             <p:pic>
               <p:nvPicPr>
                 <p:cNvPr id="289" name="Ink 288">
@@ -22586,8 +24010,8 @@
             <a:chExt cx="4304520" cy="3115800"/>
           </a:xfrm>
         </p:grpSpPr>
-        <mc:AlternateContent xmlns:mc="http://schemas.openxmlformats.org/markup-compatibility/2006">
-          <mc:Choice xmlns:p14="http://schemas.microsoft.com/office/powerpoint/2010/main" Requires="p14">
+        <mc:AlternateContent xmlns:mc="http://schemas.openxmlformats.org/markup-compatibility/2006" xmlns:p14="http://schemas.microsoft.com/office/powerpoint/2010/main">
+          <mc:Choice Requires="p14">
             <p:contentPart p14:bwMode="auto" r:id="rId311">
               <p14:nvContentPartPr>
                 <p14:cNvPr id="246" name="Ink 245">
@@ -22606,7 +24030,7 @@
               </p14:xfrm>
             </p:contentPart>
           </mc:Choice>
-          <mc:Fallback>
+          <mc:Fallback xmlns="">
             <p:pic>
               <p:nvPicPr>
                 <p:cNvPr id="246" name="Ink 245">
@@ -22637,8 +24061,8 @@
             </p:pic>
           </mc:Fallback>
         </mc:AlternateContent>
-        <mc:AlternateContent xmlns:mc="http://schemas.openxmlformats.org/markup-compatibility/2006">
-          <mc:Choice xmlns:p14="http://schemas.microsoft.com/office/powerpoint/2010/main" Requires="p14">
+        <mc:AlternateContent xmlns:mc="http://schemas.openxmlformats.org/markup-compatibility/2006" xmlns:p14="http://schemas.microsoft.com/office/powerpoint/2010/main">
+          <mc:Choice Requires="p14">
             <p:contentPart p14:bwMode="auto" r:id="rId313">
               <p14:nvContentPartPr>
                 <p14:cNvPr id="247" name="Ink 246">
@@ -22657,7 +24081,7 @@
               </p14:xfrm>
             </p:contentPart>
           </mc:Choice>
-          <mc:Fallback>
+          <mc:Fallback xmlns="">
             <p:pic>
               <p:nvPicPr>
                 <p:cNvPr id="247" name="Ink 246">
@@ -22688,8 +24112,8 @@
             </p:pic>
           </mc:Fallback>
         </mc:AlternateContent>
-        <mc:AlternateContent xmlns:mc="http://schemas.openxmlformats.org/markup-compatibility/2006">
-          <mc:Choice xmlns:p14="http://schemas.microsoft.com/office/powerpoint/2010/main" Requires="p14">
+        <mc:AlternateContent xmlns:mc="http://schemas.openxmlformats.org/markup-compatibility/2006" xmlns:p14="http://schemas.microsoft.com/office/powerpoint/2010/main">
+          <mc:Choice Requires="p14">
             <p:contentPart p14:bwMode="auto" r:id="rId315">
               <p14:nvContentPartPr>
                 <p14:cNvPr id="248" name="Ink 247">
@@ -22708,7 +24132,7 @@
               </p14:xfrm>
             </p:contentPart>
           </mc:Choice>
-          <mc:Fallback>
+          <mc:Fallback xmlns="">
             <p:pic>
               <p:nvPicPr>
                 <p:cNvPr id="248" name="Ink 247">
@@ -22739,8 +24163,8 @@
             </p:pic>
           </mc:Fallback>
         </mc:AlternateContent>
-        <mc:AlternateContent xmlns:mc="http://schemas.openxmlformats.org/markup-compatibility/2006">
-          <mc:Choice xmlns:p14="http://schemas.microsoft.com/office/powerpoint/2010/main" Requires="p14">
+        <mc:AlternateContent xmlns:mc="http://schemas.openxmlformats.org/markup-compatibility/2006" xmlns:p14="http://schemas.microsoft.com/office/powerpoint/2010/main">
+          <mc:Choice Requires="p14">
             <p:contentPart p14:bwMode="auto" r:id="rId317">
               <p14:nvContentPartPr>
                 <p14:cNvPr id="249" name="Ink 248">
@@ -22759,7 +24183,7 @@
               </p14:xfrm>
             </p:contentPart>
           </mc:Choice>
-          <mc:Fallback>
+          <mc:Fallback xmlns="">
             <p:pic>
               <p:nvPicPr>
                 <p:cNvPr id="249" name="Ink 248">
@@ -22790,8 +24214,8 @@
             </p:pic>
           </mc:Fallback>
         </mc:AlternateContent>
-        <mc:AlternateContent xmlns:mc="http://schemas.openxmlformats.org/markup-compatibility/2006">
-          <mc:Choice xmlns:p14="http://schemas.microsoft.com/office/powerpoint/2010/main" Requires="p14">
+        <mc:AlternateContent xmlns:mc="http://schemas.openxmlformats.org/markup-compatibility/2006" xmlns:p14="http://schemas.microsoft.com/office/powerpoint/2010/main">
+          <mc:Choice Requires="p14">
             <p:contentPart p14:bwMode="auto" r:id="rId319">
               <p14:nvContentPartPr>
                 <p14:cNvPr id="250" name="Ink 249">
@@ -22810,7 +24234,7 @@
               </p14:xfrm>
             </p:contentPart>
           </mc:Choice>
-          <mc:Fallback>
+          <mc:Fallback xmlns="">
             <p:pic>
               <p:nvPicPr>
                 <p:cNvPr id="250" name="Ink 249">
@@ -22841,8 +24265,8 @@
             </p:pic>
           </mc:Fallback>
         </mc:AlternateContent>
-        <mc:AlternateContent xmlns:mc="http://schemas.openxmlformats.org/markup-compatibility/2006">
-          <mc:Choice xmlns:p14="http://schemas.microsoft.com/office/powerpoint/2010/main" Requires="p14">
+        <mc:AlternateContent xmlns:mc="http://schemas.openxmlformats.org/markup-compatibility/2006" xmlns:p14="http://schemas.microsoft.com/office/powerpoint/2010/main">
+          <mc:Choice Requires="p14">
             <p:contentPart p14:bwMode="auto" r:id="rId321">
               <p14:nvContentPartPr>
                 <p14:cNvPr id="251" name="Ink 250">
@@ -22861,7 +24285,7 @@
               </p14:xfrm>
             </p:contentPart>
           </mc:Choice>
-          <mc:Fallback>
+          <mc:Fallback xmlns="">
             <p:pic>
               <p:nvPicPr>
                 <p:cNvPr id="251" name="Ink 250">
@@ -22892,8 +24316,8 @@
             </p:pic>
           </mc:Fallback>
         </mc:AlternateContent>
-        <mc:AlternateContent xmlns:mc="http://schemas.openxmlformats.org/markup-compatibility/2006">
-          <mc:Choice xmlns:p14="http://schemas.microsoft.com/office/powerpoint/2010/main" Requires="p14">
+        <mc:AlternateContent xmlns:mc="http://schemas.openxmlformats.org/markup-compatibility/2006" xmlns:p14="http://schemas.microsoft.com/office/powerpoint/2010/main">
+          <mc:Choice Requires="p14">
             <p:contentPart p14:bwMode="auto" r:id="rId323">
               <p14:nvContentPartPr>
                 <p14:cNvPr id="252" name="Ink 251">
@@ -22912,7 +24336,7 @@
               </p14:xfrm>
             </p:contentPart>
           </mc:Choice>
-          <mc:Fallback>
+          <mc:Fallback xmlns="">
             <p:pic>
               <p:nvPicPr>
                 <p:cNvPr id="252" name="Ink 251">
@@ -22943,8 +24367,8 @@
             </p:pic>
           </mc:Fallback>
         </mc:AlternateContent>
-        <mc:AlternateContent xmlns:mc="http://schemas.openxmlformats.org/markup-compatibility/2006">
-          <mc:Choice xmlns:p14="http://schemas.microsoft.com/office/powerpoint/2010/main" Requires="p14">
+        <mc:AlternateContent xmlns:mc="http://schemas.openxmlformats.org/markup-compatibility/2006" xmlns:p14="http://schemas.microsoft.com/office/powerpoint/2010/main">
+          <mc:Choice Requires="p14">
             <p:contentPart p14:bwMode="auto" r:id="rId325">
               <p14:nvContentPartPr>
                 <p14:cNvPr id="253" name="Ink 252">
@@ -22963,7 +24387,7 @@
               </p14:xfrm>
             </p:contentPart>
           </mc:Choice>
-          <mc:Fallback>
+          <mc:Fallback xmlns="">
             <p:pic>
               <p:nvPicPr>
                 <p:cNvPr id="253" name="Ink 252">
@@ -22994,8 +24418,8 @@
             </p:pic>
           </mc:Fallback>
         </mc:AlternateContent>
-        <mc:AlternateContent xmlns:mc="http://schemas.openxmlformats.org/markup-compatibility/2006">
-          <mc:Choice xmlns:p14="http://schemas.microsoft.com/office/powerpoint/2010/main" Requires="p14">
+        <mc:AlternateContent xmlns:mc="http://schemas.openxmlformats.org/markup-compatibility/2006" xmlns:p14="http://schemas.microsoft.com/office/powerpoint/2010/main">
+          <mc:Choice Requires="p14">
             <p:contentPart p14:bwMode="auto" r:id="rId327">
               <p14:nvContentPartPr>
                 <p14:cNvPr id="254" name="Ink 253">
@@ -23014,7 +24438,7 @@
               </p14:xfrm>
             </p:contentPart>
           </mc:Choice>
-          <mc:Fallback>
+          <mc:Fallback xmlns="">
             <p:pic>
               <p:nvPicPr>
                 <p:cNvPr id="254" name="Ink 253">
@@ -23045,8 +24469,8 @@
             </p:pic>
           </mc:Fallback>
         </mc:AlternateContent>
-        <mc:AlternateContent xmlns:mc="http://schemas.openxmlformats.org/markup-compatibility/2006">
-          <mc:Choice xmlns:p14="http://schemas.microsoft.com/office/powerpoint/2010/main" Requires="p14">
+        <mc:AlternateContent xmlns:mc="http://schemas.openxmlformats.org/markup-compatibility/2006" xmlns:p14="http://schemas.microsoft.com/office/powerpoint/2010/main">
+          <mc:Choice Requires="p14">
             <p:contentPart p14:bwMode="auto" r:id="rId329">
               <p14:nvContentPartPr>
                 <p14:cNvPr id="255" name="Ink 254">
@@ -23065,7 +24489,7 @@
               </p14:xfrm>
             </p:contentPart>
           </mc:Choice>
-          <mc:Fallback>
+          <mc:Fallback xmlns="">
             <p:pic>
               <p:nvPicPr>
                 <p:cNvPr id="255" name="Ink 254">
@@ -23096,8 +24520,8 @@
             </p:pic>
           </mc:Fallback>
         </mc:AlternateContent>
-        <mc:AlternateContent xmlns:mc="http://schemas.openxmlformats.org/markup-compatibility/2006">
-          <mc:Choice xmlns:p14="http://schemas.microsoft.com/office/powerpoint/2010/main" Requires="p14">
+        <mc:AlternateContent xmlns:mc="http://schemas.openxmlformats.org/markup-compatibility/2006" xmlns:p14="http://schemas.microsoft.com/office/powerpoint/2010/main">
+          <mc:Choice Requires="p14">
             <p:contentPart p14:bwMode="auto" r:id="rId331">
               <p14:nvContentPartPr>
                 <p14:cNvPr id="256" name="Ink 255">
@@ -23116,7 +24540,7 @@
               </p14:xfrm>
             </p:contentPart>
           </mc:Choice>
-          <mc:Fallback>
+          <mc:Fallback xmlns="">
             <p:pic>
               <p:nvPicPr>
                 <p:cNvPr id="256" name="Ink 255">
@@ -23147,8 +24571,8 @@
             </p:pic>
           </mc:Fallback>
         </mc:AlternateContent>
-        <mc:AlternateContent xmlns:mc="http://schemas.openxmlformats.org/markup-compatibility/2006">
-          <mc:Choice xmlns:p14="http://schemas.microsoft.com/office/powerpoint/2010/main" Requires="p14">
+        <mc:AlternateContent xmlns:mc="http://schemas.openxmlformats.org/markup-compatibility/2006" xmlns:p14="http://schemas.microsoft.com/office/powerpoint/2010/main">
+          <mc:Choice Requires="p14">
             <p:contentPart p14:bwMode="auto" r:id="rId333">
               <p14:nvContentPartPr>
                 <p14:cNvPr id="257" name="Ink 256">
@@ -23167,7 +24591,7 @@
               </p14:xfrm>
             </p:contentPart>
           </mc:Choice>
-          <mc:Fallback>
+          <mc:Fallback xmlns="">
             <p:pic>
               <p:nvPicPr>
                 <p:cNvPr id="257" name="Ink 256">
@@ -23198,8 +24622,8 @@
             </p:pic>
           </mc:Fallback>
         </mc:AlternateContent>
-        <mc:AlternateContent xmlns:mc="http://schemas.openxmlformats.org/markup-compatibility/2006">
-          <mc:Choice xmlns:p14="http://schemas.microsoft.com/office/powerpoint/2010/main" Requires="p14">
+        <mc:AlternateContent xmlns:mc="http://schemas.openxmlformats.org/markup-compatibility/2006" xmlns:p14="http://schemas.microsoft.com/office/powerpoint/2010/main">
+          <mc:Choice Requires="p14">
             <p:contentPart p14:bwMode="auto" r:id="rId335">
               <p14:nvContentPartPr>
                 <p14:cNvPr id="258" name="Ink 257">
@@ -23218,7 +24642,7 @@
               </p14:xfrm>
             </p:contentPart>
           </mc:Choice>
-          <mc:Fallback>
+          <mc:Fallback xmlns="">
             <p:pic>
               <p:nvPicPr>
                 <p:cNvPr id="258" name="Ink 257">
@@ -23249,8 +24673,8 @@
             </p:pic>
           </mc:Fallback>
         </mc:AlternateContent>
-        <mc:AlternateContent xmlns:mc="http://schemas.openxmlformats.org/markup-compatibility/2006">
-          <mc:Choice xmlns:p14="http://schemas.microsoft.com/office/powerpoint/2010/main" Requires="p14">
+        <mc:AlternateContent xmlns:mc="http://schemas.openxmlformats.org/markup-compatibility/2006" xmlns:p14="http://schemas.microsoft.com/office/powerpoint/2010/main">
+          <mc:Choice Requires="p14">
             <p:contentPart p14:bwMode="auto" r:id="rId337">
               <p14:nvContentPartPr>
                 <p14:cNvPr id="260" name="Ink 259">
@@ -23269,7 +24693,7 @@
               </p14:xfrm>
             </p:contentPart>
           </mc:Choice>
-          <mc:Fallback>
+          <mc:Fallback xmlns="">
             <p:pic>
               <p:nvPicPr>
                 <p:cNvPr id="260" name="Ink 259">
@@ -23300,8 +24724,8 @@
             </p:pic>
           </mc:Fallback>
         </mc:AlternateContent>
-        <mc:AlternateContent xmlns:mc="http://schemas.openxmlformats.org/markup-compatibility/2006">
-          <mc:Choice xmlns:p14="http://schemas.microsoft.com/office/powerpoint/2010/main" Requires="p14">
+        <mc:AlternateContent xmlns:mc="http://schemas.openxmlformats.org/markup-compatibility/2006" xmlns:p14="http://schemas.microsoft.com/office/powerpoint/2010/main">
+          <mc:Choice Requires="p14">
             <p:contentPart p14:bwMode="auto" r:id="rId339">
               <p14:nvContentPartPr>
                 <p14:cNvPr id="261" name="Ink 260">
@@ -23320,7 +24744,7 @@
               </p14:xfrm>
             </p:contentPart>
           </mc:Choice>
-          <mc:Fallback>
+          <mc:Fallback xmlns="">
             <p:pic>
               <p:nvPicPr>
                 <p:cNvPr id="261" name="Ink 260">
@@ -23351,8 +24775,8 @@
             </p:pic>
           </mc:Fallback>
         </mc:AlternateContent>
-        <mc:AlternateContent xmlns:mc="http://schemas.openxmlformats.org/markup-compatibility/2006">
-          <mc:Choice xmlns:p14="http://schemas.microsoft.com/office/powerpoint/2010/main" Requires="p14">
+        <mc:AlternateContent xmlns:mc="http://schemas.openxmlformats.org/markup-compatibility/2006" xmlns:p14="http://schemas.microsoft.com/office/powerpoint/2010/main">
+          <mc:Choice Requires="p14">
             <p:contentPart p14:bwMode="auto" r:id="rId341">
               <p14:nvContentPartPr>
                 <p14:cNvPr id="263" name="Ink 262">
@@ -23371,7 +24795,7 @@
               </p14:xfrm>
             </p:contentPart>
           </mc:Choice>
-          <mc:Fallback>
+          <mc:Fallback xmlns="">
             <p:pic>
               <p:nvPicPr>
                 <p:cNvPr id="263" name="Ink 262">
@@ -23402,8 +24826,8 @@
             </p:pic>
           </mc:Fallback>
         </mc:AlternateContent>
-        <mc:AlternateContent xmlns:mc="http://schemas.openxmlformats.org/markup-compatibility/2006">
-          <mc:Choice xmlns:p14="http://schemas.microsoft.com/office/powerpoint/2010/main" Requires="p14">
+        <mc:AlternateContent xmlns:mc="http://schemas.openxmlformats.org/markup-compatibility/2006" xmlns:p14="http://schemas.microsoft.com/office/powerpoint/2010/main">
+          <mc:Choice Requires="p14">
             <p:contentPart p14:bwMode="auto" r:id="rId343">
               <p14:nvContentPartPr>
                 <p14:cNvPr id="264" name="Ink 263">
@@ -23422,7 +24846,7 @@
               </p14:xfrm>
             </p:contentPart>
           </mc:Choice>
-          <mc:Fallback>
+          <mc:Fallback xmlns="">
             <p:pic>
               <p:nvPicPr>
                 <p:cNvPr id="264" name="Ink 263">
@@ -23453,8 +24877,8 @@
             </p:pic>
           </mc:Fallback>
         </mc:AlternateContent>
-        <mc:AlternateContent xmlns:mc="http://schemas.openxmlformats.org/markup-compatibility/2006">
-          <mc:Choice xmlns:p14="http://schemas.microsoft.com/office/powerpoint/2010/main" Requires="p14">
+        <mc:AlternateContent xmlns:mc="http://schemas.openxmlformats.org/markup-compatibility/2006" xmlns:p14="http://schemas.microsoft.com/office/powerpoint/2010/main">
+          <mc:Choice Requires="p14">
             <p:contentPart p14:bwMode="auto" r:id="rId345">
               <p14:nvContentPartPr>
                 <p14:cNvPr id="266" name="Ink 265">
@@ -23473,7 +24897,7 @@
               </p14:xfrm>
             </p:contentPart>
           </mc:Choice>
-          <mc:Fallback>
+          <mc:Fallback xmlns="">
             <p:pic>
               <p:nvPicPr>
                 <p:cNvPr id="266" name="Ink 265">
@@ -23504,8 +24928,8 @@
             </p:pic>
           </mc:Fallback>
         </mc:AlternateContent>
-        <mc:AlternateContent xmlns:mc="http://schemas.openxmlformats.org/markup-compatibility/2006">
-          <mc:Choice xmlns:p14="http://schemas.microsoft.com/office/powerpoint/2010/main" Requires="p14">
+        <mc:AlternateContent xmlns:mc="http://schemas.openxmlformats.org/markup-compatibility/2006" xmlns:p14="http://schemas.microsoft.com/office/powerpoint/2010/main">
+          <mc:Choice Requires="p14">
             <p:contentPart p14:bwMode="auto" r:id="rId347">
               <p14:nvContentPartPr>
                 <p14:cNvPr id="267" name="Ink 266">
@@ -23524,7 +24948,7 @@
               </p14:xfrm>
             </p:contentPart>
           </mc:Choice>
-          <mc:Fallback>
+          <mc:Fallback xmlns="">
             <p:pic>
               <p:nvPicPr>
                 <p:cNvPr id="267" name="Ink 266">
@@ -23555,8 +24979,8 @@
             </p:pic>
           </mc:Fallback>
         </mc:AlternateContent>
-        <mc:AlternateContent xmlns:mc="http://schemas.openxmlformats.org/markup-compatibility/2006">
-          <mc:Choice xmlns:p14="http://schemas.microsoft.com/office/powerpoint/2010/main" Requires="p14">
+        <mc:AlternateContent xmlns:mc="http://schemas.openxmlformats.org/markup-compatibility/2006" xmlns:p14="http://schemas.microsoft.com/office/powerpoint/2010/main">
+          <mc:Choice Requires="p14">
             <p:contentPart p14:bwMode="auto" r:id="rId349">
               <p14:nvContentPartPr>
                 <p14:cNvPr id="269" name="Ink 268">
@@ -23575,7 +24999,7 @@
               </p14:xfrm>
             </p:contentPart>
           </mc:Choice>
-          <mc:Fallback>
+          <mc:Fallback xmlns="">
             <p:pic>
               <p:nvPicPr>
                 <p:cNvPr id="269" name="Ink 268">
@@ -23606,8 +25030,8 @@
             </p:pic>
           </mc:Fallback>
         </mc:AlternateContent>
-        <mc:AlternateContent xmlns:mc="http://schemas.openxmlformats.org/markup-compatibility/2006">
-          <mc:Choice xmlns:p14="http://schemas.microsoft.com/office/powerpoint/2010/main" Requires="p14">
+        <mc:AlternateContent xmlns:mc="http://schemas.openxmlformats.org/markup-compatibility/2006" xmlns:p14="http://schemas.microsoft.com/office/powerpoint/2010/main">
+          <mc:Choice Requires="p14">
             <p:contentPart p14:bwMode="auto" r:id="rId351">
               <p14:nvContentPartPr>
                 <p14:cNvPr id="271" name="Ink 270">
@@ -23626,7 +25050,7 @@
               </p14:xfrm>
             </p:contentPart>
           </mc:Choice>
-          <mc:Fallback>
+          <mc:Fallback xmlns="">
             <p:pic>
               <p:nvPicPr>
                 <p:cNvPr id="271" name="Ink 270">
@@ -23657,8 +25081,8 @@
             </p:pic>
           </mc:Fallback>
         </mc:AlternateContent>
-        <mc:AlternateContent xmlns:mc="http://schemas.openxmlformats.org/markup-compatibility/2006">
-          <mc:Choice xmlns:p14="http://schemas.microsoft.com/office/powerpoint/2010/main" Requires="p14">
+        <mc:AlternateContent xmlns:mc="http://schemas.openxmlformats.org/markup-compatibility/2006" xmlns:p14="http://schemas.microsoft.com/office/powerpoint/2010/main">
+          <mc:Choice Requires="p14">
             <p:contentPart p14:bwMode="auto" r:id="rId353">
               <p14:nvContentPartPr>
                 <p14:cNvPr id="273" name="Ink 272">
@@ -23677,7 +25101,7 @@
               </p14:xfrm>
             </p:contentPart>
           </mc:Choice>
-          <mc:Fallback>
+          <mc:Fallback xmlns="">
             <p:pic>
               <p:nvPicPr>
                 <p:cNvPr id="273" name="Ink 272">
@@ -23708,8 +25132,8 @@
             </p:pic>
           </mc:Fallback>
         </mc:AlternateContent>
-        <mc:AlternateContent xmlns:mc="http://schemas.openxmlformats.org/markup-compatibility/2006">
-          <mc:Choice xmlns:p14="http://schemas.microsoft.com/office/powerpoint/2010/main" Requires="p14">
+        <mc:AlternateContent xmlns:mc="http://schemas.openxmlformats.org/markup-compatibility/2006" xmlns:p14="http://schemas.microsoft.com/office/powerpoint/2010/main">
+          <mc:Choice Requires="p14">
             <p:contentPart p14:bwMode="auto" r:id="rId355">
               <p14:nvContentPartPr>
                 <p14:cNvPr id="275" name="Ink 274">
@@ -23728,7 +25152,7 @@
               </p14:xfrm>
             </p:contentPart>
           </mc:Choice>
-          <mc:Fallback>
+          <mc:Fallback xmlns="">
             <p:pic>
               <p:nvPicPr>
                 <p:cNvPr id="275" name="Ink 274">
@@ -23759,8 +25183,8 @@
             </p:pic>
           </mc:Fallback>
         </mc:AlternateContent>
-        <mc:AlternateContent xmlns:mc="http://schemas.openxmlformats.org/markup-compatibility/2006">
-          <mc:Choice xmlns:p14="http://schemas.microsoft.com/office/powerpoint/2010/main" Requires="p14">
+        <mc:AlternateContent xmlns:mc="http://schemas.openxmlformats.org/markup-compatibility/2006" xmlns:p14="http://schemas.microsoft.com/office/powerpoint/2010/main">
+          <mc:Choice Requires="p14">
             <p:contentPart p14:bwMode="auto" r:id="rId357">
               <p14:nvContentPartPr>
                 <p14:cNvPr id="276" name="Ink 275">
@@ -23779,7 +25203,7 @@
               </p14:xfrm>
             </p:contentPart>
           </mc:Choice>
-          <mc:Fallback>
+          <mc:Fallback xmlns="">
             <p:pic>
               <p:nvPicPr>
                 <p:cNvPr id="276" name="Ink 275">
@@ -23810,8 +25234,8 @@
             </p:pic>
           </mc:Fallback>
         </mc:AlternateContent>
-        <mc:AlternateContent xmlns:mc="http://schemas.openxmlformats.org/markup-compatibility/2006">
-          <mc:Choice xmlns:p14="http://schemas.microsoft.com/office/powerpoint/2010/main" Requires="p14">
+        <mc:AlternateContent xmlns:mc="http://schemas.openxmlformats.org/markup-compatibility/2006" xmlns:p14="http://schemas.microsoft.com/office/powerpoint/2010/main">
+          <mc:Choice Requires="p14">
             <p:contentPart p14:bwMode="auto" r:id="rId359">
               <p14:nvContentPartPr>
                 <p14:cNvPr id="278" name="Ink 277">
@@ -23830,7 +25254,7 @@
               </p14:xfrm>
             </p:contentPart>
           </mc:Choice>
-          <mc:Fallback>
+          <mc:Fallback xmlns="">
             <p:pic>
               <p:nvPicPr>
                 <p:cNvPr id="278" name="Ink 277">
@@ -23861,8 +25285,8 @@
             </p:pic>
           </mc:Fallback>
         </mc:AlternateContent>
-        <mc:AlternateContent xmlns:mc="http://schemas.openxmlformats.org/markup-compatibility/2006">
-          <mc:Choice xmlns:p14="http://schemas.microsoft.com/office/powerpoint/2010/main" Requires="p14">
+        <mc:AlternateContent xmlns:mc="http://schemas.openxmlformats.org/markup-compatibility/2006" xmlns:p14="http://schemas.microsoft.com/office/powerpoint/2010/main">
+          <mc:Choice Requires="p14">
             <p:contentPart p14:bwMode="auto" r:id="rId361">
               <p14:nvContentPartPr>
                 <p14:cNvPr id="279" name="Ink 278">
@@ -23881,7 +25305,7 @@
               </p14:xfrm>
             </p:contentPart>
           </mc:Choice>
-          <mc:Fallback>
+          <mc:Fallback xmlns="">
             <p:pic>
               <p:nvPicPr>
                 <p:cNvPr id="279" name="Ink 278">
@@ -23912,8 +25336,8 @@
             </p:pic>
           </mc:Fallback>
         </mc:AlternateContent>
-        <mc:AlternateContent xmlns:mc="http://schemas.openxmlformats.org/markup-compatibility/2006">
-          <mc:Choice xmlns:p14="http://schemas.microsoft.com/office/powerpoint/2010/main" Requires="p14">
+        <mc:AlternateContent xmlns:mc="http://schemas.openxmlformats.org/markup-compatibility/2006" xmlns:p14="http://schemas.microsoft.com/office/powerpoint/2010/main">
+          <mc:Choice Requires="p14">
             <p:contentPart p14:bwMode="auto" r:id="rId363">
               <p14:nvContentPartPr>
                 <p14:cNvPr id="280" name="Ink 279">
@@ -23932,7 +25356,7 @@
               </p14:xfrm>
             </p:contentPart>
           </mc:Choice>
-          <mc:Fallback>
+          <mc:Fallback xmlns="">
             <p:pic>
               <p:nvPicPr>
                 <p:cNvPr id="280" name="Ink 279">
@@ -23963,8 +25387,8 @@
             </p:pic>
           </mc:Fallback>
         </mc:AlternateContent>
-        <mc:AlternateContent xmlns:mc="http://schemas.openxmlformats.org/markup-compatibility/2006">
-          <mc:Choice xmlns:p14="http://schemas.microsoft.com/office/powerpoint/2010/main" Requires="p14">
+        <mc:AlternateContent xmlns:mc="http://schemas.openxmlformats.org/markup-compatibility/2006" xmlns:p14="http://schemas.microsoft.com/office/powerpoint/2010/main">
+          <mc:Choice Requires="p14">
             <p:contentPart p14:bwMode="auto" r:id="rId365">
               <p14:nvContentPartPr>
                 <p14:cNvPr id="281" name="Ink 280">
@@ -23983,7 +25407,7 @@
               </p14:xfrm>
             </p:contentPart>
           </mc:Choice>
-          <mc:Fallback>
+          <mc:Fallback xmlns="">
             <p:pic>
               <p:nvPicPr>
                 <p:cNvPr id="281" name="Ink 280">
@@ -24014,8 +25438,8 @@
             </p:pic>
           </mc:Fallback>
         </mc:AlternateContent>
-        <mc:AlternateContent xmlns:mc="http://schemas.openxmlformats.org/markup-compatibility/2006">
-          <mc:Choice xmlns:p14="http://schemas.microsoft.com/office/powerpoint/2010/main" Requires="p14">
+        <mc:AlternateContent xmlns:mc="http://schemas.openxmlformats.org/markup-compatibility/2006" xmlns:p14="http://schemas.microsoft.com/office/powerpoint/2010/main">
+          <mc:Choice Requires="p14">
             <p:contentPart p14:bwMode="auto" r:id="rId367">
               <p14:nvContentPartPr>
                 <p14:cNvPr id="283" name="Ink 282">
@@ -24034,7 +25458,7 @@
               </p14:xfrm>
             </p:contentPart>
           </mc:Choice>
-          <mc:Fallback>
+          <mc:Fallback xmlns="">
             <p:pic>
               <p:nvPicPr>
                 <p:cNvPr id="283" name="Ink 282">
@@ -24065,8 +25489,8 @@
             </p:pic>
           </mc:Fallback>
         </mc:AlternateContent>
-        <mc:AlternateContent xmlns:mc="http://schemas.openxmlformats.org/markup-compatibility/2006">
-          <mc:Choice xmlns:p14="http://schemas.microsoft.com/office/powerpoint/2010/main" Requires="p14">
+        <mc:AlternateContent xmlns:mc="http://schemas.openxmlformats.org/markup-compatibility/2006" xmlns:p14="http://schemas.microsoft.com/office/powerpoint/2010/main">
+          <mc:Choice Requires="p14">
             <p:contentPart p14:bwMode="auto" r:id="rId369">
               <p14:nvContentPartPr>
                 <p14:cNvPr id="284" name="Ink 283">
@@ -24085,7 +25509,7 @@
               </p14:xfrm>
             </p:contentPart>
           </mc:Choice>
-          <mc:Fallback>
+          <mc:Fallback xmlns="">
             <p:pic>
               <p:nvPicPr>
                 <p:cNvPr id="284" name="Ink 283">
@@ -24116,8 +25540,8 @@
             </p:pic>
           </mc:Fallback>
         </mc:AlternateContent>
-        <mc:AlternateContent xmlns:mc="http://schemas.openxmlformats.org/markup-compatibility/2006">
-          <mc:Choice xmlns:p14="http://schemas.microsoft.com/office/powerpoint/2010/main" Requires="p14">
+        <mc:AlternateContent xmlns:mc="http://schemas.openxmlformats.org/markup-compatibility/2006" xmlns:p14="http://schemas.microsoft.com/office/powerpoint/2010/main">
+          <mc:Choice Requires="p14">
             <p:contentPart p14:bwMode="auto" r:id="rId371">
               <p14:nvContentPartPr>
                 <p14:cNvPr id="285" name="Ink 284">
@@ -24136,7 +25560,7 @@
               </p14:xfrm>
             </p:contentPart>
           </mc:Choice>
-          <mc:Fallback>
+          <mc:Fallback xmlns="">
             <p:pic>
               <p:nvPicPr>
                 <p:cNvPr id="285" name="Ink 284">
@@ -24167,8 +25591,8 @@
             </p:pic>
           </mc:Fallback>
         </mc:AlternateContent>
-        <mc:AlternateContent xmlns:mc="http://schemas.openxmlformats.org/markup-compatibility/2006">
-          <mc:Choice xmlns:p14="http://schemas.microsoft.com/office/powerpoint/2010/main" Requires="p14">
+        <mc:AlternateContent xmlns:mc="http://schemas.openxmlformats.org/markup-compatibility/2006" xmlns:p14="http://schemas.microsoft.com/office/powerpoint/2010/main">
+          <mc:Choice Requires="p14">
             <p:contentPart p14:bwMode="auto" r:id="rId373">
               <p14:nvContentPartPr>
                 <p14:cNvPr id="286" name="Ink 285">
@@ -24187,7 +25611,7 @@
               </p14:xfrm>
             </p:contentPart>
           </mc:Choice>
-          <mc:Fallback>
+          <mc:Fallback xmlns="">
             <p:pic>
               <p:nvPicPr>
                 <p:cNvPr id="286" name="Ink 285">
@@ -24218,8 +25642,8 @@
             </p:pic>
           </mc:Fallback>
         </mc:AlternateContent>
-        <mc:AlternateContent xmlns:mc="http://schemas.openxmlformats.org/markup-compatibility/2006">
-          <mc:Choice xmlns:p14="http://schemas.microsoft.com/office/powerpoint/2010/main" Requires="p14">
+        <mc:AlternateContent xmlns:mc="http://schemas.openxmlformats.org/markup-compatibility/2006" xmlns:p14="http://schemas.microsoft.com/office/powerpoint/2010/main">
+          <mc:Choice Requires="p14">
             <p:contentPart p14:bwMode="auto" r:id="rId375">
               <p14:nvContentPartPr>
                 <p14:cNvPr id="291" name="Ink 290">
@@ -24238,7 +25662,7 @@
               </p14:xfrm>
             </p:contentPart>
           </mc:Choice>
-          <mc:Fallback>
+          <mc:Fallback xmlns="">
             <p:pic>
               <p:nvPicPr>
                 <p:cNvPr id="291" name="Ink 290">
@@ -24269,8 +25693,8 @@
             </p:pic>
           </mc:Fallback>
         </mc:AlternateContent>
-        <mc:AlternateContent xmlns:mc="http://schemas.openxmlformats.org/markup-compatibility/2006">
-          <mc:Choice xmlns:p14="http://schemas.microsoft.com/office/powerpoint/2010/main" Requires="p14">
+        <mc:AlternateContent xmlns:mc="http://schemas.openxmlformats.org/markup-compatibility/2006" xmlns:p14="http://schemas.microsoft.com/office/powerpoint/2010/main">
+          <mc:Choice Requires="p14">
             <p:contentPart p14:bwMode="auto" r:id="rId377">
               <p14:nvContentPartPr>
                 <p14:cNvPr id="292" name="Ink 291">
@@ -24289,7 +25713,7 @@
               </p14:xfrm>
             </p:contentPart>
           </mc:Choice>
-          <mc:Fallback>
+          <mc:Fallback xmlns="">
             <p:pic>
               <p:nvPicPr>
                 <p:cNvPr id="292" name="Ink 291">
@@ -24320,8 +25744,8 @@
             </p:pic>
           </mc:Fallback>
         </mc:AlternateContent>
-        <mc:AlternateContent xmlns:mc="http://schemas.openxmlformats.org/markup-compatibility/2006">
-          <mc:Choice xmlns:p14="http://schemas.microsoft.com/office/powerpoint/2010/main" Requires="p14">
+        <mc:AlternateContent xmlns:mc="http://schemas.openxmlformats.org/markup-compatibility/2006" xmlns:p14="http://schemas.microsoft.com/office/powerpoint/2010/main">
+          <mc:Choice Requires="p14">
             <p:contentPart p14:bwMode="auto" r:id="rId379">
               <p14:nvContentPartPr>
                 <p14:cNvPr id="293" name="Ink 292">
@@ -24340,7 +25764,7 @@
               </p14:xfrm>
             </p:contentPart>
           </mc:Choice>
-          <mc:Fallback>
+          <mc:Fallback xmlns="">
             <p:pic>
               <p:nvPicPr>
                 <p:cNvPr id="293" name="Ink 292">
@@ -24371,8 +25795,8 @@
             </p:pic>
           </mc:Fallback>
         </mc:AlternateContent>
-        <mc:AlternateContent xmlns:mc="http://schemas.openxmlformats.org/markup-compatibility/2006">
-          <mc:Choice xmlns:p14="http://schemas.microsoft.com/office/powerpoint/2010/main" Requires="p14">
+        <mc:AlternateContent xmlns:mc="http://schemas.openxmlformats.org/markup-compatibility/2006" xmlns:p14="http://schemas.microsoft.com/office/powerpoint/2010/main">
+          <mc:Choice Requires="p14">
             <p:contentPart p14:bwMode="auto" r:id="rId381">
               <p14:nvContentPartPr>
                 <p14:cNvPr id="294" name="Ink 293">
@@ -24391,7 +25815,7 @@
               </p14:xfrm>
             </p:contentPart>
           </mc:Choice>
-          <mc:Fallback>
+          <mc:Fallback xmlns="">
             <p:pic>
               <p:nvPicPr>
                 <p:cNvPr id="294" name="Ink 293">
@@ -24422,8 +25846,8 @@
             </p:pic>
           </mc:Fallback>
         </mc:AlternateContent>
-        <mc:AlternateContent xmlns:mc="http://schemas.openxmlformats.org/markup-compatibility/2006">
-          <mc:Choice xmlns:p14="http://schemas.microsoft.com/office/powerpoint/2010/main" Requires="p14">
+        <mc:AlternateContent xmlns:mc="http://schemas.openxmlformats.org/markup-compatibility/2006" xmlns:p14="http://schemas.microsoft.com/office/powerpoint/2010/main">
+          <mc:Choice Requires="p14">
             <p:contentPart p14:bwMode="auto" r:id="rId383">
               <p14:nvContentPartPr>
                 <p14:cNvPr id="295" name="Ink 294">
@@ -24442,7 +25866,7 @@
               </p14:xfrm>
             </p:contentPart>
           </mc:Choice>
-          <mc:Fallback>
+          <mc:Fallback xmlns="">
             <p:pic>
               <p:nvPicPr>
                 <p:cNvPr id="295" name="Ink 294">
@@ -24473,8 +25897,8 @@
             </p:pic>
           </mc:Fallback>
         </mc:AlternateContent>
-        <mc:AlternateContent xmlns:mc="http://schemas.openxmlformats.org/markup-compatibility/2006">
-          <mc:Choice xmlns:p14="http://schemas.microsoft.com/office/powerpoint/2010/main" Requires="p14">
+        <mc:AlternateContent xmlns:mc="http://schemas.openxmlformats.org/markup-compatibility/2006" xmlns:p14="http://schemas.microsoft.com/office/powerpoint/2010/main">
+          <mc:Choice Requires="p14">
             <p:contentPart p14:bwMode="auto" r:id="rId385">
               <p14:nvContentPartPr>
                 <p14:cNvPr id="297" name="Ink 296">
@@ -24493,7 +25917,7 @@
               </p14:xfrm>
             </p:contentPart>
           </mc:Choice>
-          <mc:Fallback>
+          <mc:Fallback xmlns="">
             <p:pic>
               <p:nvPicPr>
                 <p:cNvPr id="297" name="Ink 296">
@@ -24524,8 +25948,8 @@
             </p:pic>
           </mc:Fallback>
         </mc:AlternateContent>
-        <mc:AlternateContent xmlns:mc="http://schemas.openxmlformats.org/markup-compatibility/2006">
-          <mc:Choice xmlns:p14="http://schemas.microsoft.com/office/powerpoint/2010/main" Requires="p14">
+        <mc:AlternateContent xmlns:mc="http://schemas.openxmlformats.org/markup-compatibility/2006" xmlns:p14="http://schemas.microsoft.com/office/powerpoint/2010/main">
+          <mc:Choice Requires="p14">
             <p:contentPart p14:bwMode="auto" r:id="rId387">
               <p14:nvContentPartPr>
                 <p14:cNvPr id="298" name="Ink 297">
@@ -24544,7 +25968,7 @@
               </p14:xfrm>
             </p:contentPart>
           </mc:Choice>
-          <mc:Fallback>
+          <mc:Fallback xmlns="">
             <p:pic>
               <p:nvPicPr>
                 <p:cNvPr id="298" name="Ink 297">
@@ -24575,8 +25999,8 @@
             </p:pic>
           </mc:Fallback>
         </mc:AlternateContent>
-        <mc:AlternateContent xmlns:mc="http://schemas.openxmlformats.org/markup-compatibility/2006">
-          <mc:Choice xmlns:p14="http://schemas.microsoft.com/office/powerpoint/2010/main" Requires="p14">
+        <mc:AlternateContent xmlns:mc="http://schemas.openxmlformats.org/markup-compatibility/2006" xmlns:p14="http://schemas.microsoft.com/office/powerpoint/2010/main">
+          <mc:Choice Requires="p14">
             <p:contentPart p14:bwMode="auto" r:id="rId389">
               <p14:nvContentPartPr>
                 <p14:cNvPr id="300" name="Ink 299">
@@ -24595,7 +26019,7 @@
               </p14:xfrm>
             </p:contentPart>
           </mc:Choice>
-          <mc:Fallback>
+          <mc:Fallback xmlns="">
             <p:pic>
               <p:nvPicPr>
                 <p:cNvPr id="300" name="Ink 299">
@@ -24626,8 +26050,8 @@
             </p:pic>
           </mc:Fallback>
         </mc:AlternateContent>
-        <mc:AlternateContent xmlns:mc="http://schemas.openxmlformats.org/markup-compatibility/2006">
-          <mc:Choice xmlns:p14="http://schemas.microsoft.com/office/powerpoint/2010/main" Requires="p14">
+        <mc:AlternateContent xmlns:mc="http://schemas.openxmlformats.org/markup-compatibility/2006" xmlns:p14="http://schemas.microsoft.com/office/powerpoint/2010/main">
+          <mc:Choice Requires="p14">
             <p:contentPart p14:bwMode="auto" r:id="rId391">
               <p14:nvContentPartPr>
                 <p14:cNvPr id="301" name="Ink 300">
@@ -24646,7 +26070,7 @@
               </p14:xfrm>
             </p:contentPart>
           </mc:Choice>
-          <mc:Fallback>
+          <mc:Fallback xmlns="">
             <p:pic>
               <p:nvPicPr>
                 <p:cNvPr id="301" name="Ink 300">
@@ -24677,8 +26101,8 @@
             </p:pic>
           </mc:Fallback>
         </mc:AlternateContent>
-        <mc:AlternateContent xmlns:mc="http://schemas.openxmlformats.org/markup-compatibility/2006">
-          <mc:Choice xmlns:p14="http://schemas.microsoft.com/office/powerpoint/2010/main" Requires="p14">
+        <mc:AlternateContent xmlns:mc="http://schemas.openxmlformats.org/markup-compatibility/2006" xmlns:p14="http://schemas.microsoft.com/office/powerpoint/2010/main">
+          <mc:Choice Requires="p14">
             <p:contentPart p14:bwMode="auto" r:id="rId393">
               <p14:nvContentPartPr>
                 <p14:cNvPr id="303" name="Ink 302">
@@ -24697,7 +26121,7 @@
               </p14:xfrm>
             </p:contentPart>
           </mc:Choice>
-          <mc:Fallback>
+          <mc:Fallback xmlns="">
             <p:pic>
               <p:nvPicPr>
                 <p:cNvPr id="303" name="Ink 302">
@@ -24728,8 +26152,8 @@
             </p:pic>
           </mc:Fallback>
         </mc:AlternateContent>
-        <mc:AlternateContent xmlns:mc="http://schemas.openxmlformats.org/markup-compatibility/2006">
-          <mc:Choice xmlns:p14="http://schemas.microsoft.com/office/powerpoint/2010/main" Requires="p14">
+        <mc:AlternateContent xmlns:mc="http://schemas.openxmlformats.org/markup-compatibility/2006" xmlns:p14="http://schemas.microsoft.com/office/powerpoint/2010/main">
+          <mc:Choice Requires="p14">
             <p:contentPart p14:bwMode="auto" r:id="rId395">
               <p14:nvContentPartPr>
                 <p14:cNvPr id="304" name="Ink 303">
@@ -24748,7 +26172,7 @@
               </p14:xfrm>
             </p:contentPart>
           </mc:Choice>
-          <mc:Fallback>
+          <mc:Fallback xmlns="">
             <p:pic>
               <p:nvPicPr>
                 <p:cNvPr id="304" name="Ink 303">
@@ -24780,8 +26204,8 @@
           </mc:Fallback>
         </mc:AlternateContent>
       </p:grpSp>
-      <mc:AlternateContent xmlns:mc="http://schemas.openxmlformats.org/markup-compatibility/2006">
-        <mc:Choice xmlns:p14="http://schemas.microsoft.com/office/powerpoint/2010/main" Requires="p14">
+      <mc:AlternateContent xmlns:mc="http://schemas.openxmlformats.org/markup-compatibility/2006" xmlns:p14="http://schemas.microsoft.com/office/powerpoint/2010/main">
+        <mc:Choice Requires="p14">
           <p:contentPart p14:bwMode="auto" r:id="rId397">
             <p14:nvContentPartPr>
               <p14:cNvPr id="309" name="Ink 308">
@@ -24800,7 +26224,7 @@
             </p14:xfrm>
           </p:contentPart>
         </mc:Choice>
-        <mc:Fallback>
+        <mc:Fallback xmlns="">
           <p:pic>
             <p:nvPicPr>
               <p:cNvPr id="309" name="Ink 308">
@@ -24831,8 +26255,8 @@
           </p:pic>
         </mc:Fallback>
       </mc:AlternateContent>
-      <mc:AlternateContent xmlns:mc="http://schemas.openxmlformats.org/markup-compatibility/2006">
-        <mc:Choice xmlns:p14="http://schemas.microsoft.com/office/powerpoint/2010/main" Requires="p14">
+      <mc:AlternateContent xmlns:mc="http://schemas.openxmlformats.org/markup-compatibility/2006" xmlns:p14="http://schemas.microsoft.com/office/powerpoint/2010/main">
+        <mc:Choice Requires="p14">
           <p:contentPart p14:bwMode="auto" r:id="rId399">
             <p14:nvContentPartPr>
               <p14:cNvPr id="310" name="Ink 309">
@@ -24851,7 +26275,7 @@
             </p14:xfrm>
           </p:contentPart>
         </mc:Choice>
-        <mc:Fallback>
+        <mc:Fallback xmlns="">
           <p:pic>
             <p:nvPicPr>
               <p:cNvPr id="310" name="Ink 309">
@@ -24902,8 +26326,8 @@
             <a:chExt cx="4573440" cy="2415240"/>
           </a:xfrm>
         </p:grpSpPr>
-        <mc:AlternateContent xmlns:mc="http://schemas.openxmlformats.org/markup-compatibility/2006">
-          <mc:Choice xmlns:p14="http://schemas.microsoft.com/office/powerpoint/2010/main" Requires="p14">
+        <mc:AlternateContent xmlns:mc="http://schemas.openxmlformats.org/markup-compatibility/2006" xmlns:p14="http://schemas.microsoft.com/office/powerpoint/2010/main">
+          <mc:Choice Requires="p14">
             <p:contentPart p14:bwMode="auto" r:id="rId401">
               <p14:nvContentPartPr>
                 <p14:cNvPr id="308" name="Ink 307">
@@ -24922,7 +26346,7 @@
               </p14:xfrm>
             </p:contentPart>
           </mc:Choice>
-          <mc:Fallback>
+          <mc:Fallback xmlns="">
             <p:pic>
               <p:nvPicPr>
                 <p:cNvPr id="308" name="Ink 307">
@@ -24953,8 +26377,8 @@
             </p:pic>
           </mc:Fallback>
         </mc:AlternateContent>
-        <mc:AlternateContent xmlns:mc="http://schemas.openxmlformats.org/markup-compatibility/2006">
-          <mc:Choice xmlns:p14="http://schemas.microsoft.com/office/powerpoint/2010/main" Requires="p14">
+        <mc:AlternateContent xmlns:mc="http://schemas.openxmlformats.org/markup-compatibility/2006" xmlns:p14="http://schemas.microsoft.com/office/powerpoint/2010/main">
+          <mc:Choice Requires="p14">
             <p:contentPart p14:bwMode="auto" r:id="rId403">
               <p14:nvContentPartPr>
                 <p14:cNvPr id="306" name="Ink 305">
@@ -24973,7 +26397,7 @@
               </p14:xfrm>
             </p:contentPart>
           </mc:Choice>
-          <mc:Fallback>
+          <mc:Fallback xmlns="">
             <p:pic>
               <p:nvPicPr>
                 <p:cNvPr id="306" name="Ink 305">
@@ -25004,8 +26428,8 @@
             </p:pic>
           </mc:Fallback>
         </mc:AlternateContent>
-        <mc:AlternateContent xmlns:mc="http://schemas.openxmlformats.org/markup-compatibility/2006">
-          <mc:Choice xmlns:p14="http://schemas.microsoft.com/office/powerpoint/2010/main" Requires="p14">
+        <mc:AlternateContent xmlns:mc="http://schemas.openxmlformats.org/markup-compatibility/2006" xmlns:p14="http://schemas.microsoft.com/office/powerpoint/2010/main">
+          <mc:Choice Requires="p14">
             <p:contentPart p14:bwMode="auto" r:id="rId405">
               <p14:nvContentPartPr>
                 <p14:cNvPr id="307" name="Ink 306">
@@ -25024,7 +26448,7 @@
               </p14:xfrm>
             </p:contentPart>
           </mc:Choice>
-          <mc:Fallback>
+          <mc:Fallback xmlns="">
             <p:pic>
               <p:nvPicPr>
                 <p:cNvPr id="307" name="Ink 306">
@@ -25055,8 +26479,8 @@
             </p:pic>
           </mc:Fallback>
         </mc:AlternateContent>
-        <mc:AlternateContent xmlns:mc="http://schemas.openxmlformats.org/markup-compatibility/2006">
-          <mc:Choice xmlns:p14="http://schemas.microsoft.com/office/powerpoint/2010/main" Requires="p14">
+        <mc:AlternateContent xmlns:mc="http://schemas.openxmlformats.org/markup-compatibility/2006" xmlns:p14="http://schemas.microsoft.com/office/powerpoint/2010/main">
+          <mc:Choice Requires="p14">
             <p:contentPart p14:bwMode="auto" r:id="rId407">
               <p14:nvContentPartPr>
                 <p14:cNvPr id="311" name="Ink 310">
@@ -25075,7 +26499,7 @@
               </p14:xfrm>
             </p:contentPart>
           </mc:Choice>
-          <mc:Fallback>
+          <mc:Fallback xmlns="">
             <p:pic>
               <p:nvPicPr>
                 <p:cNvPr id="311" name="Ink 310">
@@ -25106,8 +26530,8 @@
             </p:pic>
           </mc:Fallback>
         </mc:AlternateContent>
-        <mc:AlternateContent xmlns:mc="http://schemas.openxmlformats.org/markup-compatibility/2006">
-          <mc:Choice xmlns:p14="http://schemas.microsoft.com/office/powerpoint/2010/main" Requires="p14">
+        <mc:AlternateContent xmlns:mc="http://schemas.openxmlformats.org/markup-compatibility/2006" xmlns:p14="http://schemas.microsoft.com/office/powerpoint/2010/main">
+          <mc:Choice Requires="p14">
             <p:contentPart p14:bwMode="auto" r:id="rId409">
               <p14:nvContentPartPr>
                 <p14:cNvPr id="312" name="Ink 311">
@@ -25126,7 +26550,7 @@
               </p14:xfrm>
             </p:contentPart>
           </mc:Choice>
-          <mc:Fallback>
+          <mc:Fallback xmlns="">
             <p:pic>
               <p:nvPicPr>
                 <p:cNvPr id="312" name="Ink 311">
@@ -25157,8 +26581,8 @@
             </p:pic>
           </mc:Fallback>
         </mc:AlternateContent>
-        <mc:AlternateContent xmlns:mc="http://schemas.openxmlformats.org/markup-compatibility/2006">
-          <mc:Choice xmlns:p14="http://schemas.microsoft.com/office/powerpoint/2010/main" Requires="p14">
+        <mc:AlternateContent xmlns:mc="http://schemas.openxmlformats.org/markup-compatibility/2006" xmlns:p14="http://schemas.microsoft.com/office/powerpoint/2010/main">
+          <mc:Choice Requires="p14">
             <p:contentPart p14:bwMode="auto" r:id="rId411">
               <p14:nvContentPartPr>
                 <p14:cNvPr id="314" name="Ink 313">
@@ -25177,7 +26601,7 @@
               </p14:xfrm>
             </p:contentPart>
           </mc:Choice>
-          <mc:Fallback>
+          <mc:Fallback xmlns="">
             <p:pic>
               <p:nvPicPr>
                 <p:cNvPr id="314" name="Ink 313">
@@ -25208,8 +26632,8 @@
             </p:pic>
           </mc:Fallback>
         </mc:AlternateContent>
-        <mc:AlternateContent xmlns:mc="http://schemas.openxmlformats.org/markup-compatibility/2006">
-          <mc:Choice xmlns:p14="http://schemas.microsoft.com/office/powerpoint/2010/main" Requires="p14">
+        <mc:AlternateContent xmlns:mc="http://schemas.openxmlformats.org/markup-compatibility/2006" xmlns:p14="http://schemas.microsoft.com/office/powerpoint/2010/main">
+          <mc:Choice Requires="p14">
             <p:contentPart p14:bwMode="auto" r:id="rId413">
               <p14:nvContentPartPr>
                 <p14:cNvPr id="315" name="Ink 314">
@@ -25228,7 +26652,7 @@
               </p14:xfrm>
             </p:contentPart>
           </mc:Choice>
-          <mc:Fallback>
+          <mc:Fallback xmlns="">
             <p:pic>
               <p:nvPicPr>
                 <p:cNvPr id="315" name="Ink 314">
@@ -25259,8 +26683,8 @@
             </p:pic>
           </mc:Fallback>
         </mc:AlternateContent>
-        <mc:AlternateContent xmlns:mc="http://schemas.openxmlformats.org/markup-compatibility/2006">
-          <mc:Choice xmlns:p14="http://schemas.microsoft.com/office/powerpoint/2010/main" Requires="p14">
+        <mc:AlternateContent xmlns:mc="http://schemas.openxmlformats.org/markup-compatibility/2006" xmlns:p14="http://schemas.microsoft.com/office/powerpoint/2010/main">
+          <mc:Choice Requires="p14">
             <p:contentPart p14:bwMode="auto" r:id="rId415">
               <p14:nvContentPartPr>
                 <p14:cNvPr id="317" name="Ink 316">
@@ -25279,7 +26703,7 @@
               </p14:xfrm>
             </p:contentPart>
           </mc:Choice>
-          <mc:Fallback>
+          <mc:Fallback xmlns="">
             <p:pic>
               <p:nvPicPr>
                 <p:cNvPr id="317" name="Ink 316">
@@ -25310,8 +26734,8 @@
             </p:pic>
           </mc:Fallback>
         </mc:AlternateContent>
-        <mc:AlternateContent xmlns:mc="http://schemas.openxmlformats.org/markup-compatibility/2006">
-          <mc:Choice xmlns:p14="http://schemas.microsoft.com/office/powerpoint/2010/main" Requires="p14">
+        <mc:AlternateContent xmlns:mc="http://schemas.openxmlformats.org/markup-compatibility/2006" xmlns:p14="http://schemas.microsoft.com/office/powerpoint/2010/main">
+          <mc:Choice Requires="p14">
             <p:contentPart p14:bwMode="auto" r:id="rId417">
               <p14:nvContentPartPr>
                 <p14:cNvPr id="318" name="Ink 317">
@@ -25330,7 +26754,7 @@
               </p14:xfrm>
             </p:contentPart>
           </mc:Choice>
-          <mc:Fallback>
+          <mc:Fallback xmlns="">
             <p:pic>
               <p:nvPicPr>
                 <p:cNvPr id="318" name="Ink 317">
@@ -25361,8 +26785,8 @@
             </p:pic>
           </mc:Fallback>
         </mc:AlternateContent>
-        <mc:AlternateContent xmlns:mc="http://schemas.openxmlformats.org/markup-compatibility/2006">
-          <mc:Choice xmlns:p14="http://schemas.microsoft.com/office/powerpoint/2010/main" Requires="p14">
+        <mc:AlternateContent xmlns:mc="http://schemas.openxmlformats.org/markup-compatibility/2006" xmlns:p14="http://schemas.microsoft.com/office/powerpoint/2010/main">
+          <mc:Choice Requires="p14">
             <p:contentPart p14:bwMode="auto" r:id="rId419">
               <p14:nvContentPartPr>
                 <p14:cNvPr id="319" name="Ink 318">
@@ -25381,7 +26805,7 @@
               </p14:xfrm>
             </p:contentPart>
           </mc:Choice>
-          <mc:Fallback>
+          <mc:Fallback xmlns="">
             <p:pic>
               <p:nvPicPr>
                 <p:cNvPr id="319" name="Ink 318">
@@ -25427,6 +26851,3307 @@
 </file>
 
 <file path=ppt/slides/slide5.xml><?xml version="1.0" encoding="utf-8"?>
+<p:sld xmlns:a="http://schemas.openxmlformats.org/drawingml/2006/main" xmlns:r="http://schemas.openxmlformats.org/officeDocument/2006/relationships" xmlns:p="http://schemas.openxmlformats.org/presentationml/2006/main">
+  <p:cSld>
+    <p:spTree>
+      <p:nvGrpSpPr>
+        <p:cNvPr id="1" name=""/>
+        <p:cNvGrpSpPr/>
+        <p:nvPr/>
+      </p:nvGrpSpPr>
+      <p:grpSpPr>
+        <a:xfrm>
+          <a:off x="0" y="0"/>
+          <a:ext cx="0" cy="0"/>
+          <a:chOff x="0" y="0"/>
+          <a:chExt cx="0" cy="0"/>
+        </a:xfrm>
+      </p:grpSpPr>
+      <p:sp>
+        <p:nvSpPr>
+          <p:cNvPr id="4" name="Rectangle: Rounded Corners 3">
+            <a:extLst>
+              <a:ext uri="{FF2B5EF4-FFF2-40B4-BE49-F238E27FC236}">
+                <a16:creationId xmlns:a16="http://schemas.microsoft.com/office/drawing/2014/main" id="{95AE8A9D-C64C-FCD2-9524-7CEF97D3CCBB}"/>
+              </a:ext>
+            </a:extLst>
+          </p:cNvPr>
+          <p:cNvSpPr/>
+          <p:nvPr/>
+        </p:nvSpPr>
+        <p:spPr>
+          <a:xfrm>
+            <a:off x="1304365" y="340659"/>
+            <a:ext cx="2120153" cy="1353670"/>
+          </a:xfrm>
+          <a:prstGeom prst="roundRect">
+            <a:avLst/>
+          </a:prstGeom>
+        </p:spPr>
+        <p:style>
+          <a:lnRef idx="2">
+            <a:schemeClr val="accent1">
+              <a:shade val="50000"/>
+            </a:schemeClr>
+          </a:lnRef>
+          <a:fillRef idx="1">
+            <a:schemeClr val="accent1"/>
+          </a:fillRef>
+          <a:effectRef idx="0">
+            <a:schemeClr val="accent1"/>
+          </a:effectRef>
+          <a:fontRef idx="minor">
+            <a:schemeClr val="lt1"/>
+          </a:fontRef>
+        </p:style>
+        <p:txBody>
+          <a:bodyPr rtlCol="0" anchor="ctr"/>
+          <a:lstStyle/>
+          <a:p>
+            <a:pPr algn="ctr"/>
+            <a:r>
+              <a:rPr lang="en-US" dirty="0"/>
+              <a:t>User Interface</a:t>
+            </a:r>
+          </a:p>
+        </p:txBody>
+      </p:sp>
+      <p:sp>
+        <p:nvSpPr>
+          <p:cNvPr id="5" name="Rectangle: Rounded Corners 4">
+            <a:extLst>
+              <a:ext uri="{FF2B5EF4-FFF2-40B4-BE49-F238E27FC236}">
+                <a16:creationId xmlns:a16="http://schemas.microsoft.com/office/drawing/2014/main" id="{522922A0-6F44-904A-448E-2F363E5972C8}"/>
+              </a:ext>
+            </a:extLst>
+          </p:cNvPr>
+          <p:cNvSpPr/>
+          <p:nvPr/>
+        </p:nvSpPr>
+        <p:spPr>
+          <a:xfrm>
+            <a:off x="5365377" y="2465293"/>
+            <a:ext cx="2918011" cy="2093260"/>
+          </a:xfrm>
+          <a:prstGeom prst="roundRect">
+            <a:avLst/>
+          </a:prstGeom>
+        </p:spPr>
+        <p:style>
+          <a:lnRef idx="2">
+            <a:schemeClr val="accent1">
+              <a:shade val="50000"/>
+            </a:schemeClr>
+          </a:lnRef>
+          <a:fillRef idx="1">
+            <a:schemeClr val="accent1"/>
+          </a:fillRef>
+          <a:effectRef idx="0">
+            <a:schemeClr val="accent1"/>
+          </a:effectRef>
+          <a:fontRef idx="minor">
+            <a:schemeClr val="lt1"/>
+          </a:fontRef>
+        </p:style>
+        <p:txBody>
+          <a:bodyPr rtlCol="0" anchor="ctr"/>
+          <a:lstStyle/>
+          <a:p>
+            <a:pPr algn="ctr"/>
+            <a:r>
+              <a:rPr lang="en-US" dirty="0"/>
+              <a:t>Models Library</a:t>
+            </a:r>
+          </a:p>
+          <a:p>
+            <a:pPr algn="ctr"/>
+            <a:r>
+              <a:rPr lang="en-US" dirty="0"/>
+              <a:t>Customer</a:t>
+            </a:r>
+          </a:p>
+          <a:p>
+            <a:pPr algn="ctr"/>
+            <a:r>
+              <a:rPr lang="en-US" dirty="0"/>
+              <a:t>Product</a:t>
+            </a:r>
+          </a:p>
+          <a:p>
+            <a:pPr algn="ctr"/>
+            <a:r>
+              <a:rPr lang="en-US" dirty="0"/>
+              <a:t>Store</a:t>
+            </a:r>
+          </a:p>
+          <a:p>
+            <a:pPr algn="ctr"/>
+            <a:r>
+              <a:rPr lang="en-US" dirty="0" err="1"/>
+              <a:t>Viewmodel</a:t>
+            </a:r>
+            <a:r>
+              <a:rPr lang="en-US" dirty="0"/>
+              <a:t>(a special model used for users viewing)</a:t>
+            </a:r>
+          </a:p>
+        </p:txBody>
+      </p:sp>
+      <p:sp>
+        <p:nvSpPr>
+          <p:cNvPr id="6" name="Rectangle: Rounded Corners 5">
+            <a:extLst>
+              <a:ext uri="{FF2B5EF4-FFF2-40B4-BE49-F238E27FC236}">
+                <a16:creationId xmlns:a16="http://schemas.microsoft.com/office/drawing/2014/main" id="{4C59643A-B487-9FB7-5D5B-576BC903813E}"/>
+              </a:ext>
+            </a:extLst>
+          </p:cNvPr>
+          <p:cNvSpPr/>
+          <p:nvPr/>
+        </p:nvSpPr>
+        <p:spPr>
+          <a:xfrm>
+            <a:off x="1304364" y="4392707"/>
+            <a:ext cx="2120153" cy="1353670"/>
+          </a:xfrm>
+          <a:prstGeom prst="roundRect">
+            <a:avLst/>
+          </a:prstGeom>
+        </p:spPr>
+        <p:style>
+          <a:lnRef idx="2">
+            <a:schemeClr val="accent1">
+              <a:shade val="50000"/>
+            </a:schemeClr>
+          </a:lnRef>
+          <a:fillRef idx="1">
+            <a:schemeClr val="accent1"/>
+          </a:fillRef>
+          <a:effectRef idx="0">
+            <a:schemeClr val="accent1"/>
+          </a:effectRef>
+          <a:fontRef idx="minor">
+            <a:schemeClr val="lt1"/>
+          </a:fontRef>
+        </p:style>
+        <p:txBody>
+          <a:bodyPr rtlCol="0" anchor="ctr"/>
+          <a:lstStyle/>
+          <a:p>
+            <a:pPr algn="ctr"/>
+            <a:r>
+              <a:rPr lang="en-US" dirty="0"/>
+              <a:t>Repository Layer</a:t>
+            </a:r>
+          </a:p>
+          <a:p>
+            <a:pPr algn="ctr"/>
+            <a:r>
+              <a:rPr lang="en-US" dirty="0" err="1"/>
+              <a:t>MapperClass</a:t>
+            </a:r>
+            <a:endParaRPr lang="en-US" dirty="0"/>
+          </a:p>
+          <a:p>
+            <a:pPr algn="ctr"/>
+            <a:r>
+              <a:rPr lang="en-US" dirty="0"/>
+              <a:t>ADO.NET</a:t>
+            </a:r>
+          </a:p>
+        </p:txBody>
+      </p:sp>
+      <p:sp>
+        <p:nvSpPr>
+          <p:cNvPr id="7" name="Rectangle: Rounded Corners 6">
+            <a:extLst>
+              <a:ext uri="{FF2B5EF4-FFF2-40B4-BE49-F238E27FC236}">
+                <a16:creationId xmlns:a16="http://schemas.microsoft.com/office/drawing/2014/main" id="{B4FF9B4E-8035-5343-D036-D237DBCA2169}"/>
+              </a:ext>
+            </a:extLst>
+          </p:cNvPr>
+          <p:cNvSpPr/>
+          <p:nvPr/>
+        </p:nvSpPr>
+        <p:spPr>
+          <a:xfrm>
+            <a:off x="1304364" y="2465293"/>
+            <a:ext cx="2120153" cy="1353670"/>
+          </a:xfrm>
+          <a:prstGeom prst="roundRect">
+            <a:avLst/>
+          </a:prstGeom>
+        </p:spPr>
+        <p:style>
+          <a:lnRef idx="2">
+            <a:schemeClr val="accent1">
+              <a:shade val="50000"/>
+            </a:schemeClr>
+          </a:lnRef>
+          <a:fillRef idx="1">
+            <a:schemeClr val="accent1"/>
+          </a:fillRef>
+          <a:effectRef idx="0">
+            <a:schemeClr val="accent1"/>
+          </a:effectRef>
+          <a:fontRef idx="minor">
+            <a:schemeClr val="lt1"/>
+          </a:fontRef>
+        </p:style>
+        <p:txBody>
+          <a:bodyPr rtlCol="0" anchor="ctr"/>
+          <a:lstStyle/>
+          <a:p>
+            <a:pPr algn="ctr"/>
+            <a:r>
+              <a:rPr lang="en-US" dirty="0"/>
+              <a:t>Business Layer</a:t>
+            </a:r>
+          </a:p>
+        </p:txBody>
+      </p:sp>
+      <p:sp>
+        <p:nvSpPr>
+          <p:cNvPr id="8" name="Arrow: Down 7">
+            <a:extLst>
+              <a:ext uri="{FF2B5EF4-FFF2-40B4-BE49-F238E27FC236}">
+                <a16:creationId xmlns:a16="http://schemas.microsoft.com/office/drawing/2014/main" id="{E40D376A-3005-A347-A0B1-471C876F2C28}"/>
+              </a:ext>
+            </a:extLst>
+          </p:cNvPr>
+          <p:cNvSpPr/>
+          <p:nvPr/>
+        </p:nvSpPr>
+        <p:spPr>
+          <a:xfrm>
+            <a:off x="1640541" y="1694329"/>
+            <a:ext cx="555811" cy="770964"/>
+          </a:xfrm>
+          <a:prstGeom prst="downArrow">
+            <a:avLst/>
+          </a:prstGeom>
+        </p:spPr>
+        <p:style>
+          <a:lnRef idx="2">
+            <a:schemeClr val="accent1">
+              <a:shade val="50000"/>
+            </a:schemeClr>
+          </a:lnRef>
+          <a:fillRef idx="1">
+            <a:schemeClr val="accent1"/>
+          </a:fillRef>
+          <a:effectRef idx="0">
+            <a:schemeClr val="accent1"/>
+          </a:effectRef>
+          <a:fontRef idx="minor">
+            <a:schemeClr val="lt1"/>
+          </a:fontRef>
+        </p:style>
+        <p:txBody>
+          <a:bodyPr rtlCol="0" anchor="ctr"/>
+          <a:lstStyle/>
+          <a:p>
+            <a:pPr algn="ctr"/>
+            <a:endParaRPr lang="en-US"/>
+          </a:p>
+        </p:txBody>
+      </p:sp>
+      <p:sp>
+        <p:nvSpPr>
+          <p:cNvPr id="9" name="Arrow: Down 8">
+            <a:extLst>
+              <a:ext uri="{FF2B5EF4-FFF2-40B4-BE49-F238E27FC236}">
+                <a16:creationId xmlns:a16="http://schemas.microsoft.com/office/drawing/2014/main" id="{6B80A0E1-0A23-B4DF-3C3E-EDF86646F698}"/>
+              </a:ext>
+            </a:extLst>
+          </p:cNvPr>
+          <p:cNvSpPr/>
+          <p:nvPr/>
+        </p:nvSpPr>
+        <p:spPr>
+          <a:xfrm>
+            <a:off x="1640540" y="3684494"/>
+            <a:ext cx="555811" cy="770964"/>
+          </a:xfrm>
+          <a:prstGeom prst="downArrow">
+            <a:avLst/>
+          </a:prstGeom>
+        </p:spPr>
+        <p:style>
+          <a:lnRef idx="2">
+            <a:schemeClr val="accent1">
+              <a:shade val="50000"/>
+            </a:schemeClr>
+          </a:lnRef>
+          <a:fillRef idx="1">
+            <a:schemeClr val="accent1"/>
+          </a:fillRef>
+          <a:effectRef idx="0">
+            <a:schemeClr val="accent1"/>
+          </a:effectRef>
+          <a:fontRef idx="minor">
+            <a:schemeClr val="lt1"/>
+          </a:fontRef>
+        </p:style>
+        <p:txBody>
+          <a:bodyPr rtlCol="0" anchor="ctr"/>
+          <a:lstStyle/>
+          <a:p>
+            <a:pPr algn="ctr"/>
+            <a:endParaRPr lang="en-US"/>
+          </a:p>
+        </p:txBody>
+      </p:sp>
+      <p:sp>
+        <p:nvSpPr>
+          <p:cNvPr id="10" name="Rectangle: Rounded Corners 9">
+            <a:extLst>
+              <a:ext uri="{FF2B5EF4-FFF2-40B4-BE49-F238E27FC236}">
+                <a16:creationId xmlns:a16="http://schemas.microsoft.com/office/drawing/2014/main" id="{BD52F920-F614-A95B-B2C2-8955599E5F8B}"/>
+              </a:ext>
+            </a:extLst>
+          </p:cNvPr>
+          <p:cNvSpPr/>
+          <p:nvPr/>
+        </p:nvSpPr>
+        <p:spPr>
+          <a:xfrm>
+            <a:off x="1304363" y="6252881"/>
+            <a:ext cx="2120153" cy="564775"/>
+          </a:xfrm>
+          <a:prstGeom prst="roundRect">
+            <a:avLst/>
+          </a:prstGeom>
+        </p:spPr>
+        <p:style>
+          <a:lnRef idx="2">
+            <a:schemeClr val="accent1">
+              <a:shade val="50000"/>
+            </a:schemeClr>
+          </a:lnRef>
+          <a:fillRef idx="1">
+            <a:schemeClr val="accent1"/>
+          </a:fillRef>
+          <a:effectRef idx="0">
+            <a:schemeClr val="accent1"/>
+          </a:effectRef>
+          <a:fontRef idx="minor">
+            <a:schemeClr val="lt1"/>
+          </a:fontRef>
+        </p:style>
+        <p:txBody>
+          <a:bodyPr rtlCol="0" anchor="ctr"/>
+          <a:lstStyle/>
+          <a:p>
+            <a:pPr algn="ctr"/>
+            <a:r>
+              <a:rPr lang="en-US" dirty="0"/>
+              <a:t>Azure Db</a:t>
+            </a:r>
+          </a:p>
+        </p:txBody>
+      </p:sp>
+      <p:sp>
+        <p:nvSpPr>
+          <p:cNvPr id="11" name="Arrow: Down 10">
+            <a:extLst>
+              <a:ext uri="{FF2B5EF4-FFF2-40B4-BE49-F238E27FC236}">
+                <a16:creationId xmlns:a16="http://schemas.microsoft.com/office/drawing/2014/main" id="{2B47A22E-06CC-DE28-F9E9-D55A3481FF84}"/>
+              </a:ext>
+            </a:extLst>
+          </p:cNvPr>
+          <p:cNvSpPr/>
+          <p:nvPr/>
+        </p:nvSpPr>
+        <p:spPr>
+          <a:xfrm>
+            <a:off x="2086533" y="5374341"/>
+            <a:ext cx="555811" cy="945780"/>
+          </a:xfrm>
+          <a:prstGeom prst="downArrow">
+            <a:avLst/>
+          </a:prstGeom>
+        </p:spPr>
+        <p:style>
+          <a:lnRef idx="2">
+            <a:schemeClr val="accent1">
+              <a:shade val="50000"/>
+            </a:schemeClr>
+          </a:lnRef>
+          <a:fillRef idx="1">
+            <a:schemeClr val="accent1"/>
+          </a:fillRef>
+          <a:effectRef idx="0">
+            <a:schemeClr val="accent1"/>
+          </a:effectRef>
+          <a:fontRef idx="minor">
+            <a:schemeClr val="lt1"/>
+          </a:fontRef>
+        </p:style>
+        <p:txBody>
+          <a:bodyPr rtlCol="0" anchor="ctr"/>
+          <a:lstStyle/>
+          <a:p>
+            <a:pPr algn="ctr"/>
+            <a:r>
+              <a:rPr lang="en-US" dirty="0"/>
+              <a:t>Q</a:t>
+            </a:r>
+          </a:p>
+        </p:txBody>
+      </p:sp>
+      <p:sp>
+        <p:nvSpPr>
+          <p:cNvPr id="13" name="Arrow: Up 12">
+            <a:extLst>
+              <a:ext uri="{FF2B5EF4-FFF2-40B4-BE49-F238E27FC236}">
+                <a16:creationId xmlns:a16="http://schemas.microsoft.com/office/drawing/2014/main" id="{17EE90E7-8250-128D-2B82-0A51ACFB0B8A}"/>
+              </a:ext>
+            </a:extLst>
+          </p:cNvPr>
+          <p:cNvSpPr/>
+          <p:nvPr/>
+        </p:nvSpPr>
+        <p:spPr>
+          <a:xfrm>
+            <a:off x="2532529" y="3666565"/>
+            <a:ext cx="735106" cy="788893"/>
+          </a:xfrm>
+          <a:prstGeom prst="upArrow">
+            <a:avLst/>
+          </a:prstGeom>
+        </p:spPr>
+        <p:style>
+          <a:lnRef idx="2">
+            <a:schemeClr val="accent1">
+              <a:shade val="50000"/>
+            </a:schemeClr>
+          </a:lnRef>
+          <a:fillRef idx="1">
+            <a:schemeClr val="accent1"/>
+          </a:fillRef>
+          <a:effectRef idx="0">
+            <a:schemeClr val="accent1"/>
+          </a:effectRef>
+          <a:fontRef idx="minor">
+            <a:schemeClr val="lt1"/>
+          </a:fontRef>
+        </p:style>
+        <p:txBody>
+          <a:bodyPr rtlCol="0" anchor="ctr"/>
+          <a:lstStyle/>
+          <a:p>
+            <a:pPr algn="ctr"/>
+            <a:endParaRPr lang="en-US"/>
+          </a:p>
+        </p:txBody>
+      </p:sp>
+      <p:sp>
+        <p:nvSpPr>
+          <p:cNvPr id="14" name="Arrow: Up 13">
+            <a:extLst>
+              <a:ext uri="{FF2B5EF4-FFF2-40B4-BE49-F238E27FC236}">
+                <a16:creationId xmlns:a16="http://schemas.microsoft.com/office/drawing/2014/main" id="{3FCD6342-9350-F724-CB1C-314B2604AD62}"/>
+              </a:ext>
+            </a:extLst>
+          </p:cNvPr>
+          <p:cNvSpPr/>
+          <p:nvPr/>
+        </p:nvSpPr>
+        <p:spPr>
+          <a:xfrm>
+            <a:off x="2642344" y="5526741"/>
+            <a:ext cx="735106" cy="788893"/>
+          </a:xfrm>
+          <a:prstGeom prst="upArrow">
+            <a:avLst/>
+          </a:prstGeom>
+        </p:spPr>
+        <p:style>
+          <a:lnRef idx="2">
+            <a:schemeClr val="accent1">
+              <a:shade val="50000"/>
+            </a:schemeClr>
+          </a:lnRef>
+          <a:fillRef idx="1">
+            <a:schemeClr val="accent1"/>
+          </a:fillRef>
+          <a:effectRef idx="0">
+            <a:schemeClr val="accent1"/>
+          </a:effectRef>
+          <a:fontRef idx="minor">
+            <a:schemeClr val="lt1"/>
+          </a:fontRef>
+        </p:style>
+        <p:txBody>
+          <a:bodyPr rtlCol="0" anchor="ctr"/>
+          <a:lstStyle/>
+          <a:p>
+            <a:pPr algn="ctr"/>
+            <a:r>
+              <a:rPr lang="en-US" dirty="0"/>
+              <a:t>R</a:t>
+            </a:r>
+          </a:p>
+        </p:txBody>
+      </p:sp>
+      <p:grpSp>
+        <p:nvGrpSpPr>
+          <p:cNvPr id="17" name="Group 16">
+            <a:extLst>
+              <a:ext uri="{FF2B5EF4-FFF2-40B4-BE49-F238E27FC236}">
+                <a16:creationId xmlns:a16="http://schemas.microsoft.com/office/drawing/2014/main" id="{E7AF46C5-188C-A665-5351-9A103D26475B}"/>
+              </a:ext>
+            </a:extLst>
+          </p:cNvPr>
+          <p:cNvGrpSpPr/>
+          <p:nvPr/>
+        </p:nvGrpSpPr>
+        <p:grpSpPr>
+          <a:xfrm>
+            <a:off x="3209096" y="3957635"/>
+            <a:ext cx="2280960" cy="1175040"/>
+            <a:chOff x="3209096" y="3957635"/>
+            <a:chExt cx="2280960" cy="1175040"/>
+          </a:xfrm>
+        </p:grpSpPr>
+        <mc:AlternateContent xmlns:mc="http://schemas.openxmlformats.org/markup-compatibility/2006">
+          <mc:Choice xmlns:p14="http://schemas.microsoft.com/office/powerpoint/2010/main" Requires="p14">
+            <p:contentPart p14:bwMode="auto" r:id="rId2">
+              <p14:nvContentPartPr>
+                <p14:cNvPr id="15" name="Ink 14">
+                  <a:extLst>
+                    <a:ext uri="{FF2B5EF4-FFF2-40B4-BE49-F238E27FC236}">
+                      <a16:creationId xmlns:a16="http://schemas.microsoft.com/office/drawing/2014/main" id="{BC2F9536-AD3A-B2E7-989C-F0282C09ADC2}"/>
+                    </a:ext>
+                  </a:extLst>
+                </p14:cNvPr>
+                <p14:cNvContentPartPr/>
+                <p14:nvPr/>
+              </p14:nvContentPartPr>
+              <p14:xfrm>
+                <a:off x="3209096" y="4041155"/>
+                <a:ext cx="2164680" cy="1091520"/>
+              </p14:xfrm>
+            </p:contentPart>
+          </mc:Choice>
+          <mc:Fallback>
+            <p:pic>
+              <p:nvPicPr>
+                <p:cNvPr id="15" name="Ink 14">
+                  <a:extLst>
+                    <a:ext uri="{FF2B5EF4-FFF2-40B4-BE49-F238E27FC236}">
+                      <a16:creationId xmlns:a16="http://schemas.microsoft.com/office/drawing/2014/main" id="{BC2F9536-AD3A-B2E7-989C-F0282C09ADC2}"/>
+                    </a:ext>
+                  </a:extLst>
+                </p:cNvPr>
+                <p:cNvPicPr/>
+                <p:nvPr/>
+              </p:nvPicPr>
+              <p:blipFill>
+                <a:blip r:embed="rId3"/>
+                <a:stretch>
+                  <a:fillRect/>
+                </a:stretch>
+              </p:blipFill>
+              <p:spPr>
+                <a:xfrm>
+                  <a:off x="3200096" y="4032155"/>
+                  <a:ext cx="2182320" cy="1109160"/>
+                </a:xfrm>
+                <a:prstGeom prst="rect">
+                  <a:avLst/>
+                </a:prstGeom>
+              </p:spPr>
+            </p:pic>
+          </mc:Fallback>
+        </mc:AlternateContent>
+        <mc:AlternateContent xmlns:mc="http://schemas.openxmlformats.org/markup-compatibility/2006">
+          <mc:Choice xmlns:p14="http://schemas.microsoft.com/office/powerpoint/2010/main" Requires="p14">
+            <p:contentPart p14:bwMode="auto" r:id="rId4">
+              <p14:nvContentPartPr>
+                <p14:cNvPr id="16" name="Ink 15">
+                  <a:extLst>
+                    <a:ext uri="{FF2B5EF4-FFF2-40B4-BE49-F238E27FC236}">
+                      <a16:creationId xmlns:a16="http://schemas.microsoft.com/office/drawing/2014/main" id="{3CE2166A-65B0-273E-4108-2C84B44FFAD5}"/>
+                    </a:ext>
+                  </a:extLst>
+                </p14:cNvPr>
+                <p14:cNvContentPartPr/>
+                <p14:nvPr/>
+              </p14:nvContentPartPr>
+              <p14:xfrm>
+                <a:off x="5203856" y="3957635"/>
+                <a:ext cx="286200" cy="273240"/>
+              </p14:xfrm>
+            </p:contentPart>
+          </mc:Choice>
+          <mc:Fallback>
+            <p:pic>
+              <p:nvPicPr>
+                <p:cNvPr id="16" name="Ink 15">
+                  <a:extLst>
+                    <a:ext uri="{FF2B5EF4-FFF2-40B4-BE49-F238E27FC236}">
+                      <a16:creationId xmlns:a16="http://schemas.microsoft.com/office/drawing/2014/main" id="{3CE2166A-65B0-273E-4108-2C84B44FFAD5}"/>
+                    </a:ext>
+                  </a:extLst>
+                </p:cNvPr>
+                <p:cNvPicPr/>
+                <p:nvPr/>
+              </p:nvPicPr>
+              <p:blipFill>
+                <a:blip r:embed="rId5"/>
+                <a:stretch>
+                  <a:fillRect/>
+                </a:stretch>
+              </p:blipFill>
+              <p:spPr>
+                <a:xfrm>
+                  <a:off x="5195216" y="3948995"/>
+                  <a:ext cx="303840" cy="290880"/>
+                </a:xfrm>
+                <a:prstGeom prst="rect">
+                  <a:avLst/>
+                </a:prstGeom>
+              </p:spPr>
+            </p:pic>
+          </mc:Fallback>
+        </mc:AlternateContent>
+      </p:grpSp>
+      <p:grpSp>
+        <p:nvGrpSpPr>
+          <p:cNvPr id="24" name="Group 23">
+            <a:extLst>
+              <a:ext uri="{FF2B5EF4-FFF2-40B4-BE49-F238E27FC236}">
+                <a16:creationId xmlns:a16="http://schemas.microsoft.com/office/drawing/2014/main" id="{1CD050A5-4908-15AA-04C4-8623BCB7947E}"/>
+              </a:ext>
+            </a:extLst>
+          </p:cNvPr>
+          <p:cNvGrpSpPr/>
+          <p:nvPr/>
+        </p:nvGrpSpPr>
+        <p:grpSpPr>
+          <a:xfrm>
+            <a:off x="3343736" y="3119555"/>
+            <a:ext cx="2525040" cy="568440"/>
+            <a:chOff x="3343736" y="3119555"/>
+            <a:chExt cx="2525040" cy="568440"/>
+          </a:xfrm>
+        </p:grpSpPr>
+        <mc:AlternateContent xmlns:mc="http://schemas.openxmlformats.org/markup-compatibility/2006">
+          <mc:Choice xmlns:p14="http://schemas.microsoft.com/office/powerpoint/2010/main" Requires="p14">
+            <p:contentPart p14:bwMode="auto" r:id="rId6">
+              <p14:nvContentPartPr>
+                <p14:cNvPr id="18" name="Ink 17">
+                  <a:extLst>
+                    <a:ext uri="{FF2B5EF4-FFF2-40B4-BE49-F238E27FC236}">
+                      <a16:creationId xmlns:a16="http://schemas.microsoft.com/office/drawing/2014/main" id="{C2C6CC9D-F563-0B82-59FD-ECA15EE9FBE7}"/>
+                    </a:ext>
+                  </a:extLst>
+                </p14:cNvPr>
+                <p14:cNvContentPartPr/>
+                <p14:nvPr/>
+              </p14:nvContentPartPr>
+              <p14:xfrm>
+                <a:off x="3343736" y="3195875"/>
+                <a:ext cx="2432880" cy="201600"/>
+              </p14:xfrm>
+            </p:contentPart>
+          </mc:Choice>
+          <mc:Fallback>
+            <p:pic>
+              <p:nvPicPr>
+                <p:cNvPr id="18" name="Ink 17">
+                  <a:extLst>
+                    <a:ext uri="{FF2B5EF4-FFF2-40B4-BE49-F238E27FC236}">
+                      <a16:creationId xmlns:a16="http://schemas.microsoft.com/office/drawing/2014/main" id="{C2C6CC9D-F563-0B82-59FD-ECA15EE9FBE7}"/>
+                    </a:ext>
+                  </a:extLst>
+                </p:cNvPr>
+                <p:cNvPicPr/>
+                <p:nvPr/>
+              </p:nvPicPr>
+              <p:blipFill>
+                <a:blip r:embed="rId7"/>
+                <a:stretch>
+                  <a:fillRect/>
+                </a:stretch>
+              </p:blipFill>
+              <p:spPr>
+                <a:xfrm>
+                  <a:off x="3334736" y="3186875"/>
+                  <a:ext cx="2450520" cy="219240"/>
+                </a:xfrm>
+                <a:prstGeom prst="rect">
+                  <a:avLst/>
+                </a:prstGeom>
+              </p:spPr>
+            </p:pic>
+          </mc:Fallback>
+        </mc:AlternateContent>
+        <mc:AlternateContent xmlns:mc="http://schemas.openxmlformats.org/markup-compatibility/2006">
+          <mc:Choice xmlns:p14="http://schemas.microsoft.com/office/powerpoint/2010/main" Requires="p14">
+            <p:contentPart p14:bwMode="auto" r:id="rId8">
+              <p14:nvContentPartPr>
+                <p14:cNvPr id="19" name="Ink 18">
+                  <a:extLst>
+                    <a:ext uri="{FF2B5EF4-FFF2-40B4-BE49-F238E27FC236}">
+                      <a16:creationId xmlns:a16="http://schemas.microsoft.com/office/drawing/2014/main" id="{9BE5BE58-789E-DFB4-5051-C4D2994A079A}"/>
+                    </a:ext>
+                  </a:extLst>
+                </p14:cNvPr>
+                <p14:cNvContentPartPr/>
+                <p14:nvPr/>
+              </p14:nvContentPartPr>
+              <p14:xfrm>
+                <a:off x="5607056" y="3119555"/>
+                <a:ext cx="261720" cy="366840"/>
+              </p14:xfrm>
+            </p:contentPart>
+          </mc:Choice>
+          <mc:Fallback>
+            <p:pic>
+              <p:nvPicPr>
+                <p:cNvPr id="19" name="Ink 18">
+                  <a:extLst>
+                    <a:ext uri="{FF2B5EF4-FFF2-40B4-BE49-F238E27FC236}">
+                      <a16:creationId xmlns:a16="http://schemas.microsoft.com/office/drawing/2014/main" id="{9BE5BE58-789E-DFB4-5051-C4D2994A079A}"/>
+                    </a:ext>
+                  </a:extLst>
+                </p:cNvPr>
+                <p:cNvPicPr/>
+                <p:nvPr/>
+              </p:nvPicPr>
+              <p:blipFill>
+                <a:blip r:embed="rId9"/>
+                <a:stretch>
+                  <a:fillRect/>
+                </a:stretch>
+              </p:blipFill>
+              <p:spPr>
+                <a:xfrm>
+                  <a:off x="5598416" y="3110915"/>
+                  <a:ext cx="279360" cy="384480"/>
+                </a:xfrm>
+                <a:prstGeom prst="rect">
+                  <a:avLst/>
+                </a:prstGeom>
+              </p:spPr>
+            </p:pic>
+          </mc:Fallback>
+        </mc:AlternateContent>
+        <mc:AlternateContent xmlns:mc="http://schemas.openxmlformats.org/markup-compatibility/2006">
+          <mc:Choice xmlns:p14="http://schemas.microsoft.com/office/powerpoint/2010/main" Requires="p14">
+            <p:contentPart p14:bwMode="auto" r:id="rId10">
+              <p14:nvContentPartPr>
+                <p14:cNvPr id="21" name="Ink 20">
+                  <a:extLst>
+                    <a:ext uri="{FF2B5EF4-FFF2-40B4-BE49-F238E27FC236}">
+                      <a16:creationId xmlns:a16="http://schemas.microsoft.com/office/drawing/2014/main" id="{CD36FDD5-512C-75E0-121C-E9D614B07F7D}"/>
+                    </a:ext>
+                  </a:extLst>
+                </p14:cNvPr>
+                <p14:cNvContentPartPr/>
+                <p14:nvPr/>
+              </p14:nvContentPartPr>
+              <p14:xfrm>
+                <a:off x="5755376" y="3451115"/>
+                <a:ext cx="360" cy="360"/>
+              </p14:xfrm>
+            </p:contentPart>
+          </mc:Choice>
+          <mc:Fallback>
+            <p:pic>
+              <p:nvPicPr>
+                <p:cNvPr id="21" name="Ink 20">
+                  <a:extLst>
+                    <a:ext uri="{FF2B5EF4-FFF2-40B4-BE49-F238E27FC236}">
+                      <a16:creationId xmlns:a16="http://schemas.microsoft.com/office/drawing/2014/main" id="{CD36FDD5-512C-75E0-121C-E9D614B07F7D}"/>
+                    </a:ext>
+                  </a:extLst>
+                </p:cNvPr>
+                <p:cNvPicPr/>
+                <p:nvPr/>
+              </p:nvPicPr>
+              <p:blipFill>
+                <a:blip r:embed="rId11"/>
+                <a:stretch>
+                  <a:fillRect/>
+                </a:stretch>
+              </p:blipFill>
+              <p:spPr>
+                <a:xfrm>
+                  <a:off x="5746376" y="3442475"/>
+                  <a:ext cx="18000" cy="18000"/>
+                </a:xfrm>
+                <a:prstGeom prst="rect">
+                  <a:avLst/>
+                </a:prstGeom>
+              </p:spPr>
+            </p:pic>
+          </mc:Fallback>
+        </mc:AlternateContent>
+        <mc:AlternateContent xmlns:mc="http://schemas.openxmlformats.org/markup-compatibility/2006">
+          <mc:Choice xmlns:p14="http://schemas.microsoft.com/office/powerpoint/2010/main" Requires="p14">
+            <p:contentPart p14:bwMode="auto" r:id="rId12">
+              <p14:nvContentPartPr>
+                <p14:cNvPr id="23" name="Ink 22">
+                  <a:extLst>
+                    <a:ext uri="{FF2B5EF4-FFF2-40B4-BE49-F238E27FC236}">
+                      <a16:creationId xmlns:a16="http://schemas.microsoft.com/office/drawing/2014/main" id="{D604054E-2090-5863-7D4C-6294EA14573B}"/>
+                    </a:ext>
+                  </a:extLst>
+                </p14:cNvPr>
+                <p14:cNvContentPartPr/>
+                <p14:nvPr/>
+              </p14:nvContentPartPr>
+              <p14:xfrm>
+                <a:off x="5432096" y="3451115"/>
+                <a:ext cx="390240" cy="236880"/>
+              </p14:xfrm>
+            </p:contentPart>
+          </mc:Choice>
+          <mc:Fallback>
+            <p:pic>
+              <p:nvPicPr>
+                <p:cNvPr id="23" name="Ink 22">
+                  <a:extLst>
+                    <a:ext uri="{FF2B5EF4-FFF2-40B4-BE49-F238E27FC236}">
+                      <a16:creationId xmlns:a16="http://schemas.microsoft.com/office/drawing/2014/main" id="{D604054E-2090-5863-7D4C-6294EA14573B}"/>
+                    </a:ext>
+                  </a:extLst>
+                </p:cNvPr>
+                <p:cNvPicPr/>
+                <p:nvPr/>
+              </p:nvPicPr>
+              <p:blipFill>
+                <a:blip r:embed="rId13"/>
+                <a:stretch>
+                  <a:fillRect/>
+                </a:stretch>
+              </p:blipFill>
+              <p:spPr>
+                <a:xfrm>
+                  <a:off x="5423456" y="3442475"/>
+                  <a:ext cx="407880" cy="254520"/>
+                </a:xfrm>
+                <a:prstGeom prst="rect">
+                  <a:avLst/>
+                </a:prstGeom>
+              </p:spPr>
+            </p:pic>
+          </mc:Fallback>
+        </mc:AlternateContent>
+      </p:grpSp>
+      <p:grpSp>
+        <p:nvGrpSpPr>
+          <p:cNvPr id="27" name="Group 26">
+            <a:extLst>
+              <a:ext uri="{FF2B5EF4-FFF2-40B4-BE49-F238E27FC236}">
+                <a16:creationId xmlns:a16="http://schemas.microsoft.com/office/drawing/2014/main" id="{48E5B6E2-35CE-F36F-9A56-F9E7D5351812}"/>
+              </a:ext>
+            </a:extLst>
+          </p:cNvPr>
+          <p:cNvGrpSpPr/>
+          <p:nvPr/>
+        </p:nvGrpSpPr>
+        <p:grpSpPr>
+          <a:xfrm>
+            <a:off x="3231416" y="1313435"/>
+            <a:ext cx="2404800" cy="1413000"/>
+            <a:chOff x="3231416" y="1313435"/>
+            <a:chExt cx="2404800" cy="1413000"/>
+          </a:xfrm>
+        </p:grpSpPr>
+        <mc:AlternateContent xmlns:mc="http://schemas.openxmlformats.org/markup-compatibility/2006">
+          <mc:Choice xmlns:p14="http://schemas.microsoft.com/office/powerpoint/2010/main" Requires="p14">
+            <p:contentPart p14:bwMode="auto" r:id="rId14">
+              <p14:nvContentPartPr>
+                <p14:cNvPr id="25" name="Ink 24">
+                  <a:extLst>
+                    <a:ext uri="{FF2B5EF4-FFF2-40B4-BE49-F238E27FC236}">
+                      <a16:creationId xmlns:a16="http://schemas.microsoft.com/office/drawing/2014/main" id="{D5ADCA9A-0A0E-38BB-2394-608661A68235}"/>
+                    </a:ext>
+                  </a:extLst>
+                </p14:cNvPr>
+                <p14:cNvContentPartPr/>
+                <p14:nvPr/>
+              </p14:nvContentPartPr>
+              <p14:xfrm>
+                <a:off x="3231416" y="1313435"/>
+                <a:ext cx="2327040" cy="1136880"/>
+              </p14:xfrm>
+            </p:contentPart>
+          </mc:Choice>
+          <mc:Fallback>
+            <p:pic>
+              <p:nvPicPr>
+                <p:cNvPr id="25" name="Ink 24">
+                  <a:extLst>
+                    <a:ext uri="{FF2B5EF4-FFF2-40B4-BE49-F238E27FC236}">
+                      <a16:creationId xmlns:a16="http://schemas.microsoft.com/office/drawing/2014/main" id="{D5ADCA9A-0A0E-38BB-2394-608661A68235}"/>
+                    </a:ext>
+                  </a:extLst>
+                </p:cNvPr>
+                <p:cNvPicPr/>
+                <p:nvPr/>
+              </p:nvPicPr>
+              <p:blipFill>
+                <a:blip r:embed="rId15"/>
+                <a:stretch>
+                  <a:fillRect/>
+                </a:stretch>
+              </p:blipFill>
+              <p:spPr>
+                <a:xfrm>
+                  <a:off x="3222776" y="1304435"/>
+                  <a:ext cx="2344680" cy="1154520"/>
+                </a:xfrm>
+                <a:prstGeom prst="rect">
+                  <a:avLst/>
+                </a:prstGeom>
+              </p:spPr>
+            </p:pic>
+          </mc:Fallback>
+        </mc:AlternateContent>
+        <mc:AlternateContent xmlns:mc="http://schemas.openxmlformats.org/markup-compatibility/2006">
+          <mc:Choice xmlns:p14="http://schemas.microsoft.com/office/powerpoint/2010/main" Requires="p14">
+            <p:contentPart p14:bwMode="auto" r:id="rId16">
+              <p14:nvContentPartPr>
+                <p14:cNvPr id="26" name="Ink 25">
+                  <a:extLst>
+                    <a:ext uri="{FF2B5EF4-FFF2-40B4-BE49-F238E27FC236}">
+                      <a16:creationId xmlns:a16="http://schemas.microsoft.com/office/drawing/2014/main" id="{6E29A7E4-408F-55F6-FAD5-32EEF885ABDE}"/>
+                    </a:ext>
+                  </a:extLst>
+                </p14:cNvPr>
+                <p14:cNvContentPartPr/>
+                <p14:nvPr/>
+              </p14:nvContentPartPr>
+              <p14:xfrm>
+                <a:off x="5350376" y="2187515"/>
+                <a:ext cx="285840" cy="538920"/>
+              </p14:xfrm>
+            </p:contentPart>
+          </mc:Choice>
+          <mc:Fallback>
+            <p:pic>
+              <p:nvPicPr>
+                <p:cNvPr id="26" name="Ink 25">
+                  <a:extLst>
+                    <a:ext uri="{FF2B5EF4-FFF2-40B4-BE49-F238E27FC236}">
+                      <a16:creationId xmlns:a16="http://schemas.microsoft.com/office/drawing/2014/main" id="{6E29A7E4-408F-55F6-FAD5-32EEF885ABDE}"/>
+                    </a:ext>
+                  </a:extLst>
+                </p:cNvPr>
+                <p:cNvPicPr/>
+                <p:nvPr/>
+              </p:nvPicPr>
+              <p:blipFill>
+                <a:blip r:embed="rId17"/>
+                <a:stretch>
+                  <a:fillRect/>
+                </a:stretch>
+              </p:blipFill>
+              <p:spPr>
+                <a:xfrm>
+                  <a:off x="5341736" y="2178515"/>
+                  <a:ext cx="303480" cy="556560"/>
+                </a:xfrm>
+                <a:prstGeom prst="rect">
+                  <a:avLst/>
+                </a:prstGeom>
+              </p:spPr>
+            </p:pic>
+          </mc:Fallback>
+        </mc:AlternateContent>
+      </p:grpSp>
+      <p:grpSp>
+        <p:nvGrpSpPr>
+          <p:cNvPr id="30" name="Group 29">
+            <a:extLst>
+              <a:ext uri="{FF2B5EF4-FFF2-40B4-BE49-F238E27FC236}">
+                <a16:creationId xmlns:a16="http://schemas.microsoft.com/office/drawing/2014/main" id="{6C42E2F0-9997-3316-5C4F-54BB970B20F7}"/>
+              </a:ext>
+            </a:extLst>
+          </p:cNvPr>
+          <p:cNvGrpSpPr/>
+          <p:nvPr/>
+        </p:nvGrpSpPr>
+        <p:grpSpPr>
+          <a:xfrm>
+            <a:off x="1303976" y="1577675"/>
+            <a:ext cx="403200" cy="1019520"/>
+            <a:chOff x="1303976" y="1577675"/>
+            <a:chExt cx="403200" cy="1019520"/>
+          </a:xfrm>
+        </p:grpSpPr>
+        <mc:AlternateContent xmlns:mc="http://schemas.openxmlformats.org/markup-compatibility/2006">
+          <mc:Choice xmlns:p14="http://schemas.microsoft.com/office/powerpoint/2010/main" Requires="p14">
+            <p:contentPart p14:bwMode="auto" r:id="rId18">
+              <p14:nvContentPartPr>
+                <p14:cNvPr id="28" name="Ink 27">
+                  <a:extLst>
+                    <a:ext uri="{FF2B5EF4-FFF2-40B4-BE49-F238E27FC236}">
+                      <a16:creationId xmlns:a16="http://schemas.microsoft.com/office/drawing/2014/main" id="{DD49A776-7B69-A2F4-DF0D-D432996894AC}"/>
+                    </a:ext>
+                  </a:extLst>
+                </p14:cNvPr>
+                <p14:cNvContentPartPr/>
+                <p14:nvPr/>
+              </p14:nvContentPartPr>
+              <p14:xfrm>
+                <a:off x="1491896" y="1577675"/>
+                <a:ext cx="45720" cy="967320"/>
+              </p14:xfrm>
+            </p:contentPart>
+          </mc:Choice>
+          <mc:Fallback>
+            <p:pic>
+              <p:nvPicPr>
+                <p:cNvPr id="28" name="Ink 27">
+                  <a:extLst>
+                    <a:ext uri="{FF2B5EF4-FFF2-40B4-BE49-F238E27FC236}">
+                      <a16:creationId xmlns:a16="http://schemas.microsoft.com/office/drawing/2014/main" id="{DD49A776-7B69-A2F4-DF0D-D432996894AC}"/>
+                    </a:ext>
+                  </a:extLst>
+                </p:cNvPr>
+                <p:cNvPicPr/>
+                <p:nvPr/>
+              </p:nvPicPr>
+              <p:blipFill>
+                <a:blip r:embed="rId19"/>
+                <a:stretch>
+                  <a:fillRect/>
+                </a:stretch>
+              </p:blipFill>
+              <p:spPr>
+                <a:xfrm>
+                  <a:off x="1483256" y="1568675"/>
+                  <a:ext cx="63360" cy="984960"/>
+                </a:xfrm>
+                <a:prstGeom prst="rect">
+                  <a:avLst/>
+                </a:prstGeom>
+              </p:spPr>
+            </p:pic>
+          </mc:Fallback>
+        </mc:AlternateContent>
+        <mc:AlternateContent xmlns:mc="http://schemas.openxmlformats.org/markup-compatibility/2006">
+          <mc:Choice xmlns:p14="http://schemas.microsoft.com/office/powerpoint/2010/main" Requires="p14">
+            <p:contentPart p14:bwMode="auto" r:id="rId20">
+              <p14:nvContentPartPr>
+                <p14:cNvPr id="29" name="Ink 28">
+                  <a:extLst>
+                    <a:ext uri="{FF2B5EF4-FFF2-40B4-BE49-F238E27FC236}">
+                      <a16:creationId xmlns:a16="http://schemas.microsoft.com/office/drawing/2014/main" id="{0A8613DC-47A0-C245-0E3A-5060F0722A56}"/>
+                    </a:ext>
+                  </a:extLst>
+                </p14:cNvPr>
+                <p14:cNvContentPartPr/>
+                <p14:nvPr/>
+              </p14:nvContentPartPr>
+              <p14:xfrm>
+                <a:off x="1303976" y="2389115"/>
+                <a:ext cx="403200" cy="208080"/>
+              </p14:xfrm>
+            </p:contentPart>
+          </mc:Choice>
+          <mc:Fallback>
+            <p:pic>
+              <p:nvPicPr>
+                <p:cNvPr id="29" name="Ink 28">
+                  <a:extLst>
+                    <a:ext uri="{FF2B5EF4-FFF2-40B4-BE49-F238E27FC236}">
+                      <a16:creationId xmlns:a16="http://schemas.microsoft.com/office/drawing/2014/main" id="{0A8613DC-47A0-C245-0E3A-5060F0722A56}"/>
+                    </a:ext>
+                  </a:extLst>
+                </p:cNvPr>
+                <p:cNvPicPr/>
+                <p:nvPr/>
+              </p:nvPicPr>
+              <p:blipFill>
+                <a:blip r:embed="rId21"/>
+                <a:stretch>
+                  <a:fillRect/>
+                </a:stretch>
+              </p:blipFill>
+              <p:spPr>
+                <a:xfrm>
+                  <a:off x="1295336" y="2380115"/>
+                  <a:ext cx="420840" cy="225720"/>
+                </a:xfrm>
+                <a:prstGeom prst="rect">
+                  <a:avLst/>
+                </a:prstGeom>
+              </p:spPr>
+            </p:pic>
+          </mc:Fallback>
+        </mc:AlternateContent>
+      </p:grpSp>
+      <p:grpSp>
+        <p:nvGrpSpPr>
+          <p:cNvPr id="33" name="Group 32">
+            <a:extLst>
+              <a:ext uri="{FF2B5EF4-FFF2-40B4-BE49-F238E27FC236}">
+                <a16:creationId xmlns:a16="http://schemas.microsoft.com/office/drawing/2014/main" id="{CB1B84D1-9BC1-10EA-3FEF-65A8413ED7A0}"/>
+              </a:ext>
+            </a:extLst>
+          </p:cNvPr>
+          <p:cNvGrpSpPr/>
+          <p:nvPr/>
+        </p:nvGrpSpPr>
+        <p:grpSpPr>
+          <a:xfrm>
+            <a:off x="1286336" y="3671075"/>
+            <a:ext cx="382320" cy="879480"/>
+            <a:chOff x="1286336" y="3671075"/>
+            <a:chExt cx="382320" cy="879480"/>
+          </a:xfrm>
+        </p:grpSpPr>
+        <mc:AlternateContent xmlns:mc="http://schemas.openxmlformats.org/markup-compatibility/2006">
+          <mc:Choice xmlns:p14="http://schemas.microsoft.com/office/powerpoint/2010/main" Requires="p14">
+            <p:contentPart p14:bwMode="auto" r:id="rId22">
+              <p14:nvContentPartPr>
+                <p14:cNvPr id="31" name="Ink 30">
+                  <a:extLst>
+                    <a:ext uri="{FF2B5EF4-FFF2-40B4-BE49-F238E27FC236}">
+                      <a16:creationId xmlns:a16="http://schemas.microsoft.com/office/drawing/2014/main" id="{93DF5163-7AEA-1005-39C2-E250D5A5943B}"/>
+                    </a:ext>
+                  </a:extLst>
+                </p14:cNvPr>
+                <p14:cNvContentPartPr/>
+                <p14:nvPr/>
+              </p14:nvContentPartPr>
+              <p14:xfrm>
+                <a:off x="1433576" y="3671075"/>
+                <a:ext cx="41760" cy="870480"/>
+              </p14:xfrm>
+            </p:contentPart>
+          </mc:Choice>
+          <mc:Fallback>
+            <p:pic>
+              <p:nvPicPr>
+                <p:cNvPr id="31" name="Ink 30">
+                  <a:extLst>
+                    <a:ext uri="{FF2B5EF4-FFF2-40B4-BE49-F238E27FC236}">
+                      <a16:creationId xmlns:a16="http://schemas.microsoft.com/office/drawing/2014/main" id="{93DF5163-7AEA-1005-39C2-E250D5A5943B}"/>
+                    </a:ext>
+                  </a:extLst>
+                </p:cNvPr>
+                <p:cNvPicPr/>
+                <p:nvPr/>
+              </p:nvPicPr>
+              <p:blipFill>
+                <a:blip r:embed="rId23"/>
+                <a:stretch>
+                  <a:fillRect/>
+                </a:stretch>
+              </p:blipFill>
+              <p:spPr>
+                <a:xfrm>
+                  <a:off x="1424936" y="3662075"/>
+                  <a:ext cx="59400" cy="888120"/>
+                </a:xfrm>
+                <a:prstGeom prst="rect">
+                  <a:avLst/>
+                </a:prstGeom>
+              </p:spPr>
+            </p:pic>
+          </mc:Fallback>
+        </mc:AlternateContent>
+        <mc:AlternateContent xmlns:mc="http://schemas.openxmlformats.org/markup-compatibility/2006">
+          <mc:Choice xmlns:p14="http://schemas.microsoft.com/office/powerpoint/2010/main" Requires="p14">
+            <p:contentPart p14:bwMode="auto" r:id="rId24">
+              <p14:nvContentPartPr>
+                <p14:cNvPr id="32" name="Ink 31">
+                  <a:extLst>
+                    <a:ext uri="{FF2B5EF4-FFF2-40B4-BE49-F238E27FC236}">
+                      <a16:creationId xmlns:a16="http://schemas.microsoft.com/office/drawing/2014/main" id="{75A73AA8-4BBB-1D9F-5E21-D1451A00F391}"/>
+                    </a:ext>
+                  </a:extLst>
+                </p14:cNvPr>
+                <p14:cNvContentPartPr/>
+                <p14:nvPr/>
+              </p14:nvContentPartPr>
+              <p14:xfrm>
+                <a:off x="1286336" y="4356875"/>
+                <a:ext cx="382320" cy="193680"/>
+              </p14:xfrm>
+            </p:contentPart>
+          </mc:Choice>
+          <mc:Fallback>
+            <p:pic>
+              <p:nvPicPr>
+                <p:cNvPr id="32" name="Ink 31">
+                  <a:extLst>
+                    <a:ext uri="{FF2B5EF4-FFF2-40B4-BE49-F238E27FC236}">
+                      <a16:creationId xmlns:a16="http://schemas.microsoft.com/office/drawing/2014/main" id="{75A73AA8-4BBB-1D9F-5E21-D1451A00F391}"/>
+                    </a:ext>
+                  </a:extLst>
+                </p:cNvPr>
+                <p:cNvPicPr/>
+                <p:nvPr/>
+              </p:nvPicPr>
+              <p:blipFill>
+                <a:blip r:embed="rId25"/>
+                <a:stretch>
+                  <a:fillRect/>
+                </a:stretch>
+              </p:blipFill>
+              <p:spPr>
+                <a:xfrm>
+                  <a:off x="1277336" y="4347875"/>
+                  <a:ext cx="399960" cy="211320"/>
+                </a:xfrm>
+                <a:prstGeom prst="rect">
+                  <a:avLst/>
+                </a:prstGeom>
+              </p:spPr>
+            </p:pic>
+          </mc:Fallback>
+        </mc:AlternateContent>
+      </p:grpSp>
+      <mc:AlternateContent xmlns:mc="http://schemas.openxmlformats.org/markup-compatibility/2006">
+        <mc:Choice xmlns:p14="http://schemas.microsoft.com/office/powerpoint/2010/main" Requires="p14">
+          <p:contentPart p14:bwMode="auto" r:id="rId26">
+            <p14:nvContentPartPr>
+              <p14:cNvPr id="34" name="Ink 33">
+                <a:extLst>
+                  <a:ext uri="{FF2B5EF4-FFF2-40B4-BE49-F238E27FC236}">
+                    <a16:creationId xmlns:a16="http://schemas.microsoft.com/office/drawing/2014/main" id="{779F5E77-9E07-2DF5-B75F-3A7D1D83873A}"/>
+                  </a:ext>
+                </a:extLst>
+              </p14:cNvPr>
+              <p14:cNvContentPartPr/>
+              <p14:nvPr/>
+            </p14:nvContentPartPr>
+            <p14:xfrm>
+              <a:off x="2707256" y="5145635"/>
+              <a:ext cx="360" cy="360"/>
+            </p14:xfrm>
+          </p:contentPart>
+        </mc:Choice>
+        <mc:Fallback>
+          <p:pic>
+            <p:nvPicPr>
+              <p:cNvPr id="34" name="Ink 33">
+                <a:extLst>
+                  <a:ext uri="{FF2B5EF4-FFF2-40B4-BE49-F238E27FC236}">
+                    <a16:creationId xmlns:a16="http://schemas.microsoft.com/office/drawing/2014/main" id="{779F5E77-9E07-2DF5-B75F-3A7D1D83873A}"/>
+                  </a:ext>
+                </a:extLst>
+              </p:cNvPr>
+              <p:cNvPicPr/>
+              <p:nvPr/>
+            </p:nvPicPr>
+            <p:blipFill>
+              <a:blip r:embed="rId11"/>
+              <a:stretch>
+                <a:fillRect/>
+              </a:stretch>
+            </p:blipFill>
+            <p:spPr>
+              <a:xfrm>
+                <a:off x="2698256" y="5136995"/>
+                <a:ext cx="18000" cy="18000"/>
+              </a:xfrm>
+              <a:prstGeom prst="rect">
+                <a:avLst/>
+              </a:prstGeom>
+            </p:spPr>
+          </p:pic>
+        </mc:Fallback>
+      </mc:AlternateContent>
+      <mc:AlternateContent xmlns:mc="http://schemas.openxmlformats.org/markup-compatibility/2006">
+        <mc:Choice xmlns:p14="http://schemas.microsoft.com/office/powerpoint/2010/main" Requires="p14">
+          <p:contentPart p14:bwMode="auto" r:id="rId27">
+            <p14:nvContentPartPr>
+              <p14:cNvPr id="35" name="Ink 34">
+                <a:extLst>
+                  <a:ext uri="{FF2B5EF4-FFF2-40B4-BE49-F238E27FC236}">
+                    <a16:creationId xmlns:a16="http://schemas.microsoft.com/office/drawing/2014/main" id="{37B9EB71-3CE8-8601-6837-177558FE4480}"/>
+                  </a:ext>
+                </a:extLst>
+              </p14:cNvPr>
+              <p14:cNvContentPartPr/>
+              <p14:nvPr/>
+            </p14:nvContentPartPr>
+            <p14:xfrm>
+              <a:off x="2886896" y="5709035"/>
+              <a:ext cx="284400" cy="428760"/>
+            </p14:xfrm>
+          </p:contentPart>
+        </mc:Choice>
+        <mc:Fallback>
+          <p:pic>
+            <p:nvPicPr>
+              <p:cNvPr id="35" name="Ink 34">
+                <a:extLst>
+                  <a:ext uri="{FF2B5EF4-FFF2-40B4-BE49-F238E27FC236}">
+                    <a16:creationId xmlns:a16="http://schemas.microsoft.com/office/drawing/2014/main" id="{37B9EB71-3CE8-8601-6837-177558FE4480}"/>
+                  </a:ext>
+                </a:extLst>
+              </p:cNvPr>
+              <p:cNvPicPr/>
+              <p:nvPr/>
+            </p:nvPicPr>
+            <p:blipFill>
+              <a:blip r:embed="rId28"/>
+              <a:stretch>
+                <a:fillRect/>
+              </a:stretch>
+            </p:blipFill>
+            <p:spPr>
+              <a:xfrm>
+                <a:off x="2877896" y="5700035"/>
+                <a:ext cx="302040" cy="446400"/>
+              </a:xfrm>
+              <a:prstGeom prst="rect">
+                <a:avLst/>
+              </a:prstGeom>
+            </p:spPr>
+          </p:pic>
+        </mc:Fallback>
+      </mc:AlternateContent>
+      <mc:AlternateContent xmlns:mc="http://schemas.openxmlformats.org/markup-compatibility/2006">
+        <mc:Choice xmlns:p14="http://schemas.microsoft.com/office/powerpoint/2010/main" Requires="p14">
+          <p:contentPart p14:bwMode="auto" r:id="rId29">
+            <p14:nvContentPartPr>
+              <p14:cNvPr id="36" name="Ink 35">
+                <a:extLst>
+                  <a:ext uri="{FF2B5EF4-FFF2-40B4-BE49-F238E27FC236}">
+                    <a16:creationId xmlns:a16="http://schemas.microsoft.com/office/drawing/2014/main" id="{85ED6702-E079-5A5B-6CA3-38A0910D7DE8}"/>
+                  </a:ext>
+                </a:extLst>
+              </p14:cNvPr>
+              <p14:cNvContentPartPr/>
+              <p14:nvPr/>
+            </p14:nvContentPartPr>
+            <p14:xfrm>
+              <a:off x="2883296" y="5205755"/>
+              <a:ext cx="115560" cy="527400"/>
+            </p14:xfrm>
+          </p:contentPart>
+        </mc:Choice>
+        <mc:Fallback>
+          <p:pic>
+            <p:nvPicPr>
+              <p:cNvPr id="36" name="Ink 35">
+                <a:extLst>
+                  <a:ext uri="{FF2B5EF4-FFF2-40B4-BE49-F238E27FC236}">
+                    <a16:creationId xmlns:a16="http://schemas.microsoft.com/office/drawing/2014/main" id="{85ED6702-E079-5A5B-6CA3-38A0910D7DE8}"/>
+                  </a:ext>
+                </a:extLst>
+              </p:cNvPr>
+              <p:cNvPicPr/>
+              <p:nvPr/>
+            </p:nvPicPr>
+            <p:blipFill>
+              <a:blip r:embed="rId30"/>
+              <a:stretch>
+                <a:fillRect/>
+              </a:stretch>
+            </p:blipFill>
+            <p:spPr>
+              <a:xfrm>
+                <a:off x="2874656" y="5196755"/>
+                <a:ext cx="133200" cy="545040"/>
+              </a:xfrm>
+              <a:prstGeom prst="rect">
+                <a:avLst/>
+              </a:prstGeom>
+            </p:spPr>
+          </p:pic>
+        </mc:Fallback>
+      </mc:AlternateContent>
+      <p:grpSp>
+        <p:nvGrpSpPr>
+          <p:cNvPr id="50" name="Group 49">
+            <a:extLst>
+              <a:ext uri="{FF2B5EF4-FFF2-40B4-BE49-F238E27FC236}">
+                <a16:creationId xmlns:a16="http://schemas.microsoft.com/office/drawing/2014/main" id="{FD3D5632-6DFB-0FE0-A9ED-F300F8EC096E}"/>
+              </a:ext>
+            </a:extLst>
+          </p:cNvPr>
+          <p:cNvGrpSpPr/>
+          <p:nvPr/>
+        </p:nvGrpSpPr>
+        <p:grpSpPr>
+          <a:xfrm>
+            <a:off x="1580096" y="3011555"/>
+            <a:ext cx="1657800" cy="2273760"/>
+            <a:chOff x="1580096" y="3011555"/>
+            <a:chExt cx="1657800" cy="2273760"/>
+          </a:xfrm>
+        </p:grpSpPr>
+        <mc:AlternateContent xmlns:mc="http://schemas.openxmlformats.org/markup-compatibility/2006">
+          <mc:Choice xmlns:p14="http://schemas.microsoft.com/office/powerpoint/2010/main" Requires="p14">
+            <p:contentPart p14:bwMode="auto" r:id="rId31">
+              <p14:nvContentPartPr>
+                <p14:cNvPr id="37" name="Ink 36">
+                  <a:extLst>
+                    <a:ext uri="{FF2B5EF4-FFF2-40B4-BE49-F238E27FC236}">
+                      <a16:creationId xmlns:a16="http://schemas.microsoft.com/office/drawing/2014/main" id="{81820B3C-AE92-B878-B80F-AEED347F40F4}"/>
+                    </a:ext>
+                  </a:extLst>
+                </p14:cNvPr>
+                <p14:cNvContentPartPr/>
+                <p14:nvPr/>
+              </p14:nvContentPartPr>
+              <p14:xfrm>
+                <a:off x="1643816" y="4902995"/>
+                <a:ext cx="1467360" cy="382320"/>
+              </p14:xfrm>
+            </p:contentPart>
+          </mc:Choice>
+          <mc:Fallback>
+            <p:pic>
+              <p:nvPicPr>
+                <p:cNvPr id="37" name="Ink 36">
+                  <a:extLst>
+                    <a:ext uri="{FF2B5EF4-FFF2-40B4-BE49-F238E27FC236}">
+                      <a16:creationId xmlns:a16="http://schemas.microsoft.com/office/drawing/2014/main" id="{81820B3C-AE92-B878-B80F-AEED347F40F4}"/>
+                    </a:ext>
+                  </a:extLst>
+                </p:cNvPr>
+                <p:cNvPicPr/>
+                <p:nvPr/>
+              </p:nvPicPr>
+              <p:blipFill>
+                <a:blip r:embed="rId32"/>
+                <a:stretch>
+                  <a:fillRect/>
+                </a:stretch>
+              </p:blipFill>
+              <p:spPr>
+                <a:xfrm>
+                  <a:off x="1635176" y="4894355"/>
+                  <a:ext cx="1485000" cy="399960"/>
+                </a:xfrm>
+                <a:prstGeom prst="rect">
+                  <a:avLst/>
+                </a:prstGeom>
+              </p:spPr>
+            </p:pic>
+          </mc:Fallback>
+        </mc:AlternateContent>
+        <mc:AlternateContent xmlns:mc="http://schemas.openxmlformats.org/markup-compatibility/2006">
+          <mc:Choice xmlns:p14="http://schemas.microsoft.com/office/powerpoint/2010/main" Requires="p14">
+            <p:contentPart p14:bwMode="auto" r:id="rId33">
+              <p14:nvContentPartPr>
+                <p14:cNvPr id="39" name="Ink 38">
+                  <a:extLst>
+                    <a:ext uri="{FF2B5EF4-FFF2-40B4-BE49-F238E27FC236}">
+                      <a16:creationId xmlns:a16="http://schemas.microsoft.com/office/drawing/2014/main" id="{D90134D8-4980-EA9F-503F-1568AEF89A54}"/>
+                    </a:ext>
+                  </a:extLst>
+                </p14:cNvPr>
+                <p14:cNvContentPartPr/>
+                <p14:nvPr/>
+              </p14:nvContentPartPr>
+              <p14:xfrm>
+                <a:off x="2830736" y="3905795"/>
+                <a:ext cx="407160" cy="1020600"/>
+              </p14:xfrm>
+            </p:contentPart>
+          </mc:Choice>
+          <mc:Fallback>
+            <p:pic>
+              <p:nvPicPr>
+                <p:cNvPr id="39" name="Ink 38">
+                  <a:extLst>
+                    <a:ext uri="{FF2B5EF4-FFF2-40B4-BE49-F238E27FC236}">
+                      <a16:creationId xmlns:a16="http://schemas.microsoft.com/office/drawing/2014/main" id="{D90134D8-4980-EA9F-503F-1568AEF89A54}"/>
+                    </a:ext>
+                  </a:extLst>
+                </p:cNvPr>
+                <p:cNvPicPr/>
+                <p:nvPr/>
+              </p:nvPicPr>
+              <p:blipFill>
+                <a:blip r:embed="rId34"/>
+                <a:stretch>
+                  <a:fillRect/>
+                </a:stretch>
+              </p:blipFill>
+              <p:spPr>
+                <a:xfrm>
+                  <a:off x="2822096" y="3897155"/>
+                  <a:ext cx="424800" cy="1038240"/>
+                </a:xfrm>
+                <a:prstGeom prst="rect">
+                  <a:avLst/>
+                </a:prstGeom>
+              </p:spPr>
+            </p:pic>
+          </mc:Fallback>
+        </mc:AlternateContent>
+        <mc:AlternateContent xmlns:mc="http://schemas.openxmlformats.org/markup-compatibility/2006">
+          <mc:Choice xmlns:p14="http://schemas.microsoft.com/office/powerpoint/2010/main" Requires="p14">
+            <p:contentPart p14:bwMode="auto" r:id="rId35">
+              <p14:nvContentPartPr>
+                <p14:cNvPr id="40" name="Ink 39">
+                  <a:extLst>
+                    <a:ext uri="{FF2B5EF4-FFF2-40B4-BE49-F238E27FC236}">
+                      <a16:creationId xmlns:a16="http://schemas.microsoft.com/office/drawing/2014/main" id="{D50E5E03-4708-5DAF-2A11-1EA32D80D15B}"/>
+                    </a:ext>
+                  </a:extLst>
+                </p14:cNvPr>
+                <p14:cNvContentPartPr/>
+                <p14:nvPr/>
+              </p14:nvContentPartPr>
+              <p14:xfrm>
+                <a:off x="2593496" y="3872675"/>
+                <a:ext cx="203760" cy="109080"/>
+              </p14:xfrm>
+            </p:contentPart>
+          </mc:Choice>
+          <mc:Fallback>
+            <p:pic>
+              <p:nvPicPr>
+                <p:cNvPr id="40" name="Ink 39">
+                  <a:extLst>
+                    <a:ext uri="{FF2B5EF4-FFF2-40B4-BE49-F238E27FC236}">
+                      <a16:creationId xmlns:a16="http://schemas.microsoft.com/office/drawing/2014/main" id="{D50E5E03-4708-5DAF-2A11-1EA32D80D15B}"/>
+                    </a:ext>
+                  </a:extLst>
+                </p:cNvPr>
+                <p:cNvPicPr/>
+                <p:nvPr/>
+              </p:nvPicPr>
+              <p:blipFill>
+                <a:blip r:embed="rId36"/>
+                <a:stretch>
+                  <a:fillRect/>
+                </a:stretch>
+              </p:blipFill>
+              <p:spPr>
+                <a:xfrm>
+                  <a:off x="2584856" y="3863675"/>
+                  <a:ext cx="221400" cy="126720"/>
+                </a:xfrm>
+                <a:prstGeom prst="rect">
+                  <a:avLst/>
+                </a:prstGeom>
+              </p:spPr>
+            </p:pic>
+          </mc:Fallback>
+        </mc:AlternateContent>
+        <mc:AlternateContent xmlns:mc="http://schemas.openxmlformats.org/markup-compatibility/2006">
+          <mc:Choice xmlns:p14="http://schemas.microsoft.com/office/powerpoint/2010/main" Requires="p14">
+            <p:contentPart p14:bwMode="auto" r:id="rId37">
+              <p14:nvContentPartPr>
+                <p14:cNvPr id="42" name="Ink 41">
+                  <a:extLst>
+                    <a:ext uri="{FF2B5EF4-FFF2-40B4-BE49-F238E27FC236}">
+                      <a16:creationId xmlns:a16="http://schemas.microsoft.com/office/drawing/2014/main" id="{0C5D4E6A-1DC1-B1F8-03CD-606A4036F589}"/>
+                    </a:ext>
+                  </a:extLst>
+                </p14:cNvPr>
+                <p14:cNvContentPartPr/>
+                <p14:nvPr/>
+              </p14:nvContentPartPr>
+              <p14:xfrm>
+                <a:off x="2805896" y="3841355"/>
+                <a:ext cx="269640" cy="61920"/>
+              </p14:xfrm>
+            </p:contentPart>
+          </mc:Choice>
+          <mc:Fallback>
+            <p:pic>
+              <p:nvPicPr>
+                <p:cNvPr id="42" name="Ink 41">
+                  <a:extLst>
+                    <a:ext uri="{FF2B5EF4-FFF2-40B4-BE49-F238E27FC236}">
+                      <a16:creationId xmlns:a16="http://schemas.microsoft.com/office/drawing/2014/main" id="{0C5D4E6A-1DC1-B1F8-03CD-606A4036F589}"/>
+                    </a:ext>
+                  </a:extLst>
+                </p:cNvPr>
+                <p:cNvPicPr/>
+                <p:nvPr/>
+              </p:nvPicPr>
+              <p:blipFill>
+                <a:blip r:embed="rId38"/>
+                <a:stretch>
+                  <a:fillRect/>
+                </a:stretch>
+              </p:blipFill>
+              <p:spPr>
+                <a:xfrm>
+                  <a:off x="2796896" y="3832355"/>
+                  <a:ext cx="287280" cy="79560"/>
+                </a:xfrm>
+                <a:prstGeom prst="rect">
+                  <a:avLst/>
+                </a:prstGeom>
+              </p:spPr>
+            </p:pic>
+          </mc:Fallback>
+        </mc:AlternateContent>
+        <mc:AlternateContent xmlns:mc="http://schemas.openxmlformats.org/markup-compatibility/2006">
+          <mc:Choice xmlns:p14="http://schemas.microsoft.com/office/powerpoint/2010/main" Requires="p14">
+            <p:contentPart p14:bwMode="auto" r:id="rId39">
+              <p14:nvContentPartPr>
+                <p14:cNvPr id="44" name="Ink 43">
+                  <a:extLst>
+                    <a:ext uri="{FF2B5EF4-FFF2-40B4-BE49-F238E27FC236}">
+                      <a16:creationId xmlns:a16="http://schemas.microsoft.com/office/drawing/2014/main" id="{A718F2D9-C619-333D-5793-727790C48627}"/>
+                    </a:ext>
+                  </a:extLst>
+                </p14:cNvPr>
+                <p14:cNvContentPartPr/>
+                <p14:nvPr/>
+              </p14:nvContentPartPr>
+              <p14:xfrm>
+                <a:off x="2679176" y="3796355"/>
+                <a:ext cx="73080" cy="246600"/>
+              </p14:xfrm>
+            </p:contentPart>
+          </mc:Choice>
+          <mc:Fallback>
+            <p:pic>
+              <p:nvPicPr>
+                <p:cNvPr id="44" name="Ink 43">
+                  <a:extLst>
+                    <a:ext uri="{FF2B5EF4-FFF2-40B4-BE49-F238E27FC236}">
+                      <a16:creationId xmlns:a16="http://schemas.microsoft.com/office/drawing/2014/main" id="{A718F2D9-C619-333D-5793-727790C48627}"/>
+                    </a:ext>
+                  </a:extLst>
+                </p:cNvPr>
+                <p:cNvPicPr/>
+                <p:nvPr/>
+              </p:nvPicPr>
+              <p:blipFill>
+                <a:blip r:embed="rId40"/>
+                <a:stretch>
+                  <a:fillRect/>
+                </a:stretch>
+              </p:blipFill>
+              <p:spPr>
+                <a:xfrm>
+                  <a:off x="2670536" y="3787715"/>
+                  <a:ext cx="90720" cy="264240"/>
+                </a:xfrm>
+                <a:prstGeom prst="rect">
+                  <a:avLst/>
+                </a:prstGeom>
+              </p:spPr>
+            </p:pic>
+          </mc:Fallback>
+        </mc:AlternateContent>
+        <mc:AlternateContent xmlns:mc="http://schemas.openxmlformats.org/markup-compatibility/2006">
+          <mc:Choice xmlns:p14="http://schemas.microsoft.com/office/powerpoint/2010/main" Requires="p14">
+            <p:contentPart p14:bwMode="auto" r:id="rId41">
+              <p14:nvContentPartPr>
+                <p14:cNvPr id="45" name="Ink 44">
+                  <a:extLst>
+                    <a:ext uri="{FF2B5EF4-FFF2-40B4-BE49-F238E27FC236}">
+                      <a16:creationId xmlns:a16="http://schemas.microsoft.com/office/drawing/2014/main" id="{FF2152AF-7944-EC9D-FA5E-F83DBA520197}"/>
+                    </a:ext>
+                  </a:extLst>
+                </p14:cNvPr>
+                <p14:cNvContentPartPr/>
+                <p14:nvPr/>
+              </p14:nvContentPartPr>
+              <p14:xfrm>
+                <a:off x="2792216" y="3819035"/>
+                <a:ext cx="195120" cy="267480"/>
+              </p14:xfrm>
+            </p:contentPart>
+          </mc:Choice>
+          <mc:Fallback>
+            <p:pic>
+              <p:nvPicPr>
+                <p:cNvPr id="45" name="Ink 44">
+                  <a:extLst>
+                    <a:ext uri="{FF2B5EF4-FFF2-40B4-BE49-F238E27FC236}">
+                      <a16:creationId xmlns:a16="http://schemas.microsoft.com/office/drawing/2014/main" id="{FF2152AF-7944-EC9D-FA5E-F83DBA520197}"/>
+                    </a:ext>
+                  </a:extLst>
+                </p:cNvPr>
+                <p:cNvPicPr/>
+                <p:nvPr/>
+              </p:nvPicPr>
+              <p:blipFill>
+                <a:blip r:embed="rId42"/>
+                <a:stretch>
+                  <a:fillRect/>
+                </a:stretch>
+              </p:blipFill>
+              <p:spPr>
+                <a:xfrm>
+                  <a:off x="2783576" y="3810035"/>
+                  <a:ext cx="212760" cy="285120"/>
+                </a:xfrm>
+                <a:prstGeom prst="rect">
+                  <a:avLst/>
+                </a:prstGeom>
+              </p:spPr>
+            </p:pic>
+          </mc:Fallback>
+        </mc:AlternateContent>
+        <mc:AlternateContent xmlns:mc="http://schemas.openxmlformats.org/markup-compatibility/2006">
+          <mc:Choice xmlns:p14="http://schemas.microsoft.com/office/powerpoint/2010/main" Requires="p14">
+            <p:contentPart p14:bwMode="auto" r:id="rId43">
+              <p14:nvContentPartPr>
+                <p14:cNvPr id="47" name="Ink 46">
+                  <a:extLst>
+                    <a:ext uri="{FF2B5EF4-FFF2-40B4-BE49-F238E27FC236}">
+                      <a16:creationId xmlns:a16="http://schemas.microsoft.com/office/drawing/2014/main" id="{18A6D77E-CB0C-C33F-278B-BA9D877CDC01}"/>
+                    </a:ext>
+                  </a:extLst>
+                </p14:cNvPr>
+                <p14:cNvContentPartPr/>
+                <p14:nvPr/>
+              </p14:nvContentPartPr>
+              <p14:xfrm>
+                <a:off x="2837216" y="3497915"/>
+                <a:ext cx="14400" cy="316800"/>
+              </p14:xfrm>
+            </p:contentPart>
+          </mc:Choice>
+          <mc:Fallback>
+            <p:pic>
+              <p:nvPicPr>
+                <p:cNvPr id="47" name="Ink 46">
+                  <a:extLst>
+                    <a:ext uri="{FF2B5EF4-FFF2-40B4-BE49-F238E27FC236}">
+                      <a16:creationId xmlns:a16="http://schemas.microsoft.com/office/drawing/2014/main" id="{18A6D77E-CB0C-C33F-278B-BA9D877CDC01}"/>
+                    </a:ext>
+                  </a:extLst>
+                </p:cNvPr>
+                <p:cNvPicPr/>
+                <p:nvPr/>
+              </p:nvPicPr>
+              <p:blipFill>
+                <a:blip r:embed="rId44"/>
+                <a:stretch>
+                  <a:fillRect/>
+                </a:stretch>
+              </p:blipFill>
+              <p:spPr>
+                <a:xfrm>
+                  <a:off x="2828216" y="3488915"/>
+                  <a:ext cx="32040" cy="334440"/>
+                </a:xfrm>
+                <a:prstGeom prst="rect">
+                  <a:avLst/>
+                </a:prstGeom>
+              </p:spPr>
+            </p:pic>
+          </mc:Fallback>
+        </mc:AlternateContent>
+        <mc:AlternateContent xmlns:mc="http://schemas.openxmlformats.org/markup-compatibility/2006">
+          <mc:Choice xmlns:p14="http://schemas.microsoft.com/office/powerpoint/2010/main" Requires="p14">
+            <p:contentPart p14:bwMode="auto" r:id="rId45">
+              <p14:nvContentPartPr>
+                <p14:cNvPr id="49" name="Ink 48">
+                  <a:extLst>
+                    <a:ext uri="{FF2B5EF4-FFF2-40B4-BE49-F238E27FC236}">
+                      <a16:creationId xmlns:a16="http://schemas.microsoft.com/office/drawing/2014/main" id="{B1117134-15C1-D6EF-B14F-1A738D26B03E}"/>
+                    </a:ext>
+                  </a:extLst>
+                </p14:cNvPr>
+                <p14:cNvContentPartPr/>
+                <p14:nvPr/>
+              </p14:nvContentPartPr>
+              <p14:xfrm>
+                <a:off x="1580096" y="3011555"/>
+                <a:ext cx="1526400" cy="331920"/>
+              </p14:xfrm>
+            </p:contentPart>
+          </mc:Choice>
+          <mc:Fallback>
+            <p:pic>
+              <p:nvPicPr>
+                <p:cNvPr id="49" name="Ink 48">
+                  <a:extLst>
+                    <a:ext uri="{FF2B5EF4-FFF2-40B4-BE49-F238E27FC236}">
+                      <a16:creationId xmlns:a16="http://schemas.microsoft.com/office/drawing/2014/main" id="{B1117134-15C1-D6EF-B14F-1A738D26B03E}"/>
+                    </a:ext>
+                  </a:extLst>
+                </p:cNvPr>
+                <p:cNvPicPr/>
+                <p:nvPr/>
+              </p:nvPicPr>
+              <p:blipFill>
+                <a:blip r:embed="rId46"/>
+                <a:stretch>
+                  <a:fillRect/>
+                </a:stretch>
+              </p:blipFill>
+              <p:spPr>
+                <a:xfrm>
+                  <a:off x="1571096" y="3002915"/>
+                  <a:ext cx="1544040" cy="349560"/>
+                </a:xfrm>
+                <a:prstGeom prst="rect">
+                  <a:avLst/>
+                </a:prstGeom>
+              </p:spPr>
+            </p:pic>
+          </mc:Fallback>
+        </mc:AlternateContent>
+      </p:grpSp>
+      <mc:AlternateContent xmlns:mc="http://schemas.openxmlformats.org/markup-compatibility/2006">
+        <mc:Choice xmlns:p14="http://schemas.microsoft.com/office/powerpoint/2010/main" Requires="p14">
+          <p:contentPart p14:bwMode="auto" r:id="rId47">
+            <p14:nvContentPartPr>
+              <p14:cNvPr id="51" name="Ink 50">
+                <a:extLst>
+                  <a:ext uri="{FF2B5EF4-FFF2-40B4-BE49-F238E27FC236}">
+                    <a16:creationId xmlns:a16="http://schemas.microsoft.com/office/drawing/2014/main" id="{A57E1BDF-C99C-BEBE-1D4C-DE0AE5B6F4D2}"/>
+                  </a:ext>
+                </a:extLst>
+              </p14:cNvPr>
+              <p14:cNvContentPartPr/>
+              <p14:nvPr/>
+            </p14:nvContentPartPr>
+            <p14:xfrm>
+              <a:off x="2760896" y="3024875"/>
+              <a:ext cx="360" cy="1080"/>
+            </p14:xfrm>
+          </p:contentPart>
+        </mc:Choice>
+        <mc:Fallback>
+          <p:pic>
+            <p:nvPicPr>
+              <p:cNvPr id="51" name="Ink 50">
+                <a:extLst>
+                  <a:ext uri="{FF2B5EF4-FFF2-40B4-BE49-F238E27FC236}">
+                    <a16:creationId xmlns:a16="http://schemas.microsoft.com/office/drawing/2014/main" id="{A57E1BDF-C99C-BEBE-1D4C-DE0AE5B6F4D2}"/>
+                  </a:ext>
+                </a:extLst>
+              </p:cNvPr>
+              <p:cNvPicPr/>
+              <p:nvPr/>
+            </p:nvPicPr>
+            <p:blipFill>
+              <a:blip r:embed="rId48"/>
+              <a:stretch>
+                <a:fillRect/>
+              </a:stretch>
+            </p:blipFill>
+            <p:spPr>
+              <a:xfrm>
+                <a:off x="2752256" y="3015875"/>
+                <a:ext cx="18000" cy="18720"/>
+              </a:xfrm>
+              <a:prstGeom prst="rect">
+                <a:avLst/>
+              </a:prstGeom>
+            </p:spPr>
+          </p:pic>
+        </mc:Fallback>
+      </mc:AlternateContent>
+      <p:sp>
+        <p:nvSpPr>
+          <p:cNvPr id="52" name="Arrow: Up 51">
+            <a:extLst>
+              <a:ext uri="{FF2B5EF4-FFF2-40B4-BE49-F238E27FC236}">
+                <a16:creationId xmlns:a16="http://schemas.microsoft.com/office/drawing/2014/main" id="{86179075-725C-394F-FED4-ED4085F4BC65}"/>
+              </a:ext>
+            </a:extLst>
+          </p:cNvPr>
+          <p:cNvSpPr/>
+          <p:nvPr/>
+        </p:nvSpPr>
+        <p:spPr>
+          <a:xfrm>
+            <a:off x="1955170" y="1610030"/>
+            <a:ext cx="476180" cy="826629"/>
+          </a:xfrm>
+          <a:prstGeom prst="upArrow">
+            <a:avLst/>
+          </a:prstGeom>
+        </p:spPr>
+        <p:style>
+          <a:lnRef idx="2">
+            <a:schemeClr val="accent1">
+              <a:shade val="50000"/>
+            </a:schemeClr>
+          </a:lnRef>
+          <a:fillRef idx="1">
+            <a:schemeClr val="accent1"/>
+          </a:fillRef>
+          <a:effectRef idx="0">
+            <a:schemeClr val="accent1"/>
+          </a:effectRef>
+          <a:fontRef idx="minor">
+            <a:schemeClr val="lt1"/>
+          </a:fontRef>
+        </p:style>
+        <p:txBody>
+          <a:bodyPr rtlCol="0" anchor="ctr"/>
+          <a:lstStyle/>
+          <a:p>
+            <a:pPr algn="ctr"/>
+            <a:endParaRPr lang="en-US"/>
+          </a:p>
+        </p:txBody>
+      </p:sp>
+      <mc:AlternateContent xmlns:mc="http://schemas.openxmlformats.org/markup-compatibility/2006">
+        <mc:Choice xmlns:p14="http://schemas.microsoft.com/office/powerpoint/2010/main" Requires="p14">
+          <p:contentPart p14:bwMode="auto" r:id="rId49">
+            <p14:nvContentPartPr>
+              <p14:cNvPr id="53" name="Ink 52">
+                <a:extLst>
+                  <a:ext uri="{FF2B5EF4-FFF2-40B4-BE49-F238E27FC236}">
+                    <a16:creationId xmlns:a16="http://schemas.microsoft.com/office/drawing/2014/main" id="{292594A6-E29F-1A8A-DE8A-192750A3F093}"/>
+                  </a:ext>
+                </a:extLst>
+              </p14:cNvPr>
+              <p14:cNvContentPartPr/>
+              <p14:nvPr/>
+            </p14:nvContentPartPr>
+            <p14:xfrm>
+              <a:off x="2769536" y="1417107"/>
+              <a:ext cx="72720" cy="1613520"/>
+            </p14:xfrm>
+          </p:contentPart>
+        </mc:Choice>
+        <mc:Fallback>
+          <p:pic>
+            <p:nvPicPr>
+              <p:cNvPr id="53" name="Ink 52">
+                <a:extLst>
+                  <a:ext uri="{FF2B5EF4-FFF2-40B4-BE49-F238E27FC236}">
+                    <a16:creationId xmlns:a16="http://schemas.microsoft.com/office/drawing/2014/main" id="{292594A6-E29F-1A8A-DE8A-192750A3F093}"/>
+                  </a:ext>
+                </a:extLst>
+              </p:cNvPr>
+              <p:cNvPicPr/>
+              <p:nvPr/>
+            </p:nvPicPr>
+            <p:blipFill>
+              <a:blip r:embed="rId50"/>
+              <a:stretch>
+                <a:fillRect/>
+              </a:stretch>
+            </p:blipFill>
+            <p:spPr>
+              <a:xfrm>
+                <a:off x="2760896" y="1408107"/>
+                <a:ext cx="90360" cy="1631160"/>
+              </a:xfrm>
+              <a:prstGeom prst="rect">
+                <a:avLst/>
+              </a:prstGeom>
+            </p:spPr>
+          </p:pic>
+        </mc:Fallback>
+      </mc:AlternateContent>
+      <mc:AlternateContent xmlns:mc="http://schemas.openxmlformats.org/markup-compatibility/2006">
+        <mc:Choice xmlns:p14="http://schemas.microsoft.com/office/powerpoint/2010/main" Requires="p14">
+          <p:contentPart p14:bwMode="auto" r:id="rId51">
+            <p14:nvContentPartPr>
+              <p14:cNvPr id="54" name="Ink 53">
+                <a:extLst>
+                  <a:ext uri="{FF2B5EF4-FFF2-40B4-BE49-F238E27FC236}">
+                    <a16:creationId xmlns:a16="http://schemas.microsoft.com/office/drawing/2014/main" id="{09AEC59D-9A22-C672-2F87-A6028BE015D3}"/>
+                  </a:ext>
+                </a:extLst>
+              </p14:cNvPr>
+              <p14:cNvContentPartPr/>
+              <p14:nvPr/>
+            </p14:nvContentPartPr>
+            <p14:xfrm>
+              <a:off x="1926416" y="2210915"/>
+              <a:ext cx="117720" cy="451800"/>
+            </p14:xfrm>
+          </p:contentPart>
+        </mc:Choice>
+        <mc:Fallback>
+          <p:pic>
+            <p:nvPicPr>
+              <p:cNvPr id="54" name="Ink 53">
+                <a:extLst>
+                  <a:ext uri="{FF2B5EF4-FFF2-40B4-BE49-F238E27FC236}">
+                    <a16:creationId xmlns:a16="http://schemas.microsoft.com/office/drawing/2014/main" id="{09AEC59D-9A22-C672-2F87-A6028BE015D3}"/>
+                  </a:ext>
+                </a:extLst>
+              </p:cNvPr>
+              <p:cNvPicPr/>
+              <p:nvPr/>
+            </p:nvPicPr>
+            <p:blipFill>
+              <a:blip r:embed="rId52"/>
+              <a:stretch>
+                <a:fillRect/>
+              </a:stretch>
+            </p:blipFill>
+            <p:spPr>
+              <a:xfrm>
+                <a:off x="1917776" y="2202275"/>
+                <a:ext cx="135360" cy="469440"/>
+              </a:xfrm>
+              <a:prstGeom prst="rect">
+                <a:avLst/>
+              </a:prstGeom>
+            </p:spPr>
+          </p:pic>
+        </mc:Fallback>
+      </mc:AlternateContent>
+      <p:grpSp>
+        <p:nvGrpSpPr>
+          <p:cNvPr id="57" name="Group 56">
+            <a:extLst>
+              <a:ext uri="{FF2B5EF4-FFF2-40B4-BE49-F238E27FC236}">
+                <a16:creationId xmlns:a16="http://schemas.microsoft.com/office/drawing/2014/main" id="{9D5732B0-F498-E86B-F45F-6A3C39933C21}"/>
+              </a:ext>
+            </a:extLst>
+          </p:cNvPr>
+          <p:cNvGrpSpPr/>
+          <p:nvPr/>
+        </p:nvGrpSpPr>
+        <p:grpSpPr>
+          <a:xfrm>
+            <a:off x="2562536" y="1313435"/>
+            <a:ext cx="586800" cy="266040"/>
+            <a:chOff x="2562536" y="1313435"/>
+            <a:chExt cx="586800" cy="266040"/>
+          </a:xfrm>
+        </p:grpSpPr>
+        <mc:AlternateContent xmlns:mc="http://schemas.openxmlformats.org/markup-compatibility/2006">
+          <mc:Choice xmlns:p14="http://schemas.microsoft.com/office/powerpoint/2010/main" Requires="p14">
+            <p:contentPart p14:bwMode="auto" r:id="rId53">
+              <p14:nvContentPartPr>
+                <p14:cNvPr id="55" name="Ink 54">
+                  <a:extLst>
+                    <a:ext uri="{FF2B5EF4-FFF2-40B4-BE49-F238E27FC236}">
+                      <a16:creationId xmlns:a16="http://schemas.microsoft.com/office/drawing/2014/main" id="{F3E17535-7276-7064-9E84-22ADB735D68B}"/>
+                    </a:ext>
+                  </a:extLst>
+                </p14:cNvPr>
+                <p14:cNvContentPartPr/>
+                <p14:nvPr/>
+              </p14:nvContentPartPr>
+              <p14:xfrm>
+                <a:off x="2562536" y="1317395"/>
+                <a:ext cx="198720" cy="190080"/>
+              </p14:xfrm>
+            </p:contentPart>
+          </mc:Choice>
+          <mc:Fallback>
+            <p:pic>
+              <p:nvPicPr>
+                <p:cNvPr id="55" name="Ink 54">
+                  <a:extLst>
+                    <a:ext uri="{FF2B5EF4-FFF2-40B4-BE49-F238E27FC236}">
+                      <a16:creationId xmlns:a16="http://schemas.microsoft.com/office/drawing/2014/main" id="{F3E17535-7276-7064-9E84-22ADB735D68B}"/>
+                    </a:ext>
+                  </a:extLst>
+                </p:cNvPr>
+                <p:cNvPicPr/>
+                <p:nvPr/>
+              </p:nvPicPr>
+              <p:blipFill>
+                <a:blip r:embed="rId54"/>
+                <a:stretch>
+                  <a:fillRect/>
+                </a:stretch>
+              </p:blipFill>
+              <p:spPr>
+                <a:xfrm>
+                  <a:off x="2553536" y="1308755"/>
+                  <a:ext cx="216360" cy="207720"/>
+                </a:xfrm>
+                <a:prstGeom prst="rect">
+                  <a:avLst/>
+                </a:prstGeom>
+              </p:spPr>
+            </p:pic>
+          </mc:Fallback>
+        </mc:AlternateContent>
+        <mc:AlternateContent xmlns:mc="http://schemas.openxmlformats.org/markup-compatibility/2006">
+          <mc:Choice xmlns:p14="http://schemas.microsoft.com/office/powerpoint/2010/main" Requires="p14">
+            <p:contentPart p14:bwMode="auto" r:id="rId55">
+              <p14:nvContentPartPr>
+                <p14:cNvPr id="56" name="Ink 55">
+                  <a:extLst>
+                    <a:ext uri="{FF2B5EF4-FFF2-40B4-BE49-F238E27FC236}">
+                      <a16:creationId xmlns:a16="http://schemas.microsoft.com/office/drawing/2014/main" id="{629216AF-1665-5431-B8FE-5BF521E95D2B}"/>
+                    </a:ext>
+                  </a:extLst>
+                </p14:cNvPr>
+                <p14:cNvContentPartPr/>
+                <p14:nvPr/>
+              </p14:nvContentPartPr>
+              <p14:xfrm>
+                <a:off x="2774576" y="1313435"/>
+                <a:ext cx="374760" cy="266040"/>
+              </p14:xfrm>
+            </p:contentPart>
+          </mc:Choice>
+          <mc:Fallback>
+            <p:pic>
+              <p:nvPicPr>
+                <p:cNvPr id="56" name="Ink 55">
+                  <a:extLst>
+                    <a:ext uri="{FF2B5EF4-FFF2-40B4-BE49-F238E27FC236}">
+                      <a16:creationId xmlns:a16="http://schemas.microsoft.com/office/drawing/2014/main" id="{629216AF-1665-5431-B8FE-5BF521E95D2B}"/>
+                    </a:ext>
+                  </a:extLst>
+                </p:cNvPr>
+                <p:cNvPicPr/>
+                <p:nvPr/>
+              </p:nvPicPr>
+              <p:blipFill>
+                <a:blip r:embed="rId56"/>
+                <a:stretch>
+                  <a:fillRect/>
+                </a:stretch>
+              </p:blipFill>
+              <p:spPr>
+                <a:xfrm>
+                  <a:off x="2765576" y="1304435"/>
+                  <a:ext cx="392400" cy="283680"/>
+                </a:xfrm>
+                <a:prstGeom prst="rect">
+                  <a:avLst/>
+                </a:prstGeom>
+              </p:spPr>
+            </p:pic>
+          </mc:Fallback>
+        </mc:AlternateContent>
+      </p:grpSp>
+      <mc:AlternateContent xmlns:mc="http://schemas.openxmlformats.org/markup-compatibility/2006">
+        <mc:Choice xmlns:p14="http://schemas.microsoft.com/office/powerpoint/2010/main" Requires="p14">
+          <p:contentPart p14:bwMode="auto" r:id="rId57">
+            <p14:nvContentPartPr>
+              <p14:cNvPr id="58" name="Ink 57">
+                <a:extLst>
+                  <a:ext uri="{FF2B5EF4-FFF2-40B4-BE49-F238E27FC236}">
+                    <a16:creationId xmlns:a16="http://schemas.microsoft.com/office/drawing/2014/main" id="{247837B6-45CF-B6DD-24CB-31EB29AFAFCA}"/>
+                  </a:ext>
+                </a:extLst>
+              </p14:cNvPr>
+              <p14:cNvContentPartPr/>
+              <p14:nvPr/>
+            </p14:nvContentPartPr>
+            <p14:xfrm>
+              <a:off x="2811296" y="1213355"/>
+              <a:ext cx="3960" cy="6120"/>
+            </p14:xfrm>
+          </p:contentPart>
+        </mc:Choice>
+        <mc:Fallback>
+          <p:pic>
+            <p:nvPicPr>
+              <p:cNvPr id="58" name="Ink 57">
+                <a:extLst>
+                  <a:ext uri="{FF2B5EF4-FFF2-40B4-BE49-F238E27FC236}">
+                    <a16:creationId xmlns:a16="http://schemas.microsoft.com/office/drawing/2014/main" id="{247837B6-45CF-B6DD-24CB-31EB29AFAFCA}"/>
+                  </a:ext>
+                </a:extLst>
+              </p:cNvPr>
+              <p:cNvPicPr/>
+              <p:nvPr/>
+            </p:nvPicPr>
+            <p:blipFill>
+              <a:blip r:embed="rId58"/>
+              <a:stretch>
+                <a:fillRect/>
+              </a:stretch>
+            </p:blipFill>
+            <p:spPr>
+              <a:xfrm>
+                <a:off x="2793296" y="1177715"/>
+                <a:ext cx="39600" cy="77760"/>
+              </a:xfrm>
+              <a:prstGeom prst="rect">
+                <a:avLst/>
+              </a:prstGeom>
+            </p:spPr>
+          </p:pic>
+        </mc:Fallback>
+      </mc:AlternateContent>
+      <mc:AlternateContent xmlns:mc="http://schemas.openxmlformats.org/markup-compatibility/2006">
+        <mc:Choice xmlns:p14="http://schemas.microsoft.com/office/powerpoint/2010/main" Requires="p14">
+          <p:contentPart p14:bwMode="auto" r:id="rId59">
+            <p14:nvContentPartPr>
+              <p14:cNvPr id="59" name="Ink 58">
+                <a:extLst>
+                  <a:ext uri="{FF2B5EF4-FFF2-40B4-BE49-F238E27FC236}">
+                    <a16:creationId xmlns:a16="http://schemas.microsoft.com/office/drawing/2014/main" id="{31638612-F8BA-0DEB-E862-E5E4E01B17D3}"/>
+                  </a:ext>
+                </a:extLst>
+              </p14:cNvPr>
+              <p14:cNvContentPartPr/>
+              <p14:nvPr/>
+            </p14:nvContentPartPr>
+            <p14:xfrm>
+              <a:off x="2664056" y="1151795"/>
+              <a:ext cx="7560" cy="360"/>
+            </p14:xfrm>
+          </p:contentPart>
+        </mc:Choice>
+        <mc:Fallback>
+          <p:pic>
+            <p:nvPicPr>
+              <p:cNvPr id="59" name="Ink 58">
+                <a:extLst>
+                  <a:ext uri="{FF2B5EF4-FFF2-40B4-BE49-F238E27FC236}">
+                    <a16:creationId xmlns:a16="http://schemas.microsoft.com/office/drawing/2014/main" id="{31638612-F8BA-0DEB-E862-E5E4E01B17D3}"/>
+                  </a:ext>
+                </a:extLst>
+              </p:cNvPr>
+              <p:cNvPicPr/>
+              <p:nvPr/>
+            </p:nvPicPr>
+            <p:blipFill>
+              <a:blip r:embed="rId60"/>
+              <a:stretch>
+                <a:fillRect/>
+              </a:stretch>
+            </p:blipFill>
+            <p:spPr>
+              <a:xfrm>
+                <a:off x="2646056" y="1116155"/>
+                <a:ext cx="43200" cy="72000"/>
+              </a:xfrm>
+              <a:prstGeom prst="rect">
+                <a:avLst/>
+              </a:prstGeom>
+            </p:spPr>
+          </p:pic>
+        </mc:Fallback>
+      </mc:AlternateContent>
+      <mc:AlternateContent xmlns:mc="http://schemas.openxmlformats.org/markup-compatibility/2006">
+        <mc:Choice xmlns:p14="http://schemas.microsoft.com/office/powerpoint/2010/main" Requires="p14">
+          <p:contentPart p14:bwMode="auto" r:id="rId61">
+            <p14:nvContentPartPr>
+              <p14:cNvPr id="60" name="Ink 59">
+                <a:extLst>
+                  <a:ext uri="{FF2B5EF4-FFF2-40B4-BE49-F238E27FC236}">
+                    <a16:creationId xmlns:a16="http://schemas.microsoft.com/office/drawing/2014/main" id="{636F4229-2185-87D9-6241-765327E94474}"/>
+                  </a:ext>
+                </a:extLst>
+              </p14:cNvPr>
+              <p14:cNvContentPartPr/>
+              <p14:nvPr/>
+            </p14:nvContentPartPr>
+            <p14:xfrm>
+              <a:off x="2532296" y="1170875"/>
+              <a:ext cx="360" cy="3960"/>
+            </p14:xfrm>
+          </p:contentPart>
+        </mc:Choice>
+        <mc:Fallback>
+          <p:pic>
+            <p:nvPicPr>
+              <p:cNvPr id="60" name="Ink 59">
+                <a:extLst>
+                  <a:ext uri="{FF2B5EF4-FFF2-40B4-BE49-F238E27FC236}">
+                    <a16:creationId xmlns:a16="http://schemas.microsoft.com/office/drawing/2014/main" id="{636F4229-2185-87D9-6241-765327E94474}"/>
+                  </a:ext>
+                </a:extLst>
+              </p:cNvPr>
+              <p:cNvPicPr/>
+              <p:nvPr/>
+            </p:nvPicPr>
+            <p:blipFill>
+              <a:blip r:embed="rId62"/>
+              <a:stretch>
+                <a:fillRect/>
+              </a:stretch>
+            </p:blipFill>
+            <p:spPr>
+              <a:xfrm>
+                <a:off x="2514296" y="1134875"/>
+                <a:ext cx="36000" cy="75600"/>
+              </a:xfrm>
+              <a:prstGeom prst="rect">
+                <a:avLst/>
+              </a:prstGeom>
+            </p:spPr>
+          </p:pic>
+        </mc:Fallback>
+      </mc:AlternateContent>
+      <mc:AlternateContent xmlns:mc="http://schemas.openxmlformats.org/markup-compatibility/2006">
+        <mc:Choice xmlns:p14="http://schemas.microsoft.com/office/powerpoint/2010/main" Requires="p14">
+          <p:contentPart p14:bwMode="auto" r:id="rId63">
+            <p14:nvContentPartPr>
+              <p14:cNvPr id="61" name="Ink 60">
+                <a:extLst>
+                  <a:ext uri="{FF2B5EF4-FFF2-40B4-BE49-F238E27FC236}">
+                    <a16:creationId xmlns:a16="http://schemas.microsoft.com/office/drawing/2014/main" id="{78116DF1-EFEB-B265-B7D3-0CCDA827C8E7}"/>
+                  </a:ext>
+                </a:extLst>
+              </p14:cNvPr>
+              <p14:cNvContentPartPr/>
+              <p14:nvPr/>
+            </p14:nvContentPartPr>
+            <p14:xfrm>
+              <a:off x="2521496" y="1148195"/>
+              <a:ext cx="10800" cy="3960"/>
+            </p14:xfrm>
+          </p:contentPart>
+        </mc:Choice>
+        <mc:Fallback>
+          <p:pic>
+            <p:nvPicPr>
+              <p:cNvPr id="61" name="Ink 60">
+                <a:extLst>
+                  <a:ext uri="{FF2B5EF4-FFF2-40B4-BE49-F238E27FC236}">
+                    <a16:creationId xmlns:a16="http://schemas.microsoft.com/office/drawing/2014/main" id="{78116DF1-EFEB-B265-B7D3-0CCDA827C8E7}"/>
+                  </a:ext>
+                </a:extLst>
+              </p:cNvPr>
+              <p:cNvPicPr/>
+              <p:nvPr/>
+            </p:nvPicPr>
+            <p:blipFill>
+              <a:blip r:embed="rId64"/>
+              <a:stretch>
+                <a:fillRect/>
+              </a:stretch>
+            </p:blipFill>
+            <p:spPr>
+              <a:xfrm>
+                <a:off x="2503856" y="1112555"/>
+                <a:ext cx="46440" cy="75600"/>
+              </a:xfrm>
+              <a:prstGeom prst="rect">
+                <a:avLst/>
+              </a:prstGeom>
+            </p:spPr>
+          </p:pic>
+        </mc:Fallback>
+      </mc:AlternateContent>
+      <mc:AlternateContent xmlns:mc="http://schemas.openxmlformats.org/markup-compatibility/2006">
+        <mc:Choice xmlns:p14="http://schemas.microsoft.com/office/powerpoint/2010/main" Requires="p14">
+          <p:contentPart p14:bwMode="auto" r:id="rId65">
+            <p14:nvContentPartPr>
+              <p14:cNvPr id="62" name="Ink 61">
+                <a:extLst>
+                  <a:ext uri="{FF2B5EF4-FFF2-40B4-BE49-F238E27FC236}">
+                    <a16:creationId xmlns:a16="http://schemas.microsoft.com/office/drawing/2014/main" id="{D61522A5-ED4A-A098-820F-66E13FF8014F}"/>
+                  </a:ext>
+                </a:extLst>
+              </p14:cNvPr>
+              <p14:cNvContentPartPr/>
+              <p14:nvPr/>
+            </p14:nvContentPartPr>
+            <p14:xfrm>
+              <a:off x="2124416" y="1178435"/>
+              <a:ext cx="224280" cy="18720"/>
+            </p14:xfrm>
+          </p:contentPart>
+        </mc:Choice>
+        <mc:Fallback>
+          <p:pic>
+            <p:nvPicPr>
+              <p:cNvPr id="62" name="Ink 61">
+                <a:extLst>
+                  <a:ext uri="{FF2B5EF4-FFF2-40B4-BE49-F238E27FC236}">
+                    <a16:creationId xmlns:a16="http://schemas.microsoft.com/office/drawing/2014/main" id="{D61522A5-ED4A-A098-820F-66E13FF8014F}"/>
+                  </a:ext>
+                </a:extLst>
+              </p:cNvPr>
+              <p:cNvPicPr/>
+              <p:nvPr/>
+            </p:nvPicPr>
+            <p:blipFill>
+              <a:blip r:embed="rId66"/>
+              <a:stretch>
+                <a:fillRect/>
+              </a:stretch>
+            </p:blipFill>
+            <p:spPr>
+              <a:xfrm>
+                <a:off x="2106416" y="1142795"/>
+                <a:ext cx="259920" cy="90360"/>
+              </a:xfrm>
+              <a:prstGeom prst="rect">
+                <a:avLst/>
+              </a:prstGeom>
+            </p:spPr>
+          </p:pic>
+        </mc:Fallback>
+      </mc:AlternateContent>
+      <mc:AlternateContent xmlns:mc="http://schemas.openxmlformats.org/markup-compatibility/2006">
+        <mc:Choice xmlns:p14="http://schemas.microsoft.com/office/powerpoint/2010/main" Requires="p14">
+          <p:contentPart p14:bwMode="auto" r:id="rId67">
+            <p14:nvContentPartPr>
+              <p14:cNvPr id="63" name="Ink 62">
+                <a:extLst>
+                  <a:ext uri="{FF2B5EF4-FFF2-40B4-BE49-F238E27FC236}">
+                    <a16:creationId xmlns:a16="http://schemas.microsoft.com/office/drawing/2014/main" id="{AB99E7B9-E371-3173-462C-AD3E965174A7}"/>
+                  </a:ext>
+                </a:extLst>
+              </p14:cNvPr>
+              <p14:cNvContentPartPr/>
+              <p14:nvPr/>
+            </p14:nvContentPartPr>
+            <p14:xfrm>
+              <a:off x="2070416" y="1165475"/>
+              <a:ext cx="360" cy="360"/>
+            </p14:xfrm>
+          </p:contentPart>
+        </mc:Choice>
+        <mc:Fallback>
+          <p:pic>
+            <p:nvPicPr>
+              <p:cNvPr id="63" name="Ink 62">
+                <a:extLst>
+                  <a:ext uri="{FF2B5EF4-FFF2-40B4-BE49-F238E27FC236}">
+                    <a16:creationId xmlns:a16="http://schemas.microsoft.com/office/drawing/2014/main" id="{AB99E7B9-E371-3173-462C-AD3E965174A7}"/>
+                  </a:ext>
+                </a:extLst>
+              </p:cNvPr>
+              <p:cNvPicPr/>
+              <p:nvPr/>
+            </p:nvPicPr>
+            <p:blipFill>
+              <a:blip r:embed="rId68"/>
+              <a:stretch>
+                <a:fillRect/>
+              </a:stretch>
+            </p:blipFill>
+            <p:spPr>
+              <a:xfrm>
+                <a:off x="2052776" y="1129475"/>
+                <a:ext cx="36000" cy="72000"/>
+              </a:xfrm>
+              <a:prstGeom prst="rect">
+                <a:avLst/>
+              </a:prstGeom>
+            </p:spPr>
+          </p:pic>
+        </mc:Fallback>
+      </mc:AlternateContent>
+      <mc:AlternateContent xmlns:mc="http://schemas.openxmlformats.org/markup-compatibility/2006">
+        <mc:Choice xmlns:p14="http://schemas.microsoft.com/office/powerpoint/2010/main" Requires="p14">
+          <p:contentPart p14:bwMode="auto" r:id="rId69">
+            <p14:nvContentPartPr>
+              <p14:cNvPr id="64" name="Ink 63">
+                <a:extLst>
+                  <a:ext uri="{FF2B5EF4-FFF2-40B4-BE49-F238E27FC236}">
+                    <a16:creationId xmlns:a16="http://schemas.microsoft.com/office/drawing/2014/main" id="{71EB7937-CFED-0C38-D334-24E14F1744B0}"/>
+                  </a:ext>
+                </a:extLst>
+              </p14:cNvPr>
+              <p14:cNvContentPartPr/>
+              <p14:nvPr/>
+            </p14:nvContentPartPr>
+            <p14:xfrm>
+              <a:off x="2039096" y="1256195"/>
+              <a:ext cx="104400" cy="239760"/>
+            </p14:xfrm>
+          </p:contentPart>
+        </mc:Choice>
+        <mc:Fallback>
+          <p:pic>
+            <p:nvPicPr>
+              <p:cNvPr id="64" name="Ink 63">
+                <a:extLst>
+                  <a:ext uri="{FF2B5EF4-FFF2-40B4-BE49-F238E27FC236}">
+                    <a16:creationId xmlns:a16="http://schemas.microsoft.com/office/drawing/2014/main" id="{71EB7937-CFED-0C38-D334-24E14F1744B0}"/>
+                  </a:ext>
+                </a:extLst>
+              </p:cNvPr>
+              <p:cNvPicPr/>
+              <p:nvPr/>
+            </p:nvPicPr>
+            <p:blipFill>
+              <a:blip r:embed="rId70"/>
+              <a:stretch>
+                <a:fillRect/>
+              </a:stretch>
+            </p:blipFill>
+            <p:spPr>
+              <a:xfrm>
+                <a:off x="2021456" y="1220555"/>
+                <a:ext cx="140040" cy="311400"/>
+              </a:xfrm>
+              <a:prstGeom prst="rect">
+                <a:avLst/>
+              </a:prstGeom>
+            </p:spPr>
+          </p:pic>
+        </mc:Fallback>
+      </mc:AlternateContent>
+      <mc:AlternateContent xmlns:mc="http://schemas.openxmlformats.org/markup-compatibility/2006">
+        <mc:Choice xmlns:p14="http://schemas.microsoft.com/office/powerpoint/2010/main" Requires="p14">
+          <p:contentPart p14:bwMode="auto" r:id="rId71">
+            <p14:nvContentPartPr>
+              <p14:cNvPr id="65" name="Ink 64">
+                <a:extLst>
+                  <a:ext uri="{FF2B5EF4-FFF2-40B4-BE49-F238E27FC236}">
+                    <a16:creationId xmlns:a16="http://schemas.microsoft.com/office/drawing/2014/main" id="{DFF3A722-5DDF-7BF7-B482-A93EE2C51268}"/>
+                  </a:ext>
+                </a:extLst>
+              </p14:cNvPr>
+              <p14:cNvContentPartPr/>
+              <p14:nvPr/>
+            </p14:nvContentPartPr>
+            <p14:xfrm>
+              <a:off x="2052776" y="1519355"/>
+              <a:ext cx="283680" cy="9720"/>
+            </p14:xfrm>
+          </p:contentPart>
+        </mc:Choice>
+        <mc:Fallback>
+          <p:pic>
+            <p:nvPicPr>
+              <p:cNvPr id="65" name="Ink 64">
+                <a:extLst>
+                  <a:ext uri="{FF2B5EF4-FFF2-40B4-BE49-F238E27FC236}">
+                    <a16:creationId xmlns:a16="http://schemas.microsoft.com/office/drawing/2014/main" id="{DFF3A722-5DDF-7BF7-B482-A93EE2C51268}"/>
+                  </a:ext>
+                </a:extLst>
+              </p:cNvPr>
+              <p:cNvPicPr/>
+              <p:nvPr/>
+            </p:nvPicPr>
+            <p:blipFill>
+              <a:blip r:embed="rId72"/>
+              <a:stretch>
+                <a:fillRect/>
+              </a:stretch>
+            </p:blipFill>
+            <p:spPr>
+              <a:xfrm>
+                <a:off x="2035136" y="1483355"/>
+                <a:ext cx="319320" cy="81360"/>
+              </a:xfrm>
+              <a:prstGeom prst="rect">
+                <a:avLst/>
+              </a:prstGeom>
+            </p:spPr>
+          </p:pic>
+        </mc:Fallback>
+      </mc:AlternateContent>
+      <mc:AlternateContent xmlns:mc="http://schemas.openxmlformats.org/markup-compatibility/2006">
+        <mc:Choice xmlns:p14="http://schemas.microsoft.com/office/powerpoint/2010/main" Requires="p14">
+          <p:contentPart p14:bwMode="auto" r:id="rId73">
+            <p14:nvContentPartPr>
+              <p14:cNvPr id="66" name="Ink 65">
+                <a:extLst>
+                  <a:ext uri="{FF2B5EF4-FFF2-40B4-BE49-F238E27FC236}">
+                    <a16:creationId xmlns:a16="http://schemas.microsoft.com/office/drawing/2014/main" id="{DA305482-143E-6938-F8F1-16B0C317D77F}"/>
+                  </a:ext>
+                </a:extLst>
+              </p14:cNvPr>
+              <p14:cNvContentPartPr/>
+              <p14:nvPr/>
+            </p14:nvContentPartPr>
+            <p14:xfrm>
+              <a:off x="1915616" y="1563995"/>
+              <a:ext cx="128520" cy="465480"/>
+            </p14:xfrm>
+          </p:contentPart>
+        </mc:Choice>
+        <mc:Fallback>
+          <p:pic>
+            <p:nvPicPr>
+              <p:cNvPr id="66" name="Ink 65">
+                <a:extLst>
+                  <a:ext uri="{FF2B5EF4-FFF2-40B4-BE49-F238E27FC236}">
+                    <a16:creationId xmlns:a16="http://schemas.microsoft.com/office/drawing/2014/main" id="{DA305482-143E-6938-F8F1-16B0C317D77F}"/>
+                  </a:ext>
+                </a:extLst>
+              </p:cNvPr>
+              <p:cNvPicPr/>
+              <p:nvPr/>
+            </p:nvPicPr>
+            <p:blipFill>
+              <a:blip r:embed="rId74"/>
+              <a:stretch>
+                <a:fillRect/>
+              </a:stretch>
+            </p:blipFill>
+            <p:spPr>
+              <a:xfrm>
+                <a:off x="1897976" y="1527995"/>
+                <a:ext cx="164160" cy="537120"/>
+              </a:xfrm>
+              <a:prstGeom prst="rect">
+                <a:avLst/>
+              </a:prstGeom>
+            </p:spPr>
+          </p:pic>
+        </mc:Fallback>
+      </mc:AlternateContent>
+      <mc:AlternateContent xmlns:mc="http://schemas.openxmlformats.org/markup-compatibility/2006">
+        <mc:Choice xmlns:p14="http://schemas.microsoft.com/office/powerpoint/2010/main" Requires="p14">
+          <p:contentPart p14:bwMode="auto" r:id="rId75">
+            <p14:nvContentPartPr>
+              <p14:cNvPr id="67" name="Ink 66">
+                <a:extLst>
+                  <a:ext uri="{FF2B5EF4-FFF2-40B4-BE49-F238E27FC236}">
+                    <a16:creationId xmlns:a16="http://schemas.microsoft.com/office/drawing/2014/main" id="{82FE8534-9ACC-189F-CB2A-222C4CEC76EB}"/>
+                  </a:ext>
+                </a:extLst>
+              </p14:cNvPr>
+              <p14:cNvContentPartPr/>
+              <p14:nvPr/>
+            </p14:nvContentPartPr>
+            <p14:xfrm>
+              <a:off x="1971776" y="2039195"/>
+              <a:ext cx="75960" cy="1041840"/>
+            </p14:xfrm>
+          </p:contentPart>
+        </mc:Choice>
+        <mc:Fallback>
+          <p:pic>
+            <p:nvPicPr>
+              <p:cNvPr id="67" name="Ink 66">
+                <a:extLst>
+                  <a:ext uri="{FF2B5EF4-FFF2-40B4-BE49-F238E27FC236}">
+                    <a16:creationId xmlns:a16="http://schemas.microsoft.com/office/drawing/2014/main" id="{82FE8534-9ACC-189F-CB2A-222C4CEC76EB}"/>
+                  </a:ext>
+                </a:extLst>
+              </p:cNvPr>
+              <p:cNvPicPr/>
+              <p:nvPr/>
+            </p:nvPicPr>
+            <p:blipFill>
+              <a:blip r:embed="rId76"/>
+              <a:stretch>
+                <a:fillRect/>
+              </a:stretch>
+            </p:blipFill>
+            <p:spPr>
+              <a:xfrm>
+                <a:off x="1954136" y="2003195"/>
+                <a:ext cx="111600" cy="1113480"/>
+              </a:xfrm>
+              <a:prstGeom prst="rect">
+                <a:avLst/>
+              </a:prstGeom>
+            </p:spPr>
+          </p:pic>
+        </mc:Fallback>
+      </mc:AlternateContent>
+      <mc:AlternateContent xmlns:mc="http://schemas.openxmlformats.org/markup-compatibility/2006">
+        <mc:Choice xmlns:p14="http://schemas.microsoft.com/office/powerpoint/2010/main" Requires="p14">
+          <p:contentPart p14:bwMode="auto" r:id="rId77">
+            <p14:nvContentPartPr>
+              <p14:cNvPr id="68" name="Ink 67">
+                <a:extLst>
+                  <a:ext uri="{FF2B5EF4-FFF2-40B4-BE49-F238E27FC236}">
+                    <a16:creationId xmlns:a16="http://schemas.microsoft.com/office/drawing/2014/main" id="{FF54E2F6-5ED0-850F-70EA-56E60418D575}"/>
+                  </a:ext>
+                </a:extLst>
+              </p14:cNvPr>
+              <p14:cNvContentPartPr/>
+              <p14:nvPr/>
+            </p14:nvContentPartPr>
+            <p14:xfrm>
+              <a:off x="1954136" y="2989595"/>
+              <a:ext cx="54360" cy="1854360"/>
+            </p14:xfrm>
+          </p:contentPart>
+        </mc:Choice>
+        <mc:Fallback>
+          <p:pic>
+            <p:nvPicPr>
+              <p:cNvPr id="68" name="Ink 67">
+                <a:extLst>
+                  <a:ext uri="{FF2B5EF4-FFF2-40B4-BE49-F238E27FC236}">
+                    <a16:creationId xmlns:a16="http://schemas.microsoft.com/office/drawing/2014/main" id="{FF54E2F6-5ED0-850F-70EA-56E60418D575}"/>
+                  </a:ext>
+                </a:extLst>
+              </p:cNvPr>
+              <p:cNvPicPr/>
+              <p:nvPr/>
+            </p:nvPicPr>
+            <p:blipFill>
+              <a:blip r:embed="rId78"/>
+              <a:stretch>
+                <a:fillRect/>
+              </a:stretch>
+            </p:blipFill>
+            <p:spPr>
+              <a:xfrm>
+                <a:off x="1936136" y="2953595"/>
+                <a:ext cx="90000" cy="1926000"/>
+              </a:xfrm>
+              <a:prstGeom prst="rect">
+                <a:avLst/>
+              </a:prstGeom>
+            </p:spPr>
+          </p:pic>
+        </mc:Fallback>
+      </mc:AlternateContent>
+      <mc:AlternateContent xmlns:mc="http://schemas.openxmlformats.org/markup-compatibility/2006">
+        <mc:Choice xmlns:p14="http://schemas.microsoft.com/office/powerpoint/2010/main" Requires="p14">
+          <p:contentPart p14:bwMode="auto" r:id="rId79">
+            <p14:nvContentPartPr>
+              <p14:cNvPr id="69" name="Ink 68">
+                <a:extLst>
+                  <a:ext uri="{FF2B5EF4-FFF2-40B4-BE49-F238E27FC236}">
+                    <a16:creationId xmlns:a16="http://schemas.microsoft.com/office/drawing/2014/main" id="{D6A5808D-B5D8-CBBC-36E7-65D6CCA5775C}"/>
+                  </a:ext>
+                </a:extLst>
+              </p14:cNvPr>
+              <p14:cNvContentPartPr/>
+              <p14:nvPr/>
+            </p14:nvContentPartPr>
+            <p14:xfrm>
+              <a:off x="1527896" y="4845035"/>
+              <a:ext cx="511560" cy="438120"/>
+            </p14:xfrm>
+          </p:contentPart>
+        </mc:Choice>
+        <mc:Fallback>
+          <p:pic>
+            <p:nvPicPr>
+              <p:cNvPr id="69" name="Ink 68">
+                <a:extLst>
+                  <a:ext uri="{FF2B5EF4-FFF2-40B4-BE49-F238E27FC236}">
+                    <a16:creationId xmlns:a16="http://schemas.microsoft.com/office/drawing/2014/main" id="{D6A5808D-B5D8-CBBC-36E7-65D6CCA5775C}"/>
+                  </a:ext>
+                </a:extLst>
+              </p:cNvPr>
+              <p:cNvPicPr/>
+              <p:nvPr/>
+            </p:nvPicPr>
+            <p:blipFill>
+              <a:blip r:embed="rId80"/>
+              <a:stretch>
+                <a:fillRect/>
+              </a:stretch>
+            </p:blipFill>
+            <p:spPr>
+              <a:xfrm>
+                <a:off x="1510256" y="4809395"/>
+                <a:ext cx="547200" cy="509760"/>
+              </a:xfrm>
+              <a:prstGeom prst="rect">
+                <a:avLst/>
+              </a:prstGeom>
+            </p:spPr>
+          </p:pic>
+        </mc:Fallback>
+      </mc:AlternateContent>
+      <mc:AlternateContent xmlns:mc="http://schemas.openxmlformats.org/markup-compatibility/2006">
+        <mc:Choice xmlns:p14="http://schemas.microsoft.com/office/powerpoint/2010/main" Requires="p14">
+          <p:contentPart p14:bwMode="auto" r:id="rId81">
+            <p14:nvContentPartPr>
+              <p14:cNvPr id="70" name="Ink 69">
+                <a:extLst>
+                  <a:ext uri="{FF2B5EF4-FFF2-40B4-BE49-F238E27FC236}">
+                    <a16:creationId xmlns:a16="http://schemas.microsoft.com/office/drawing/2014/main" id="{9DDAD66E-8836-7615-D360-696082B88794}"/>
+                  </a:ext>
+                </a:extLst>
+              </p14:cNvPr>
+              <p14:cNvContentPartPr/>
+              <p14:nvPr/>
+            </p14:nvContentPartPr>
+            <p14:xfrm>
+              <a:off x="2016776" y="5378555"/>
+              <a:ext cx="270000" cy="961560"/>
+            </p14:xfrm>
+          </p:contentPart>
+        </mc:Choice>
+        <mc:Fallback>
+          <p:pic>
+            <p:nvPicPr>
+              <p:cNvPr id="70" name="Ink 69">
+                <a:extLst>
+                  <a:ext uri="{FF2B5EF4-FFF2-40B4-BE49-F238E27FC236}">
+                    <a16:creationId xmlns:a16="http://schemas.microsoft.com/office/drawing/2014/main" id="{9DDAD66E-8836-7615-D360-696082B88794}"/>
+                  </a:ext>
+                </a:extLst>
+              </p:cNvPr>
+              <p:cNvPicPr/>
+              <p:nvPr/>
+            </p:nvPicPr>
+            <p:blipFill>
+              <a:blip r:embed="rId82"/>
+              <a:stretch>
+                <a:fillRect/>
+              </a:stretch>
+            </p:blipFill>
+            <p:spPr>
+              <a:xfrm>
+                <a:off x="1999136" y="5342915"/>
+                <a:ext cx="305640" cy="1033200"/>
+              </a:xfrm>
+              <a:prstGeom prst="rect">
+                <a:avLst/>
+              </a:prstGeom>
+            </p:spPr>
+          </p:pic>
+        </mc:Fallback>
+      </mc:AlternateContent>
+      <mc:AlternateContent xmlns:mc="http://schemas.openxmlformats.org/markup-compatibility/2006">
+        <mc:Choice xmlns:p14="http://schemas.microsoft.com/office/powerpoint/2010/main" Requires="p14">
+          <p:contentPart p14:bwMode="auto" r:id="rId83">
+            <p14:nvContentPartPr>
+              <p14:cNvPr id="71" name="Ink 70">
+                <a:extLst>
+                  <a:ext uri="{FF2B5EF4-FFF2-40B4-BE49-F238E27FC236}">
+                    <a16:creationId xmlns:a16="http://schemas.microsoft.com/office/drawing/2014/main" id="{2739E85D-EEBB-0E40-ECFB-6746278E5F86}"/>
+                  </a:ext>
+                </a:extLst>
+              </p14:cNvPr>
+              <p14:cNvContentPartPr/>
+              <p14:nvPr/>
+            </p14:nvContentPartPr>
+            <p14:xfrm>
+              <a:off x="2074016" y="6140675"/>
+              <a:ext cx="248400" cy="270000"/>
+            </p14:xfrm>
+          </p:contentPart>
+        </mc:Choice>
+        <mc:Fallback>
+          <p:pic>
+            <p:nvPicPr>
+              <p:cNvPr id="71" name="Ink 70">
+                <a:extLst>
+                  <a:ext uri="{FF2B5EF4-FFF2-40B4-BE49-F238E27FC236}">
+                    <a16:creationId xmlns:a16="http://schemas.microsoft.com/office/drawing/2014/main" id="{2739E85D-EEBB-0E40-ECFB-6746278E5F86}"/>
+                  </a:ext>
+                </a:extLst>
+              </p:cNvPr>
+              <p:cNvPicPr/>
+              <p:nvPr/>
+            </p:nvPicPr>
+            <p:blipFill>
+              <a:blip r:embed="rId84"/>
+              <a:stretch>
+                <a:fillRect/>
+              </a:stretch>
+            </p:blipFill>
+            <p:spPr>
+              <a:xfrm>
+                <a:off x="2056016" y="6104675"/>
+                <a:ext cx="284040" cy="341640"/>
+              </a:xfrm>
+              <a:prstGeom prst="rect">
+                <a:avLst/>
+              </a:prstGeom>
+            </p:spPr>
+          </p:pic>
+        </mc:Fallback>
+      </mc:AlternateContent>
+      <mc:AlternateContent xmlns:mc="http://schemas.openxmlformats.org/markup-compatibility/2006">
+        <mc:Choice xmlns:p14="http://schemas.microsoft.com/office/powerpoint/2010/main" Requires="p14">
+          <p:contentPart p14:bwMode="auto" r:id="rId85">
+            <p14:nvContentPartPr>
+              <p14:cNvPr id="72" name="Ink 71">
+                <a:extLst>
+                  <a:ext uri="{FF2B5EF4-FFF2-40B4-BE49-F238E27FC236}">
+                    <a16:creationId xmlns:a16="http://schemas.microsoft.com/office/drawing/2014/main" id="{87BAED1C-10E8-CFC0-09FB-75A782085485}"/>
+                  </a:ext>
+                </a:extLst>
+              </p14:cNvPr>
+              <p14:cNvContentPartPr/>
+              <p14:nvPr/>
+            </p14:nvContentPartPr>
+            <p14:xfrm>
+              <a:off x="2353016" y="5509235"/>
+              <a:ext cx="671760" cy="839520"/>
+            </p14:xfrm>
+          </p:contentPart>
+        </mc:Choice>
+        <mc:Fallback>
+          <p:pic>
+            <p:nvPicPr>
+              <p:cNvPr id="72" name="Ink 71">
+                <a:extLst>
+                  <a:ext uri="{FF2B5EF4-FFF2-40B4-BE49-F238E27FC236}">
+                    <a16:creationId xmlns:a16="http://schemas.microsoft.com/office/drawing/2014/main" id="{87BAED1C-10E8-CFC0-09FB-75A782085485}"/>
+                  </a:ext>
+                </a:extLst>
+              </p:cNvPr>
+              <p:cNvPicPr/>
+              <p:nvPr/>
+            </p:nvPicPr>
+            <p:blipFill>
+              <a:blip r:embed="rId86"/>
+              <a:stretch>
+                <a:fillRect/>
+              </a:stretch>
+            </p:blipFill>
+            <p:spPr>
+              <a:xfrm>
+                <a:off x="2335376" y="5473595"/>
+                <a:ext cx="707400" cy="911160"/>
+              </a:xfrm>
+              <a:prstGeom prst="rect">
+                <a:avLst/>
+              </a:prstGeom>
+            </p:spPr>
+          </p:pic>
+        </mc:Fallback>
+      </mc:AlternateContent>
+      <mc:AlternateContent xmlns:mc="http://schemas.openxmlformats.org/markup-compatibility/2006">
+        <mc:Choice xmlns:p14="http://schemas.microsoft.com/office/powerpoint/2010/main" Requires="p14">
+          <p:contentPart p14:bwMode="auto" r:id="rId87">
+            <p14:nvContentPartPr>
+              <p14:cNvPr id="73" name="Ink 72">
+                <a:extLst>
+                  <a:ext uri="{FF2B5EF4-FFF2-40B4-BE49-F238E27FC236}">
+                    <a16:creationId xmlns:a16="http://schemas.microsoft.com/office/drawing/2014/main" id="{3055F6AB-79C2-46D0-1C0F-A71AD65533C7}"/>
+                  </a:ext>
+                </a:extLst>
+              </p14:cNvPr>
+              <p14:cNvContentPartPr/>
+              <p14:nvPr/>
+            </p14:nvContentPartPr>
+            <p14:xfrm>
+              <a:off x="1881416" y="4841435"/>
+              <a:ext cx="1032480" cy="421200"/>
+            </p14:xfrm>
+          </p:contentPart>
+        </mc:Choice>
+        <mc:Fallback>
+          <p:pic>
+            <p:nvPicPr>
+              <p:cNvPr id="73" name="Ink 72">
+                <a:extLst>
+                  <a:ext uri="{FF2B5EF4-FFF2-40B4-BE49-F238E27FC236}">
+                    <a16:creationId xmlns:a16="http://schemas.microsoft.com/office/drawing/2014/main" id="{3055F6AB-79C2-46D0-1C0F-A71AD65533C7}"/>
+                  </a:ext>
+                </a:extLst>
+              </p:cNvPr>
+              <p:cNvPicPr/>
+              <p:nvPr/>
+            </p:nvPicPr>
+            <p:blipFill>
+              <a:blip r:embed="rId88"/>
+              <a:stretch>
+                <a:fillRect/>
+              </a:stretch>
+            </p:blipFill>
+            <p:spPr>
+              <a:xfrm>
+                <a:off x="1863416" y="4805795"/>
+                <a:ext cx="1068120" cy="492840"/>
+              </a:xfrm>
+              <a:prstGeom prst="rect">
+                <a:avLst/>
+              </a:prstGeom>
+            </p:spPr>
+          </p:pic>
+        </mc:Fallback>
+      </mc:AlternateContent>
+      <mc:AlternateContent xmlns:mc="http://schemas.openxmlformats.org/markup-compatibility/2006">
+        <mc:Choice xmlns:p14="http://schemas.microsoft.com/office/powerpoint/2010/main" Requires="p14">
+          <p:contentPart p14:bwMode="auto" r:id="rId89">
+            <p14:nvContentPartPr>
+              <p14:cNvPr id="74" name="Ink 73">
+                <a:extLst>
+                  <a:ext uri="{FF2B5EF4-FFF2-40B4-BE49-F238E27FC236}">
+                    <a16:creationId xmlns:a16="http://schemas.microsoft.com/office/drawing/2014/main" id="{E4448C7B-85D8-4990-BC05-235DB38B97DC}"/>
+                  </a:ext>
+                </a:extLst>
+              </p14:cNvPr>
+              <p14:cNvContentPartPr/>
+              <p14:nvPr/>
+            </p14:nvContentPartPr>
+            <p14:xfrm>
+              <a:off x="2774576" y="3491075"/>
+              <a:ext cx="338760" cy="1488960"/>
+            </p14:xfrm>
+          </p:contentPart>
+        </mc:Choice>
+        <mc:Fallback>
+          <p:pic>
+            <p:nvPicPr>
+              <p:cNvPr id="74" name="Ink 73">
+                <a:extLst>
+                  <a:ext uri="{FF2B5EF4-FFF2-40B4-BE49-F238E27FC236}">
+                    <a16:creationId xmlns:a16="http://schemas.microsoft.com/office/drawing/2014/main" id="{E4448C7B-85D8-4990-BC05-235DB38B97DC}"/>
+                  </a:ext>
+                </a:extLst>
+              </p:cNvPr>
+              <p:cNvPicPr/>
+              <p:nvPr/>
+            </p:nvPicPr>
+            <p:blipFill>
+              <a:blip r:embed="rId90"/>
+              <a:stretch>
+                <a:fillRect/>
+              </a:stretch>
+            </p:blipFill>
+            <p:spPr>
+              <a:xfrm>
+                <a:off x="2756576" y="3455435"/>
+                <a:ext cx="374400" cy="1560600"/>
+              </a:xfrm>
+              <a:prstGeom prst="rect">
+                <a:avLst/>
+              </a:prstGeom>
+            </p:spPr>
+          </p:pic>
+        </mc:Fallback>
+      </mc:AlternateContent>
+      <mc:AlternateContent xmlns:mc="http://schemas.openxmlformats.org/markup-compatibility/2006">
+        <mc:Choice xmlns:p14="http://schemas.microsoft.com/office/powerpoint/2010/main" Requires="p14">
+          <p:contentPart p14:bwMode="auto" r:id="rId91">
+            <p14:nvContentPartPr>
+              <p14:cNvPr id="75" name="Ink 74">
+                <a:extLst>
+                  <a:ext uri="{FF2B5EF4-FFF2-40B4-BE49-F238E27FC236}">
+                    <a16:creationId xmlns:a16="http://schemas.microsoft.com/office/drawing/2014/main" id="{EA3EFF94-4E78-75BA-FF90-330679B51698}"/>
+                  </a:ext>
+                </a:extLst>
+              </p14:cNvPr>
+              <p14:cNvContentPartPr/>
+              <p14:nvPr/>
+            </p14:nvContentPartPr>
+            <p14:xfrm>
+              <a:off x="2922176" y="3478475"/>
+              <a:ext cx="360" cy="360"/>
+            </p14:xfrm>
+          </p:contentPart>
+        </mc:Choice>
+        <mc:Fallback>
+          <p:pic>
+            <p:nvPicPr>
+              <p:cNvPr id="75" name="Ink 74">
+                <a:extLst>
+                  <a:ext uri="{FF2B5EF4-FFF2-40B4-BE49-F238E27FC236}">
+                    <a16:creationId xmlns:a16="http://schemas.microsoft.com/office/drawing/2014/main" id="{EA3EFF94-4E78-75BA-FF90-330679B51698}"/>
+                  </a:ext>
+                </a:extLst>
+              </p:cNvPr>
+              <p:cNvPicPr/>
+              <p:nvPr/>
+            </p:nvPicPr>
+            <p:blipFill>
+              <a:blip r:embed="rId68"/>
+              <a:stretch>
+                <a:fillRect/>
+              </a:stretch>
+            </p:blipFill>
+            <p:spPr>
+              <a:xfrm>
+                <a:off x="2904536" y="3442475"/>
+                <a:ext cx="36000" cy="72000"/>
+              </a:xfrm>
+              <a:prstGeom prst="rect">
+                <a:avLst/>
+              </a:prstGeom>
+            </p:spPr>
+          </p:pic>
+        </mc:Fallback>
+      </mc:AlternateContent>
+      <mc:AlternateContent xmlns:mc="http://schemas.openxmlformats.org/markup-compatibility/2006">
+        <mc:Choice xmlns:p14="http://schemas.microsoft.com/office/powerpoint/2010/main" Requires="p14">
+          <p:contentPart p14:bwMode="auto" r:id="rId92">
+            <p14:nvContentPartPr>
+              <p14:cNvPr id="76" name="Ink 75">
+                <a:extLst>
+                  <a:ext uri="{FF2B5EF4-FFF2-40B4-BE49-F238E27FC236}">
+                    <a16:creationId xmlns:a16="http://schemas.microsoft.com/office/drawing/2014/main" id="{BA2E7237-1EA4-8137-83D2-F02166B199FB}"/>
+                  </a:ext>
+                </a:extLst>
+              </p14:cNvPr>
+              <p14:cNvContentPartPr/>
+              <p14:nvPr/>
+            </p14:nvContentPartPr>
+            <p14:xfrm>
+              <a:off x="2956736" y="2895275"/>
+              <a:ext cx="263880" cy="592200"/>
+            </p14:xfrm>
+          </p:contentPart>
+        </mc:Choice>
+        <mc:Fallback>
+          <p:pic>
+            <p:nvPicPr>
+              <p:cNvPr id="76" name="Ink 75">
+                <a:extLst>
+                  <a:ext uri="{FF2B5EF4-FFF2-40B4-BE49-F238E27FC236}">
+                    <a16:creationId xmlns:a16="http://schemas.microsoft.com/office/drawing/2014/main" id="{BA2E7237-1EA4-8137-83D2-F02166B199FB}"/>
+                  </a:ext>
+                </a:extLst>
+              </p:cNvPr>
+              <p:cNvPicPr/>
+              <p:nvPr/>
+            </p:nvPicPr>
+            <p:blipFill>
+              <a:blip r:embed="rId93"/>
+              <a:stretch>
+                <a:fillRect/>
+              </a:stretch>
+            </p:blipFill>
+            <p:spPr>
+              <a:xfrm>
+                <a:off x="2939096" y="2859635"/>
+                <a:ext cx="299520" cy="663840"/>
+              </a:xfrm>
+              <a:prstGeom prst="rect">
+                <a:avLst/>
+              </a:prstGeom>
+            </p:spPr>
+          </p:pic>
+        </mc:Fallback>
+      </mc:AlternateContent>
+      <mc:AlternateContent xmlns:mc="http://schemas.openxmlformats.org/markup-compatibility/2006">
+        <mc:Choice xmlns:p14="http://schemas.microsoft.com/office/powerpoint/2010/main" Requires="p14">
+          <p:contentPart p14:bwMode="auto" r:id="rId94">
+            <p14:nvContentPartPr>
+              <p14:cNvPr id="77" name="Ink 76">
+                <a:extLst>
+                  <a:ext uri="{FF2B5EF4-FFF2-40B4-BE49-F238E27FC236}">
+                    <a16:creationId xmlns:a16="http://schemas.microsoft.com/office/drawing/2014/main" id="{A77E6093-9F46-CF38-453E-05897FD24FB4}"/>
+                  </a:ext>
+                </a:extLst>
+              </p14:cNvPr>
+              <p14:cNvContentPartPr/>
+              <p14:nvPr/>
+            </p14:nvContentPartPr>
+            <p14:xfrm>
+              <a:off x="2763056" y="872795"/>
+              <a:ext cx="98280" cy="2009520"/>
+            </p14:xfrm>
+          </p:contentPart>
+        </mc:Choice>
+        <mc:Fallback>
+          <p:pic>
+            <p:nvPicPr>
+              <p:cNvPr id="77" name="Ink 76">
+                <a:extLst>
+                  <a:ext uri="{FF2B5EF4-FFF2-40B4-BE49-F238E27FC236}">
+                    <a16:creationId xmlns:a16="http://schemas.microsoft.com/office/drawing/2014/main" id="{A77E6093-9F46-CF38-453E-05897FD24FB4}"/>
+                  </a:ext>
+                </a:extLst>
+              </p:cNvPr>
+              <p:cNvPicPr/>
+              <p:nvPr/>
+            </p:nvPicPr>
+            <p:blipFill>
+              <a:blip r:embed="rId95"/>
+              <a:stretch>
+                <a:fillRect/>
+              </a:stretch>
+            </p:blipFill>
+            <p:spPr>
+              <a:xfrm>
+                <a:off x="2745416" y="837155"/>
+                <a:ext cx="133920" cy="2081160"/>
+              </a:xfrm>
+              <a:prstGeom prst="rect">
+                <a:avLst/>
+              </a:prstGeom>
+            </p:spPr>
+          </p:pic>
+        </mc:Fallback>
+      </mc:AlternateContent>
+      <mc:AlternateContent xmlns:mc="http://schemas.openxmlformats.org/markup-compatibility/2006">
+        <mc:Choice xmlns:p14="http://schemas.microsoft.com/office/powerpoint/2010/main" Requires="p14">
+          <p:contentPart p14:bwMode="auto" r:id="rId96">
+            <p14:nvContentPartPr>
+              <p14:cNvPr id="78" name="Ink 77">
+                <a:extLst>
+                  <a:ext uri="{FF2B5EF4-FFF2-40B4-BE49-F238E27FC236}">
+                    <a16:creationId xmlns:a16="http://schemas.microsoft.com/office/drawing/2014/main" id="{A5E3D02C-C177-C0A1-F737-FA84AB456064}"/>
+                  </a:ext>
+                </a:extLst>
+              </p14:cNvPr>
+              <p14:cNvContentPartPr/>
+              <p14:nvPr/>
+            </p14:nvContentPartPr>
+            <p14:xfrm>
+              <a:off x="2209376" y="1143155"/>
+              <a:ext cx="1327680" cy="34200"/>
+            </p14:xfrm>
+          </p:contentPart>
+        </mc:Choice>
+        <mc:Fallback>
+          <p:pic>
+            <p:nvPicPr>
+              <p:cNvPr id="78" name="Ink 77">
+                <a:extLst>
+                  <a:ext uri="{FF2B5EF4-FFF2-40B4-BE49-F238E27FC236}">
+                    <a16:creationId xmlns:a16="http://schemas.microsoft.com/office/drawing/2014/main" id="{A5E3D02C-C177-C0A1-F737-FA84AB456064}"/>
+                  </a:ext>
+                </a:extLst>
+              </p:cNvPr>
+              <p:cNvPicPr/>
+              <p:nvPr/>
+            </p:nvPicPr>
+            <p:blipFill>
+              <a:blip r:embed="rId97"/>
+              <a:stretch>
+                <a:fillRect/>
+              </a:stretch>
+            </p:blipFill>
+            <p:spPr>
+              <a:xfrm>
+                <a:off x="2191736" y="1107155"/>
+                <a:ext cx="1363320" cy="105840"/>
+              </a:xfrm>
+              <a:prstGeom prst="rect">
+                <a:avLst/>
+              </a:prstGeom>
+            </p:spPr>
+          </p:pic>
+        </mc:Fallback>
+      </mc:AlternateContent>
+      <mc:AlternateContent xmlns:mc="http://schemas.openxmlformats.org/markup-compatibility/2006">
+        <mc:Choice xmlns:p14="http://schemas.microsoft.com/office/powerpoint/2010/main" Requires="p14">
+          <p:contentPart p14:bwMode="auto" r:id="rId98">
+            <p14:nvContentPartPr>
+              <p14:cNvPr id="79" name="Ink 78">
+                <a:extLst>
+                  <a:ext uri="{FF2B5EF4-FFF2-40B4-BE49-F238E27FC236}">
+                    <a16:creationId xmlns:a16="http://schemas.microsoft.com/office/drawing/2014/main" id="{DA247375-ACE4-5157-BD8D-6F85A28FE8B0}"/>
+                  </a:ext>
+                </a:extLst>
+              </p14:cNvPr>
+              <p14:cNvContentPartPr/>
+              <p14:nvPr/>
+            </p14:nvContentPartPr>
+            <p14:xfrm>
+              <a:off x="2458496" y="2209115"/>
+              <a:ext cx="208800" cy="10080"/>
+            </p14:xfrm>
+          </p:contentPart>
+        </mc:Choice>
+        <mc:Fallback>
+          <p:pic>
+            <p:nvPicPr>
+              <p:cNvPr id="79" name="Ink 78">
+                <a:extLst>
+                  <a:ext uri="{FF2B5EF4-FFF2-40B4-BE49-F238E27FC236}">
+                    <a16:creationId xmlns:a16="http://schemas.microsoft.com/office/drawing/2014/main" id="{DA247375-ACE4-5157-BD8D-6F85A28FE8B0}"/>
+                  </a:ext>
+                </a:extLst>
+              </p:cNvPr>
+              <p:cNvPicPr/>
+              <p:nvPr/>
+            </p:nvPicPr>
+            <p:blipFill>
+              <a:blip r:embed="rId99"/>
+              <a:stretch>
+                <a:fillRect/>
+              </a:stretch>
+            </p:blipFill>
+            <p:spPr>
+              <a:xfrm>
+                <a:off x="2440496" y="2173475"/>
+                <a:ext cx="244440" cy="81720"/>
+              </a:xfrm>
+              <a:prstGeom prst="rect">
+                <a:avLst/>
+              </a:prstGeom>
+            </p:spPr>
+          </p:pic>
+        </mc:Fallback>
+      </mc:AlternateContent>
+    </p:spTree>
+    <p:extLst>
+      <p:ext uri="{BB962C8B-B14F-4D97-AF65-F5344CB8AC3E}">
+        <p14:creationId xmlns:p14="http://schemas.microsoft.com/office/powerpoint/2010/main" val="1998267867"/>
+      </p:ext>
+    </p:extLst>
+  </p:cSld>
+  <p:clrMapOvr>
+    <a:masterClrMapping/>
+  </p:clrMapOvr>
+</p:sld>
+</file>
+
+<file path=ppt/slides/slide6.xml><?xml version="1.0" encoding="utf-8"?>
 <p:sld xmlns:a="http://schemas.openxmlformats.org/drawingml/2006/main" xmlns:r="http://schemas.openxmlformats.org/officeDocument/2006/relationships" xmlns:p="http://schemas.openxmlformats.org/presentationml/2006/main">
   <p:cSld>
     <p:spTree>
@@ -25492,98 +30217,190 @@
           <a:lstStyle/>
           <a:p>
             <a:r>
-              <a:rPr lang="en-US" dirty="0"/>
+              <a:rPr lang="en-US" dirty="0">
+                <a:solidFill>
+                  <a:schemeClr val="tx1"/>
+                </a:solidFill>
+              </a:rPr>
               <a:t>Select * from Stores </a:t>
             </a:r>
           </a:p>
           <a:p>
             <a:r>
-              <a:rPr lang="en-US" dirty="0"/>
+              <a:rPr lang="en-US" dirty="0">
+                <a:solidFill>
+                  <a:schemeClr val="tx1"/>
+                </a:solidFill>
+              </a:rPr>
               <a:t>Left join inventory on </a:t>
             </a:r>
             <a:r>
-              <a:rPr lang="en-US" dirty="0" err="1"/>
+              <a:rPr lang="en-US" dirty="0" err="1">
+                <a:solidFill>
+                  <a:schemeClr val="tx1"/>
+                </a:solidFill>
+              </a:rPr>
               <a:t>stores.storeId</a:t>
             </a:r>
             <a:r>
-              <a:rPr lang="en-US" dirty="0"/>
+              <a:rPr lang="en-US" dirty="0">
+                <a:solidFill>
+                  <a:schemeClr val="tx1"/>
+                </a:solidFill>
+              </a:rPr>
               <a:t> = </a:t>
             </a:r>
             <a:r>
-              <a:rPr lang="en-US" dirty="0" err="1"/>
+              <a:rPr lang="en-US" dirty="0" err="1">
+                <a:solidFill>
+                  <a:schemeClr val="tx1"/>
+                </a:solidFill>
+              </a:rPr>
               <a:t>inventory.storeId</a:t>
             </a:r>
-            <a:endParaRPr lang="en-US" dirty="0"/>
+            <a:endParaRPr lang="en-US" dirty="0">
+              <a:solidFill>
+                <a:schemeClr val="tx1"/>
+              </a:solidFill>
+            </a:endParaRPr>
           </a:p>
           <a:p>
             <a:r>
-              <a:rPr lang="en-US" dirty="0"/>
+              <a:rPr lang="en-US" dirty="0">
+                <a:solidFill>
+                  <a:schemeClr val="tx1"/>
+                </a:solidFill>
+              </a:rPr>
               <a:t>Left join products on </a:t>
             </a:r>
             <a:r>
-              <a:rPr lang="en-US" dirty="0" err="1"/>
+              <a:rPr lang="en-US" dirty="0" err="1">
+                <a:solidFill>
+                  <a:schemeClr val="tx1"/>
+                </a:solidFill>
+              </a:rPr>
               <a:t>inventory.productid</a:t>
             </a:r>
             <a:r>
-              <a:rPr lang="en-US" dirty="0"/>
+              <a:rPr lang="en-US" dirty="0">
+                <a:solidFill>
+                  <a:schemeClr val="tx1"/>
+                </a:solidFill>
+              </a:rPr>
               <a:t> = </a:t>
             </a:r>
             <a:r>
-              <a:rPr lang="en-US" dirty="0" err="1"/>
+              <a:rPr lang="en-US" dirty="0" err="1">
+                <a:solidFill>
+                  <a:schemeClr val="tx1"/>
+                </a:solidFill>
+              </a:rPr>
               <a:t>Products.productid</a:t>
             </a:r>
-            <a:endParaRPr lang="en-US" dirty="0"/>
+            <a:endParaRPr lang="en-US" dirty="0">
+              <a:solidFill>
+                <a:schemeClr val="tx1"/>
+              </a:solidFill>
+            </a:endParaRPr>
           </a:p>
           <a:p>
             <a:r>
-              <a:rPr lang="en-US" dirty="0"/>
+              <a:rPr lang="en-US" dirty="0">
+                <a:solidFill>
+                  <a:schemeClr val="tx1"/>
+                </a:solidFill>
+              </a:rPr>
               <a:t>EX……</a:t>
             </a:r>
           </a:p>
           <a:p>
             <a:r>
-              <a:rPr lang="en-US" dirty="0"/>
+              <a:rPr lang="en-US" dirty="0">
+                <a:solidFill>
+                  <a:schemeClr val="tx1"/>
+                </a:solidFill>
+              </a:rPr>
               <a:t>select * from _Members </a:t>
             </a:r>
           </a:p>
           <a:p>
             <a:r>
-              <a:rPr lang="en-US" dirty="0"/>
+              <a:rPr lang="en-US" dirty="0">
+                <a:solidFill>
+                  <a:schemeClr val="tx1"/>
+                </a:solidFill>
+              </a:rPr>
               <a:t>Left join _Families on Family = </a:t>
             </a:r>
             <a:r>
-              <a:rPr lang="en-US" dirty="0" err="1"/>
+              <a:rPr lang="en-US" dirty="0" err="1">
+                <a:solidFill>
+                  <a:schemeClr val="tx1"/>
+                </a:solidFill>
+              </a:rPr>
               <a:t>FamilyId</a:t>
             </a:r>
-            <a:endParaRPr lang="en-US" dirty="0"/>
+            <a:endParaRPr lang="en-US" dirty="0">
+              <a:solidFill>
+                <a:schemeClr val="tx1"/>
+              </a:solidFill>
+            </a:endParaRPr>
           </a:p>
           <a:p>
             <a:r>
-              <a:rPr lang="en-US" dirty="0"/>
+              <a:rPr lang="en-US" dirty="0">
+                <a:solidFill>
+                  <a:schemeClr val="tx1"/>
+                </a:solidFill>
+              </a:rPr>
               <a:t>Left join _Origins on Origin = </a:t>
             </a:r>
             <a:r>
-              <a:rPr lang="en-US" dirty="0" err="1"/>
+              <a:rPr lang="en-US" dirty="0" err="1">
+                <a:solidFill>
+                  <a:schemeClr val="tx1"/>
+                </a:solidFill>
+              </a:rPr>
               <a:t>OriginId</a:t>
             </a:r>
-            <a:endParaRPr lang="en-US" dirty="0"/>
+            <a:endParaRPr lang="en-US" dirty="0">
+              <a:solidFill>
+                <a:schemeClr val="tx1"/>
+              </a:solidFill>
+            </a:endParaRPr>
           </a:p>
           <a:p>
             <a:r>
-              <a:rPr lang="en-US" dirty="0"/>
+              <a:rPr lang="en-US" dirty="0">
+                <a:solidFill>
+                  <a:schemeClr val="tx1"/>
+                </a:solidFill>
+              </a:rPr>
               <a:t>where </a:t>
             </a:r>
             <a:r>
-              <a:rPr lang="en-US" dirty="0" err="1"/>
+              <a:rPr lang="en-US" dirty="0" err="1">
+                <a:solidFill>
+                  <a:schemeClr val="tx1"/>
+                </a:solidFill>
+              </a:rPr>
               <a:t>FamilyId</a:t>
             </a:r>
             <a:r>
-              <a:rPr lang="en-US" dirty="0"/>
+              <a:rPr lang="en-US" dirty="0">
+                <a:solidFill>
+                  <a:schemeClr val="tx1"/>
+                </a:solidFill>
+              </a:rPr>
               <a:t> = 13;</a:t>
             </a:r>
           </a:p>
           <a:p>
-            <a:endParaRPr lang="en-US" dirty="0"/>
+            <a:endParaRPr lang="en-US" dirty="0">
+              <a:solidFill>
+                <a:schemeClr val="tx1"/>
+              </a:solidFill>
+            </a:endParaRPr>
           </a:p>
         </p:txBody>
       </p:sp>
@@ -25893,14 +30710,6 @@
 </file>
 
 <file path=customXml/item2.xml><?xml version="1.0" encoding="utf-8"?>
-<p:properties xmlns:p="http://schemas.microsoft.com/office/2006/metadata/properties" xmlns:xsi="http://www.w3.org/2001/XMLSchema-instance" xmlns:pc="http://schemas.microsoft.com/office/infopath/2007/PartnerControls">
-  <documentManagement>
-    <MediaServiceKeyPoints xmlns="66d9aa3d-651e-4839-b59d-0bd8c52fea92" xsi:nil="true"/>
-  </documentManagement>
-</p:properties>
-</file>
-
-<file path=customXml/item3.xml><?xml version="1.0" encoding="utf-8"?>
 <ct:contentTypeSchema xmlns:ct="http://schemas.microsoft.com/office/2006/metadata/contentType" xmlns:ma="http://schemas.microsoft.com/office/2006/metadata/properties/metaAttributes" ct:_="" ma:_="" ma:contentTypeName="Document" ma:contentTypeID="0x010100EA557F529ABFDE4EA1CDC2C60EEB6F4C" ma:contentTypeVersion="9" ma:contentTypeDescription="Create a new document." ma:contentTypeScope="" ma:versionID="a7757103144eaf59de324f99a1ec3334">
   <xsd:schema xmlns:xsd="http://www.w3.org/2001/XMLSchema" xmlns:xs="http://www.w3.org/2001/XMLSchema" xmlns:p="http://schemas.microsoft.com/office/2006/metadata/properties" xmlns:ns3="66d9aa3d-651e-4839-b59d-0bd8c52fea92" targetNamespace="http://schemas.microsoft.com/office/2006/metadata/properties" ma:root="true" ma:fieldsID="4ecaee11dd1648178d67aa8d9035e154" ns3:_="">
     <xsd:import namespace="66d9aa3d-651e-4839-b59d-0bd8c52fea92"/>
@@ -26078,6 +30887,14 @@
 </ct:contentTypeSchema>
 </file>
 
+<file path=customXml/item3.xml><?xml version="1.0" encoding="utf-8"?>
+<p:properties xmlns:p="http://schemas.microsoft.com/office/2006/metadata/properties" xmlns:xsi="http://www.w3.org/2001/XMLSchema-instance" xmlns:pc="http://schemas.microsoft.com/office/infopath/2007/PartnerControls">
+  <documentManagement>
+    <MediaServiceKeyPoints xmlns="66d9aa3d-651e-4839-b59d-0bd8c52fea92" xsi:nil="true"/>
+  </documentManagement>
+</p:properties>
+</file>
+
 <file path=customXml/itemProps1.xml><?xml version="1.0" encoding="utf-8"?>
 <ds:datastoreItem xmlns:ds="http://schemas.openxmlformats.org/officeDocument/2006/customXml" ds:itemID="{147854D2-C2B1-4273-BEE8-C059778BC500}">
   <ds:schemaRefs>
@@ -26087,22 +30904,6 @@
 </file>
 
 <file path=customXml/itemProps2.xml><?xml version="1.0" encoding="utf-8"?>
-<ds:datastoreItem xmlns:ds="http://schemas.openxmlformats.org/officeDocument/2006/customXml" ds:itemID="{00646C36-D994-4DBD-9A53-9B2DFD8D7208}">
-  <ds:schemaRefs>
-    <ds:schemaRef ds:uri="http://purl.org/dc/elements/1.1/"/>
-    <ds:schemaRef ds:uri="http://schemas.openxmlformats.org/package/2006/metadata/core-properties"/>
-    <ds:schemaRef ds:uri="http://purl.org/dc/terms/"/>
-    <ds:schemaRef ds:uri="http://purl.org/dc/dcmitype/"/>
-    <ds:schemaRef ds:uri="http://www.w3.org/XML/1998/namespace"/>
-    <ds:schemaRef ds:uri="66d9aa3d-651e-4839-b59d-0bd8c52fea92"/>
-    <ds:schemaRef ds:uri="http://schemas.microsoft.com/office/2006/documentManagement/types"/>
-    <ds:schemaRef ds:uri="http://schemas.microsoft.com/office/infopath/2007/PartnerControls"/>
-    <ds:schemaRef ds:uri="http://schemas.microsoft.com/office/2006/metadata/properties"/>
-  </ds:schemaRefs>
-</ds:datastoreItem>
-</file>
-
-<file path=customXml/itemProps3.xml><?xml version="1.0" encoding="utf-8"?>
 <ds:datastoreItem xmlns:ds="http://schemas.openxmlformats.org/officeDocument/2006/customXml" ds:itemID="{2E05DDBE-0C62-4D5C-8EA4-E6183336A329}">
   <ds:schemaRefs>
     <ds:schemaRef ds:uri="http://schemas.microsoft.com/office/2006/metadata/contentType"/>
@@ -26118,4 +30919,20 @@
     <ds:schemaRef ds:uri="http://schemas.microsoft.com/internal/obd"/>
   </ds:schemaRefs>
 </ds:datastoreItem>
+</file>
+
+<file path=customXml/itemProps3.xml><?xml version="1.0" encoding="utf-8"?>
+<ds:datastoreItem xmlns:ds="http://schemas.openxmlformats.org/officeDocument/2006/customXml" ds:itemID="{00646C36-D994-4DBD-9A53-9B2DFD8D7208}">
+  <ds:schemaRefs>
+    <ds:schemaRef ds:uri="http://purl.org/dc/elements/1.1/"/>
+    <ds:schemaRef ds:uri="http://schemas.openxmlformats.org/package/2006/metadata/core-properties"/>
+    <ds:schemaRef ds:uri="http://purl.org/dc/terms/"/>
+    <ds:schemaRef ds:uri="http://purl.org/dc/dcmitype/"/>
+    <ds:schemaRef ds:uri="http://www.w3.org/XML/1998/namespace"/>
+    <ds:schemaRef ds:uri="66d9aa3d-651e-4839-b59d-0bd8c52fea92"/>
+    <ds:schemaRef ds:uri="http://schemas.microsoft.com/office/2006/documentManagement/types"/>
+    <ds:schemaRef ds:uri="http://schemas.microsoft.com/office/infopath/2007/PartnerControls"/>
+    <ds:schemaRef ds:uri="http://schemas.microsoft.com/office/2006/metadata/properties"/>
+  </ds:schemaRefs>
+</ds:datastoreItem>
 </file>